--- a/_SLIDES/anatomie van een klasse - zie scherp scherp infographic - kopie.pptx
+++ b/_SLIDES/anatomie van een klasse - zie scherp scherp infographic - kopie.pptx
@@ -249,7 +249,7 @@
           <a:p>
             <a:fld id="{BE1BE294-3663-49C1-B26B-0E84C04C20CD}" type="datetimeFigureOut">
               <a:rPr lang="nl-BE" smtClean="0"/>
-              <a:t>27/11/2023</a:t>
+              <a:t>29/11/2023</a:t>
             </a:fld>
             <a:endParaRPr lang="nl-BE" dirty="0"/>
           </a:p>
@@ -419,7 +419,7 @@
           <a:p>
             <a:fld id="{BE1BE294-3663-49C1-B26B-0E84C04C20CD}" type="datetimeFigureOut">
               <a:rPr lang="nl-BE" smtClean="0"/>
-              <a:t>27/11/2023</a:t>
+              <a:t>29/11/2023</a:t>
             </a:fld>
             <a:endParaRPr lang="nl-BE" dirty="0"/>
           </a:p>
@@ -599,7 +599,7 @@
           <a:p>
             <a:fld id="{BE1BE294-3663-49C1-B26B-0E84C04C20CD}" type="datetimeFigureOut">
               <a:rPr lang="nl-BE" smtClean="0"/>
-              <a:t>27/11/2023</a:t>
+              <a:t>29/11/2023</a:t>
             </a:fld>
             <a:endParaRPr lang="nl-BE" dirty="0"/>
           </a:p>
@@ -769,7 +769,7 @@
           <a:p>
             <a:fld id="{BE1BE294-3663-49C1-B26B-0E84C04C20CD}" type="datetimeFigureOut">
               <a:rPr lang="nl-BE" smtClean="0"/>
-              <a:t>27/11/2023</a:t>
+              <a:t>29/11/2023</a:t>
             </a:fld>
             <a:endParaRPr lang="nl-BE" dirty="0"/>
           </a:p>
@@ -1013,7 +1013,7 @@
           <a:p>
             <a:fld id="{BE1BE294-3663-49C1-B26B-0E84C04C20CD}" type="datetimeFigureOut">
               <a:rPr lang="nl-BE" smtClean="0"/>
-              <a:t>27/11/2023</a:t>
+              <a:t>29/11/2023</a:t>
             </a:fld>
             <a:endParaRPr lang="nl-BE" dirty="0"/>
           </a:p>
@@ -1245,7 +1245,7 @@
           <a:p>
             <a:fld id="{BE1BE294-3663-49C1-B26B-0E84C04C20CD}" type="datetimeFigureOut">
               <a:rPr lang="nl-BE" smtClean="0"/>
-              <a:t>27/11/2023</a:t>
+              <a:t>29/11/2023</a:t>
             </a:fld>
             <a:endParaRPr lang="nl-BE" dirty="0"/>
           </a:p>
@@ -1612,7 +1612,7 @@
           <a:p>
             <a:fld id="{BE1BE294-3663-49C1-B26B-0E84C04C20CD}" type="datetimeFigureOut">
               <a:rPr lang="nl-BE" smtClean="0"/>
-              <a:t>27/11/2023</a:t>
+              <a:t>29/11/2023</a:t>
             </a:fld>
             <a:endParaRPr lang="nl-BE" dirty="0"/>
           </a:p>
@@ -1730,7 +1730,7 @@
           <a:p>
             <a:fld id="{BE1BE294-3663-49C1-B26B-0E84C04C20CD}" type="datetimeFigureOut">
               <a:rPr lang="nl-BE" smtClean="0"/>
-              <a:t>27/11/2023</a:t>
+              <a:t>29/11/2023</a:t>
             </a:fld>
             <a:endParaRPr lang="nl-BE" dirty="0"/>
           </a:p>
@@ -1825,7 +1825,7 @@
           <a:p>
             <a:fld id="{BE1BE294-3663-49C1-B26B-0E84C04C20CD}" type="datetimeFigureOut">
               <a:rPr lang="nl-BE" smtClean="0"/>
-              <a:t>27/11/2023</a:t>
+              <a:t>29/11/2023</a:t>
             </a:fld>
             <a:endParaRPr lang="nl-BE" dirty="0"/>
           </a:p>
@@ -2102,7 +2102,7 @@
           <a:p>
             <a:fld id="{BE1BE294-3663-49C1-B26B-0E84C04C20CD}" type="datetimeFigureOut">
               <a:rPr lang="nl-BE" smtClean="0"/>
-              <a:t>27/11/2023</a:t>
+              <a:t>29/11/2023</a:t>
             </a:fld>
             <a:endParaRPr lang="nl-BE" dirty="0"/>
           </a:p>
@@ -2359,7 +2359,7 @@
           <a:p>
             <a:fld id="{BE1BE294-3663-49C1-B26B-0E84C04C20CD}" type="datetimeFigureOut">
               <a:rPr lang="nl-BE" smtClean="0"/>
-              <a:t>27/11/2023</a:t>
+              <a:t>29/11/2023</a:t>
             </a:fld>
             <a:endParaRPr lang="nl-BE" dirty="0"/>
           </a:p>
@@ -2572,7 +2572,7 @@
           <a:p>
             <a:fld id="{BE1BE294-3663-49C1-B26B-0E84C04C20CD}" type="datetimeFigureOut">
               <a:rPr lang="nl-BE" smtClean="0"/>
-              <a:t>27/11/2023</a:t>
+              <a:t>29/11/2023</a:t>
             </a:fld>
             <a:endParaRPr lang="nl-BE" dirty="0"/>
           </a:p>
@@ -15612,8 +15612,8 @@
         </p:nvCxnSpPr>
         <p:spPr>
           <a:xfrm flipV="1">
-            <a:off x="447652" y="4841756"/>
-            <a:ext cx="773094" cy="738172"/>
+            <a:off x="447652" y="4814888"/>
+            <a:ext cx="823936" cy="765040"/>
           </a:xfrm>
           <a:prstGeom prst="straightConnector1">
             <a:avLst/>
@@ -19430,6 +19430,10 @@
           <a:lstStyle/>
           <a:p>
             <a:pPr algn="ctr"/>
+            <a:r>
+              <a:rPr lang="nl-NL" dirty="0"/>
+              <a:t>DC</a:t>
+            </a:r>
             <a:endParaRPr lang="nl-BE" dirty="0"/>
           </a:p>
         </p:txBody>
@@ -21211,7 +21215,7 @@
         </p:nvSpPr>
         <p:spPr>
           <a:xfrm>
-            <a:off x="3095302" y="2817251"/>
+            <a:off x="3095302" y="2817640"/>
             <a:ext cx="3865950" cy="461665"/>
           </a:xfrm>
           <a:prstGeom prst="rect">
@@ -21227,7 +21231,15 @@
           <a:p>
             <a:r>
               <a:rPr lang="en-US" sz="1200" b="1" dirty="0"/>
-              <a:t>1.Objecten kunnen zich voordoen als hun parent-type.</a:t>
+              <a:t>1. </a:t>
+            </a:r>
+            <a:r>
+              <a:rPr lang="en-US" sz="1200" b="1" dirty="0" err="1"/>
+              <a:t>Objecten</a:t>
+            </a:r>
+            <a:r>
+              <a:rPr lang="en-US" sz="1200" b="1" dirty="0"/>
+              <a:t> kunnen zich voordoen als hun parent-type.</a:t>
             </a:r>
           </a:p>
           <a:p>
@@ -22685,8 +22697,8 @@
         </p:nvSpPr>
         <p:spPr>
           <a:xfrm>
-            <a:off x="1912610" y="7841351"/>
-            <a:ext cx="3951879" cy="400110"/>
+            <a:off x="1912611" y="7841351"/>
+            <a:ext cx="1941886" cy="400110"/>
           </a:xfrm>
           <a:prstGeom prst="rect">
             <a:avLst/>
@@ -22747,8 +22759,8 @@
         </p:blipFill>
         <p:spPr bwMode="auto">
           <a:xfrm>
-            <a:off x="3701522" y="3557153"/>
-            <a:ext cx="3152760" cy="1663227"/>
+            <a:off x="3582939" y="3494595"/>
+            <a:ext cx="3271343" cy="1725785"/>
           </a:xfrm>
           <a:prstGeom prst="rect">
             <a:avLst/>
@@ -23041,6 +23053,116 @@
           <a:chExt cx="0" cy="0"/>
         </a:xfrm>
       </p:grpSpPr>
+      <p:sp>
+        <p:nvSpPr>
+          <p:cNvPr id="62" name="Rechthoek 61">
+            <a:extLst>
+              <a:ext uri="{FF2B5EF4-FFF2-40B4-BE49-F238E27FC236}">
+                <a16:creationId xmlns:a16="http://schemas.microsoft.com/office/drawing/2014/main" id="{717D02B7-B78D-AB58-FC0F-1CDA4A8D0725}"/>
+              </a:ext>
+            </a:extLst>
+          </p:cNvPr>
+          <p:cNvSpPr/>
+          <p:nvPr/>
+        </p:nvSpPr>
+        <p:spPr>
+          <a:xfrm>
+            <a:off x="183608" y="6185623"/>
+            <a:ext cx="7050452" cy="3509633"/>
+          </a:xfrm>
+          <a:prstGeom prst="rect">
+            <a:avLst/>
+          </a:prstGeom>
+          <a:solidFill>
+            <a:srgbClr val="FFDDD2"/>
+          </a:solidFill>
+          <a:ln>
+            <a:noFill/>
+          </a:ln>
+        </p:spPr>
+        <p:style>
+          <a:lnRef idx="2">
+            <a:schemeClr val="accent1">
+              <a:shade val="15000"/>
+            </a:schemeClr>
+          </a:lnRef>
+          <a:fillRef idx="1">
+            <a:schemeClr val="accent1"/>
+          </a:fillRef>
+          <a:effectRef idx="0">
+            <a:schemeClr val="accent1"/>
+          </a:effectRef>
+          <a:fontRef idx="minor">
+            <a:schemeClr val="lt1"/>
+          </a:fontRef>
+        </p:style>
+        <p:txBody>
+          <a:bodyPr rtlCol="0" anchor="ctr"/>
+          <a:lstStyle/>
+          <a:p>
+            <a:pPr algn="ctr"/>
+            <a:endParaRPr lang="nl-BE" sz="1200" dirty="0">
+              <a:solidFill>
+                <a:schemeClr val="tx1"/>
+              </a:solidFill>
+              <a:latin typeface="Arial" panose="020B0604020202020204" pitchFamily="34" charset="0"/>
+              <a:cs typeface="Arial" panose="020B0604020202020204" pitchFamily="34" charset="0"/>
+            </a:endParaRPr>
+          </a:p>
+        </p:txBody>
+      </p:sp>
+      <p:sp>
+        <p:nvSpPr>
+          <p:cNvPr id="7" name="Rechthoek 6">
+            <a:extLst>
+              <a:ext uri="{FF2B5EF4-FFF2-40B4-BE49-F238E27FC236}">
+                <a16:creationId xmlns:a16="http://schemas.microsoft.com/office/drawing/2014/main" id="{552B8F81-610A-8196-A1DA-D442B3D119F0}"/>
+              </a:ext>
+            </a:extLst>
+          </p:cNvPr>
+          <p:cNvSpPr/>
+          <p:nvPr/>
+        </p:nvSpPr>
+        <p:spPr>
+          <a:xfrm>
+            <a:off x="183537" y="4813968"/>
+            <a:ext cx="2988801" cy="1378917"/>
+          </a:xfrm>
+          <a:prstGeom prst="rect">
+            <a:avLst/>
+          </a:prstGeom>
+          <a:solidFill>
+            <a:srgbClr val="EDF6F9"/>
+          </a:solidFill>
+          <a:ln>
+            <a:noFill/>
+          </a:ln>
+        </p:spPr>
+        <p:style>
+          <a:lnRef idx="2">
+            <a:schemeClr val="accent1">
+              <a:shade val="15000"/>
+            </a:schemeClr>
+          </a:lnRef>
+          <a:fillRef idx="1">
+            <a:schemeClr val="accent1"/>
+          </a:fillRef>
+          <a:effectRef idx="0">
+            <a:schemeClr val="accent1"/>
+          </a:effectRef>
+          <a:fontRef idx="minor">
+            <a:schemeClr val="lt1"/>
+          </a:fontRef>
+        </p:style>
+        <p:txBody>
+          <a:bodyPr rtlCol="0" anchor="ctr"/>
+          <a:lstStyle/>
+          <a:p>
+            <a:pPr algn="ctr"/>
+            <a:endParaRPr lang="nl-BE" dirty="0"/>
+          </a:p>
+        </p:txBody>
+      </p:sp>
       <p:sp>
         <p:nvSpPr>
           <p:cNvPr id="25" name="Rechthoek 24">
@@ -23540,7 +23662,7 @@
         </p:nvSpPr>
         <p:spPr>
           <a:xfrm>
-            <a:off x="313728" y="1080014"/>
+            <a:off x="313728" y="870464"/>
             <a:ext cx="5414375" cy="1107996"/>
           </a:xfrm>
           <a:prstGeom prst="rect">
@@ -23845,7 +23967,7 @@
         </p:blipFill>
         <p:spPr bwMode="auto">
           <a:xfrm>
-            <a:off x="3408759" y="1074293"/>
+            <a:off x="3367598" y="1031788"/>
             <a:ext cx="1508870" cy="1270851"/>
           </a:xfrm>
           <a:prstGeom prst="rect">
@@ -23892,7 +24014,7 @@
         </p:blipFill>
         <p:spPr bwMode="auto">
           <a:xfrm>
-            <a:off x="4334013" y="2488314"/>
+            <a:off x="4334013" y="2278764"/>
             <a:ext cx="2039033" cy="2288720"/>
           </a:xfrm>
           <a:prstGeom prst="rect">
@@ -23924,7 +24046,7 @@
         </p:nvSpPr>
         <p:spPr>
           <a:xfrm>
-            <a:off x="309881" y="2260728"/>
+            <a:off x="309881" y="2051178"/>
             <a:ext cx="3777487" cy="2800767"/>
           </a:xfrm>
           <a:prstGeom prst="rect">
@@ -24737,8 +24859,8 @@
         </p:nvSpPr>
         <p:spPr>
           <a:xfrm>
-            <a:off x="233873" y="5966787"/>
-            <a:ext cx="2612352" cy="769441"/>
+            <a:off x="263833" y="5435232"/>
+            <a:ext cx="2584142" cy="769441"/>
           </a:xfrm>
           <a:prstGeom prst="rect">
             <a:avLst/>
@@ -24927,7 +25049,7 @@
         </p:nvSpPr>
         <p:spPr>
           <a:xfrm>
-            <a:off x="221891" y="2993700"/>
+            <a:off x="221891" y="2784150"/>
             <a:ext cx="3664309" cy="636382"/>
           </a:xfrm>
           <a:prstGeom prst="rect">
@@ -24989,7 +25111,7 @@
         </p:nvSpPr>
         <p:spPr>
           <a:xfrm>
-            <a:off x="221890" y="3630638"/>
+            <a:off x="221890" y="3421088"/>
             <a:ext cx="3664309" cy="1034546"/>
           </a:xfrm>
           <a:prstGeom prst="rect">
@@ -25051,7 +25173,7 @@
         </p:nvSpPr>
         <p:spPr>
           <a:xfrm>
-            <a:off x="221890" y="4662146"/>
+            <a:off x="221890" y="4458946"/>
             <a:ext cx="3664309" cy="186022"/>
           </a:xfrm>
           <a:prstGeom prst="rect">
@@ -25115,7 +25237,7 @@
         </p:nvCxnSpPr>
         <p:spPr>
           <a:xfrm flipH="1" flipV="1">
-            <a:off x="3886199" y="3172968"/>
+            <a:off x="3886199" y="2963418"/>
             <a:ext cx="1481329" cy="757418"/>
           </a:xfrm>
           <a:prstGeom prst="straightConnector1">
@@ -25160,7 +25282,7 @@
         </p:nvCxnSpPr>
         <p:spPr>
           <a:xfrm flipH="1" flipV="1">
-            <a:off x="3886199" y="3858768"/>
+            <a:off x="3886199" y="3649218"/>
             <a:ext cx="1481329" cy="274320"/>
           </a:xfrm>
           <a:prstGeom prst="straightConnector1">
@@ -25205,7 +25327,7 @@
         </p:nvCxnSpPr>
         <p:spPr>
           <a:xfrm flipH="1">
-            <a:off x="3886199" y="4462272"/>
+            <a:off x="3886199" y="4252722"/>
             <a:ext cx="1481329" cy="314762"/>
           </a:xfrm>
           <a:prstGeom prst="straightConnector1">
@@ -25248,10 +25370,10 @@
         </p:nvGrpSpPr>
         <p:grpSpPr>
           <a:xfrm>
-            <a:off x="3172339" y="4840335"/>
-            <a:ext cx="3685661" cy="2205618"/>
-            <a:chOff x="3080513" y="5292463"/>
-            <a:chExt cx="3777487" cy="2205618"/>
+            <a:off x="3172339" y="4730635"/>
+            <a:ext cx="3685661" cy="1654475"/>
+            <a:chOff x="3080513" y="5366913"/>
+            <a:chExt cx="3777487" cy="1767754"/>
           </a:xfrm>
         </p:grpSpPr>
         <p:grpSp>
@@ -25268,10 +25390,10 @@
           </p:nvGrpSpPr>
           <p:grpSpPr>
             <a:xfrm>
-              <a:off x="3080513" y="5292463"/>
-              <a:ext cx="3777487" cy="2205618"/>
-              <a:chOff x="3183765" y="6161927"/>
-              <a:chExt cx="3777487" cy="1761322"/>
+              <a:off x="3080513" y="5366913"/>
+              <a:ext cx="3777487" cy="1767754"/>
+              <a:chOff x="3183765" y="6221391"/>
+              <a:chExt cx="3777487" cy="1411662"/>
             </a:xfrm>
           </p:grpSpPr>
           <p:sp>
@@ -25288,14 +25410,14 @@
             </p:nvSpPr>
             <p:spPr>
               <a:xfrm>
-                <a:off x="3183765" y="6239008"/>
-                <a:ext cx="3777487" cy="1489695"/>
+                <a:off x="3183765" y="6287938"/>
+                <a:ext cx="3777487" cy="1345115"/>
               </a:xfrm>
               <a:prstGeom prst="rect">
                 <a:avLst/>
               </a:prstGeom>
               <a:solidFill>
-                <a:srgbClr val="FFDDD2"/>
+                <a:srgbClr val="E29578"/>
               </a:solidFill>
               <a:ln>
                 <a:noFill/>
@@ -25346,7 +25468,7 @@
             </p:nvSpPr>
             <p:spPr>
               <a:xfrm>
-                <a:off x="3997706" y="6161927"/>
+                <a:off x="3713126" y="6221391"/>
                 <a:ext cx="2533903" cy="466979"/>
               </a:xfrm>
               <a:prstGeom prst="rect">
@@ -25361,14 +25483,42 @@
               <a:lstStyle/>
               <a:p>
                 <a:r>
-                  <a:rPr lang="nl-NL" sz="3200" b="1" dirty="0">
+                  <a:rPr lang="nl-NL" sz="3200" b="1">
                     <a:solidFill>
                       <a:srgbClr val="0000FF"/>
                     </a:solidFill>
                     <a:latin typeface="Courier New" panose="02070309020205020404" pitchFamily="49" charset="0"/>
                     <a:cs typeface="Courier New" panose="02070309020205020404" pitchFamily="49" charset="0"/>
                   </a:rPr>
-                  <a:t>is/as</a:t>
+                  <a:t>is</a:t>
+                </a:r>
+                <a:r>
+                  <a:rPr lang="nl-NL" sz="3200">
+                    <a:latin typeface="Francois One" panose="02000503040000020004" pitchFamily="2" charset="0"/>
+                  </a:rPr>
+                  <a:t> </a:t>
+                </a:r>
+                <a:r>
+                  <a:rPr lang="nl-NL" sz="2400">
+                    <a:latin typeface="Francois One" panose="02000503040000020004" pitchFamily="2" charset="0"/>
+                  </a:rPr>
+                  <a:t>&amp;</a:t>
+                </a:r>
+                <a:r>
+                  <a:rPr lang="nl-NL" sz="3200">
+                    <a:latin typeface="Francois One" panose="02000503040000020004" pitchFamily="2" charset="0"/>
+                  </a:rPr>
+                  <a:t> </a:t>
+                </a:r>
+                <a:r>
+                  <a:rPr lang="nl-NL" sz="3200" b="1">
+                    <a:solidFill>
+                      <a:srgbClr val="0000FF"/>
+                    </a:solidFill>
+                    <a:latin typeface="Courier New" panose="02070309020205020404" pitchFamily="49" charset="0"/>
+                    <a:cs typeface="Courier New" panose="02070309020205020404" pitchFamily="49" charset="0"/>
+                  </a:rPr>
+                  <a:t>as</a:t>
                 </a:r>
                 <a:endParaRPr lang="nl-BE" sz="3200" dirty="0">
                   <a:latin typeface="Francois One" panose="02000503040000020004" pitchFamily="2" charset="0"/>
@@ -25390,8 +25540,8 @@
             </p:nvSpPr>
             <p:spPr>
               <a:xfrm>
-                <a:off x="3266060" y="6815253"/>
-                <a:ext cx="3674235" cy="1107996"/>
+                <a:off x="3266061" y="6815253"/>
+                <a:ext cx="3674235" cy="811070"/>
               </a:xfrm>
               <a:prstGeom prst="rect">
                 <a:avLst/>
@@ -25405,7 +25555,7 @@
               <a:lstStyle/>
               <a:p>
                 <a:r>
-                  <a:rPr lang="nl-NL" sz="1100" dirty="0" err="1">
+                  <a:rPr lang="nl-NL" sz="1000" dirty="0" err="1">
                     <a:solidFill>
                       <a:srgbClr val="2B91AF"/>
                     </a:solidFill>
@@ -25414,7 +25564,7 @@
                   <a:t>Zorro</a:t>
                 </a:r>
                 <a:r>
-                  <a:rPr lang="nl-NL" sz="1100" dirty="0">
+                  <a:rPr lang="nl-NL" sz="1000" dirty="0">
                     <a:solidFill>
                       <a:srgbClr val="000000"/>
                     </a:solidFill>
@@ -25423,7 +25573,7 @@
                   <a:t> held = </a:t>
                 </a:r>
                 <a:r>
-                  <a:rPr lang="nl-NL" sz="1100" dirty="0">
+                  <a:rPr lang="nl-NL" sz="1000" dirty="0">
                     <a:solidFill>
                       <a:srgbClr val="0000FF"/>
                     </a:solidFill>
@@ -25432,7 +25582,7 @@
                   <a:t>new</a:t>
                 </a:r>
                 <a:r>
-                  <a:rPr lang="nl-NL" sz="1100" dirty="0">
+                  <a:rPr lang="nl-NL" sz="1000" dirty="0">
                     <a:solidFill>
                       <a:srgbClr val="000000"/>
                     </a:solidFill>
@@ -25441,7 +25591,7 @@
                   <a:t> </a:t>
                 </a:r>
                 <a:r>
-                  <a:rPr lang="nl-NL" sz="1100" dirty="0" err="1">
+                  <a:rPr lang="nl-NL" sz="1000" dirty="0" err="1">
                     <a:solidFill>
                       <a:srgbClr val="2B91AF"/>
                     </a:solidFill>
@@ -25450,7 +25600,7 @@
                   <a:t>Zorro</a:t>
                 </a:r>
                 <a:r>
-                  <a:rPr lang="nl-NL" sz="1100" dirty="0">
+                  <a:rPr lang="nl-NL" sz="1000" dirty="0">
                     <a:solidFill>
                       <a:srgbClr val="000000"/>
                     </a:solidFill>
@@ -25461,7 +25611,7 @@
               </a:p>
               <a:p>
                 <a:r>
-                  <a:rPr lang="nl-NL" sz="1100" dirty="0" err="1">
+                  <a:rPr lang="nl-NL" sz="1000" dirty="0" err="1">
                     <a:solidFill>
                       <a:srgbClr val="0000FF"/>
                     </a:solidFill>
@@ -25470,7 +25620,7 @@
                   <a:t>if</a:t>
                 </a:r>
                 <a:r>
-                  <a:rPr lang="nl-NL" sz="1100" dirty="0">
+                  <a:rPr lang="nl-NL" sz="1000" dirty="0">
                     <a:solidFill>
                       <a:srgbClr val="000000"/>
                     </a:solidFill>
@@ -25479,7 +25629,7 @@
                   <a:t>(held </a:t>
                 </a:r>
                 <a:r>
-                  <a:rPr lang="nl-NL" sz="1100" dirty="0">
+                  <a:rPr lang="nl-NL" sz="1000" dirty="0">
                     <a:solidFill>
                       <a:srgbClr val="0000FF"/>
                     </a:solidFill>
@@ -25488,7 +25638,7 @@
                   <a:t>is</a:t>
                 </a:r>
                 <a:r>
-                  <a:rPr lang="nl-NL" sz="1100" dirty="0">
+                  <a:rPr lang="nl-NL" sz="1000" dirty="0">
                     <a:solidFill>
                       <a:srgbClr val="000000"/>
                     </a:solidFill>
@@ -25497,7 +25647,7 @@
                   <a:t> </a:t>
                 </a:r>
                 <a:r>
-                  <a:rPr lang="nl-NL" sz="1100" dirty="0" err="1">
+                  <a:rPr lang="nl-NL" sz="1000" dirty="0" err="1">
                     <a:solidFill>
                       <a:srgbClr val="2B91AF"/>
                     </a:solidFill>
@@ -25506,7 +25656,7 @@
                   <a:t>ISuperHeld</a:t>
                 </a:r>
                 <a:r>
-                  <a:rPr lang="nl-NL" sz="1100" dirty="0">
+                  <a:rPr lang="nl-NL" sz="1000" dirty="0">
                     <a:solidFill>
                       <a:srgbClr val="000000"/>
                     </a:solidFill>
@@ -25517,7 +25667,7 @@
               </a:p>
               <a:p>
                 <a:r>
-                  <a:rPr lang="nl-NL" sz="1100" dirty="0">
+                  <a:rPr lang="nl-NL" sz="1000" dirty="0">
                     <a:solidFill>
                       <a:srgbClr val="000000"/>
                     </a:solidFill>
@@ -25528,7 +25678,7 @@
               </a:p>
               <a:p>
                 <a:r>
-                  <a:rPr lang="en-US" sz="1100" dirty="0">
+                  <a:rPr lang="en-US" sz="1000" dirty="0">
                     <a:solidFill>
                       <a:srgbClr val="000000"/>
                     </a:solidFill>
@@ -25537,7 +25687,7 @@
                   <a:t>    </a:t>
                 </a:r>
                 <a:r>
-                  <a:rPr lang="en-US" sz="1100" dirty="0" err="1">
+                  <a:rPr lang="en-US" sz="1000" dirty="0" err="1">
                     <a:solidFill>
                       <a:srgbClr val="2B91AF"/>
                     </a:solidFill>
@@ -25546,7 +25696,7 @@
                   <a:t>ISuperHeld</a:t>
                 </a:r>
                 <a:r>
-                  <a:rPr lang="en-US" sz="1100" dirty="0">
+                  <a:rPr lang="en-US" sz="1000" dirty="0">
                     <a:solidFill>
                       <a:srgbClr val="000000"/>
                     </a:solidFill>
@@ -25555,7 +25705,7 @@
                   <a:t> temp = held </a:t>
                 </a:r>
                 <a:r>
-                  <a:rPr lang="en-US" sz="1100" dirty="0">
+                  <a:rPr lang="en-US" sz="1000" dirty="0">
                     <a:solidFill>
                       <a:srgbClr val="0000FF"/>
                     </a:solidFill>
@@ -25564,7 +25714,7 @@
                   <a:t>as</a:t>
                 </a:r>
                 <a:r>
-                  <a:rPr lang="en-US" sz="1100" dirty="0">
+                  <a:rPr lang="en-US" sz="1000" dirty="0">
                     <a:solidFill>
                       <a:srgbClr val="000000"/>
                     </a:solidFill>
@@ -25573,7 +25723,7 @@
                   <a:t> </a:t>
                 </a:r>
                 <a:r>
-                  <a:rPr lang="en-US" sz="1100" dirty="0" err="1">
+                  <a:rPr lang="en-US" sz="1000" dirty="0" err="1">
                     <a:solidFill>
                       <a:srgbClr val="2B91AF"/>
                     </a:solidFill>
@@ -25582,7 +25732,7 @@
                   <a:t>ISuperHeld</a:t>
                 </a:r>
                 <a:r>
-                  <a:rPr lang="en-US" sz="1100" dirty="0">
+                  <a:rPr lang="en-US" sz="1000" dirty="0">
                     <a:solidFill>
                       <a:srgbClr val="000000"/>
                     </a:solidFill>
@@ -25593,7 +25743,7 @@
               </a:p>
               <a:p>
                 <a:r>
-                  <a:rPr lang="nl-NL" sz="1100" dirty="0">
+                  <a:rPr lang="nl-NL" sz="1000" dirty="0">
                     <a:solidFill>
                       <a:srgbClr val="000000"/>
                     </a:solidFill>
@@ -25602,7 +25752,7 @@
                   <a:t>    </a:t>
                 </a:r>
                 <a:r>
-                  <a:rPr lang="nl-NL" sz="1100" dirty="0" err="1">
+                  <a:rPr lang="nl-NL" sz="1000" dirty="0" err="1">
                     <a:solidFill>
                       <a:srgbClr val="000000"/>
                     </a:solidFill>
@@ -25611,7 +25761,7 @@
                   <a:t>temp.VerlaagKracht</a:t>
                 </a:r>
                 <a:r>
-                  <a:rPr lang="nl-NL" sz="1100" dirty="0">
+                  <a:rPr lang="nl-NL" sz="1000" dirty="0">
                     <a:solidFill>
                       <a:srgbClr val="000000"/>
                     </a:solidFill>
@@ -25620,7 +25770,7 @@
                   <a:t>(</a:t>
                 </a:r>
                 <a:r>
-                  <a:rPr lang="nl-NL" sz="1100" dirty="0" err="1">
+                  <a:rPr lang="nl-NL" sz="1000" dirty="0" err="1">
                     <a:solidFill>
                       <a:srgbClr val="0000FF"/>
                     </a:solidFill>
@@ -25629,7 +25779,7 @@
                   <a:t>true</a:t>
                 </a:r>
                 <a:r>
-                  <a:rPr lang="nl-NL" sz="1100" dirty="0">
+                  <a:rPr lang="nl-NL" sz="1000" dirty="0">
                     <a:solidFill>
                       <a:srgbClr val="000000"/>
                     </a:solidFill>
@@ -25640,7 +25790,7 @@
               </a:p>
               <a:p>
                 <a:r>
-                  <a:rPr lang="nl-NL" sz="1100" dirty="0">
+                  <a:rPr lang="nl-NL" sz="1000" dirty="0">
                     <a:solidFill>
                       <a:srgbClr val="000000"/>
                     </a:solidFill>
@@ -25648,7 +25798,7 @@
                   </a:rPr>
                   <a:t>}</a:t>
                 </a:r>
-                <a:endParaRPr lang="nl-NL" sz="1100" dirty="0"/>
+                <a:endParaRPr lang="nl-NL" sz="1000" dirty="0"/>
               </a:p>
             </p:txBody>
           </p:sp>
@@ -25683,9 +25833,10 @@
             <a:p>
               <a:pPr algn="just"/>
               <a:r>
-                <a:rPr lang="nl-NL" sz="1200" dirty="0"/>
+                <a:rPr lang="nl-NL" sz="1200"/>
                 <a:t>Ideaal om te kijken of object interface heeft, en vervolgens dat deel ervan aan te roepen:</a:t>
               </a:r>
+              <a:endParaRPr lang="nl-NL" sz="1200" dirty="0"/>
             </a:p>
           </p:txBody>
         </p:sp>
@@ -25704,7 +25855,7 @@
         </p:nvSpPr>
         <p:spPr>
           <a:xfrm>
-            <a:off x="5319911" y="1402762"/>
+            <a:off x="5319911" y="1193212"/>
             <a:ext cx="1307660" cy="553998"/>
           </a:xfrm>
           <a:prstGeom prst="rect">
@@ -25745,7 +25896,7 @@
                 <a:latin typeface="Arial" panose="020B0604020202020204" pitchFamily="34" charset="0"/>
                 <a:cs typeface="Arial" panose="020B0604020202020204" pitchFamily="34" charset="0"/>
               </a:rPr>
-              <a:t>UML aanduiding van een interface is m.b.v. een “lolly”,</a:t>
+              <a:t>UML aanduiding van een interface is m.b.v. een “lolly”.</a:t>
             </a:r>
           </a:p>
         </p:txBody>
@@ -25767,7 +25918,7 @@
         </p:nvCxnSpPr>
         <p:spPr>
           <a:xfrm flipH="1" flipV="1">
-            <a:off x="4334013" y="1446984"/>
+            <a:off x="4334013" y="1237434"/>
             <a:ext cx="985898" cy="232777"/>
           </a:xfrm>
           <a:prstGeom prst="straightConnector1">
@@ -25810,7 +25961,7 @@
         </p:nvSpPr>
         <p:spPr>
           <a:xfrm>
-            <a:off x="252606" y="5328066"/>
+            <a:off x="274280" y="4833029"/>
             <a:ext cx="2831743" cy="646331"/>
           </a:xfrm>
           <a:prstGeom prst="rect">
@@ -25825,8 +25976,12 @@
           <a:lstStyle/>
           <a:p>
             <a:r>
+              <a:rPr lang="en-US" sz="1200" i="1" dirty="0"/>
+              <a:t>Multiple inheritance </a:t>
+            </a:r>
+            <a:r>
               <a:rPr lang="en-US" sz="1200" dirty="0"/>
-              <a:t>Multiple inheritance mag </a:t>
+              <a:t>mag </a:t>
             </a:r>
             <a:r>
               <a:rPr lang="en-US" sz="1200" dirty="0" err="1"/>
@@ -25834,6 +25989,14 @@
             </a:r>
             <a:r>
               <a:rPr lang="en-US" sz="1200" dirty="0"/>
+              <a:t> </a:t>
+            </a:r>
+            <a:r>
+              <a:rPr lang="en-US" sz="1200" dirty="0" err="1"/>
+              <a:t>bij</a:t>
+            </a:r>
+            <a:r>
+              <a:rPr lang="en-US" sz="1200" dirty="0"/>
               <a:t>. Maar </a:t>
             </a:r>
             <a:r>
@@ -25879,6 +26042,1367 @@
           </a:p>
         </p:txBody>
       </p:sp>
+      <p:pic>
+        <p:nvPicPr>
+          <p:cNvPr id="18" name="Graphic 17" descr="Klembord met aantal kruizen met effen opvulling">
+            <a:extLst>
+              <a:ext uri="{FF2B5EF4-FFF2-40B4-BE49-F238E27FC236}">
+                <a16:creationId xmlns:a16="http://schemas.microsoft.com/office/drawing/2014/main" id="{B164FE32-4C0C-BB61-07D1-604162244007}"/>
+              </a:ext>
+            </a:extLst>
+          </p:cNvPr>
+          <p:cNvPicPr>
+            <a:picLocks noChangeAspect="1"/>
+          </p:cNvPicPr>
+          <p:nvPr/>
+        </p:nvPicPr>
+        <p:blipFill>
+          <a:blip r:embed="rId10">
+            <a:extLst>
+              <a:ext uri="{28A0092B-C50C-407E-A947-70E740481C1C}">
+                <a14:useLocalDpi xmlns:a14="http://schemas.microsoft.com/office/drawing/2010/main" val="0"/>
+              </a:ext>
+              <a:ext uri="{96DAC541-7B7A-43D3-8B79-37D633B846F1}">
+                <asvg:svgBlip xmlns:asvg="http://schemas.microsoft.com/office/drawing/2016/SVG/main" r:embed="rId11"/>
+              </a:ext>
+            </a:extLst>
+          </a:blip>
+          <a:stretch>
+            <a:fillRect/>
+          </a:stretch>
+        </p:blipFill>
+        <p:spPr>
+          <a:xfrm>
+            <a:off x="3367598" y="4849770"/>
+            <a:ext cx="315029" cy="315029"/>
+          </a:xfrm>
+          <a:prstGeom prst="rect">
+            <a:avLst/>
+          </a:prstGeom>
+        </p:spPr>
+      </p:pic>
+      <p:pic>
+        <p:nvPicPr>
+          <p:cNvPr id="20" name="Graphic 19" descr="Zonnebril met effen opvulling">
+            <a:extLst>
+              <a:ext uri="{FF2B5EF4-FFF2-40B4-BE49-F238E27FC236}">
+                <a16:creationId xmlns:a16="http://schemas.microsoft.com/office/drawing/2014/main" id="{65EC8629-7058-F106-3AB5-F342DEAE767D}"/>
+              </a:ext>
+            </a:extLst>
+          </p:cNvPr>
+          <p:cNvPicPr>
+            <a:picLocks noChangeAspect="1"/>
+          </p:cNvPicPr>
+          <p:nvPr/>
+        </p:nvPicPr>
+        <p:blipFill>
+          <a:blip r:embed="rId12">
+            <a:extLst>
+              <a:ext uri="{28A0092B-C50C-407E-A947-70E740481C1C}">
+                <a14:useLocalDpi xmlns:a14="http://schemas.microsoft.com/office/drawing/2010/main" val="0"/>
+              </a:ext>
+              <a:ext uri="{96DAC541-7B7A-43D3-8B79-37D633B846F1}">
+                <asvg:svgBlip xmlns:asvg="http://schemas.microsoft.com/office/drawing/2016/SVG/main" r:embed="rId13"/>
+              </a:ext>
+            </a:extLst>
+          </a:blip>
+          <a:stretch>
+            <a:fillRect/>
+          </a:stretch>
+        </p:blipFill>
+        <p:spPr>
+          <a:xfrm>
+            <a:off x="5319911" y="4873261"/>
+            <a:ext cx="343957" cy="343957"/>
+          </a:xfrm>
+          <a:prstGeom prst="rect">
+            <a:avLst/>
+          </a:prstGeom>
+        </p:spPr>
+      </p:pic>
+      <p:sp>
+        <p:nvSpPr>
+          <p:cNvPr id="22" name="Tekstvak 21">
+            <a:extLst>
+              <a:ext uri="{FF2B5EF4-FFF2-40B4-BE49-F238E27FC236}">
+                <a16:creationId xmlns:a16="http://schemas.microsoft.com/office/drawing/2014/main" id="{8D92801E-3040-6C3F-E2A1-334905210650}"/>
+              </a:ext>
+            </a:extLst>
+          </p:cNvPr>
+          <p:cNvSpPr txBox="1"/>
+          <p:nvPr/>
+        </p:nvSpPr>
+        <p:spPr>
+          <a:xfrm>
+            <a:off x="750521" y="6162433"/>
+            <a:ext cx="5037365" cy="584775"/>
+          </a:xfrm>
+          <a:prstGeom prst="rect">
+            <a:avLst/>
+          </a:prstGeom>
+          <a:noFill/>
+        </p:spPr>
+        <p:txBody>
+          <a:bodyPr wrap="square" rtlCol="0">
+            <a:spAutoFit/>
+          </a:bodyPr>
+          <a:lstStyle/>
+          <a:p>
+            <a:r>
+              <a:rPr lang="nl-NL" sz="3200" dirty="0" err="1">
+                <a:latin typeface="Francois One" panose="02000503040000020004" pitchFamily="2" charset="0"/>
+              </a:rPr>
+              <a:t>IComparable</a:t>
+            </a:r>
+            <a:endParaRPr lang="nl-BE" sz="3200" dirty="0">
+              <a:latin typeface="Francois One" panose="02000503040000020004" pitchFamily="2" charset="0"/>
+            </a:endParaRPr>
+          </a:p>
+        </p:txBody>
+      </p:sp>
+      <p:pic>
+        <p:nvPicPr>
+          <p:cNvPr id="27" name="Graphic 26" descr="Kleermakerswerk met effen opvulling">
+            <a:extLst>
+              <a:ext uri="{FF2B5EF4-FFF2-40B4-BE49-F238E27FC236}">
+                <a16:creationId xmlns:a16="http://schemas.microsoft.com/office/drawing/2014/main" id="{786AD77F-EB9B-B9CD-D18B-BC903E2B5FA0}"/>
+              </a:ext>
+            </a:extLst>
+          </p:cNvPr>
+          <p:cNvPicPr>
+            <a:picLocks noChangeAspect="1"/>
+          </p:cNvPicPr>
+          <p:nvPr/>
+        </p:nvPicPr>
+        <p:blipFill>
+          <a:blip r:embed="rId14">
+            <a:extLst>
+              <a:ext uri="{28A0092B-C50C-407E-A947-70E740481C1C}">
+                <a14:useLocalDpi xmlns:a14="http://schemas.microsoft.com/office/drawing/2010/main" val="0"/>
+              </a:ext>
+              <a:ext uri="{96DAC541-7B7A-43D3-8B79-37D633B846F1}">
+                <asvg:svgBlip xmlns:asvg="http://schemas.microsoft.com/office/drawing/2016/SVG/main" r:embed="rId15"/>
+              </a:ext>
+            </a:extLst>
+          </a:blip>
+          <a:stretch>
+            <a:fillRect/>
+          </a:stretch>
+        </p:blipFill>
+        <p:spPr>
+          <a:xfrm>
+            <a:off x="252155" y="6161690"/>
+            <a:ext cx="518602" cy="518602"/>
+          </a:xfrm>
+          <a:prstGeom prst="rect">
+            <a:avLst/>
+          </a:prstGeom>
+        </p:spPr>
+      </p:pic>
+      <p:sp>
+        <p:nvSpPr>
+          <p:cNvPr id="29" name="Tekstvak 28">
+            <a:extLst>
+              <a:ext uri="{FF2B5EF4-FFF2-40B4-BE49-F238E27FC236}">
+                <a16:creationId xmlns:a16="http://schemas.microsoft.com/office/drawing/2014/main" id="{040742D7-F576-AB66-B240-3ADEB93141DD}"/>
+              </a:ext>
+            </a:extLst>
+          </p:cNvPr>
+          <p:cNvSpPr txBox="1"/>
+          <p:nvPr/>
+        </p:nvSpPr>
+        <p:spPr>
+          <a:xfrm>
+            <a:off x="224297" y="6629492"/>
+            <a:ext cx="2722103" cy="769441"/>
+          </a:xfrm>
+          <a:prstGeom prst="rect">
+            <a:avLst/>
+          </a:prstGeom>
+          <a:noFill/>
+        </p:spPr>
+        <p:txBody>
+          <a:bodyPr wrap="square">
+            <a:spAutoFit/>
+          </a:bodyPr>
+          <a:lstStyle/>
+          <a:p>
+            <a:r>
+              <a:rPr lang="nl-BE" sz="1100" dirty="0">
+                <a:solidFill>
+                  <a:srgbClr val="0000FF"/>
+                </a:solidFill>
+                <a:latin typeface="Cascadia Mono" panose="020B0609020000020004" pitchFamily="49" charset="0"/>
+              </a:rPr>
+              <a:t>interface</a:t>
+            </a:r>
+            <a:r>
+              <a:rPr lang="nl-BE" sz="1100" dirty="0">
+                <a:solidFill>
+                  <a:srgbClr val="000000"/>
+                </a:solidFill>
+                <a:latin typeface="Cascadia Mono" panose="020B0609020000020004" pitchFamily="49" charset="0"/>
+              </a:rPr>
+              <a:t> </a:t>
+            </a:r>
+            <a:r>
+              <a:rPr lang="nl-BE" sz="1100" dirty="0" err="1">
+                <a:solidFill>
+                  <a:srgbClr val="2B91AF"/>
+                </a:solidFill>
+                <a:latin typeface="Cascadia Mono" panose="020B0609020000020004" pitchFamily="49" charset="0"/>
+              </a:rPr>
+              <a:t>IComparable</a:t>
+            </a:r>
+            <a:endParaRPr lang="nl-BE" sz="1100" dirty="0">
+              <a:solidFill>
+                <a:srgbClr val="000000"/>
+              </a:solidFill>
+              <a:latin typeface="Cascadia Mono" panose="020B0609020000020004" pitchFamily="49" charset="0"/>
+            </a:endParaRPr>
+          </a:p>
+          <a:p>
+            <a:r>
+              <a:rPr lang="nl-BE" sz="1100" dirty="0">
+                <a:solidFill>
+                  <a:srgbClr val="000000"/>
+                </a:solidFill>
+                <a:latin typeface="Cascadia Mono" panose="020B0609020000020004" pitchFamily="49" charset="0"/>
+              </a:rPr>
+              <a:t>{</a:t>
+            </a:r>
+          </a:p>
+          <a:p>
+            <a:r>
+              <a:rPr lang="nl-BE" sz="1100" dirty="0">
+                <a:solidFill>
+                  <a:srgbClr val="000000"/>
+                </a:solidFill>
+                <a:latin typeface="Cascadia Mono" panose="020B0609020000020004" pitchFamily="49" charset="0"/>
+              </a:rPr>
+              <a:t>    </a:t>
+            </a:r>
+            <a:r>
+              <a:rPr lang="nl-BE" sz="1100" dirty="0">
+                <a:solidFill>
+                  <a:srgbClr val="0000FF"/>
+                </a:solidFill>
+                <a:latin typeface="Cascadia Mono" panose="020B0609020000020004" pitchFamily="49" charset="0"/>
+              </a:rPr>
+              <a:t>int</a:t>
+            </a:r>
+            <a:r>
+              <a:rPr lang="nl-BE" sz="1100" dirty="0">
+                <a:solidFill>
+                  <a:srgbClr val="000000"/>
+                </a:solidFill>
+                <a:latin typeface="Cascadia Mono" panose="020B0609020000020004" pitchFamily="49" charset="0"/>
+              </a:rPr>
+              <a:t> </a:t>
+            </a:r>
+            <a:r>
+              <a:rPr lang="nl-BE" sz="1100" dirty="0" err="1">
+                <a:solidFill>
+                  <a:srgbClr val="000000"/>
+                </a:solidFill>
+                <a:latin typeface="Cascadia Mono" panose="020B0609020000020004" pitchFamily="49" charset="0"/>
+              </a:rPr>
+              <a:t>CompareTo</a:t>
+            </a:r>
+            <a:r>
+              <a:rPr lang="nl-BE" sz="1100" dirty="0">
+                <a:solidFill>
+                  <a:srgbClr val="000000"/>
+                </a:solidFill>
+                <a:latin typeface="Cascadia Mono" panose="020B0609020000020004" pitchFamily="49" charset="0"/>
+              </a:rPr>
+              <a:t>(Object </a:t>
+            </a:r>
+            <a:r>
+              <a:rPr lang="nl-BE" sz="1100" dirty="0" err="1">
+                <a:solidFill>
+                  <a:srgbClr val="000000"/>
+                </a:solidFill>
+                <a:latin typeface="Cascadia Mono" panose="020B0609020000020004" pitchFamily="49" charset="0"/>
+              </a:rPr>
+              <a:t>obj</a:t>
+            </a:r>
+            <a:r>
+              <a:rPr lang="nl-BE" sz="1100" dirty="0">
+                <a:solidFill>
+                  <a:srgbClr val="000000"/>
+                </a:solidFill>
+                <a:latin typeface="Cascadia Mono" panose="020B0609020000020004" pitchFamily="49" charset="0"/>
+              </a:rPr>
+              <a:t>);</a:t>
+            </a:r>
+          </a:p>
+          <a:p>
+            <a:r>
+              <a:rPr lang="nl-BE" sz="1100" dirty="0">
+                <a:solidFill>
+                  <a:srgbClr val="000000"/>
+                </a:solidFill>
+                <a:latin typeface="Cascadia Mono" panose="020B0609020000020004" pitchFamily="49" charset="0"/>
+              </a:rPr>
+              <a:t>}</a:t>
+            </a:r>
+            <a:endParaRPr lang="nl-BE" sz="1100" dirty="0"/>
+          </a:p>
+        </p:txBody>
+      </p:sp>
+      <p:sp>
+        <p:nvSpPr>
+          <p:cNvPr id="33" name="Tekstvak 32">
+            <a:extLst>
+              <a:ext uri="{FF2B5EF4-FFF2-40B4-BE49-F238E27FC236}">
+                <a16:creationId xmlns:a16="http://schemas.microsoft.com/office/drawing/2014/main" id="{67CBFD77-5C98-8C70-66BD-37FA224A6998}"/>
+              </a:ext>
+            </a:extLst>
+          </p:cNvPr>
+          <p:cNvSpPr txBox="1"/>
+          <p:nvPr/>
+        </p:nvSpPr>
+        <p:spPr>
+          <a:xfrm>
+            <a:off x="3063780" y="6716505"/>
+            <a:ext cx="3257739" cy="369332"/>
+          </a:xfrm>
+          <a:prstGeom prst="rect">
+            <a:avLst/>
+          </a:prstGeom>
+          <a:solidFill>
+            <a:srgbClr val="EDF6F9"/>
+          </a:solidFill>
+          <a:ln>
+            <a:solidFill>
+              <a:schemeClr val="tx1"/>
+            </a:solidFill>
+          </a:ln>
+        </p:spPr>
+        <p:txBody>
+          <a:bodyPr wrap="square">
+            <a:spAutoFit/>
+          </a:bodyPr>
+          <a:lstStyle>
+            <a:defPPr>
+              <a:defRPr lang="en-US"/>
+            </a:defPPr>
+            <a:lvl1pPr>
+              <a:defRPr sz="1000">
+                <a:solidFill>
+                  <a:srgbClr val="0000FF"/>
+                </a:solidFill>
+                <a:latin typeface="Cascadia Mono" panose="020B0609020000020004" pitchFamily="49" charset="0"/>
+              </a:defRPr>
+            </a:lvl1pPr>
+          </a:lstStyle>
+          <a:p>
+            <a:r>
+              <a:rPr lang="nl-NL" dirty="0">
+                <a:solidFill>
+                  <a:schemeClr val="tx1"/>
+                </a:solidFill>
+                <a:latin typeface="Arial" panose="020B0604020202020204" pitchFamily="34" charset="0"/>
+                <a:cs typeface="Arial" panose="020B0604020202020204" pitchFamily="34" charset="0"/>
+              </a:rPr>
+              <a:t>Ingebakken in .NET. Toegepast door </a:t>
+            </a:r>
+            <a:r>
+              <a:rPr lang="nl-NL" dirty="0" err="1">
+                <a:solidFill>
+                  <a:schemeClr val="tx1"/>
+                </a:solidFill>
+                <a:latin typeface="Arial" panose="020B0604020202020204" pitchFamily="34" charset="0"/>
+                <a:cs typeface="Arial" panose="020B0604020202020204" pitchFamily="34" charset="0"/>
+              </a:rPr>
+              <a:t>Array.Sort</a:t>
+            </a:r>
+            <a:r>
+              <a:rPr lang="nl-NL" dirty="0">
+                <a:solidFill>
+                  <a:schemeClr val="tx1"/>
+                </a:solidFill>
+                <a:latin typeface="Arial" panose="020B0604020202020204" pitchFamily="34" charset="0"/>
+                <a:cs typeface="Arial" panose="020B0604020202020204" pitchFamily="34" charset="0"/>
+              </a:rPr>
+              <a:t>() </a:t>
+            </a:r>
+          </a:p>
+          <a:p>
+            <a:r>
+              <a:rPr lang="nl-NL" sz="800" i="1" dirty="0">
+                <a:solidFill>
+                  <a:schemeClr val="tx1"/>
+                </a:solidFill>
+                <a:latin typeface="Arial" panose="020B0604020202020204" pitchFamily="34" charset="0"/>
+                <a:cs typeface="Arial" panose="020B0604020202020204" pitchFamily="34" charset="0"/>
+              </a:rPr>
+              <a:t>(moet je dus niet manueel nog in je project toevoegen).</a:t>
+            </a:r>
+            <a:endParaRPr lang="nl-NL" i="1" dirty="0">
+              <a:solidFill>
+                <a:schemeClr val="tx1"/>
+              </a:solidFill>
+              <a:latin typeface="Arial" panose="020B0604020202020204" pitchFamily="34" charset="0"/>
+              <a:cs typeface="Arial" panose="020B0604020202020204" pitchFamily="34" charset="0"/>
+            </a:endParaRPr>
+          </a:p>
+        </p:txBody>
+      </p:sp>
+      <p:cxnSp>
+        <p:nvCxnSpPr>
+          <p:cNvPr id="34" name="Rechte verbindingslijn met pijl 33">
+            <a:extLst>
+              <a:ext uri="{FF2B5EF4-FFF2-40B4-BE49-F238E27FC236}">
+                <a16:creationId xmlns:a16="http://schemas.microsoft.com/office/drawing/2014/main" id="{7E5214E5-A31E-9115-E261-50D2F6388C70}"/>
+              </a:ext>
+            </a:extLst>
+          </p:cNvPr>
+          <p:cNvCxnSpPr>
+            <a:cxnSpLocks/>
+            <a:stCxn id="33" idx="1"/>
+          </p:cNvCxnSpPr>
+          <p:nvPr/>
+        </p:nvCxnSpPr>
+        <p:spPr>
+          <a:xfrm flipH="1" flipV="1">
+            <a:off x="2070100" y="6758719"/>
+            <a:ext cx="993680" cy="142452"/>
+          </a:xfrm>
+          <a:prstGeom prst="straightConnector1">
+            <a:avLst/>
+          </a:prstGeom>
+          <a:ln>
+            <a:solidFill>
+              <a:srgbClr val="006D77"/>
+            </a:solidFill>
+            <a:prstDash val="lgDash"/>
+            <a:tailEnd type="stealth"/>
+          </a:ln>
+        </p:spPr>
+        <p:style>
+          <a:lnRef idx="1">
+            <a:schemeClr val="accent1"/>
+          </a:lnRef>
+          <a:fillRef idx="0">
+            <a:schemeClr val="accent1"/>
+          </a:fillRef>
+          <a:effectRef idx="0">
+            <a:schemeClr val="accent1"/>
+          </a:effectRef>
+          <a:fontRef idx="minor">
+            <a:schemeClr val="tx1"/>
+          </a:fontRef>
+        </p:style>
+      </p:cxnSp>
+      <p:sp>
+        <p:nvSpPr>
+          <p:cNvPr id="49" name="Tekstvak 48">
+            <a:extLst>
+              <a:ext uri="{FF2B5EF4-FFF2-40B4-BE49-F238E27FC236}">
+                <a16:creationId xmlns:a16="http://schemas.microsoft.com/office/drawing/2014/main" id="{037FC378-53D8-7C51-1F18-9777650ABE43}"/>
+              </a:ext>
+            </a:extLst>
+          </p:cNvPr>
+          <p:cNvSpPr txBox="1"/>
+          <p:nvPr/>
+        </p:nvSpPr>
+        <p:spPr>
+          <a:xfrm>
+            <a:off x="224297" y="7629921"/>
+            <a:ext cx="4462003" cy="2139047"/>
+          </a:xfrm>
+          <a:prstGeom prst="rect">
+            <a:avLst/>
+          </a:prstGeom>
+          <a:noFill/>
+        </p:spPr>
+        <p:txBody>
+          <a:bodyPr wrap="square">
+            <a:spAutoFit/>
+          </a:bodyPr>
+          <a:lstStyle/>
+          <a:p>
+            <a:r>
+              <a:rPr lang="nl-BE" sz="950" dirty="0">
+                <a:solidFill>
+                  <a:srgbClr val="0000FF"/>
+                </a:solidFill>
+                <a:latin typeface="Cascadia Mono" panose="020B0609020000020004" pitchFamily="49" charset="0"/>
+              </a:rPr>
+              <a:t>class</a:t>
+            </a:r>
+            <a:r>
+              <a:rPr lang="nl-BE" sz="950" dirty="0">
+                <a:solidFill>
+                  <a:srgbClr val="000000"/>
+                </a:solidFill>
+                <a:latin typeface="Cascadia Mono" panose="020B0609020000020004" pitchFamily="49" charset="0"/>
+              </a:rPr>
+              <a:t> </a:t>
+            </a:r>
+            <a:r>
+              <a:rPr lang="nl-BE" sz="950" dirty="0">
+                <a:solidFill>
+                  <a:srgbClr val="2B91AF"/>
+                </a:solidFill>
+                <a:latin typeface="Cascadia Mono" panose="020B0609020000020004" pitchFamily="49" charset="0"/>
+              </a:rPr>
+              <a:t>Land</a:t>
+            </a:r>
+            <a:r>
+              <a:rPr lang="nl-BE" sz="950" dirty="0">
+                <a:solidFill>
+                  <a:srgbClr val="000000"/>
+                </a:solidFill>
+                <a:latin typeface="Cascadia Mono" panose="020B0609020000020004" pitchFamily="49" charset="0"/>
+              </a:rPr>
+              <a:t> : </a:t>
+            </a:r>
+            <a:r>
+              <a:rPr lang="nl-BE" sz="950" dirty="0" err="1">
+                <a:solidFill>
+                  <a:srgbClr val="000000"/>
+                </a:solidFill>
+                <a:latin typeface="Cascadia Mono" panose="020B0609020000020004" pitchFamily="49" charset="0"/>
+              </a:rPr>
+              <a:t>IComparable</a:t>
+            </a:r>
+            <a:endParaRPr lang="nl-BE" sz="950" dirty="0">
+              <a:solidFill>
+                <a:srgbClr val="000000"/>
+              </a:solidFill>
+              <a:latin typeface="Cascadia Mono" panose="020B0609020000020004" pitchFamily="49" charset="0"/>
+            </a:endParaRPr>
+          </a:p>
+          <a:p>
+            <a:r>
+              <a:rPr lang="nl-BE" sz="950" dirty="0">
+                <a:solidFill>
+                  <a:srgbClr val="000000"/>
+                </a:solidFill>
+                <a:latin typeface="Cascadia Mono" panose="020B0609020000020004" pitchFamily="49" charset="0"/>
+              </a:rPr>
+              <a:t>{</a:t>
+            </a:r>
+          </a:p>
+          <a:p>
+            <a:r>
+              <a:rPr lang="nl-BE" sz="950" dirty="0">
+                <a:solidFill>
+                  <a:srgbClr val="000000"/>
+                </a:solidFill>
+                <a:latin typeface="Cascadia Mono" panose="020B0609020000020004" pitchFamily="49" charset="0"/>
+              </a:rPr>
+              <a:t>    </a:t>
+            </a:r>
+            <a:r>
+              <a:rPr lang="nl-BE" sz="950" dirty="0">
+                <a:solidFill>
+                  <a:srgbClr val="0000FF"/>
+                </a:solidFill>
+                <a:latin typeface="Cascadia Mono" panose="020B0609020000020004" pitchFamily="49" charset="0"/>
+              </a:rPr>
+              <a:t>public</a:t>
+            </a:r>
+            <a:r>
+              <a:rPr lang="nl-BE" sz="950" dirty="0">
+                <a:solidFill>
+                  <a:srgbClr val="000000"/>
+                </a:solidFill>
+                <a:latin typeface="Cascadia Mono" panose="020B0609020000020004" pitchFamily="49" charset="0"/>
+              </a:rPr>
+              <a:t> </a:t>
+            </a:r>
+            <a:r>
+              <a:rPr lang="nl-BE" sz="950" dirty="0">
+                <a:solidFill>
+                  <a:srgbClr val="0000FF"/>
+                </a:solidFill>
+                <a:latin typeface="Cascadia Mono" panose="020B0609020000020004" pitchFamily="49" charset="0"/>
+              </a:rPr>
+              <a:t>int</a:t>
+            </a:r>
+            <a:r>
+              <a:rPr lang="nl-BE" sz="950" dirty="0">
+                <a:solidFill>
+                  <a:srgbClr val="000000"/>
+                </a:solidFill>
+                <a:latin typeface="Cascadia Mono" panose="020B0609020000020004" pitchFamily="49" charset="0"/>
+              </a:rPr>
+              <a:t> </a:t>
+            </a:r>
+            <a:r>
+              <a:rPr lang="nl-BE" sz="950" dirty="0" err="1">
+                <a:solidFill>
+                  <a:srgbClr val="000000"/>
+                </a:solidFill>
+                <a:latin typeface="Cascadia Mono" panose="020B0609020000020004" pitchFamily="49" charset="0"/>
+              </a:rPr>
+              <a:t>CompareTo</a:t>
+            </a:r>
+            <a:r>
+              <a:rPr lang="nl-BE" sz="950" dirty="0">
+                <a:solidFill>
+                  <a:srgbClr val="000000"/>
+                </a:solidFill>
+                <a:latin typeface="Cascadia Mono" panose="020B0609020000020004" pitchFamily="49" charset="0"/>
+              </a:rPr>
+              <a:t>(</a:t>
+            </a:r>
+            <a:r>
+              <a:rPr lang="nl-BE" sz="950" dirty="0">
+                <a:solidFill>
+                  <a:srgbClr val="0000FF"/>
+                </a:solidFill>
+                <a:latin typeface="Cascadia Mono" panose="020B0609020000020004" pitchFamily="49" charset="0"/>
+              </a:rPr>
+              <a:t>object</a:t>
+            </a:r>
+            <a:r>
+              <a:rPr lang="nl-BE" sz="950" dirty="0">
+                <a:solidFill>
+                  <a:srgbClr val="000000"/>
+                </a:solidFill>
+                <a:latin typeface="Cascadia Mono" panose="020B0609020000020004" pitchFamily="49" charset="0"/>
+              </a:rPr>
+              <a:t> </a:t>
+            </a:r>
+            <a:r>
+              <a:rPr lang="nl-BE" sz="950" dirty="0" err="1">
+                <a:solidFill>
+                  <a:srgbClr val="000000"/>
+                </a:solidFill>
+                <a:latin typeface="Cascadia Mono" panose="020B0609020000020004" pitchFamily="49" charset="0"/>
+              </a:rPr>
+              <a:t>obj</a:t>
+            </a:r>
+            <a:r>
+              <a:rPr lang="nl-BE" sz="950" dirty="0">
+                <a:solidFill>
+                  <a:srgbClr val="000000"/>
+                </a:solidFill>
+                <a:latin typeface="Cascadia Mono" panose="020B0609020000020004" pitchFamily="49" charset="0"/>
+              </a:rPr>
+              <a:t>)</a:t>
+            </a:r>
+          </a:p>
+          <a:p>
+            <a:r>
+              <a:rPr lang="nl-BE" sz="950" dirty="0">
+                <a:solidFill>
+                  <a:srgbClr val="000000"/>
+                </a:solidFill>
+                <a:latin typeface="Cascadia Mono" panose="020B0609020000020004" pitchFamily="49" charset="0"/>
+              </a:rPr>
+              <a:t>    {</a:t>
+            </a:r>
+          </a:p>
+          <a:p>
+            <a:r>
+              <a:rPr lang="en-US" sz="950" dirty="0">
+                <a:solidFill>
+                  <a:srgbClr val="000000"/>
+                </a:solidFill>
+                <a:latin typeface="Cascadia Mono" panose="020B0609020000020004" pitchFamily="49" charset="0"/>
+              </a:rPr>
+              <a:t>        Land temp = obj </a:t>
+            </a:r>
+            <a:r>
+              <a:rPr lang="en-US" sz="950" dirty="0">
+                <a:solidFill>
+                  <a:srgbClr val="0000FF"/>
+                </a:solidFill>
+                <a:latin typeface="Cascadia Mono" panose="020B0609020000020004" pitchFamily="49" charset="0"/>
+              </a:rPr>
+              <a:t>as</a:t>
+            </a:r>
+            <a:r>
+              <a:rPr lang="en-US" sz="950" dirty="0">
+                <a:solidFill>
+                  <a:srgbClr val="000000"/>
+                </a:solidFill>
+                <a:latin typeface="Cascadia Mono" panose="020B0609020000020004" pitchFamily="49" charset="0"/>
+              </a:rPr>
+              <a:t> Land;</a:t>
+            </a:r>
+          </a:p>
+          <a:p>
+            <a:r>
+              <a:rPr lang="nl-BE" sz="950" dirty="0">
+                <a:solidFill>
+                  <a:srgbClr val="000000"/>
+                </a:solidFill>
+                <a:latin typeface="Cascadia Mono" panose="020B0609020000020004" pitchFamily="49" charset="0"/>
+              </a:rPr>
+              <a:t>        </a:t>
+            </a:r>
+            <a:r>
+              <a:rPr lang="nl-BE" sz="950" dirty="0" err="1">
+                <a:solidFill>
+                  <a:srgbClr val="0000FF"/>
+                </a:solidFill>
+                <a:latin typeface="Cascadia Mono" panose="020B0609020000020004" pitchFamily="49" charset="0"/>
+              </a:rPr>
+              <a:t>if</a:t>
+            </a:r>
+            <a:r>
+              <a:rPr lang="nl-BE" sz="950" dirty="0">
+                <a:solidFill>
+                  <a:srgbClr val="000000"/>
+                </a:solidFill>
+                <a:latin typeface="Cascadia Mono" panose="020B0609020000020004" pitchFamily="49" charset="0"/>
+              </a:rPr>
+              <a:t> (temp != </a:t>
+            </a:r>
+            <a:r>
+              <a:rPr lang="nl-BE" sz="950" dirty="0" err="1">
+                <a:solidFill>
+                  <a:srgbClr val="0000FF"/>
+                </a:solidFill>
+                <a:latin typeface="Cascadia Mono" panose="020B0609020000020004" pitchFamily="49" charset="0"/>
+              </a:rPr>
+              <a:t>null</a:t>
+            </a:r>
+            <a:r>
+              <a:rPr lang="nl-BE" sz="950" dirty="0">
+                <a:solidFill>
+                  <a:srgbClr val="000000"/>
+                </a:solidFill>
+                <a:latin typeface="Cascadia Mono" panose="020B0609020000020004" pitchFamily="49" charset="0"/>
+              </a:rPr>
+              <a:t>)</a:t>
+            </a:r>
+          </a:p>
+          <a:p>
+            <a:r>
+              <a:rPr lang="nl-BE" sz="950" dirty="0">
+                <a:solidFill>
+                  <a:srgbClr val="000000"/>
+                </a:solidFill>
+                <a:latin typeface="Cascadia Mono" panose="020B0609020000020004" pitchFamily="49" charset="0"/>
+              </a:rPr>
+              <a:t>        {</a:t>
+            </a:r>
+          </a:p>
+          <a:p>
+            <a:r>
+              <a:rPr lang="nl-BE" sz="950" dirty="0">
+                <a:solidFill>
+                  <a:srgbClr val="000000"/>
+                </a:solidFill>
+                <a:latin typeface="Cascadia Mono" panose="020B0609020000020004" pitchFamily="49" charset="0"/>
+              </a:rPr>
+              <a:t>            </a:t>
+            </a:r>
+            <a:r>
+              <a:rPr lang="nl-BE" sz="950" dirty="0">
+                <a:solidFill>
+                  <a:srgbClr val="0000FF"/>
+                </a:solidFill>
+                <a:latin typeface="Cascadia Mono" panose="020B0609020000020004" pitchFamily="49" charset="0"/>
+              </a:rPr>
+              <a:t>return</a:t>
+            </a:r>
+            <a:r>
+              <a:rPr lang="nl-BE" sz="950" dirty="0">
+                <a:solidFill>
+                  <a:srgbClr val="000000"/>
+                </a:solidFill>
+                <a:latin typeface="Cascadia Mono" panose="020B0609020000020004" pitchFamily="49" charset="0"/>
+              </a:rPr>
+              <a:t> </a:t>
+            </a:r>
+            <a:r>
+              <a:rPr lang="nl-BE" sz="950" dirty="0" err="1">
+                <a:solidFill>
+                  <a:srgbClr val="000000"/>
+                </a:solidFill>
+                <a:latin typeface="Cascadia Mono" panose="020B0609020000020004" pitchFamily="49" charset="0"/>
+              </a:rPr>
+              <a:t>Oppervlakte.CompareTo</a:t>
+            </a:r>
+            <a:r>
+              <a:rPr lang="nl-BE" sz="950" dirty="0">
+                <a:solidFill>
+                  <a:srgbClr val="000000"/>
+                </a:solidFill>
+                <a:latin typeface="Cascadia Mono" panose="020B0609020000020004" pitchFamily="49" charset="0"/>
+              </a:rPr>
+              <a:t>(</a:t>
+            </a:r>
+            <a:r>
+              <a:rPr lang="nl-BE" sz="950" dirty="0" err="1">
+                <a:solidFill>
+                  <a:srgbClr val="000000"/>
+                </a:solidFill>
+                <a:latin typeface="Cascadia Mono" panose="020B0609020000020004" pitchFamily="49" charset="0"/>
+              </a:rPr>
+              <a:t>temp.Oppervlakte</a:t>
+            </a:r>
+            <a:r>
+              <a:rPr lang="nl-BE" sz="950" dirty="0">
+                <a:solidFill>
+                  <a:srgbClr val="000000"/>
+                </a:solidFill>
+                <a:latin typeface="Cascadia Mono" panose="020B0609020000020004" pitchFamily="49" charset="0"/>
+              </a:rPr>
+              <a:t>);</a:t>
+            </a:r>
+          </a:p>
+          <a:p>
+            <a:r>
+              <a:rPr lang="nl-BE" sz="950" dirty="0">
+                <a:solidFill>
+                  <a:srgbClr val="000000"/>
+                </a:solidFill>
+                <a:latin typeface="Cascadia Mono" panose="020B0609020000020004" pitchFamily="49" charset="0"/>
+              </a:rPr>
+              <a:t>        }</a:t>
+            </a:r>
+          </a:p>
+          <a:p>
+            <a:r>
+              <a:rPr lang="nl-BE" sz="950" dirty="0">
+                <a:solidFill>
+                  <a:srgbClr val="000000"/>
+                </a:solidFill>
+                <a:latin typeface="Cascadia Mono" panose="020B0609020000020004" pitchFamily="49" charset="0"/>
+              </a:rPr>
+              <a:t>        </a:t>
+            </a:r>
+            <a:r>
+              <a:rPr lang="nl-BE" sz="950" dirty="0" err="1">
+                <a:solidFill>
+                  <a:srgbClr val="0000FF"/>
+                </a:solidFill>
+                <a:latin typeface="Cascadia Mono" panose="020B0609020000020004" pitchFamily="49" charset="0"/>
+              </a:rPr>
+              <a:t>else</a:t>
+            </a:r>
+            <a:endParaRPr lang="nl-BE" sz="950" dirty="0">
+              <a:solidFill>
+                <a:srgbClr val="000000"/>
+              </a:solidFill>
+              <a:latin typeface="Cascadia Mono" panose="020B0609020000020004" pitchFamily="49" charset="0"/>
+            </a:endParaRPr>
+          </a:p>
+          <a:p>
+            <a:r>
+              <a:rPr lang="en-US" sz="950" dirty="0">
+                <a:solidFill>
+                  <a:srgbClr val="000000"/>
+                </a:solidFill>
+                <a:latin typeface="Cascadia Mono" panose="020B0609020000020004" pitchFamily="49" charset="0"/>
+              </a:rPr>
+              <a:t>            </a:t>
+            </a:r>
+            <a:r>
+              <a:rPr lang="en-US" sz="950" dirty="0">
+                <a:solidFill>
+                  <a:srgbClr val="0000FF"/>
+                </a:solidFill>
+                <a:latin typeface="Cascadia Mono" panose="020B0609020000020004" pitchFamily="49" charset="0"/>
+              </a:rPr>
+              <a:t>throw</a:t>
+            </a:r>
+            <a:r>
+              <a:rPr lang="en-US" sz="950" dirty="0">
+                <a:solidFill>
+                  <a:srgbClr val="000000"/>
+                </a:solidFill>
+                <a:latin typeface="Cascadia Mono" panose="020B0609020000020004" pitchFamily="49" charset="0"/>
+              </a:rPr>
+              <a:t> </a:t>
+            </a:r>
+            <a:r>
+              <a:rPr lang="en-US" sz="950" dirty="0">
+                <a:solidFill>
+                  <a:srgbClr val="0000FF"/>
+                </a:solidFill>
+                <a:latin typeface="Cascadia Mono" panose="020B0609020000020004" pitchFamily="49" charset="0"/>
+              </a:rPr>
+              <a:t>new</a:t>
+            </a:r>
+            <a:r>
+              <a:rPr lang="en-US" sz="950" dirty="0">
+                <a:solidFill>
+                  <a:srgbClr val="000000"/>
+                </a:solidFill>
+                <a:latin typeface="Cascadia Mono" panose="020B0609020000020004" pitchFamily="49" charset="0"/>
+              </a:rPr>
+              <a:t> Exception(</a:t>
+            </a:r>
+            <a:r>
+              <a:rPr lang="en-US" sz="950" dirty="0">
+                <a:solidFill>
+                  <a:srgbClr val="A31515"/>
+                </a:solidFill>
+                <a:latin typeface="Cascadia Mono" panose="020B0609020000020004" pitchFamily="49" charset="0"/>
+              </a:rPr>
+              <a:t>"Object is not a Land"</a:t>
+            </a:r>
+            <a:r>
+              <a:rPr lang="en-US" sz="950" dirty="0">
+                <a:solidFill>
+                  <a:srgbClr val="000000"/>
+                </a:solidFill>
+                <a:latin typeface="Cascadia Mono" panose="020B0609020000020004" pitchFamily="49" charset="0"/>
+              </a:rPr>
+              <a:t>);</a:t>
+            </a:r>
+          </a:p>
+          <a:p>
+            <a:r>
+              <a:rPr lang="nl-BE" sz="950" dirty="0">
+                <a:solidFill>
+                  <a:srgbClr val="000000"/>
+                </a:solidFill>
+                <a:latin typeface="Cascadia Mono" panose="020B0609020000020004" pitchFamily="49" charset="0"/>
+              </a:rPr>
+              <a:t>    }</a:t>
+            </a:r>
+          </a:p>
+          <a:p>
+            <a:r>
+              <a:rPr lang="en-US" sz="950" dirty="0">
+                <a:solidFill>
+                  <a:srgbClr val="000000"/>
+                </a:solidFill>
+                <a:latin typeface="Cascadia Mono" panose="020B0609020000020004" pitchFamily="49" charset="0"/>
+              </a:rPr>
+              <a:t>    </a:t>
+            </a:r>
+            <a:r>
+              <a:rPr lang="en-US" sz="950" dirty="0">
+                <a:solidFill>
+                  <a:srgbClr val="0000FF"/>
+                </a:solidFill>
+                <a:latin typeface="Cascadia Mono" panose="020B0609020000020004" pitchFamily="49" charset="0"/>
+              </a:rPr>
+              <a:t>public</a:t>
+            </a:r>
+            <a:r>
+              <a:rPr lang="en-US" sz="950" dirty="0">
+                <a:solidFill>
+                  <a:srgbClr val="000000"/>
+                </a:solidFill>
+                <a:latin typeface="Cascadia Mono" panose="020B0609020000020004" pitchFamily="49" charset="0"/>
+              </a:rPr>
+              <a:t> </a:t>
+            </a:r>
+            <a:r>
+              <a:rPr lang="en-US" sz="950" dirty="0">
+                <a:solidFill>
+                  <a:srgbClr val="0000FF"/>
+                </a:solidFill>
+                <a:latin typeface="Cascadia Mono" panose="020B0609020000020004" pitchFamily="49" charset="0"/>
+              </a:rPr>
+              <a:t>int</a:t>
+            </a:r>
+            <a:r>
+              <a:rPr lang="en-US" sz="950" dirty="0">
+                <a:solidFill>
+                  <a:srgbClr val="000000"/>
+                </a:solidFill>
+                <a:latin typeface="Cascadia Mono" panose="020B0609020000020004" pitchFamily="49" charset="0"/>
+              </a:rPr>
+              <a:t> </a:t>
+            </a:r>
+            <a:r>
+              <a:rPr lang="en-US" sz="950" dirty="0" err="1">
+                <a:solidFill>
+                  <a:srgbClr val="000000"/>
+                </a:solidFill>
+                <a:latin typeface="Cascadia Mono" panose="020B0609020000020004" pitchFamily="49" charset="0"/>
+              </a:rPr>
+              <a:t>Oppervlakte</a:t>
+            </a:r>
+            <a:r>
+              <a:rPr lang="en-US" sz="950" dirty="0">
+                <a:solidFill>
+                  <a:srgbClr val="000000"/>
+                </a:solidFill>
+                <a:latin typeface="Cascadia Mono" panose="020B0609020000020004" pitchFamily="49" charset="0"/>
+              </a:rPr>
+              <a:t> { </a:t>
+            </a:r>
+            <a:r>
+              <a:rPr lang="en-US" sz="950" dirty="0">
+                <a:solidFill>
+                  <a:srgbClr val="0000FF"/>
+                </a:solidFill>
+                <a:latin typeface="Cascadia Mono" panose="020B0609020000020004" pitchFamily="49" charset="0"/>
+              </a:rPr>
+              <a:t>get</a:t>
+            </a:r>
+            <a:r>
+              <a:rPr lang="en-US" sz="950" dirty="0">
+                <a:solidFill>
+                  <a:srgbClr val="000000"/>
+                </a:solidFill>
+                <a:latin typeface="Cascadia Mono" panose="020B0609020000020004" pitchFamily="49" charset="0"/>
+              </a:rPr>
+              <a:t>; </a:t>
+            </a:r>
+            <a:r>
+              <a:rPr lang="en-US" sz="950" dirty="0">
+                <a:solidFill>
+                  <a:srgbClr val="0000FF"/>
+                </a:solidFill>
+                <a:latin typeface="Cascadia Mono" panose="020B0609020000020004" pitchFamily="49" charset="0"/>
+              </a:rPr>
+              <a:t>set</a:t>
+            </a:r>
+            <a:r>
+              <a:rPr lang="en-US" sz="950" dirty="0">
+                <a:solidFill>
+                  <a:srgbClr val="000000"/>
+                </a:solidFill>
+                <a:latin typeface="Cascadia Mono" panose="020B0609020000020004" pitchFamily="49" charset="0"/>
+              </a:rPr>
+              <a:t>; }</a:t>
+            </a:r>
+          </a:p>
+          <a:p>
+            <a:r>
+              <a:rPr lang="nl-BE" sz="950" dirty="0">
+                <a:solidFill>
+                  <a:srgbClr val="000000"/>
+                </a:solidFill>
+                <a:latin typeface="Cascadia Mono" panose="020B0609020000020004" pitchFamily="49" charset="0"/>
+              </a:rPr>
+              <a:t>}</a:t>
+            </a:r>
+            <a:endParaRPr lang="nl-BE" sz="950" dirty="0"/>
+          </a:p>
+        </p:txBody>
+      </p:sp>
+      <p:sp>
+        <p:nvSpPr>
+          <p:cNvPr id="50" name="Tekstvak 49">
+            <a:extLst>
+              <a:ext uri="{FF2B5EF4-FFF2-40B4-BE49-F238E27FC236}">
+                <a16:creationId xmlns:a16="http://schemas.microsoft.com/office/drawing/2014/main" id="{7206A715-608E-BF67-8899-F5BF35A34DA9}"/>
+              </a:ext>
+            </a:extLst>
+          </p:cNvPr>
+          <p:cNvSpPr txBox="1"/>
+          <p:nvPr/>
+        </p:nvSpPr>
+        <p:spPr>
+          <a:xfrm>
+            <a:off x="215540" y="7343900"/>
+            <a:ext cx="2183758" cy="400110"/>
+          </a:xfrm>
+          <a:prstGeom prst="rect">
+            <a:avLst/>
+          </a:prstGeom>
+          <a:noFill/>
+        </p:spPr>
+        <p:txBody>
+          <a:bodyPr wrap="square" rtlCol="0">
+            <a:spAutoFit/>
+          </a:bodyPr>
+          <a:lstStyle/>
+          <a:p>
+            <a:r>
+              <a:rPr lang="nl-NL" sz="2000" dirty="0">
+                <a:latin typeface="Francois One" panose="02000503040000020004" pitchFamily="2" charset="0"/>
+              </a:rPr>
+              <a:t>Voorbeeld gebruik:</a:t>
+            </a:r>
+            <a:endParaRPr lang="nl-BE" sz="2000" dirty="0">
+              <a:latin typeface="Francois One" panose="02000503040000020004" pitchFamily="2" charset="0"/>
+            </a:endParaRPr>
+          </a:p>
+        </p:txBody>
+      </p:sp>
+      <p:sp>
+        <p:nvSpPr>
+          <p:cNvPr id="55" name="Rechthoek 54">
+            <a:extLst>
+              <a:ext uri="{FF2B5EF4-FFF2-40B4-BE49-F238E27FC236}">
+                <a16:creationId xmlns:a16="http://schemas.microsoft.com/office/drawing/2014/main" id="{D18A3180-DD18-6710-C780-0D384FB78C0C}"/>
+              </a:ext>
+            </a:extLst>
+          </p:cNvPr>
+          <p:cNvSpPr/>
+          <p:nvPr/>
+        </p:nvSpPr>
+        <p:spPr>
+          <a:xfrm>
+            <a:off x="3100964" y="7168163"/>
+            <a:ext cx="3736589" cy="1169551"/>
+          </a:xfrm>
+          <a:prstGeom prst="rect">
+            <a:avLst/>
+          </a:prstGeom>
+          <a:solidFill>
+            <a:srgbClr val="EDF6F9"/>
+          </a:solidFill>
+        </p:spPr>
+        <p:style>
+          <a:lnRef idx="2">
+            <a:schemeClr val="dk1"/>
+          </a:lnRef>
+          <a:fillRef idx="1">
+            <a:schemeClr val="lt1"/>
+          </a:fillRef>
+          <a:effectRef idx="0">
+            <a:schemeClr val="dk1"/>
+          </a:effectRef>
+          <a:fontRef idx="minor">
+            <a:schemeClr val="dk1"/>
+          </a:fontRef>
+        </p:style>
+        <p:txBody>
+          <a:bodyPr wrap="square">
+            <a:spAutoFit/>
+          </a:bodyPr>
+          <a:lstStyle/>
+          <a:p>
+            <a:r>
+              <a:rPr lang="nl-BE" sz="1000" dirty="0">
+                <a:solidFill>
+                  <a:schemeClr val="tx1"/>
+                </a:solidFill>
+                <a:latin typeface="Arial" panose="020B0604020202020204" pitchFamily="34" charset="0"/>
+                <a:cs typeface="Arial" panose="020B0604020202020204" pitchFamily="34" charset="0"/>
+              </a:rPr>
+              <a:t>Vanaf nu kunnen we sorteren:</a:t>
+            </a:r>
+          </a:p>
+          <a:p>
+            <a:endParaRPr lang="nl-BE" sz="1000" dirty="0">
+              <a:solidFill>
+                <a:schemeClr val="tx1"/>
+              </a:solidFill>
+              <a:latin typeface="Arial" panose="020B0604020202020204" pitchFamily="34" charset="0"/>
+              <a:cs typeface="Arial" panose="020B0604020202020204" pitchFamily="34" charset="0"/>
+            </a:endParaRPr>
+          </a:p>
+          <a:p>
+            <a:r>
+              <a:rPr lang="nl-BE" sz="1000" dirty="0">
+                <a:solidFill>
+                  <a:srgbClr val="2B91AF"/>
+                </a:solidFill>
+                <a:latin typeface="Cascadia Mono" panose="020B0609020000020004" pitchFamily="49" charset="0"/>
+              </a:rPr>
+              <a:t>Land</a:t>
+            </a:r>
+            <a:r>
+              <a:rPr lang="nl-BE" sz="1000" dirty="0">
+                <a:solidFill>
+                  <a:srgbClr val="000000"/>
+                </a:solidFill>
+                <a:latin typeface="Cascadia Mono" panose="020B0609020000020004" pitchFamily="49" charset="0"/>
+              </a:rPr>
+              <a:t>[] eurolanden = </a:t>
+            </a:r>
+            <a:r>
+              <a:rPr lang="nl-BE" sz="1000" dirty="0">
+                <a:solidFill>
+                  <a:srgbClr val="0000FF"/>
+                </a:solidFill>
+                <a:latin typeface="Cascadia Mono" panose="020B0609020000020004" pitchFamily="49" charset="0"/>
+              </a:rPr>
+              <a:t>new</a:t>
+            </a:r>
+            <a:r>
+              <a:rPr lang="nl-BE" sz="1000" dirty="0">
+                <a:solidFill>
+                  <a:srgbClr val="000000"/>
+                </a:solidFill>
+                <a:latin typeface="Cascadia Mono" panose="020B0609020000020004" pitchFamily="49" charset="0"/>
+              </a:rPr>
+              <a:t> </a:t>
+            </a:r>
+            <a:r>
+              <a:rPr lang="nl-BE" sz="1000" dirty="0">
+                <a:solidFill>
+                  <a:srgbClr val="2B91AF"/>
+                </a:solidFill>
+                <a:latin typeface="Cascadia Mono" panose="020B0609020000020004" pitchFamily="49" charset="0"/>
+              </a:rPr>
+              <a:t>Land</a:t>
+            </a:r>
+            <a:r>
+              <a:rPr lang="nl-BE" sz="1000" dirty="0">
+                <a:solidFill>
+                  <a:srgbClr val="000000"/>
+                </a:solidFill>
+                <a:latin typeface="Cascadia Mono" panose="020B0609020000020004" pitchFamily="49" charset="0"/>
+              </a:rPr>
+              <a:t>[3];</a:t>
+            </a:r>
+          </a:p>
+          <a:p>
+            <a:r>
+              <a:rPr lang="nl-BE" sz="1000" dirty="0">
+                <a:solidFill>
+                  <a:srgbClr val="000000"/>
+                </a:solidFill>
+                <a:latin typeface="Cascadia Mono" panose="020B0609020000020004" pitchFamily="49" charset="0"/>
+              </a:rPr>
+              <a:t>eurolanden[0] = </a:t>
+            </a:r>
+            <a:r>
+              <a:rPr lang="nl-BE" sz="1000" dirty="0">
+                <a:solidFill>
+                  <a:srgbClr val="0000FF"/>
+                </a:solidFill>
+                <a:latin typeface="Cascadia Mono" panose="020B0609020000020004" pitchFamily="49" charset="0"/>
+              </a:rPr>
+              <a:t>new</a:t>
+            </a:r>
+            <a:r>
+              <a:rPr lang="nl-BE" sz="1000" dirty="0">
+                <a:solidFill>
+                  <a:srgbClr val="000000"/>
+                </a:solidFill>
+                <a:latin typeface="Cascadia Mono" panose="020B0609020000020004" pitchFamily="49" charset="0"/>
+              </a:rPr>
+              <a:t> Land() { Oppervlakte = 5 };</a:t>
+            </a:r>
+          </a:p>
+          <a:p>
+            <a:r>
+              <a:rPr lang="nl-BE" sz="1000" dirty="0">
+                <a:solidFill>
+                  <a:srgbClr val="000000"/>
+                </a:solidFill>
+                <a:latin typeface="Cascadia Mono" panose="020B0609020000020004" pitchFamily="49" charset="0"/>
+              </a:rPr>
+              <a:t>eurolanden[1] = </a:t>
+            </a:r>
+            <a:r>
+              <a:rPr lang="nl-BE" sz="1000" dirty="0">
+                <a:solidFill>
+                  <a:srgbClr val="0000FF"/>
+                </a:solidFill>
+                <a:latin typeface="Cascadia Mono" panose="020B0609020000020004" pitchFamily="49" charset="0"/>
+              </a:rPr>
+              <a:t>new</a:t>
+            </a:r>
+            <a:r>
+              <a:rPr lang="nl-BE" sz="1000" dirty="0">
+                <a:solidFill>
+                  <a:srgbClr val="000000"/>
+                </a:solidFill>
+                <a:latin typeface="Cascadia Mono" panose="020B0609020000020004" pitchFamily="49" charset="0"/>
+              </a:rPr>
+              <a:t> Land() { Oppervlakte = 7 };</a:t>
+            </a:r>
+          </a:p>
+          <a:p>
+            <a:r>
+              <a:rPr lang="nl-BE" sz="1000" dirty="0">
+                <a:solidFill>
+                  <a:srgbClr val="000000"/>
+                </a:solidFill>
+                <a:latin typeface="Cascadia Mono" panose="020B0609020000020004" pitchFamily="49" charset="0"/>
+              </a:rPr>
+              <a:t>eurolanden[2] = </a:t>
+            </a:r>
+            <a:r>
+              <a:rPr lang="nl-BE" sz="1000" dirty="0">
+                <a:solidFill>
+                  <a:srgbClr val="0000FF"/>
+                </a:solidFill>
+                <a:latin typeface="Cascadia Mono" panose="020B0609020000020004" pitchFamily="49" charset="0"/>
+              </a:rPr>
+              <a:t>new</a:t>
+            </a:r>
+            <a:r>
+              <a:rPr lang="nl-BE" sz="1000" dirty="0">
+                <a:solidFill>
+                  <a:srgbClr val="000000"/>
+                </a:solidFill>
+                <a:latin typeface="Cascadia Mono" panose="020B0609020000020004" pitchFamily="49" charset="0"/>
+              </a:rPr>
+              <a:t> Land() { Oppervlakte = 6 };</a:t>
+            </a:r>
+          </a:p>
+          <a:p>
+            <a:r>
+              <a:rPr lang="nl-BE" sz="1000" dirty="0" err="1">
+                <a:solidFill>
+                  <a:srgbClr val="000000"/>
+                </a:solidFill>
+                <a:latin typeface="Cascadia Mono" panose="020B0609020000020004" pitchFamily="49" charset="0"/>
+              </a:rPr>
+              <a:t>Array.</a:t>
+            </a:r>
+            <a:r>
+              <a:rPr lang="nl-BE" sz="1000" b="1" dirty="0" err="1">
+                <a:solidFill>
+                  <a:srgbClr val="000000"/>
+                </a:solidFill>
+                <a:latin typeface="Cascadia Mono" panose="020B0609020000020004" pitchFamily="49" charset="0"/>
+              </a:rPr>
+              <a:t>Sort</a:t>
+            </a:r>
+            <a:r>
+              <a:rPr lang="nl-BE" sz="1000" dirty="0">
+                <a:solidFill>
+                  <a:srgbClr val="000000"/>
+                </a:solidFill>
+                <a:latin typeface="Cascadia Mono" panose="020B0609020000020004" pitchFamily="49" charset="0"/>
+              </a:rPr>
+              <a:t>(eurolanden);</a:t>
+            </a:r>
+            <a:endParaRPr lang="nl-BE" sz="1000" dirty="0"/>
+          </a:p>
+        </p:txBody>
+      </p:sp>
+      <p:cxnSp>
+        <p:nvCxnSpPr>
+          <p:cNvPr id="56" name="Rechte verbindingslijn met pijl 55">
+            <a:extLst>
+              <a:ext uri="{FF2B5EF4-FFF2-40B4-BE49-F238E27FC236}">
+                <a16:creationId xmlns:a16="http://schemas.microsoft.com/office/drawing/2014/main" id="{EC771DE9-0BBD-963A-7316-DC91233F213E}"/>
+              </a:ext>
+            </a:extLst>
+          </p:cNvPr>
+          <p:cNvCxnSpPr>
+            <a:cxnSpLocks/>
+          </p:cNvCxnSpPr>
+          <p:nvPr/>
+        </p:nvCxnSpPr>
+        <p:spPr>
+          <a:xfrm flipH="1" flipV="1">
+            <a:off x="1976438" y="8124203"/>
+            <a:ext cx="1195900" cy="81565"/>
+          </a:xfrm>
+          <a:prstGeom prst="straightConnector1">
+            <a:avLst/>
+          </a:prstGeom>
+          <a:ln>
+            <a:solidFill>
+              <a:srgbClr val="006D77"/>
+            </a:solidFill>
+            <a:prstDash val="lgDash"/>
+            <a:tailEnd type="stealth"/>
+          </a:ln>
+        </p:spPr>
+        <p:style>
+          <a:lnRef idx="1">
+            <a:schemeClr val="accent1"/>
+          </a:lnRef>
+          <a:fillRef idx="0">
+            <a:schemeClr val="accent1"/>
+          </a:fillRef>
+          <a:effectRef idx="0">
+            <a:schemeClr val="accent1"/>
+          </a:effectRef>
+          <a:fontRef idx="minor">
+            <a:schemeClr val="tx1"/>
+          </a:fontRef>
+        </p:style>
+      </p:cxnSp>
     </p:spTree>
     <p:extLst>
       <p:ext uri="{BB962C8B-B14F-4D97-AF65-F5344CB8AC3E}">
@@ -25893,7 +27417,7 @@
 </file>
 
 <file path=ppt/slides/slide7.xml><?xml version="1.0" encoding="utf-8"?>
-<p:sld xmlns:a="http://schemas.openxmlformats.org/drawingml/2006/main" xmlns:r="http://schemas.openxmlformats.org/officeDocument/2006/relationships" xmlns:p="http://schemas.openxmlformats.org/presentationml/2006/main">
+<p:sld xmlns:a="http://schemas.openxmlformats.org/drawingml/2006/main" xmlns:r="http://schemas.openxmlformats.org/officeDocument/2006/relationships" xmlns:p="http://schemas.openxmlformats.org/presentationml/2006/main" show="0">
   <p:cSld>
     <p:spTree>
       <p:nvGrpSpPr>

--- a/_SLIDES/anatomie van een klasse - zie scherp scherp infographic - kopie.pptx
+++ b/_SLIDES/anatomie van een klasse - zie scherp scherp infographic - kopie.pptx
@@ -5,13 +5,16 @@
     <p:sldMasterId id="2147483660" r:id="rId1"/>
   </p:sldMasterIdLst>
   <p:sldIdLst>
-    <p:sldId id="259" r:id="rId2"/>
-    <p:sldId id="257" r:id="rId3"/>
-    <p:sldId id="260" r:id="rId4"/>
-    <p:sldId id="261" r:id="rId5"/>
-    <p:sldId id="262" r:id="rId6"/>
-    <p:sldId id="263" r:id="rId7"/>
-    <p:sldId id="258" r:id="rId8"/>
+    <p:sldId id="265" r:id="rId2"/>
+    <p:sldId id="264" r:id="rId3"/>
+    <p:sldId id="266" r:id="rId4"/>
+    <p:sldId id="259" r:id="rId5"/>
+    <p:sldId id="257" r:id="rId6"/>
+    <p:sldId id="260" r:id="rId7"/>
+    <p:sldId id="261" r:id="rId8"/>
+    <p:sldId id="262" r:id="rId9"/>
+    <p:sldId id="263" r:id="rId10"/>
+    <p:sldId id="258" r:id="rId11"/>
   </p:sldIdLst>
   <p:sldSz cx="6858000" cy="9906000" type="A4"/>
   <p:notesSz cx="6797675" cy="9926638"/>
@@ -111,6 +114,28 @@
     </a:lvl9pPr>
   </p:defaultTextStyle>
   <p:extLst>
+    <p:ext uri="{521415D9-36F7-43E2-AB2F-B90AF26B5E84}">
+      <p14:sectionLst xmlns:p14="http://schemas.microsoft.com/office/powerpoint/2010/main">
+        <p14:section name="Standaardsectie" id="{B7941CFC-EE22-4BDE-8ECB-F3FE715F8577}">
+          <p14:sldIdLst>
+            <p14:sldId id="265"/>
+            <p14:sldId id="264"/>
+            <p14:sldId id="266"/>
+            <p14:sldId id="259"/>
+            <p14:sldId id="257"/>
+            <p14:sldId id="260"/>
+            <p14:sldId id="261"/>
+            <p14:sldId id="262"/>
+            <p14:sldId id="263"/>
+          </p14:sldIdLst>
+        </p14:section>
+        <p14:section name="oude" id="{2828EBD4-A472-462E-92C0-B128F61FE2C8}">
+          <p14:sldIdLst>
+            <p14:sldId id="258"/>
+          </p14:sldIdLst>
+        </p14:section>
+      </p14:sectionLst>
+    </p:ext>
     <p:ext uri="{EFAFB233-063F-42B5-8137-9DF3F51BA10A}">
       <p15:sldGuideLst xmlns:p15="http://schemas.microsoft.com/office/powerpoint/2012/main"/>
     </p:ext>
@@ -249,7 +274,7 @@
           <a:p>
             <a:fld id="{BE1BE294-3663-49C1-B26B-0E84C04C20CD}" type="datetimeFigureOut">
               <a:rPr lang="nl-BE" smtClean="0"/>
-              <a:t>29/11/2023</a:t>
+              <a:t>12/01/2024</a:t>
             </a:fld>
             <a:endParaRPr lang="nl-BE" dirty="0"/>
           </a:p>
@@ -419,7 +444,7 @@
           <a:p>
             <a:fld id="{BE1BE294-3663-49C1-B26B-0E84C04C20CD}" type="datetimeFigureOut">
               <a:rPr lang="nl-BE" smtClean="0"/>
-              <a:t>29/11/2023</a:t>
+              <a:t>12/01/2024</a:t>
             </a:fld>
             <a:endParaRPr lang="nl-BE" dirty="0"/>
           </a:p>
@@ -599,7 +624,7 @@
           <a:p>
             <a:fld id="{BE1BE294-3663-49C1-B26B-0E84C04C20CD}" type="datetimeFigureOut">
               <a:rPr lang="nl-BE" smtClean="0"/>
-              <a:t>29/11/2023</a:t>
+              <a:t>12/01/2024</a:t>
             </a:fld>
             <a:endParaRPr lang="nl-BE" dirty="0"/>
           </a:p>
@@ -769,7 +794,7 @@
           <a:p>
             <a:fld id="{BE1BE294-3663-49C1-B26B-0E84C04C20CD}" type="datetimeFigureOut">
               <a:rPr lang="nl-BE" smtClean="0"/>
-              <a:t>29/11/2023</a:t>
+              <a:t>12/01/2024</a:t>
             </a:fld>
             <a:endParaRPr lang="nl-BE" dirty="0"/>
           </a:p>
@@ -1013,7 +1038,7 @@
           <a:p>
             <a:fld id="{BE1BE294-3663-49C1-B26B-0E84C04C20CD}" type="datetimeFigureOut">
               <a:rPr lang="nl-BE" smtClean="0"/>
-              <a:t>29/11/2023</a:t>
+              <a:t>12/01/2024</a:t>
             </a:fld>
             <a:endParaRPr lang="nl-BE" dirty="0"/>
           </a:p>
@@ -1245,7 +1270,7 @@
           <a:p>
             <a:fld id="{BE1BE294-3663-49C1-B26B-0E84C04C20CD}" type="datetimeFigureOut">
               <a:rPr lang="nl-BE" smtClean="0"/>
-              <a:t>29/11/2023</a:t>
+              <a:t>12/01/2024</a:t>
             </a:fld>
             <a:endParaRPr lang="nl-BE" dirty="0"/>
           </a:p>
@@ -1612,7 +1637,7 @@
           <a:p>
             <a:fld id="{BE1BE294-3663-49C1-B26B-0E84C04C20CD}" type="datetimeFigureOut">
               <a:rPr lang="nl-BE" smtClean="0"/>
-              <a:t>29/11/2023</a:t>
+              <a:t>12/01/2024</a:t>
             </a:fld>
             <a:endParaRPr lang="nl-BE" dirty="0"/>
           </a:p>
@@ -1730,7 +1755,7 @@
           <a:p>
             <a:fld id="{BE1BE294-3663-49C1-B26B-0E84C04C20CD}" type="datetimeFigureOut">
               <a:rPr lang="nl-BE" smtClean="0"/>
-              <a:t>29/11/2023</a:t>
+              <a:t>12/01/2024</a:t>
             </a:fld>
             <a:endParaRPr lang="nl-BE" dirty="0"/>
           </a:p>
@@ -1825,7 +1850,7 @@
           <a:p>
             <a:fld id="{BE1BE294-3663-49C1-B26B-0E84C04C20CD}" type="datetimeFigureOut">
               <a:rPr lang="nl-BE" smtClean="0"/>
-              <a:t>29/11/2023</a:t>
+              <a:t>12/01/2024</a:t>
             </a:fld>
             <a:endParaRPr lang="nl-BE" dirty="0"/>
           </a:p>
@@ -2102,7 +2127,7 @@
           <a:p>
             <a:fld id="{BE1BE294-3663-49C1-B26B-0E84C04C20CD}" type="datetimeFigureOut">
               <a:rPr lang="nl-BE" smtClean="0"/>
-              <a:t>29/11/2023</a:t>
+              <a:t>12/01/2024</a:t>
             </a:fld>
             <a:endParaRPr lang="nl-BE" dirty="0"/>
           </a:p>
@@ -2359,7 +2384,7 @@
           <a:p>
             <a:fld id="{BE1BE294-3663-49C1-B26B-0E84C04C20CD}" type="datetimeFigureOut">
               <a:rPr lang="nl-BE" smtClean="0"/>
-              <a:t>29/11/2023</a:t>
+              <a:t>12/01/2024</a:t>
             </a:fld>
             <a:endParaRPr lang="nl-BE" dirty="0"/>
           </a:p>
@@ -2572,7 +2597,7 @@
           <a:p>
             <a:fld id="{BE1BE294-3663-49C1-B26B-0E84C04C20CD}" type="datetimeFigureOut">
               <a:rPr lang="nl-BE" smtClean="0"/>
-              <a:t>29/11/2023</a:t>
+              <a:t>12/01/2024</a:t>
             </a:fld>
             <a:endParaRPr lang="nl-BE" dirty="0"/>
           </a:p>
@@ -2961,6 +2986,8732 @@
 </file>
 
 <file path=ppt/slides/slide1.xml><?xml version="1.0" encoding="utf-8"?>
+<p:sld xmlns:a="http://schemas.openxmlformats.org/drawingml/2006/main" xmlns:r="http://schemas.openxmlformats.org/officeDocument/2006/relationships" xmlns:p="http://schemas.openxmlformats.org/presentationml/2006/main">
+  <p:cSld>
+    <p:spTree>
+      <p:nvGrpSpPr>
+        <p:cNvPr id="1" name=""/>
+        <p:cNvGrpSpPr/>
+        <p:nvPr/>
+      </p:nvGrpSpPr>
+      <p:grpSpPr>
+        <a:xfrm>
+          <a:off x="0" y="0"/>
+          <a:ext cx="0" cy="0"/>
+          <a:chOff x="0" y="0"/>
+          <a:chExt cx="0" cy="0"/>
+        </a:xfrm>
+      </p:grpSpPr>
+      <p:sp>
+        <p:nvSpPr>
+          <p:cNvPr id="25" name="Rechthoek 24">
+            <a:extLst>
+              <a:ext uri="{FF2B5EF4-FFF2-40B4-BE49-F238E27FC236}">
+                <a16:creationId xmlns:a16="http://schemas.microsoft.com/office/drawing/2014/main" id="{A6009C89-11DB-B92B-BEA2-BB96A0AEDB73}"/>
+              </a:ext>
+            </a:extLst>
+          </p:cNvPr>
+          <p:cNvSpPr/>
+          <p:nvPr/>
+        </p:nvSpPr>
+        <p:spPr>
+          <a:xfrm>
+            <a:off x="0" y="-108243"/>
+            <a:ext cx="6877676" cy="289791"/>
+          </a:xfrm>
+          <a:prstGeom prst="rect">
+            <a:avLst/>
+          </a:prstGeom>
+          <a:solidFill>
+            <a:srgbClr val="006D77"/>
+          </a:solidFill>
+          <a:ln>
+            <a:noFill/>
+          </a:ln>
+        </p:spPr>
+        <p:style>
+          <a:lnRef idx="2">
+            <a:schemeClr val="accent1">
+              <a:shade val="15000"/>
+            </a:schemeClr>
+          </a:lnRef>
+          <a:fillRef idx="1">
+            <a:schemeClr val="accent1"/>
+          </a:fillRef>
+          <a:effectRef idx="0">
+            <a:schemeClr val="accent1"/>
+          </a:effectRef>
+          <a:fontRef idx="minor">
+            <a:schemeClr val="lt1"/>
+          </a:fontRef>
+        </p:style>
+        <p:txBody>
+          <a:bodyPr rtlCol="0" anchor="ctr"/>
+          <a:lstStyle/>
+          <a:p>
+            <a:pPr algn="ctr"/>
+            <a:endParaRPr lang="nl-BE" dirty="0"/>
+          </a:p>
+        </p:txBody>
+      </p:sp>
+      <p:sp>
+        <p:nvSpPr>
+          <p:cNvPr id="26" name="Rechthoek 25">
+            <a:extLst>
+              <a:ext uri="{FF2B5EF4-FFF2-40B4-BE49-F238E27FC236}">
+                <a16:creationId xmlns:a16="http://schemas.microsoft.com/office/drawing/2014/main" id="{6193FCA1-9D55-E293-3688-B2548E408474}"/>
+              </a:ext>
+            </a:extLst>
+          </p:cNvPr>
+          <p:cNvSpPr/>
+          <p:nvPr/>
+        </p:nvSpPr>
+        <p:spPr>
+          <a:xfrm rot="16200000">
+            <a:off x="-5048307" y="4794807"/>
+            <a:ext cx="10134895" cy="328793"/>
+          </a:xfrm>
+          <a:prstGeom prst="rect">
+            <a:avLst/>
+          </a:prstGeom>
+          <a:solidFill>
+            <a:srgbClr val="006D77"/>
+          </a:solidFill>
+          <a:ln>
+            <a:noFill/>
+          </a:ln>
+        </p:spPr>
+        <p:style>
+          <a:lnRef idx="2">
+            <a:schemeClr val="accent1">
+              <a:shade val="15000"/>
+            </a:schemeClr>
+          </a:lnRef>
+          <a:fillRef idx="1">
+            <a:schemeClr val="accent1"/>
+          </a:fillRef>
+          <a:effectRef idx="0">
+            <a:schemeClr val="accent1"/>
+          </a:effectRef>
+          <a:fontRef idx="minor">
+            <a:schemeClr val="lt1"/>
+          </a:fontRef>
+        </p:style>
+        <p:txBody>
+          <a:bodyPr rtlCol="0" anchor="ctr"/>
+          <a:lstStyle/>
+          <a:p>
+            <a:pPr algn="ctr"/>
+            <a:endParaRPr lang="nl-BE" dirty="0"/>
+          </a:p>
+        </p:txBody>
+      </p:sp>
+      <p:sp>
+        <p:nvSpPr>
+          <p:cNvPr id="11" name="Rechthoek 10">
+            <a:extLst>
+              <a:ext uri="{FF2B5EF4-FFF2-40B4-BE49-F238E27FC236}">
+                <a16:creationId xmlns:a16="http://schemas.microsoft.com/office/drawing/2014/main" id="{30F09570-6353-BB48-4F40-E465B0F98D13}"/>
+              </a:ext>
+            </a:extLst>
+          </p:cNvPr>
+          <p:cNvSpPr/>
+          <p:nvPr/>
+        </p:nvSpPr>
+        <p:spPr>
+          <a:xfrm>
+            <a:off x="6405969" y="-97236"/>
+            <a:ext cx="479782" cy="549583"/>
+          </a:xfrm>
+          <a:prstGeom prst="rect">
+            <a:avLst/>
+          </a:prstGeom>
+          <a:solidFill>
+            <a:srgbClr val="006D77"/>
+          </a:solidFill>
+          <a:ln>
+            <a:noFill/>
+          </a:ln>
+        </p:spPr>
+        <p:style>
+          <a:lnRef idx="2">
+            <a:schemeClr val="accent1">
+              <a:shade val="15000"/>
+            </a:schemeClr>
+          </a:lnRef>
+          <a:fillRef idx="1">
+            <a:schemeClr val="accent1"/>
+          </a:fillRef>
+          <a:effectRef idx="0">
+            <a:schemeClr val="accent1"/>
+          </a:effectRef>
+          <a:fontRef idx="minor">
+            <a:schemeClr val="lt1"/>
+          </a:fontRef>
+        </p:style>
+        <p:txBody>
+          <a:bodyPr rtlCol="0" anchor="b"/>
+          <a:lstStyle/>
+          <a:p>
+            <a:pPr algn="ctr"/>
+            <a:r>
+              <a:rPr lang="nl-BE" sz="1400" b="1" dirty="0"/>
+              <a:t>H17</a:t>
+            </a:r>
+          </a:p>
+        </p:txBody>
+      </p:sp>
+      <p:pic>
+        <p:nvPicPr>
+          <p:cNvPr id="43" name="Afbeelding 42">
+            <a:extLst>
+              <a:ext uri="{FF2B5EF4-FFF2-40B4-BE49-F238E27FC236}">
+                <a16:creationId xmlns:a16="http://schemas.microsoft.com/office/drawing/2014/main" id="{EE519423-BCB6-1AEE-0A06-51CAF586F5B7}"/>
+              </a:ext>
+            </a:extLst>
+          </p:cNvPr>
+          <p:cNvPicPr>
+            <a:picLocks noChangeAspect="1"/>
+          </p:cNvPicPr>
+          <p:nvPr/>
+        </p:nvPicPr>
+        <p:blipFill>
+          <a:blip r:embed="rId2"/>
+          <a:stretch>
+            <a:fillRect/>
+          </a:stretch>
+        </p:blipFill>
+        <p:spPr>
+          <a:xfrm>
+            <a:off x="27751" y="-2395997"/>
+            <a:ext cx="6858000" cy="2077899"/>
+          </a:xfrm>
+          <a:prstGeom prst="rect">
+            <a:avLst/>
+          </a:prstGeom>
+        </p:spPr>
+      </p:pic>
+      <p:grpSp>
+        <p:nvGrpSpPr>
+          <p:cNvPr id="2" name="Groep 1">
+            <a:extLst>
+              <a:ext uri="{FF2B5EF4-FFF2-40B4-BE49-F238E27FC236}">
+                <a16:creationId xmlns:a16="http://schemas.microsoft.com/office/drawing/2014/main" id="{279CC530-3311-29A2-0A26-5C41F2899DFE}"/>
+              </a:ext>
+            </a:extLst>
+          </p:cNvPr>
+          <p:cNvGrpSpPr/>
+          <p:nvPr/>
+        </p:nvGrpSpPr>
+        <p:grpSpPr>
+          <a:xfrm>
+            <a:off x="252122" y="9709289"/>
+            <a:ext cx="6641068" cy="200055"/>
+            <a:chOff x="215065" y="9706462"/>
+            <a:chExt cx="6641068" cy="200055"/>
+          </a:xfrm>
+        </p:grpSpPr>
+        <p:sp>
+          <p:nvSpPr>
+            <p:cNvPr id="3" name="Tekstvak 25">
+              <a:extLst>
+                <a:ext uri="{FF2B5EF4-FFF2-40B4-BE49-F238E27FC236}">
+                  <a16:creationId xmlns:a16="http://schemas.microsoft.com/office/drawing/2014/main" id="{7E5296E7-371C-D002-F626-95209ABFE8F7}"/>
+                </a:ext>
+              </a:extLst>
+            </p:cNvPr>
+            <p:cNvSpPr txBox="1"/>
+            <p:nvPr/>
+          </p:nvSpPr>
+          <p:spPr>
+            <a:xfrm>
+              <a:off x="1077633" y="9706462"/>
+              <a:ext cx="5778500" cy="200055"/>
+            </a:xfrm>
+            <a:prstGeom prst="rect">
+              <a:avLst/>
+            </a:prstGeom>
+            <a:noFill/>
+          </p:spPr>
+          <p:txBody>
+            <a:bodyPr wrap="square" rtlCol="0">
+              <a:spAutoFit/>
+            </a:bodyPr>
+            <a:lstStyle>
+              <a:defPPr>
+                <a:defRPr lang="en-US"/>
+              </a:defPPr>
+              <a:lvl1pPr marL="0" algn="l" defTabSz="457200" rtl="0" eaLnBrk="1" latinLnBrk="0" hangingPunct="1">
+                <a:defRPr sz="1800" kern="1200">
+                  <a:solidFill>
+                    <a:schemeClr val="tx1"/>
+                  </a:solidFill>
+                  <a:latin typeface="+mn-lt"/>
+                  <a:ea typeface="+mn-ea"/>
+                  <a:cs typeface="+mn-cs"/>
+                </a:defRPr>
+              </a:lvl1pPr>
+              <a:lvl2pPr marL="457200" algn="l" defTabSz="457200" rtl="0" eaLnBrk="1" latinLnBrk="0" hangingPunct="1">
+                <a:defRPr sz="1800" kern="1200">
+                  <a:solidFill>
+                    <a:schemeClr val="tx1"/>
+                  </a:solidFill>
+                  <a:latin typeface="+mn-lt"/>
+                  <a:ea typeface="+mn-ea"/>
+                  <a:cs typeface="+mn-cs"/>
+                </a:defRPr>
+              </a:lvl2pPr>
+              <a:lvl3pPr marL="914400" algn="l" defTabSz="457200" rtl="0" eaLnBrk="1" latinLnBrk="0" hangingPunct="1">
+                <a:defRPr sz="1800" kern="1200">
+                  <a:solidFill>
+                    <a:schemeClr val="tx1"/>
+                  </a:solidFill>
+                  <a:latin typeface="+mn-lt"/>
+                  <a:ea typeface="+mn-ea"/>
+                  <a:cs typeface="+mn-cs"/>
+                </a:defRPr>
+              </a:lvl3pPr>
+              <a:lvl4pPr marL="1371600" algn="l" defTabSz="457200" rtl="0" eaLnBrk="1" latinLnBrk="0" hangingPunct="1">
+                <a:defRPr sz="1800" kern="1200">
+                  <a:solidFill>
+                    <a:schemeClr val="tx1"/>
+                  </a:solidFill>
+                  <a:latin typeface="+mn-lt"/>
+                  <a:ea typeface="+mn-ea"/>
+                  <a:cs typeface="+mn-cs"/>
+                </a:defRPr>
+              </a:lvl4pPr>
+              <a:lvl5pPr marL="1828800" algn="l" defTabSz="457200" rtl="0" eaLnBrk="1" latinLnBrk="0" hangingPunct="1">
+                <a:defRPr sz="1800" kern="1200">
+                  <a:solidFill>
+                    <a:schemeClr val="tx1"/>
+                  </a:solidFill>
+                  <a:latin typeface="+mn-lt"/>
+                  <a:ea typeface="+mn-ea"/>
+                  <a:cs typeface="+mn-cs"/>
+                </a:defRPr>
+              </a:lvl5pPr>
+              <a:lvl6pPr marL="2286000" algn="l" defTabSz="457200" rtl="0" eaLnBrk="1" latinLnBrk="0" hangingPunct="1">
+                <a:defRPr sz="1800" kern="1200">
+                  <a:solidFill>
+                    <a:schemeClr val="tx1"/>
+                  </a:solidFill>
+                  <a:latin typeface="+mn-lt"/>
+                  <a:ea typeface="+mn-ea"/>
+                  <a:cs typeface="+mn-cs"/>
+                </a:defRPr>
+              </a:lvl6pPr>
+              <a:lvl7pPr marL="2743200" algn="l" defTabSz="457200" rtl="0" eaLnBrk="1" latinLnBrk="0" hangingPunct="1">
+                <a:defRPr sz="1800" kern="1200">
+                  <a:solidFill>
+                    <a:schemeClr val="tx1"/>
+                  </a:solidFill>
+                  <a:latin typeface="+mn-lt"/>
+                  <a:ea typeface="+mn-ea"/>
+                  <a:cs typeface="+mn-cs"/>
+                </a:defRPr>
+              </a:lvl7pPr>
+              <a:lvl8pPr marL="3200400" algn="l" defTabSz="457200" rtl="0" eaLnBrk="1" latinLnBrk="0" hangingPunct="1">
+                <a:defRPr sz="1800" kern="1200">
+                  <a:solidFill>
+                    <a:schemeClr val="tx1"/>
+                  </a:solidFill>
+                  <a:latin typeface="+mn-lt"/>
+                  <a:ea typeface="+mn-ea"/>
+                  <a:cs typeface="+mn-cs"/>
+                </a:defRPr>
+              </a:lvl8pPr>
+              <a:lvl9pPr marL="3657600" algn="l" defTabSz="457200" rtl="0" eaLnBrk="1" latinLnBrk="0" hangingPunct="1">
+                <a:defRPr sz="1800" kern="1200">
+                  <a:solidFill>
+                    <a:schemeClr val="tx1"/>
+                  </a:solidFill>
+                  <a:latin typeface="+mn-lt"/>
+                  <a:ea typeface="+mn-ea"/>
+                  <a:cs typeface="+mn-cs"/>
+                </a:defRPr>
+              </a:lvl9pPr>
+            </a:lstStyle>
+            <a:p>
+              <a:pPr algn="r"/>
+              <a:r>
+                <a:rPr lang="nl-NL" sz="700" dirty="0">
+                  <a:latin typeface="Francois One" panose="02000503040000020004" pitchFamily="2" charset="0"/>
+                </a:rPr>
+                <a:t>Handboek “Zie Scherp Scherper”, Tim Dams (ziescherp.be)</a:t>
+              </a:r>
+              <a:endParaRPr lang="nl-BE" sz="700" dirty="0">
+                <a:latin typeface="Francois One" panose="02000503040000020004" pitchFamily="2" charset="0"/>
+              </a:endParaRPr>
+            </a:p>
+          </p:txBody>
+        </p:sp>
+        <p:pic>
+          <p:nvPicPr>
+            <p:cNvPr id="4" name="Afbeelding 3" descr="Afbeelding met symbool, Lettertype, logo&#10;&#10;Automatisch gegenereerde beschrijving">
+              <a:extLst>
+                <a:ext uri="{FF2B5EF4-FFF2-40B4-BE49-F238E27FC236}">
+                  <a16:creationId xmlns:a16="http://schemas.microsoft.com/office/drawing/2014/main" id="{5185D0BC-F6F4-D0D2-6ED5-E318A5E178AD}"/>
+                </a:ext>
+              </a:extLst>
+            </p:cNvPr>
+            <p:cNvPicPr>
+              <a:picLocks noChangeAspect="1"/>
+            </p:cNvPicPr>
+            <p:nvPr/>
+          </p:nvPicPr>
+          <p:blipFill>
+            <a:blip r:embed="rId3">
+              <a:clrChange>
+                <a:clrFrom>
+                  <a:srgbClr val="DFE0E0"/>
+                </a:clrFrom>
+                <a:clrTo>
+                  <a:srgbClr val="DFE0E0">
+                    <a:alpha val="0"/>
+                  </a:srgbClr>
+                </a:clrTo>
+              </a:clrChange>
+              <a:extLst>
+                <a:ext uri="{28A0092B-C50C-407E-A947-70E740481C1C}">
+                  <a14:useLocalDpi xmlns:a14="http://schemas.microsoft.com/office/drawing/2010/main" val="0"/>
+                </a:ext>
+              </a:extLst>
+            </a:blip>
+            <a:stretch>
+              <a:fillRect/>
+            </a:stretch>
+          </p:blipFill>
+          <p:spPr>
+            <a:xfrm>
+              <a:off x="4296956" y="9718910"/>
+              <a:ext cx="304801" cy="158496"/>
+            </a:xfrm>
+            <a:prstGeom prst="rect">
+              <a:avLst/>
+            </a:prstGeom>
+          </p:spPr>
+        </p:pic>
+        <p:pic>
+          <p:nvPicPr>
+            <p:cNvPr id="5" name="Picture 2" descr="Huisstijl | AP Hogeschool">
+              <a:extLst>
+                <a:ext uri="{FF2B5EF4-FFF2-40B4-BE49-F238E27FC236}">
+                  <a16:creationId xmlns:a16="http://schemas.microsoft.com/office/drawing/2014/main" id="{83EAF974-CDFE-3B1F-BB0E-EA2FB0D90F0C}"/>
+                </a:ext>
+              </a:extLst>
+            </p:cNvPr>
+            <p:cNvPicPr>
+              <a:picLocks noChangeAspect="1" noChangeArrowheads="1"/>
+            </p:cNvPicPr>
+            <p:nvPr/>
+          </p:nvPicPr>
+          <p:blipFill>
+            <a:blip r:embed="rId4">
+              <a:extLst>
+                <a:ext uri="{28A0092B-C50C-407E-A947-70E740481C1C}">
+                  <a14:useLocalDpi xmlns:a14="http://schemas.microsoft.com/office/drawing/2010/main" val="0"/>
+                </a:ext>
+              </a:extLst>
+            </a:blip>
+            <a:srcRect/>
+            <a:stretch>
+              <a:fillRect/>
+            </a:stretch>
+          </p:blipFill>
+          <p:spPr bwMode="auto">
+            <a:xfrm>
+              <a:off x="215065" y="9763478"/>
+              <a:ext cx="498399" cy="71991"/>
+            </a:xfrm>
+            <a:prstGeom prst="rect">
+              <a:avLst/>
+            </a:prstGeom>
+            <a:noFill/>
+            <a:extLst>
+              <a:ext uri="{909E8E84-426E-40DD-AFC4-6F175D3DCCD1}">
+                <a14:hiddenFill xmlns:a14="http://schemas.microsoft.com/office/drawing/2010/main">
+                  <a:solidFill>
+                    <a:srgbClr val="FFFFFF"/>
+                  </a:solidFill>
+                </a14:hiddenFill>
+              </a:ext>
+            </a:extLst>
+          </p:spPr>
+        </p:pic>
+        <p:pic>
+          <p:nvPicPr>
+            <p:cNvPr id="6" name="Picture 4" descr="logo">
+              <a:extLst>
+                <a:ext uri="{FF2B5EF4-FFF2-40B4-BE49-F238E27FC236}">
+                  <a16:creationId xmlns:a16="http://schemas.microsoft.com/office/drawing/2014/main" id="{A8AEB676-F38B-B2F4-623C-FE5EBD82DFBB}"/>
+                </a:ext>
+              </a:extLst>
+            </p:cNvPr>
+            <p:cNvPicPr>
+              <a:picLocks noChangeAspect="1" noChangeArrowheads="1"/>
+            </p:cNvPicPr>
+            <p:nvPr/>
+          </p:nvPicPr>
+          <p:blipFill>
+            <a:blip r:embed="rId5">
+              <a:extLst>
+                <a:ext uri="{28A0092B-C50C-407E-A947-70E740481C1C}">
+                  <a14:useLocalDpi xmlns:a14="http://schemas.microsoft.com/office/drawing/2010/main" val="0"/>
+                </a:ext>
+              </a:extLst>
+            </a:blip>
+            <a:srcRect/>
+            <a:stretch>
+              <a:fillRect/>
+            </a:stretch>
+          </p:blipFill>
+          <p:spPr bwMode="auto">
+            <a:xfrm>
+              <a:off x="827094" y="9747692"/>
+              <a:ext cx="881846" cy="103562"/>
+            </a:xfrm>
+            <a:prstGeom prst="rect">
+              <a:avLst/>
+            </a:prstGeom>
+            <a:noFill/>
+            <a:extLst>
+              <a:ext uri="{909E8E84-426E-40DD-AFC4-6F175D3DCCD1}">
+                <a14:hiddenFill xmlns:a14="http://schemas.microsoft.com/office/drawing/2010/main">
+                  <a:solidFill>
+                    <a:srgbClr val="FFFFFF"/>
+                  </a:solidFill>
+                </a14:hiddenFill>
+              </a:ext>
+            </a:extLst>
+          </p:spPr>
+        </p:pic>
+      </p:grpSp>
+    </p:spTree>
+    <p:extLst>
+      <p:ext uri="{BB962C8B-B14F-4D97-AF65-F5344CB8AC3E}">
+        <p14:creationId xmlns:p14="http://schemas.microsoft.com/office/powerpoint/2010/main" val="1763103080"/>
+      </p:ext>
+    </p:extLst>
+  </p:cSld>
+  <p:clrMapOvr>
+    <a:masterClrMapping/>
+  </p:clrMapOvr>
+</p:sld>
+</file>
+
+<file path=ppt/slides/slide10.xml><?xml version="1.0" encoding="utf-8"?>
+<p:sld xmlns:a="http://schemas.openxmlformats.org/drawingml/2006/main" xmlns:r="http://schemas.openxmlformats.org/officeDocument/2006/relationships" xmlns:p="http://schemas.openxmlformats.org/presentationml/2006/main" show="0">
+  <p:cSld>
+    <p:spTree>
+      <p:nvGrpSpPr>
+        <p:cNvPr id="1" name=""/>
+        <p:cNvGrpSpPr/>
+        <p:nvPr/>
+      </p:nvGrpSpPr>
+      <p:grpSpPr>
+        <a:xfrm>
+          <a:off x="0" y="0"/>
+          <a:ext cx="0" cy="0"/>
+          <a:chOff x="0" y="0"/>
+          <a:chExt cx="0" cy="0"/>
+        </a:xfrm>
+      </p:grpSpPr>
+      <p:sp>
+        <p:nvSpPr>
+          <p:cNvPr id="2" name="Titel 1">
+            <a:extLst>
+              <a:ext uri="{FF2B5EF4-FFF2-40B4-BE49-F238E27FC236}">
+                <a16:creationId xmlns:a16="http://schemas.microsoft.com/office/drawing/2014/main" id="{471006D7-B12A-713A-E01E-5F4FA935CEBC}"/>
+              </a:ext>
+            </a:extLst>
+          </p:cNvPr>
+          <p:cNvSpPr>
+            <a:spLocks noGrp="1"/>
+          </p:cNvSpPr>
+          <p:nvPr>
+            <p:ph type="title"/>
+          </p:nvPr>
+        </p:nvSpPr>
+        <p:spPr/>
+        <p:txBody>
+          <a:bodyPr/>
+          <a:lstStyle/>
+          <a:p>
+            <a:endParaRPr lang="nl-BE" dirty="0"/>
+          </a:p>
+        </p:txBody>
+      </p:sp>
+      <p:sp>
+        <p:nvSpPr>
+          <p:cNvPr id="4" name="Tekstvak 3">
+            <a:extLst>
+              <a:ext uri="{FF2B5EF4-FFF2-40B4-BE49-F238E27FC236}">
+                <a16:creationId xmlns:a16="http://schemas.microsoft.com/office/drawing/2014/main" id="{3B00A09E-DFF0-91E9-D45D-6C7C62F3B82A}"/>
+              </a:ext>
+            </a:extLst>
+          </p:cNvPr>
+          <p:cNvSpPr txBox="1"/>
+          <p:nvPr/>
+        </p:nvSpPr>
+        <p:spPr>
+          <a:xfrm>
+            <a:off x="-40153" y="3522478"/>
+            <a:ext cx="6898153" cy="369332"/>
+          </a:xfrm>
+          <a:prstGeom prst="rect">
+            <a:avLst/>
+          </a:prstGeom>
+          <a:noFill/>
+        </p:spPr>
+        <p:txBody>
+          <a:bodyPr wrap="square">
+            <a:spAutoFit/>
+          </a:bodyPr>
+          <a:lstStyle/>
+          <a:p>
+            <a:r>
+              <a:rPr lang="nl-BE" dirty="0"/>
+              <a:t>https://thenounproject.com/icon/computer-4179874/</a:t>
+            </a:r>
+          </a:p>
+        </p:txBody>
+      </p:sp>
+      <p:pic>
+        <p:nvPicPr>
+          <p:cNvPr id="5" name="Afbeelding 4">
+            <a:extLst>
+              <a:ext uri="{FF2B5EF4-FFF2-40B4-BE49-F238E27FC236}">
+                <a16:creationId xmlns:a16="http://schemas.microsoft.com/office/drawing/2014/main" id="{EDC882AD-FD58-EB5D-F22A-DFFA7772E4BA}"/>
+              </a:ext>
+            </a:extLst>
+          </p:cNvPr>
+          <p:cNvPicPr>
+            <a:picLocks noChangeAspect="1"/>
+          </p:cNvPicPr>
+          <p:nvPr/>
+        </p:nvPicPr>
+        <p:blipFill>
+          <a:blip r:embed="rId2"/>
+          <a:stretch>
+            <a:fillRect/>
+          </a:stretch>
+        </p:blipFill>
+        <p:spPr>
+          <a:xfrm>
+            <a:off x="0" y="1403157"/>
+            <a:ext cx="6858000" cy="2077899"/>
+          </a:xfrm>
+          <a:prstGeom prst="rect">
+            <a:avLst/>
+          </a:prstGeom>
+        </p:spPr>
+      </p:pic>
+      <p:sp>
+        <p:nvSpPr>
+          <p:cNvPr id="9" name="Tijdelijke aanduiding voor inhoud 8">
+            <a:extLst>
+              <a:ext uri="{FF2B5EF4-FFF2-40B4-BE49-F238E27FC236}">
+                <a16:creationId xmlns:a16="http://schemas.microsoft.com/office/drawing/2014/main" id="{4972E01C-50C3-2619-3585-3F4047544322}"/>
+              </a:ext>
+            </a:extLst>
+          </p:cNvPr>
+          <p:cNvSpPr>
+            <a:spLocks noGrp="1"/>
+          </p:cNvSpPr>
+          <p:nvPr>
+            <p:ph idx="1"/>
+          </p:nvPr>
+        </p:nvSpPr>
+        <p:spPr/>
+        <p:txBody>
+          <a:bodyPr/>
+          <a:lstStyle/>
+          <a:p>
+            <a:endParaRPr lang="nl-BE" dirty="0"/>
+          </a:p>
+        </p:txBody>
+      </p:sp>
+    </p:spTree>
+    <p:extLst>
+      <p:ext uri="{BB962C8B-B14F-4D97-AF65-F5344CB8AC3E}">
+        <p14:creationId xmlns:p14="http://schemas.microsoft.com/office/powerpoint/2010/main" val="3682874289"/>
+      </p:ext>
+    </p:extLst>
+  </p:cSld>
+  <p:clrMapOvr>
+    <a:masterClrMapping/>
+  </p:clrMapOvr>
+</p:sld>
+</file>
+
+<file path=ppt/slides/slide2.xml><?xml version="1.0" encoding="utf-8"?>
+<p:sld xmlns:a="http://schemas.openxmlformats.org/drawingml/2006/main" xmlns:r="http://schemas.openxmlformats.org/officeDocument/2006/relationships" xmlns:p="http://schemas.openxmlformats.org/presentationml/2006/main">
+  <p:cSld>
+    <p:spTree>
+      <p:nvGrpSpPr>
+        <p:cNvPr id="1" name=""/>
+        <p:cNvGrpSpPr/>
+        <p:nvPr/>
+      </p:nvGrpSpPr>
+      <p:grpSpPr>
+        <a:xfrm>
+          <a:off x="0" y="0"/>
+          <a:ext cx="0" cy="0"/>
+          <a:chOff x="0" y="0"/>
+          <a:chExt cx="0" cy="0"/>
+        </a:xfrm>
+      </p:grpSpPr>
+      <p:sp>
+        <p:nvSpPr>
+          <p:cNvPr id="2" name="Titel 1">
+            <a:extLst>
+              <a:ext uri="{FF2B5EF4-FFF2-40B4-BE49-F238E27FC236}">
+                <a16:creationId xmlns:a16="http://schemas.microsoft.com/office/drawing/2014/main" id="{F87CA3E8-0A5C-189C-18B3-EFE6E43A4151}"/>
+              </a:ext>
+            </a:extLst>
+          </p:cNvPr>
+          <p:cNvSpPr>
+            <a:spLocks noGrp="1"/>
+          </p:cNvSpPr>
+          <p:nvPr>
+            <p:ph type="title"/>
+          </p:nvPr>
+        </p:nvSpPr>
+        <p:spPr/>
+        <p:txBody>
+          <a:bodyPr/>
+          <a:lstStyle/>
+          <a:p>
+            <a:endParaRPr lang="nl-BE"/>
+          </a:p>
+        </p:txBody>
+      </p:sp>
+      <p:sp>
+        <p:nvSpPr>
+          <p:cNvPr id="3" name="Tijdelijke aanduiding voor inhoud 2">
+            <a:extLst>
+              <a:ext uri="{FF2B5EF4-FFF2-40B4-BE49-F238E27FC236}">
+                <a16:creationId xmlns:a16="http://schemas.microsoft.com/office/drawing/2014/main" id="{4181AA6C-3749-022C-4083-55B17FD8BDA0}"/>
+              </a:ext>
+            </a:extLst>
+          </p:cNvPr>
+          <p:cNvSpPr>
+            <a:spLocks noGrp="1"/>
+          </p:cNvSpPr>
+          <p:nvPr>
+            <p:ph idx="1"/>
+          </p:nvPr>
+        </p:nvSpPr>
+        <p:spPr/>
+        <p:txBody>
+          <a:bodyPr/>
+          <a:lstStyle/>
+          <a:p>
+            <a:endParaRPr lang="nl-BE"/>
+          </a:p>
+        </p:txBody>
+      </p:sp>
+    </p:spTree>
+    <p:extLst>
+      <p:ext uri="{BB962C8B-B14F-4D97-AF65-F5344CB8AC3E}">
+        <p14:creationId xmlns:p14="http://schemas.microsoft.com/office/powerpoint/2010/main" val="3440927998"/>
+      </p:ext>
+    </p:extLst>
+  </p:cSld>
+  <p:clrMapOvr>
+    <a:masterClrMapping/>
+  </p:clrMapOvr>
+</p:sld>
+</file>
+
+<file path=ppt/slides/slide3.xml><?xml version="1.0" encoding="utf-8"?>
+<p:sld xmlns:a="http://schemas.openxmlformats.org/drawingml/2006/main" xmlns:r="http://schemas.openxmlformats.org/officeDocument/2006/relationships" xmlns:p="http://schemas.openxmlformats.org/presentationml/2006/main">
+  <p:cSld>
+    <p:spTree>
+      <p:nvGrpSpPr>
+        <p:cNvPr id="1" name=""/>
+        <p:cNvGrpSpPr/>
+        <p:nvPr/>
+      </p:nvGrpSpPr>
+      <p:grpSpPr>
+        <a:xfrm>
+          <a:off x="0" y="0"/>
+          <a:ext cx="0" cy="0"/>
+          <a:chOff x="0" y="0"/>
+          <a:chExt cx="0" cy="0"/>
+        </a:xfrm>
+      </p:grpSpPr>
+      <p:sp>
+        <p:nvSpPr>
+          <p:cNvPr id="35" name="Rechthoek 34">
+            <a:extLst>
+              <a:ext uri="{FF2B5EF4-FFF2-40B4-BE49-F238E27FC236}">
+                <a16:creationId xmlns:a16="http://schemas.microsoft.com/office/drawing/2014/main" id="{72DFE502-1AA9-D5ED-F012-DF21D37497C1}"/>
+              </a:ext>
+            </a:extLst>
+          </p:cNvPr>
+          <p:cNvSpPr/>
+          <p:nvPr/>
+        </p:nvSpPr>
+        <p:spPr>
+          <a:xfrm>
+            <a:off x="183538" y="8119067"/>
+            <a:ext cx="6714616" cy="1576334"/>
+          </a:xfrm>
+          <a:prstGeom prst="rect">
+            <a:avLst/>
+          </a:prstGeom>
+          <a:solidFill>
+            <a:srgbClr val="EDF6F9"/>
+          </a:solidFill>
+          <a:ln>
+            <a:noFill/>
+          </a:ln>
+        </p:spPr>
+        <p:style>
+          <a:lnRef idx="2">
+            <a:schemeClr val="accent1">
+              <a:shade val="15000"/>
+            </a:schemeClr>
+          </a:lnRef>
+          <a:fillRef idx="1">
+            <a:schemeClr val="accent1"/>
+          </a:fillRef>
+          <a:effectRef idx="0">
+            <a:schemeClr val="accent1"/>
+          </a:effectRef>
+          <a:fontRef idx="minor">
+            <a:schemeClr val="lt1"/>
+          </a:fontRef>
+        </p:style>
+        <p:txBody>
+          <a:bodyPr rtlCol="0" anchor="ctr"/>
+          <a:lstStyle/>
+          <a:p>
+            <a:pPr algn="ctr"/>
+            <a:endParaRPr lang="nl-BE" dirty="0"/>
+          </a:p>
+        </p:txBody>
+      </p:sp>
+      <p:sp>
+        <p:nvSpPr>
+          <p:cNvPr id="18" name="Rechthoek 17">
+            <a:extLst>
+              <a:ext uri="{FF2B5EF4-FFF2-40B4-BE49-F238E27FC236}">
+                <a16:creationId xmlns:a16="http://schemas.microsoft.com/office/drawing/2014/main" id="{A1893BAD-4A72-3B2C-1172-F163385B6740}"/>
+              </a:ext>
+            </a:extLst>
+          </p:cNvPr>
+          <p:cNvSpPr/>
+          <p:nvPr/>
+        </p:nvSpPr>
+        <p:spPr>
+          <a:xfrm>
+            <a:off x="3579833" y="4518870"/>
+            <a:ext cx="3278167" cy="3662524"/>
+          </a:xfrm>
+          <a:prstGeom prst="rect">
+            <a:avLst/>
+          </a:prstGeom>
+          <a:solidFill>
+            <a:srgbClr val="FFDDD2"/>
+          </a:solidFill>
+          <a:ln>
+            <a:noFill/>
+          </a:ln>
+        </p:spPr>
+        <p:style>
+          <a:lnRef idx="2">
+            <a:schemeClr val="accent1">
+              <a:shade val="15000"/>
+            </a:schemeClr>
+          </a:lnRef>
+          <a:fillRef idx="1">
+            <a:schemeClr val="accent1"/>
+          </a:fillRef>
+          <a:effectRef idx="0">
+            <a:schemeClr val="accent1"/>
+          </a:effectRef>
+          <a:fontRef idx="minor">
+            <a:schemeClr val="lt1"/>
+          </a:fontRef>
+        </p:style>
+        <p:txBody>
+          <a:bodyPr rtlCol="0" anchor="ctr"/>
+          <a:lstStyle/>
+          <a:p>
+            <a:pPr algn="ctr"/>
+            <a:endParaRPr lang="nl-BE" sz="1200" dirty="0">
+              <a:solidFill>
+                <a:schemeClr val="tx1"/>
+              </a:solidFill>
+              <a:latin typeface="Arial" panose="020B0604020202020204" pitchFamily="34" charset="0"/>
+              <a:cs typeface="Arial" panose="020B0604020202020204" pitchFamily="34" charset="0"/>
+            </a:endParaRPr>
+          </a:p>
+        </p:txBody>
+      </p:sp>
+      <p:sp>
+        <p:nvSpPr>
+          <p:cNvPr id="25" name="Rechthoek 24">
+            <a:extLst>
+              <a:ext uri="{FF2B5EF4-FFF2-40B4-BE49-F238E27FC236}">
+                <a16:creationId xmlns:a16="http://schemas.microsoft.com/office/drawing/2014/main" id="{A6009C89-11DB-B92B-BEA2-BB96A0AEDB73}"/>
+              </a:ext>
+            </a:extLst>
+          </p:cNvPr>
+          <p:cNvSpPr/>
+          <p:nvPr/>
+        </p:nvSpPr>
+        <p:spPr>
+          <a:xfrm>
+            <a:off x="0" y="-108243"/>
+            <a:ext cx="6877676" cy="289791"/>
+          </a:xfrm>
+          <a:prstGeom prst="rect">
+            <a:avLst/>
+          </a:prstGeom>
+          <a:solidFill>
+            <a:srgbClr val="006D77"/>
+          </a:solidFill>
+          <a:ln>
+            <a:noFill/>
+          </a:ln>
+        </p:spPr>
+        <p:style>
+          <a:lnRef idx="2">
+            <a:schemeClr val="accent1">
+              <a:shade val="15000"/>
+            </a:schemeClr>
+          </a:lnRef>
+          <a:fillRef idx="1">
+            <a:schemeClr val="accent1"/>
+          </a:fillRef>
+          <a:effectRef idx="0">
+            <a:schemeClr val="accent1"/>
+          </a:effectRef>
+          <a:fontRef idx="minor">
+            <a:schemeClr val="lt1"/>
+          </a:fontRef>
+        </p:style>
+        <p:txBody>
+          <a:bodyPr rtlCol="0" anchor="ctr"/>
+          <a:lstStyle/>
+          <a:p>
+            <a:pPr algn="ctr"/>
+            <a:endParaRPr lang="nl-BE" dirty="0"/>
+          </a:p>
+        </p:txBody>
+      </p:sp>
+      <p:sp>
+        <p:nvSpPr>
+          <p:cNvPr id="26" name="Rechthoek 25">
+            <a:extLst>
+              <a:ext uri="{FF2B5EF4-FFF2-40B4-BE49-F238E27FC236}">
+                <a16:creationId xmlns:a16="http://schemas.microsoft.com/office/drawing/2014/main" id="{6193FCA1-9D55-E293-3688-B2548E408474}"/>
+              </a:ext>
+            </a:extLst>
+          </p:cNvPr>
+          <p:cNvSpPr/>
+          <p:nvPr/>
+        </p:nvSpPr>
+        <p:spPr>
+          <a:xfrm rot="16200000">
+            <a:off x="-5048307" y="4794807"/>
+            <a:ext cx="10134895" cy="328793"/>
+          </a:xfrm>
+          <a:prstGeom prst="rect">
+            <a:avLst/>
+          </a:prstGeom>
+          <a:solidFill>
+            <a:srgbClr val="006D77"/>
+          </a:solidFill>
+          <a:ln>
+            <a:noFill/>
+          </a:ln>
+        </p:spPr>
+        <p:style>
+          <a:lnRef idx="2">
+            <a:schemeClr val="accent1">
+              <a:shade val="15000"/>
+            </a:schemeClr>
+          </a:lnRef>
+          <a:fillRef idx="1">
+            <a:schemeClr val="accent1"/>
+          </a:fillRef>
+          <a:effectRef idx="0">
+            <a:schemeClr val="accent1"/>
+          </a:effectRef>
+          <a:fontRef idx="minor">
+            <a:schemeClr val="lt1"/>
+          </a:fontRef>
+        </p:style>
+        <p:txBody>
+          <a:bodyPr rtlCol="0" anchor="ctr"/>
+          <a:lstStyle/>
+          <a:p>
+            <a:pPr algn="ctr"/>
+            <a:endParaRPr lang="nl-BE" dirty="0"/>
+          </a:p>
+        </p:txBody>
+      </p:sp>
+      <p:pic>
+        <p:nvPicPr>
+          <p:cNvPr id="43" name="Afbeelding 42">
+            <a:extLst>
+              <a:ext uri="{FF2B5EF4-FFF2-40B4-BE49-F238E27FC236}">
+                <a16:creationId xmlns:a16="http://schemas.microsoft.com/office/drawing/2014/main" id="{EE519423-BCB6-1AEE-0A06-51CAF586F5B7}"/>
+              </a:ext>
+            </a:extLst>
+          </p:cNvPr>
+          <p:cNvPicPr>
+            <a:picLocks noChangeAspect="1"/>
+          </p:cNvPicPr>
+          <p:nvPr/>
+        </p:nvPicPr>
+        <p:blipFill>
+          <a:blip r:embed="rId2"/>
+          <a:stretch>
+            <a:fillRect/>
+          </a:stretch>
+        </p:blipFill>
+        <p:spPr>
+          <a:xfrm>
+            <a:off x="27751" y="-2395997"/>
+            <a:ext cx="6858000" cy="2077899"/>
+          </a:xfrm>
+          <a:prstGeom prst="rect">
+            <a:avLst/>
+          </a:prstGeom>
+        </p:spPr>
+      </p:pic>
+      <p:grpSp>
+        <p:nvGrpSpPr>
+          <p:cNvPr id="2" name="Groep 1">
+            <a:extLst>
+              <a:ext uri="{FF2B5EF4-FFF2-40B4-BE49-F238E27FC236}">
+                <a16:creationId xmlns:a16="http://schemas.microsoft.com/office/drawing/2014/main" id="{279CC530-3311-29A2-0A26-5C41F2899DFE}"/>
+              </a:ext>
+            </a:extLst>
+          </p:cNvPr>
+          <p:cNvGrpSpPr/>
+          <p:nvPr/>
+        </p:nvGrpSpPr>
+        <p:grpSpPr>
+          <a:xfrm>
+            <a:off x="252122" y="9709289"/>
+            <a:ext cx="6641068" cy="200055"/>
+            <a:chOff x="215065" y="9706462"/>
+            <a:chExt cx="6641068" cy="200055"/>
+          </a:xfrm>
+        </p:grpSpPr>
+        <p:sp>
+          <p:nvSpPr>
+            <p:cNvPr id="3" name="Tekstvak 25">
+              <a:extLst>
+                <a:ext uri="{FF2B5EF4-FFF2-40B4-BE49-F238E27FC236}">
+                  <a16:creationId xmlns:a16="http://schemas.microsoft.com/office/drawing/2014/main" id="{7E5296E7-371C-D002-F626-95209ABFE8F7}"/>
+                </a:ext>
+              </a:extLst>
+            </p:cNvPr>
+            <p:cNvSpPr txBox="1"/>
+            <p:nvPr/>
+          </p:nvSpPr>
+          <p:spPr>
+            <a:xfrm>
+              <a:off x="1077633" y="9706462"/>
+              <a:ext cx="5778500" cy="200055"/>
+            </a:xfrm>
+            <a:prstGeom prst="rect">
+              <a:avLst/>
+            </a:prstGeom>
+            <a:noFill/>
+          </p:spPr>
+          <p:txBody>
+            <a:bodyPr wrap="square" rtlCol="0">
+              <a:spAutoFit/>
+            </a:bodyPr>
+            <a:lstStyle>
+              <a:defPPr>
+                <a:defRPr lang="en-US"/>
+              </a:defPPr>
+              <a:lvl1pPr marL="0" algn="l" defTabSz="457200" rtl="0" eaLnBrk="1" latinLnBrk="0" hangingPunct="1">
+                <a:defRPr sz="1800" kern="1200">
+                  <a:solidFill>
+                    <a:schemeClr val="tx1"/>
+                  </a:solidFill>
+                  <a:latin typeface="+mn-lt"/>
+                  <a:ea typeface="+mn-ea"/>
+                  <a:cs typeface="+mn-cs"/>
+                </a:defRPr>
+              </a:lvl1pPr>
+              <a:lvl2pPr marL="457200" algn="l" defTabSz="457200" rtl="0" eaLnBrk="1" latinLnBrk="0" hangingPunct="1">
+                <a:defRPr sz="1800" kern="1200">
+                  <a:solidFill>
+                    <a:schemeClr val="tx1"/>
+                  </a:solidFill>
+                  <a:latin typeface="+mn-lt"/>
+                  <a:ea typeface="+mn-ea"/>
+                  <a:cs typeface="+mn-cs"/>
+                </a:defRPr>
+              </a:lvl2pPr>
+              <a:lvl3pPr marL="914400" algn="l" defTabSz="457200" rtl="0" eaLnBrk="1" latinLnBrk="0" hangingPunct="1">
+                <a:defRPr sz="1800" kern="1200">
+                  <a:solidFill>
+                    <a:schemeClr val="tx1"/>
+                  </a:solidFill>
+                  <a:latin typeface="+mn-lt"/>
+                  <a:ea typeface="+mn-ea"/>
+                  <a:cs typeface="+mn-cs"/>
+                </a:defRPr>
+              </a:lvl3pPr>
+              <a:lvl4pPr marL="1371600" algn="l" defTabSz="457200" rtl="0" eaLnBrk="1" latinLnBrk="0" hangingPunct="1">
+                <a:defRPr sz="1800" kern="1200">
+                  <a:solidFill>
+                    <a:schemeClr val="tx1"/>
+                  </a:solidFill>
+                  <a:latin typeface="+mn-lt"/>
+                  <a:ea typeface="+mn-ea"/>
+                  <a:cs typeface="+mn-cs"/>
+                </a:defRPr>
+              </a:lvl4pPr>
+              <a:lvl5pPr marL="1828800" algn="l" defTabSz="457200" rtl="0" eaLnBrk="1" latinLnBrk="0" hangingPunct="1">
+                <a:defRPr sz="1800" kern="1200">
+                  <a:solidFill>
+                    <a:schemeClr val="tx1"/>
+                  </a:solidFill>
+                  <a:latin typeface="+mn-lt"/>
+                  <a:ea typeface="+mn-ea"/>
+                  <a:cs typeface="+mn-cs"/>
+                </a:defRPr>
+              </a:lvl5pPr>
+              <a:lvl6pPr marL="2286000" algn="l" defTabSz="457200" rtl="0" eaLnBrk="1" latinLnBrk="0" hangingPunct="1">
+                <a:defRPr sz="1800" kern="1200">
+                  <a:solidFill>
+                    <a:schemeClr val="tx1"/>
+                  </a:solidFill>
+                  <a:latin typeface="+mn-lt"/>
+                  <a:ea typeface="+mn-ea"/>
+                  <a:cs typeface="+mn-cs"/>
+                </a:defRPr>
+              </a:lvl6pPr>
+              <a:lvl7pPr marL="2743200" algn="l" defTabSz="457200" rtl="0" eaLnBrk="1" latinLnBrk="0" hangingPunct="1">
+                <a:defRPr sz="1800" kern="1200">
+                  <a:solidFill>
+                    <a:schemeClr val="tx1"/>
+                  </a:solidFill>
+                  <a:latin typeface="+mn-lt"/>
+                  <a:ea typeface="+mn-ea"/>
+                  <a:cs typeface="+mn-cs"/>
+                </a:defRPr>
+              </a:lvl7pPr>
+              <a:lvl8pPr marL="3200400" algn="l" defTabSz="457200" rtl="0" eaLnBrk="1" latinLnBrk="0" hangingPunct="1">
+                <a:defRPr sz="1800" kern="1200">
+                  <a:solidFill>
+                    <a:schemeClr val="tx1"/>
+                  </a:solidFill>
+                  <a:latin typeface="+mn-lt"/>
+                  <a:ea typeface="+mn-ea"/>
+                  <a:cs typeface="+mn-cs"/>
+                </a:defRPr>
+              </a:lvl8pPr>
+              <a:lvl9pPr marL="3657600" algn="l" defTabSz="457200" rtl="0" eaLnBrk="1" latinLnBrk="0" hangingPunct="1">
+                <a:defRPr sz="1800" kern="1200">
+                  <a:solidFill>
+                    <a:schemeClr val="tx1"/>
+                  </a:solidFill>
+                  <a:latin typeface="+mn-lt"/>
+                  <a:ea typeface="+mn-ea"/>
+                  <a:cs typeface="+mn-cs"/>
+                </a:defRPr>
+              </a:lvl9pPr>
+            </a:lstStyle>
+            <a:p>
+              <a:pPr algn="r"/>
+              <a:r>
+                <a:rPr lang="nl-NL" sz="700" dirty="0">
+                  <a:latin typeface="Francois One" panose="02000503040000020004" pitchFamily="2" charset="0"/>
+                </a:rPr>
+                <a:t>Handboek “Zie Scherp Scherper”, Tim Dams (ziescherp.be)</a:t>
+              </a:r>
+              <a:endParaRPr lang="nl-BE" sz="700" dirty="0">
+                <a:latin typeface="Francois One" panose="02000503040000020004" pitchFamily="2" charset="0"/>
+              </a:endParaRPr>
+            </a:p>
+          </p:txBody>
+        </p:sp>
+        <p:pic>
+          <p:nvPicPr>
+            <p:cNvPr id="4" name="Afbeelding 3" descr="Afbeelding met symbool, Lettertype, logo&#10;&#10;Automatisch gegenereerde beschrijving">
+              <a:extLst>
+                <a:ext uri="{FF2B5EF4-FFF2-40B4-BE49-F238E27FC236}">
+                  <a16:creationId xmlns:a16="http://schemas.microsoft.com/office/drawing/2014/main" id="{5185D0BC-F6F4-D0D2-6ED5-E318A5E178AD}"/>
+                </a:ext>
+              </a:extLst>
+            </p:cNvPr>
+            <p:cNvPicPr>
+              <a:picLocks noChangeAspect="1"/>
+            </p:cNvPicPr>
+            <p:nvPr/>
+          </p:nvPicPr>
+          <p:blipFill>
+            <a:blip r:embed="rId3">
+              <a:clrChange>
+                <a:clrFrom>
+                  <a:srgbClr val="DFE0E0"/>
+                </a:clrFrom>
+                <a:clrTo>
+                  <a:srgbClr val="DFE0E0">
+                    <a:alpha val="0"/>
+                  </a:srgbClr>
+                </a:clrTo>
+              </a:clrChange>
+              <a:extLst>
+                <a:ext uri="{28A0092B-C50C-407E-A947-70E740481C1C}">
+                  <a14:useLocalDpi xmlns:a14="http://schemas.microsoft.com/office/drawing/2010/main" val="0"/>
+                </a:ext>
+              </a:extLst>
+            </a:blip>
+            <a:stretch>
+              <a:fillRect/>
+            </a:stretch>
+          </p:blipFill>
+          <p:spPr>
+            <a:xfrm>
+              <a:off x="4296956" y="9718910"/>
+              <a:ext cx="304801" cy="158496"/>
+            </a:xfrm>
+            <a:prstGeom prst="rect">
+              <a:avLst/>
+            </a:prstGeom>
+          </p:spPr>
+        </p:pic>
+        <p:pic>
+          <p:nvPicPr>
+            <p:cNvPr id="5" name="Picture 2" descr="Huisstijl | AP Hogeschool">
+              <a:extLst>
+                <a:ext uri="{FF2B5EF4-FFF2-40B4-BE49-F238E27FC236}">
+                  <a16:creationId xmlns:a16="http://schemas.microsoft.com/office/drawing/2014/main" id="{83EAF974-CDFE-3B1F-BB0E-EA2FB0D90F0C}"/>
+                </a:ext>
+              </a:extLst>
+            </p:cNvPr>
+            <p:cNvPicPr>
+              <a:picLocks noChangeAspect="1" noChangeArrowheads="1"/>
+            </p:cNvPicPr>
+            <p:nvPr/>
+          </p:nvPicPr>
+          <p:blipFill>
+            <a:blip r:embed="rId4">
+              <a:extLst>
+                <a:ext uri="{28A0092B-C50C-407E-A947-70E740481C1C}">
+                  <a14:useLocalDpi xmlns:a14="http://schemas.microsoft.com/office/drawing/2010/main" val="0"/>
+                </a:ext>
+              </a:extLst>
+            </a:blip>
+            <a:srcRect/>
+            <a:stretch>
+              <a:fillRect/>
+            </a:stretch>
+          </p:blipFill>
+          <p:spPr bwMode="auto">
+            <a:xfrm>
+              <a:off x="215065" y="9763478"/>
+              <a:ext cx="498399" cy="71991"/>
+            </a:xfrm>
+            <a:prstGeom prst="rect">
+              <a:avLst/>
+            </a:prstGeom>
+            <a:noFill/>
+            <a:extLst>
+              <a:ext uri="{909E8E84-426E-40DD-AFC4-6F175D3DCCD1}">
+                <a14:hiddenFill xmlns:a14="http://schemas.microsoft.com/office/drawing/2010/main">
+                  <a:solidFill>
+                    <a:srgbClr val="FFFFFF"/>
+                  </a:solidFill>
+                </a14:hiddenFill>
+              </a:ext>
+            </a:extLst>
+          </p:spPr>
+        </p:pic>
+        <p:pic>
+          <p:nvPicPr>
+            <p:cNvPr id="6" name="Picture 4" descr="logo">
+              <a:extLst>
+                <a:ext uri="{FF2B5EF4-FFF2-40B4-BE49-F238E27FC236}">
+                  <a16:creationId xmlns:a16="http://schemas.microsoft.com/office/drawing/2014/main" id="{A8AEB676-F38B-B2F4-623C-FE5EBD82DFBB}"/>
+                </a:ext>
+              </a:extLst>
+            </p:cNvPr>
+            <p:cNvPicPr>
+              <a:picLocks noChangeAspect="1" noChangeArrowheads="1"/>
+            </p:cNvPicPr>
+            <p:nvPr/>
+          </p:nvPicPr>
+          <p:blipFill>
+            <a:blip r:embed="rId5">
+              <a:extLst>
+                <a:ext uri="{28A0092B-C50C-407E-A947-70E740481C1C}">
+                  <a14:useLocalDpi xmlns:a14="http://schemas.microsoft.com/office/drawing/2010/main" val="0"/>
+                </a:ext>
+              </a:extLst>
+            </a:blip>
+            <a:srcRect/>
+            <a:stretch>
+              <a:fillRect/>
+            </a:stretch>
+          </p:blipFill>
+          <p:spPr bwMode="auto">
+            <a:xfrm>
+              <a:off x="827094" y="9747692"/>
+              <a:ext cx="881846" cy="103562"/>
+            </a:xfrm>
+            <a:prstGeom prst="rect">
+              <a:avLst/>
+            </a:prstGeom>
+            <a:noFill/>
+            <a:extLst>
+              <a:ext uri="{909E8E84-426E-40DD-AFC4-6F175D3DCCD1}">
+                <a14:hiddenFill xmlns:a14="http://schemas.microsoft.com/office/drawing/2010/main">
+                  <a:solidFill>
+                    <a:srgbClr val="FFFFFF"/>
+                  </a:solidFill>
+                </a14:hiddenFill>
+              </a:ext>
+            </a:extLst>
+          </p:spPr>
+        </p:pic>
+      </p:grpSp>
+      <p:graphicFrame>
+        <p:nvGraphicFramePr>
+          <p:cNvPr id="7" name="Table 4">
+            <a:extLst>
+              <a:ext uri="{FF2B5EF4-FFF2-40B4-BE49-F238E27FC236}">
+                <a16:creationId xmlns:a16="http://schemas.microsoft.com/office/drawing/2014/main" id="{9E00C183-1623-BEC3-1F51-C495A836D263}"/>
+              </a:ext>
+            </a:extLst>
+          </p:cNvPr>
+          <p:cNvGraphicFramePr>
+            <a:graphicFrameLocks noGrp="1"/>
+          </p:cNvGraphicFramePr>
+          <p:nvPr>
+            <p:extLst>
+              <p:ext uri="{D42A27DB-BD31-4B8C-83A1-F6EECF244321}">
+                <p14:modId xmlns:p14="http://schemas.microsoft.com/office/powerpoint/2010/main" val="3504419609"/>
+              </p:ext>
+            </p:extLst>
+          </p:nvPr>
+        </p:nvGraphicFramePr>
+        <p:xfrm>
+          <a:off x="226541" y="783360"/>
+          <a:ext cx="3893485" cy="3837379"/>
+        </p:xfrm>
+        <a:graphic>
+          <a:graphicData uri="http://schemas.openxmlformats.org/drawingml/2006/table">
+            <a:tbl>
+              <a:tblPr firstRow="1" firstCol="1" bandRow="1">
+                <a:tableStyleId>{2D5ABB26-0587-4C30-8999-92F81FD0307C}</a:tableStyleId>
+              </a:tblPr>
+              <a:tblGrid>
+                <a:gridCol w="1684295">
+                  <a:extLst>
+                    <a:ext uri="{9D8B030D-6E8A-4147-A177-3AD203B41FA5}">
+                      <a16:colId xmlns:a16="http://schemas.microsoft.com/office/drawing/2014/main" val="20000"/>
+                    </a:ext>
+                  </a:extLst>
+                </a:gridCol>
+                <a:gridCol w="2209190">
+                  <a:extLst>
+                    <a:ext uri="{9D8B030D-6E8A-4147-A177-3AD203B41FA5}">
+                      <a16:colId xmlns:a16="http://schemas.microsoft.com/office/drawing/2014/main" val="20001"/>
+                    </a:ext>
+                  </a:extLst>
+                </a:gridCol>
+              </a:tblGrid>
+              <a:tr h="404246">
+                <a:tc>
+                  <a:txBody>
+                    <a:bodyPr/>
+                    <a:lstStyle/>
+                    <a:p>
+                      <a:pPr>
+                        <a:lnSpc>
+                          <a:spcPct val="107000"/>
+                        </a:lnSpc>
+                        <a:spcAft>
+                          <a:spcPts val="0"/>
+                        </a:spcAft>
+                      </a:pPr>
+                      <a:r>
+                        <a:rPr lang="nl-BE" sz="600" b="1" kern="0" dirty="0">
+                          <a:solidFill>
+                            <a:srgbClr val="000000"/>
+                          </a:solidFill>
+                          <a:effectLst/>
+                        </a:rPr>
+                        <a:t> </a:t>
+                      </a:r>
+                      <a:r>
+                        <a:rPr lang="nl-BE" sz="600" b="1" kern="0" dirty="0" err="1">
+                          <a:solidFill>
+                            <a:srgbClr val="0000FF"/>
+                          </a:solidFill>
+                          <a:effectLst/>
+                        </a:rPr>
+                        <a:t>static</a:t>
+                      </a:r>
+                      <a:r>
+                        <a:rPr lang="nl-BE" sz="600" b="1" kern="0" dirty="0">
+                          <a:solidFill>
+                            <a:srgbClr val="000000"/>
+                          </a:solidFill>
+                          <a:effectLst/>
+                        </a:rPr>
+                        <a:t> </a:t>
+                      </a:r>
+                      <a:r>
+                        <a:rPr lang="nl-BE" sz="600" b="1" kern="0" dirty="0" err="1">
+                          <a:solidFill>
+                            <a:srgbClr val="0000FF"/>
+                          </a:solidFill>
+                          <a:effectLst/>
+                        </a:rPr>
+                        <a:t>void</a:t>
+                      </a:r>
+                      <a:r>
+                        <a:rPr lang="nl-BE" sz="600" b="1" kern="0" dirty="0">
+                          <a:solidFill>
+                            <a:srgbClr val="000000"/>
+                          </a:solidFill>
+                          <a:effectLst/>
+                        </a:rPr>
+                        <a:t> </a:t>
+                      </a:r>
+                      <a:r>
+                        <a:rPr lang="nl-BE" sz="600" b="1" kern="0" dirty="0" err="1">
+                          <a:solidFill>
+                            <a:srgbClr val="000000"/>
+                          </a:solidFill>
+                          <a:effectLst/>
+                        </a:rPr>
+                        <a:t>ToonTitel</a:t>
+                      </a:r>
+                      <a:r>
+                        <a:rPr lang="nl-BE" sz="600" b="1" kern="0" dirty="0">
+                          <a:solidFill>
+                            <a:srgbClr val="000000"/>
+                          </a:solidFill>
+                          <a:effectLst/>
+                        </a:rPr>
+                        <a:t>()</a:t>
+                      </a:r>
+                      <a:endParaRPr lang="nl-BE" sz="800" kern="100" dirty="0">
+                        <a:effectLst/>
+                      </a:endParaRPr>
+                    </a:p>
+                    <a:p>
+                      <a:pPr>
+                        <a:lnSpc>
+                          <a:spcPct val="107000"/>
+                        </a:lnSpc>
+                        <a:spcAft>
+                          <a:spcPts val="0"/>
+                        </a:spcAft>
+                      </a:pPr>
+                      <a:r>
+                        <a:rPr lang="nl-BE" sz="600" b="1" kern="0" dirty="0">
+                          <a:solidFill>
+                            <a:srgbClr val="000000"/>
+                          </a:solidFill>
+                          <a:effectLst/>
+                        </a:rPr>
+                        <a:t> {</a:t>
+                      </a:r>
+                      <a:endParaRPr lang="nl-BE" sz="800" kern="100" dirty="0">
+                        <a:effectLst/>
+                      </a:endParaRPr>
+                    </a:p>
+                    <a:p>
+                      <a:pPr>
+                        <a:lnSpc>
+                          <a:spcPct val="107000"/>
+                        </a:lnSpc>
+                        <a:spcAft>
+                          <a:spcPts val="0"/>
+                        </a:spcAft>
+                      </a:pPr>
+                      <a:r>
+                        <a:rPr lang="nl-BE" sz="600" b="1" kern="0" dirty="0">
+                          <a:solidFill>
+                            <a:srgbClr val="000000"/>
+                          </a:solidFill>
+                          <a:effectLst/>
+                        </a:rPr>
+                        <a:t>       </a:t>
+                      </a:r>
+                      <a:r>
+                        <a:rPr lang="nl-BE" sz="600" b="1" kern="0" dirty="0" err="1">
+                          <a:solidFill>
+                            <a:srgbClr val="2B91AF"/>
+                          </a:solidFill>
+                          <a:effectLst/>
+                        </a:rPr>
+                        <a:t>Console</a:t>
+                      </a:r>
+                      <a:r>
+                        <a:rPr lang="nl-BE" sz="600" b="1" kern="0" dirty="0" err="1">
+                          <a:solidFill>
+                            <a:srgbClr val="000000"/>
+                          </a:solidFill>
+                          <a:effectLst/>
+                        </a:rPr>
+                        <a:t>.WriteLine</a:t>
+                      </a:r>
+                      <a:r>
+                        <a:rPr lang="nl-BE" sz="600" b="1" kern="0" dirty="0">
+                          <a:solidFill>
+                            <a:srgbClr val="000000"/>
+                          </a:solidFill>
+                          <a:effectLst/>
+                        </a:rPr>
+                        <a:t>(</a:t>
+                      </a:r>
+                      <a:r>
+                        <a:rPr lang="nl-BE" sz="600" b="1" kern="0" dirty="0">
+                          <a:solidFill>
+                            <a:srgbClr val="A31515"/>
+                          </a:solidFill>
+                          <a:effectLst/>
+                        </a:rPr>
+                        <a:t>“</a:t>
+                      </a:r>
+                      <a:r>
+                        <a:rPr lang="nl-BE" sz="600" b="1" kern="0" dirty="0" err="1">
+                          <a:solidFill>
+                            <a:srgbClr val="A31515"/>
+                          </a:solidFill>
+                          <a:effectLst/>
+                        </a:rPr>
+                        <a:t>Timsoft</a:t>
+                      </a:r>
+                      <a:r>
+                        <a:rPr lang="nl-BE" sz="600" b="1" kern="0" dirty="0">
+                          <a:solidFill>
+                            <a:srgbClr val="A31515"/>
+                          </a:solidFill>
+                          <a:effectLst/>
+                        </a:rPr>
+                        <a:t> XP"</a:t>
+                      </a:r>
+                      <a:r>
+                        <a:rPr lang="nl-BE" sz="600" b="1" kern="0" dirty="0">
+                          <a:solidFill>
+                            <a:srgbClr val="000000"/>
+                          </a:solidFill>
+                          <a:effectLst/>
+                        </a:rPr>
+                        <a:t>);</a:t>
+                      </a:r>
+                      <a:endParaRPr lang="nl-BE" sz="800" kern="100" dirty="0">
+                        <a:effectLst/>
+                      </a:endParaRPr>
+                    </a:p>
+                    <a:p>
+                      <a:pPr>
+                        <a:lnSpc>
+                          <a:spcPct val="107000"/>
+                        </a:lnSpc>
+                        <a:spcAft>
+                          <a:spcPts val="0"/>
+                        </a:spcAft>
+                      </a:pPr>
+                      <a:r>
+                        <a:rPr lang="nl-BE" sz="600" b="1" kern="0" dirty="0">
+                          <a:solidFill>
+                            <a:srgbClr val="000000"/>
+                          </a:solidFill>
+                          <a:effectLst/>
+                        </a:rPr>
+                        <a:t> }</a:t>
+                      </a:r>
+                      <a:endParaRPr lang="nl-BE" sz="800" kern="100" dirty="0">
+                        <a:effectLst/>
+                        <a:latin typeface="Calibri" panose="020F0502020204030204" pitchFamily="34" charset="0"/>
+                        <a:ea typeface="Calibri" panose="020F0502020204030204" pitchFamily="34" charset="0"/>
+                        <a:cs typeface="Times New Roman" panose="02020603050405020304" pitchFamily="18" charset="0"/>
+                      </a:endParaRPr>
+                    </a:p>
+                  </a:txBody>
+                  <a:tcPr marL="48766" marR="48766" marT="13095" marB="13095">
+                    <a:lnL>
+                      <a:noFill/>
+                    </a:lnL>
+                    <a:lnR>
+                      <a:noFill/>
+                    </a:lnR>
+                    <a:lnT>
+                      <a:noFill/>
+                    </a:lnT>
+                    <a:lnB w="12700" cap="flat" cmpd="sng" algn="ctr">
+                      <a:solidFill>
+                        <a:schemeClr val="tx1"/>
+                      </a:solidFill>
+                      <a:prstDash val="solid"/>
+                      <a:round/>
+                      <a:headEnd type="none" w="med" len="med"/>
+                      <a:tailEnd type="none" w="med" len="med"/>
+                    </a:lnB>
+                  </a:tcPr>
+                </a:tc>
+                <a:tc>
+                  <a:txBody>
+                    <a:bodyPr/>
+                    <a:lstStyle/>
+                    <a:p>
+                      <a:pPr>
+                        <a:lnSpc>
+                          <a:spcPct val="107000"/>
+                        </a:lnSpc>
+                        <a:spcAft>
+                          <a:spcPts val="0"/>
+                        </a:spcAft>
+                      </a:pPr>
+                      <a:r>
+                        <a:rPr lang="nl-BE" sz="700" kern="0" dirty="0" err="1">
+                          <a:solidFill>
+                            <a:srgbClr val="000000"/>
+                          </a:solidFill>
+                          <a:effectLst/>
+                        </a:rPr>
+                        <a:t>ToonTitel</a:t>
+                      </a:r>
+                      <a:r>
+                        <a:rPr lang="nl-BE" sz="700" kern="0" dirty="0">
+                          <a:solidFill>
+                            <a:srgbClr val="000000"/>
+                          </a:solidFill>
+                          <a:effectLst/>
+                        </a:rPr>
+                        <a:t>();</a:t>
+                      </a:r>
+                      <a:endParaRPr lang="nl-BE" sz="800" kern="100" dirty="0">
+                        <a:effectLst/>
+                        <a:latin typeface="Calibri" panose="020F0502020204030204" pitchFamily="34" charset="0"/>
+                        <a:ea typeface="Calibri" panose="020F0502020204030204" pitchFamily="34" charset="0"/>
+                        <a:cs typeface="Times New Roman" panose="02020603050405020304" pitchFamily="18" charset="0"/>
+                      </a:endParaRPr>
+                    </a:p>
+                  </a:txBody>
+                  <a:tcPr marL="48766" marR="48766" marT="13095" marB="13095">
+                    <a:lnL>
+                      <a:noFill/>
+                    </a:lnL>
+                    <a:lnR>
+                      <a:noFill/>
+                    </a:lnR>
+                    <a:lnT>
+                      <a:noFill/>
+                    </a:lnT>
+                    <a:lnB w="12700" cap="flat" cmpd="sng" algn="ctr">
+                      <a:solidFill>
+                        <a:schemeClr val="tx1"/>
+                      </a:solidFill>
+                      <a:prstDash val="solid"/>
+                      <a:round/>
+                      <a:headEnd type="none" w="med" len="med"/>
+                      <a:tailEnd type="none" w="med" len="med"/>
+                    </a:lnB>
+                  </a:tcPr>
+                </a:tc>
+                <a:extLst>
+                  <a:ext uri="{0D108BD9-81ED-4DB2-BD59-A6C34878D82A}">
+                    <a16:rowId xmlns:a16="http://schemas.microsoft.com/office/drawing/2014/main" val="10001"/>
+                  </a:ext>
+                </a:extLst>
+              </a:tr>
+              <a:tr h="404246">
+                <a:tc>
+                  <a:txBody>
+                    <a:bodyPr/>
+                    <a:lstStyle/>
+                    <a:p>
+                      <a:pPr>
+                        <a:lnSpc>
+                          <a:spcPct val="107000"/>
+                        </a:lnSpc>
+                        <a:spcAft>
+                          <a:spcPts val="0"/>
+                        </a:spcAft>
+                      </a:pPr>
+                      <a:r>
+                        <a:rPr lang="nl-BE" sz="600" b="1" kern="0" dirty="0">
+                          <a:solidFill>
+                            <a:srgbClr val="000000"/>
+                          </a:solidFill>
+                          <a:effectLst/>
+                        </a:rPr>
+                        <a:t> </a:t>
+                      </a:r>
+                      <a:r>
+                        <a:rPr lang="nl-BE" sz="600" b="1" kern="0" dirty="0" err="1">
+                          <a:solidFill>
+                            <a:srgbClr val="0000FF"/>
+                          </a:solidFill>
+                          <a:effectLst/>
+                        </a:rPr>
+                        <a:t>static</a:t>
+                      </a:r>
+                      <a:r>
+                        <a:rPr lang="nl-BE" sz="600" b="1" kern="0" dirty="0">
+                          <a:solidFill>
+                            <a:srgbClr val="000000"/>
+                          </a:solidFill>
+                          <a:effectLst/>
+                        </a:rPr>
+                        <a:t> </a:t>
+                      </a:r>
+                      <a:r>
+                        <a:rPr lang="nl-BE" sz="600" b="1" kern="0" dirty="0" err="1">
+                          <a:solidFill>
+                            <a:srgbClr val="0000FF"/>
+                          </a:solidFill>
+                          <a:effectLst/>
+                        </a:rPr>
+                        <a:t>void</a:t>
+                      </a:r>
+                      <a:r>
+                        <a:rPr lang="nl-BE" sz="600" b="1" kern="0" dirty="0">
+                          <a:solidFill>
+                            <a:srgbClr val="000000"/>
+                          </a:solidFill>
+                          <a:effectLst/>
+                        </a:rPr>
+                        <a:t> </a:t>
+                      </a:r>
+                      <a:r>
+                        <a:rPr lang="nl-BE" sz="600" b="1" kern="0" dirty="0" err="1">
+                          <a:solidFill>
+                            <a:srgbClr val="000000"/>
+                          </a:solidFill>
+                          <a:effectLst/>
+                        </a:rPr>
+                        <a:t>ToonNaam</a:t>
+                      </a:r>
+                      <a:r>
+                        <a:rPr lang="nl-BE" sz="600" b="1" kern="0" dirty="0">
+                          <a:solidFill>
+                            <a:srgbClr val="000000"/>
+                          </a:solidFill>
+                          <a:effectLst/>
+                        </a:rPr>
+                        <a:t>(</a:t>
+                      </a:r>
+                      <a:r>
+                        <a:rPr lang="nl-BE" sz="600" b="1" kern="0" dirty="0">
+                          <a:solidFill>
+                            <a:srgbClr val="0000FF"/>
+                          </a:solidFill>
+                          <a:effectLst/>
+                        </a:rPr>
+                        <a:t>string</a:t>
+                      </a:r>
+                      <a:r>
+                        <a:rPr lang="nl-BE" sz="600" b="1" kern="0" dirty="0">
+                          <a:solidFill>
+                            <a:srgbClr val="000000"/>
+                          </a:solidFill>
+                          <a:effectLst/>
+                        </a:rPr>
+                        <a:t> name)</a:t>
+                      </a:r>
+                      <a:endParaRPr lang="nl-BE" sz="800" kern="100" dirty="0">
+                        <a:effectLst/>
+                      </a:endParaRPr>
+                    </a:p>
+                    <a:p>
+                      <a:pPr>
+                        <a:lnSpc>
+                          <a:spcPct val="107000"/>
+                        </a:lnSpc>
+                        <a:spcAft>
+                          <a:spcPts val="0"/>
+                        </a:spcAft>
+                      </a:pPr>
+                      <a:r>
+                        <a:rPr lang="nl-BE" sz="600" b="1" kern="0" dirty="0">
+                          <a:solidFill>
+                            <a:srgbClr val="000000"/>
+                          </a:solidFill>
+                          <a:effectLst/>
+                        </a:rPr>
+                        <a:t> {</a:t>
+                      </a:r>
+                      <a:endParaRPr lang="nl-BE" sz="800" kern="100" dirty="0">
+                        <a:effectLst/>
+                      </a:endParaRPr>
+                    </a:p>
+                    <a:p>
+                      <a:pPr>
+                        <a:lnSpc>
+                          <a:spcPct val="107000"/>
+                        </a:lnSpc>
+                        <a:spcAft>
+                          <a:spcPts val="0"/>
+                        </a:spcAft>
+                      </a:pPr>
+                      <a:r>
+                        <a:rPr lang="nl-BE" sz="600" b="1" kern="0" dirty="0">
+                          <a:solidFill>
+                            <a:srgbClr val="000000"/>
+                          </a:solidFill>
+                          <a:effectLst/>
+                        </a:rPr>
+                        <a:t>       </a:t>
+                      </a:r>
+                      <a:r>
+                        <a:rPr lang="nl-BE" sz="600" b="1" kern="0" dirty="0" err="1">
+                          <a:solidFill>
+                            <a:srgbClr val="2B91AF"/>
+                          </a:solidFill>
+                          <a:effectLst/>
+                        </a:rPr>
+                        <a:t>Console</a:t>
+                      </a:r>
+                      <a:r>
+                        <a:rPr lang="nl-BE" sz="600" b="1" kern="0" dirty="0" err="1">
+                          <a:solidFill>
+                            <a:srgbClr val="000000"/>
+                          </a:solidFill>
+                          <a:effectLst/>
+                        </a:rPr>
+                        <a:t>.WriteLine</a:t>
+                      </a:r>
+                      <a:r>
+                        <a:rPr lang="nl-BE" sz="600" b="1" kern="0" dirty="0">
+                          <a:solidFill>
+                            <a:srgbClr val="000000"/>
+                          </a:solidFill>
+                          <a:effectLst/>
+                        </a:rPr>
+                        <a:t>(name);</a:t>
+                      </a:r>
+                      <a:endParaRPr lang="nl-BE" sz="800" kern="100" dirty="0">
+                        <a:effectLst/>
+                      </a:endParaRPr>
+                    </a:p>
+                    <a:p>
+                      <a:pPr>
+                        <a:lnSpc>
+                          <a:spcPct val="107000"/>
+                        </a:lnSpc>
+                        <a:spcAft>
+                          <a:spcPts val="0"/>
+                        </a:spcAft>
+                      </a:pPr>
+                      <a:r>
+                        <a:rPr lang="nl-BE" sz="600" b="1" kern="0" dirty="0">
+                          <a:solidFill>
+                            <a:srgbClr val="000000"/>
+                          </a:solidFill>
+                          <a:effectLst/>
+                        </a:rPr>
+                        <a:t> }</a:t>
+                      </a:r>
+                      <a:endParaRPr lang="nl-BE" sz="800" kern="100" dirty="0">
+                        <a:effectLst/>
+                        <a:latin typeface="Calibri" panose="020F0502020204030204" pitchFamily="34" charset="0"/>
+                        <a:ea typeface="Calibri" panose="020F0502020204030204" pitchFamily="34" charset="0"/>
+                        <a:cs typeface="Times New Roman" panose="02020603050405020304" pitchFamily="18" charset="0"/>
+                      </a:endParaRPr>
+                    </a:p>
+                  </a:txBody>
+                  <a:tcPr marL="48766" marR="48766" marT="13095" marB="13095">
+                    <a:lnL>
+                      <a:noFill/>
+                    </a:lnL>
+                    <a:lnR>
+                      <a:noFill/>
+                    </a:lnR>
+                    <a:lnT w="12700" cap="flat" cmpd="sng" algn="ctr">
+                      <a:solidFill>
+                        <a:schemeClr val="tx1"/>
+                      </a:solidFill>
+                      <a:prstDash val="solid"/>
+                      <a:round/>
+                      <a:headEnd type="none" w="med" len="med"/>
+                      <a:tailEnd type="none" w="med" len="med"/>
+                    </a:lnT>
+                    <a:lnB w="12700" cap="flat" cmpd="sng" algn="ctr">
+                      <a:solidFill>
+                        <a:schemeClr val="tx1"/>
+                      </a:solidFill>
+                      <a:prstDash val="solid"/>
+                      <a:round/>
+                      <a:headEnd type="none" w="med" len="med"/>
+                      <a:tailEnd type="none" w="med" len="med"/>
+                    </a:lnB>
+                  </a:tcPr>
+                </a:tc>
+                <a:tc>
+                  <a:txBody>
+                    <a:bodyPr/>
+                    <a:lstStyle/>
+                    <a:p>
+                      <a:pPr>
+                        <a:lnSpc>
+                          <a:spcPct val="107000"/>
+                        </a:lnSpc>
+                        <a:spcAft>
+                          <a:spcPts val="0"/>
+                        </a:spcAft>
+                      </a:pPr>
+                      <a:r>
+                        <a:rPr lang="nl-BE" sz="700" kern="0" dirty="0" err="1">
+                          <a:solidFill>
+                            <a:srgbClr val="000000"/>
+                          </a:solidFill>
+                          <a:effectLst/>
+                        </a:rPr>
+                        <a:t>ToonNaam</a:t>
+                      </a:r>
+                      <a:r>
+                        <a:rPr lang="nl-BE" sz="700" kern="0" dirty="0">
+                          <a:solidFill>
+                            <a:srgbClr val="000000"/>
+                          </a:solidFill>
+                          <a:effectLst/>
+                        </a:rPr>
+                        <a:t>(</a:t>
+                      </a:r>
+                      <a:r>
+                        <a:rPr lang="nl-BE" sz="700" kern="0" dirty="0">
+                          <a:solidFill>
+                            <a:srgbClr val="A31515"/>
+                          </a:solidFill>
+                          <a:effectLst/>
+                        </a:rPr>
+                        <a:t>"Tim Dams"</a:t>
+                      </a:r>
+                      <a:r>
+                        <a:rPr lang="nl-BE" sz="700" kern="0" dirty="0">
+                          <a:solidFill>
+                            <a:srgbClr val="000000"/>
+                          </a:solidFill>
+                          <a:effectLst/>
+                        </a:rPr>
+                        <a:t>);</a:t>
+                      </a:r>
+                      <a:endParaRPr lang="nl-BE" sz="800" kern="100" dirty="0">
+                        <a:effectLst/>
+                        <a:latin typeface="Calibri" panose="020F0502020204030204" pitchFamily="34" charset="0"/>
+                        <a:ea typeface="Calibri" panose="020F0502020204030204" pitchFamily="34" charset="0"/>
+                        <a:cs typeface="Times New Roman" panose="02020603050405020304" pitchFamily="18" charset="0"/>
+                      </a:endParaRPr>
+                    </a:p>
+                  </a:txBody>
+                  <a:tcPr marL="48766" marR="48766" marT="13095" marB="13095">
+                    <a:lnL>
+                      <a:noFill/>
+                    </a:lnL>
+                    <a:lnR>
+                      <a:noFill/>
+                    </a:lnR>
+                    <a:lnT w="12700" cap="flat" cmpd="sng" algn="ctr">
+                      <a:solidFill>
+                        <a:schemeClr val="tx1"/>
+                      </a:solidFill>
+                      <a:prstDash val="solid"/>
+                      <a:round/>
+                      <a:headEnd type="none" w="med" len="med"/>
+                      <a:tailEnd type="none" w="med" len="med"/>
+                    </a:lnT>
+                    <a:lnB w="12700" cap="flat" cmpd="sng" algn="ctr">
+                      <a:solidFill>
+                        <a:schemeClr val="tx1"/>
+                      </a:solidFill>
+                      <a:prstDash val="solid"/>
+                      <a:round/>
+                      <a:headEnd type="none" w="med" len="med"/>
+                      <a:tailEnd type="none" w="med" len="med"/>
+                    </a:lnB>
+                  </a:tcPr>
+                </a:tc>
+                <a:extLst>
+                  <a:ext uri="{0D108BD9-81ED-4DB2-BD59-A6C34878D82A}">
+                    <a16:rowId xmlns:a16="http://schemas.microsoft.com/office/drawing/2014/main" val="10002"/>
+                  </a:ext>
+                </a:extLst>
+              </a:tr>
+              <a:tr h="476709">
+                <a:tc>
+                  <a:txBody>
+                    <a:bodyPr/>
+                    <a:lstStyle/>
+                    <a:p>
+                      <a:pPr>
+                        <a:lnSpc>
+                          <a:spcPct val="107000"/>
+                        </a:lnSpc>
+                        <a:spcAft>
+                          <a:spcPts val="0"/>
+                        </a:spcAft>
+                      </a:pPr>
+                      <a:r>
+                        <a:rPr lang="nl-BE" sz="600" b="1" kern="0" dirty="0">
+                          <a:solidFill>
+                            <a:srgbClr val="000000"/>
+                          </a:solidFill>
+                          <a:effectLst/>
+                        </a:rPr>
+                        <a:t> </a:t>
+                      </a:r>
+                      <a:r>
+                        <a:rPr lang="nl-BE" sz="600" b="1" kern="0" dirty="0" err="1">
+                          <a:solidFill>
+                            <a:srgbClr val="0000FF"/>
+                          </a:solidFill>
+                          <a:effectLst/>
+                        </a:rPr>
+                        <a:t>static</a:t>
+                      </a:r>
+                      <a:r>
+                        <a:rPr lang="nl-BE" sz="600" b="1" kern="0" dirty="0">
+                          <a:solidFill>
+                            <a:srgbClr val="000000"/>
+                          </a:solidFill>
+                          <a:effectLst/>
+                        </a:rPr>
+                        <a:t> </a:t>
+                      </a:r>
+                      <a:r>
+                        <a:rPr lang="nl-BE" sz="600" b="1" kern="0" dirty="0" err="1">
+                          <a:solidFill>
+                            <a:srgbClr val="0000FF"/>
+                          </a:solidFill>
+                          <a:effectLst/>
+                        </a:rPr>
+                        <a:t>void</a:t>
+                      </a:r>
+                      <a:r>
+                        <a:rPr lang="nl-BE" sz="600" b="1" kern="0" dirty="0">
+                          <a:solidFill>
+                            <a:srgbClr val="000000"/>
+                          </a:solidFill>
+                          <a:effectLst/>
+                        </a:rPr>
+                        <a:t> </a:t>
+                      </a:r>
+                      <a:r>
+                        <a:rPr lang="nl-BE" sz="600" b="1" kern="0" dirty="0" err="1">
+                          <a:solidFill>
+                            <a:srgbClr val="000000"/>
+                          </a:solidFill>
+                          <a:effectLst/>
+                        </a:rPr>
+                        <a:t>ToonNaamEnKlas</a:t>
+                      </a:r>
+                      <a:r>
+                        <a:rPr lang="nl-BE" sz="600" b="1" kern="0" dirty="0">
+                          <a:solidFill>
+                            <a:srgbClr val="000000"/>
+                          </a:solidFill>
+                          <a:effectLst/>
+                        </a:rPr>
+                        <a:t>(</a:t>
+                      </a:r>
+                      <a:r>
+                        <a:rPr lang="nl-BE" sz="600" b="1" kern="0" dirty="0">
+                          <a:solidFill>
+                            <a:srgbClr val="0000FF"/>
+                          </a:solidFill>
+                          <a:effectLst/>
+                        </a:rPr>
+                        <a:t>string</a:t>
+                      </a:r>
+                      <a:r>
+                        <a:rPr lang="nl-BE" sz="600" b="1" kern="0" dirty="0">
+                          <a:solidFill>
+                            <a:srgbClr val="000000"/>
+                          </a:solidFill>
+                          <a:effectLst/>
+                        </a:rPr>
+                        <a:t> name, </a:t>
+                      </a:r>
+                      <a:r>
+                        <a:rPr lang="nl-BE" sz="600" b="1" kern="0" dirty="0">
+                          <a:solidFill>
+                            <a:srgbClr val="0000FF"/>
+                          </a:solidFill>
+                          <a:effectLst/>
+                        </a:rPr>
+                        <a:t>string</a:t>
+                      </a:r>
+                      <a:r>
+                        <a:rPr lang="nl-BE" sz="600" b="1" kern="0" dirty="0">
+                          <a:solidFill>
+                            <a:srgbClr val="000000"/>
+                          </a:solidFill>
+                          <a:effectLst/>
+                        </a:rPr>
+                        <a:t> klas)</a:t>
+                      </a:r>
+                      <a:endParaRPr lang="nl-BE" sz="800" kern="100" dirty="0">
+                        <a:effectLst/>
+                      </a:endParaRPr>
+                    </a:p>
+                    <a:p>
+                      <a:pPr>
+                        <a:lnSpc>
+                          <a:spcPct val="107000"/>
+                        </a:lnSpc>
+                        <a:spcAft>
+                          <a:spcPts val="0"/>
+                        </a:spcAft>
+                      </a:pPr>
+                      <a:r>
+                        <a:rPr lang="nl-BE" sz="600" b="1" kern="0" dirty="0">
+                          <a:solidFill>
+                            <a:srgbClr val="000000"/>
+                          </a:solidFill>
+                          <a:effectLst/>
+                        </a:rPr>
+                        <a:t> {</a:t>
+                      </a:r>
+                      <a:endParaRPr lang="nl-BE" sz="800" kern="100" dirty="0">
+                        <a:effectLst/>
+                      </a:endParaRPr>
+                    </a:p>
+                    <a:p>
+                      <a:pPr>
+                        <a:lnSpc>
+                          <a:spcPct val="107000"/>
+                        </a:lnSpc>
+                        <a:spcAft>
+                          <a:spcPts val="0"/>
+                        </a:spcAft>
+                      </a:pPr>
+                      <a:r>
+                        <a:rPr lang="nl-BE" sz="600" b="1" kern="0" dirty="0">
+                          <a:solidFill>
+                            <a:srgbClr val="000000"/>
+                          </a:solidFill>
+                          <a:effectLst/>
+                        </a:rPr>
+                        <a:t>       </a:t>
+                      </a:r>
+                      <a:r>
+                        <a:rPr lang="nl-BE" sz="600" b="1" kern="0" dirty="0" err="1">
+                          <a:solidFill>
+                            <a:srgbClr val="2B91AF"/>
+                          </a:solidFill>
+                          <a:effectLst/>
+                        </a:rPr>
+                        <a:t>Console</a:t>
+                      </a:r>
+                      <a:r>
+                        <a:rPr lang="nl-BE" sz="600" b="1" kern="0" dirty="0" err="1">
+                          <a:solidFill>
+                            <a:srgbClr val="000000"/>
+                          </a:solidFill>
+                          <a:effectLst/>
+                        </a:rPr>
+                        <a:t>.WriteLine</a:t>
+                      </a:r>
+                      <a:r>
+                        <a:rPr lang="nl-BE" sz="600" b="1" kern="0" dirty="0">
+                          <a:solidFill>
+                            <a:srgbClr val="000000"/>
+                          </a:solidFill>
+                          <a:effectLst/>
+                        </a:rPr>
+                        <a:t>(name+ </a:t>
+                      </a:r>
+                      <a:r>
+                        <a:rPr lang="nl-BE" sz="600" b="1" kern="0" dirty="0">
+                          <a:solidFill>
+                            <a:srgbClr val="A31515"/>
+                          </a:solidFill>
+                          <a:effectLst/>
+                        </a:rPr>
+                        <a:t>" "</a:t>
+                      </a:r>
+                      <a:r>
+                        <a:rPr lang="nl-BE" sz="600" b="1" kern="0" dirty="0">
+                          <a:solidFill>
+                            <a:srgbClr val="000000"/>
+                          </a:solidFill>
+                          <a:effectLst/>
+                        </a:rPr>
+                        <a:t>+ klas);</a:t>
+                      </a:r>
+                      <a:endParaRPr lang="nl-BE" sz="800" kern="100" dirty="0">
+                        <a:effectLst/>
+                      </a:endParaRPr>
+                    </a:p>
+                    <a:p>
+                      <a:pPr>
+                        <a:lnSpc>
+                          <a:spcPct val="107000"/>
+                        </a:lnSpc>
+                        <a:spcAft>
+                          <a:spcPts val="0"/>
+                        </a:spcAft>
+                      </a:pPr>
+                      <a:r>
+                        <a:rPr lang="nl-BE" sz="600" b="1" kern="0" dirty="0">
+                          <a:solidFill>
+                            <a:srgbClr val="000000"/>
+                          </a:solidFill>
+                          <a:effectLst/>
+                        </a:rPr>
+                        <a:t> }</a:t>
+                      </a:r>
+                      <a:endParaRPr lang="nl-BE" sz="800" kern="100" dirty="0">
+                        <a:effectLst/>
+                        <a:latin typeface="Calibri" panose="020F0502020204030204" pitchFamily="34" charset="0"/>
+                        <a:ea typeface="Calibri" panose="020F0502020204030204" pitchFamily="34" charset="0"/>
+                        <a:cs typeface="Times New Roman" panose="02020603050405020304" pitchFamily="18" charset="0"/>
+                      </a:endParaRPr>
+                    </a:p>
+                  </a:txBody>
+                  <a:tcPr marL="48766" marR="48766" marT="13095" marB="13095">
+                    <a:lnL>
+                      <a:noFill/>
+                    </a:lnL>
+                    <a:lnR>
+                      <a:noFill/>
+                    </a:lnR>
+                    <a:lnT w="12700" cap="flat" cmpd="sng" algn="ctr">
+                      <a:solidFill>
+                        <a:schemeClr val="tx1"/>
+                      </a:solidFill>
+                      <a:prstDash val="solid"/>
+                      <a:round/>
+                      <a:headEnd type="none" w="med" len="med"/>
+                      <a:tailEnd type="none" w="med" len="med"/>
+                    </a:lnT>
+                    <a:lnB w="12700" cap="flat" cmpd="sng" algn="ctr">
+                      <a:solidFill>
+                        <a:schemeClr val="tx1"/>
+                      </a:solidFill>
+                      <a:prstDash val="solid"/>
+                      <a:round/>
+                      <a:headEnd type="none" w="med" len="med"/>
+                      <a:tailEnd type="none" w="med" len="med"/>
+                    </a:lnB>
+                  </a:tcPr>
+                </a:tc>
+                <a:tc>
+                  <a:txBody>
+                    <a:bodyPr/>
+                    <a:lstStyle/>
+                    <a:p>
+                      <a:pPr>
+                        <a:lnSpc>
+                          <a:spcPct val="107000"/>
+                        </a:lnSpc>
+                        <a:spcAft>
+                          <a:spcPts val="0"/>
+                        </a:spcAft>
+                      </a:pPr>
+                      <a:r>
+                        <a:rPr lang="nl-BE" sz="700" kern="0" dirty="0" err="1">
+                          <a:solidFill>
+                            <a:srgbClr val="000000"/>
+                          </a:solidFill>
+                          <a:effectLst/>
+                        </a:rPr>
+                        <a:t>ToonNaamEnKlas</a:t>
+                      </a:r>
+                      <a:r>
+                        <a:rPr lang="nl-BE" sz="700" kern="0" dirty="0">
+                          <a:solidFill>
+                            <a:srgbClr val="000000"/>
+                          </a:solidFill>
+                          <a:effectLst/>
+                        </a:rPr>
+                        <a:t>(</a:t>
+                      </a:r>
+                      <a:r>
+                        <a:rPr lang="nl-BE" sz="700" kern="0" dirty="0">
+                          <a:solidFill>
+                            <a:srgbClr val="A31515"/>
+                          </a:solidFill>
+                          <a:effectLst/>
+                        </a:rPr>
+                        <a:t>"Tim Dams"</a:t>
+                      </a:r>
+                      <a:r>
+                        <a:rPr lang="nl-BE" sz="700" kern="0" dirty="0">
+                          <a:solidFill>
+                            <a:srgbClr val="000000"/>
+                          </a:solidFill>
+                          <a:effectLst/>
+                        </a:rPr>
+                        <a:t>, </a:t>
+                      </a:r>
+                      <a:r>
+                        <a:rPr lang="nl-BE" sz="700" kern="0" dirty="0">
+                          <a:solidFill>
+                            <a:srgbClr val="A31515"/>
+                          </a:solidFill>
+                          <a:effectLst/>
+                        </a:rPr>
+                        <a:t>"2EA"</a:t>
+                      </a:r>
+                      <a:r>
+                        <a:rPr lang="nl-BE" sz="700" kern="0" dirty="0">
+                          <a:solidFill>
+                            <a:srgbClr val="000000"/>
+                          </a:solidFill>
+                          <a:effectLst/>
+                        </a:rPr>
+                        <a:t>);</a:t>
+                      </a:r>
+                      <a:endParaRPr lang="nl-BE" sz="800" kern="100" dirty="0">
+                        <a:effectLst/>
+                        <a:latin typeface="Calibri" panose="020F0502020204030204" pitchFamily="34" charset="0"/>
+                        <a:ea typeface="Calibri" panose="020F0502020204030204" pitchFamily="34" charset="0"/>
+                        <a:cs typeface="Times New Roman" panose="02020603050405020304" pitchFamily="18" charset="0"/>
+                      </a:endParaRPr>
+                    </a:p>
+                  </a:txBody>
+                  <a:tcPr marL="48766" marR="48766" marT="13095" marB="13095">
+                    <a:lnL>
+                      <a:noFill/>
+                    </a:lnL>
+                    <a:lnR>
+                      <a:noFill/>
+                    </a:lnR>
+                    <a:lnT w="12700" cap="flat" cmpd="sng" algn="ctr">
+                      <a:solidFill>
+                        <a:schemeClr val="tx1"/>
+                      </a:solidFill>
+                      <a:prstDash val="solid"/>
+                      <a:round/>
+                      <a:headEnd type="none" w="med" len="med"/>
+                      <a:tailEnd type="none" w="med" len="med"/>
+                    </a:lnT>
+                    <a:lnB w="12700" cap="flat" cmpd="sng" algn="ctr">
+                      <a:solidFill>
+                        <a:schemeClr val="tx1"/>
+                      </a:solidFill>
+                      <a:prstDash val="solid"/>
+                      <a:round/>
+                      <a:headEnd type="none" w="med" len="med"/>
+                      <a:tailEnd type="none" w="med" len="med"/>
+                    </a:lnB>
+                  </a:tcPr>
+                </a:tc>
+                <a:extLst>
+                  <a:ext uri="{0D108BD9-81ED-4DB2-BD59-A6C34878D82A}">
+                    <a16:rowId xmlns:a16="http://schemas.microsoft.com/office/drawing/2014/main" val="10003"/>
+                  </a:ext>
+                </a:extLst>
+              </a:tr>
+              <a:tr h="404246">
+                <a:tc>
+                  <a:txBody>
+                    <a:bodyPr/>
+                    <a:lstStyle/>
+                    <a:p>
+                      <a:pPr>
+                        <a:lnSpc>
+                          <a:spcPct val="107000"/>
+                        </a:lnSpc>
+                        <a:spcAft>
+                          <a:spcPts val="0"/>
+                        </a:spcAft>
+                      </a:pPr>
+                      <a:r>
+                        <a:rPr lang="nl-BE" sz="600" b="1" kern="0" dirty="0">
+                          <a:solidFill>
+                            <a:srgbClr val="000000"/>
+                          </a:solidFill>
+                          <a:effectLst/>
+                        </a:rPr>
+                        <a:t> </a:t>
+                      </a:r>
+                      <a:r>
+                        <a:rPr lang="nl-BE" sz="600" b="1" kern="0" dirty="0" err="1">
+                          <a:solidFill>
+                            <a:srgbClr val="0000FF"/>
+                          </a:solidFill>
+                          <a:effectLst/>
+                        </a:rPr>
+                        <a:t>static</a:t>
+                      </a:r>
+                      <a:r>
+                        <a:rPr lang="nl-BE" sz="600" b="1" kern="0" dirty="0">
+                          <a:solidFill>
+                            <a:srgbClr val="000000"/>
+                          </a:solidFill>
+                          <a:effectLst/>
+                        </a:rPr>
+                        <a:t> </a:t>
+                      </a:r>
+                      <a:r>
+                        <a:rPr lang="nl-BE" sz="600" b="1" kern="0" dirty="0" err="1">
+                          <a:solidFill>
+                            <a:srgbClr val="0000FF"/>
+                          </a:solidFill>
+                          <a:effectLst/>
+                        </a:rPr>
+                        <a:t>void</a:t>
+                      </a:r>
+                      <a:r>
+                        <a:rPr lang="nl-BE" sz="600" b="1" kern="0" dirty="0">
+                          <a:solidFill>
+                            <a:srgbClr val="000000"/>
+                          </a:solidFill>
+                          <a:effectLst/>
+                        </a:rPr>
+                        <a:t> </a:t>
+                      </a:r>
+                      <a:r>
+                        <a:rPr lang="nl-BE" sz="600" b="1" kern="0" dirty="0" err="1">
+                          <a:solidFill>
+                            <a:srgbClr val="000000"/>
+                          </a:solidFill>
+                          <a:effectLst/>
+                        </a:rPr>
+                        <a:t>ToonGetal</a:t>
+                      </a:r>
+                      <a:r>
+                        <a:rPr lang="nl-BE" sz="600" b="1" kern="0" dirty="0">
+                          <a:solidFill>
+                            <a:srgbClr val="000000"/>
+                          </a:solidFill>
+                          <a:effectLst/>
+                        </a:rPr>
+                        <a:t>(</a:t>
+                      </a:r>
+                      <a:r>
+                        <a:rPr lang="nl-BE" sz="600" b="1" kern="0" dirty="0">
+                          <a:solidFill>
+                            <a:srgbClr val="0000FF"/>
+                          </a:solidFill>
+                          <a:effectLst/>
+                        </a:rPr>
+                        <a:t>int</a:t>
+                      </a:r>
+                      <a:r>
+                        <a:rPr lang="nl-BE" sz="600" b="1" kern="0" dirty="0">
+                          <a:solidFill>
+                            <a:srgbClr val="000000"/>
+                          </a:solidFill>
+                          <a:effectLst/>
+                        </a:rPr>
+                        <a:t> getal )</a:t>
+                      </a:r>
+                      <a:endParaRPr lang="nl-BE" sz="800" kern="100" dirty="0">
+                        <a:effectLst/>
+                      </a:endParaRPr>
+                    </a:p>
+                    <a:p>
+                      <a:pPr>
+                        <a:lnSpc>
+                          <a:spcPct val="107000"/>
+                        </a:lnSpc>
+                        <a:spcAft>
+                          <a:spcPts val="0"/>
+                        </a:spcAft>
+                      </a:pPr>
+                      <a:r>
+                        <a:rPr lang="nl-BE" sz="600" b="1" kern="0" dirty="0">
+                          <a:solidFill>
+                            <a:srgbClr val="000000"/>
+                          </a:solidFill>
+                          <a:effectLst/>
+                        </a:rPr>
+                        <a:t> {</a:t>
+                      </a:r>
+                      <a:endParaRPr lang="nl-BE" sz="800" kern="100" dirty="0">
+                        <a:effectLst/>
+                      </a:endParaRPr>
+                    </a:p>
+                    <a:p>
+                      <a:pPr>
+                        <a:lnSpc>
+                          <a:spcPct val="107000"/>
+                        </a:lnSpc>
+                        <a:spcAft>
+                          <a:spcPts val="0"/>
+                        </a:spcAft>
+                      </a:pPr>
+                      <a:r>
+                        <a:rPr lang="nl-BE" sz="600" b="1" kern="0" dirty="0">
+                          <a:solidFill>
+                            <a:srgbClr val="000000"/>
+                          </a:solidFill>
+                          <a:effectLst/>
+                        </a:rPr>
+                        <a:t>       </a:t>
+                      </a:r>
+                      <a:r>
+                        <a:rPr lang="nl-BE" sz="600" b="1" kern="0" dirty="0" err="1">
+                          <a:solidFill>
+                            <a:srgbClr val="2B91AF"/>
+                          </a:solidFill>
+                          <a:effectLst/>
+                        </a:rPr>
+                        <a:t>Console</a:t>
+                      </a:r>
+                      <a:r>
+                        <a:rPr lang="nl-BE" sz="600" b="1" kern="0" dirty="0" err="1">
+                          <a:solidFill>
+                            <a:srgbClr val="000000"/>
+                          </a:solidFill>
+                          <a:effectLst/>
+                        </a:rPr>
+                        <a:t>.WriteLine</a:t>
+                      </a:r>
+                      <a:r>
+                        <a:rPr lang="nl-BE" sz="600" b="1" kern="0" dirty="0">
+                          <a:solidFill>
+                            <a:srgbClr val="000000"/>
+                          </a:solidFill>
+                          <a:effectLst/>
+                        </a:rPr>
+                        <a:t>(getal);</a:t>
+                      </a:r>
+                      <a:endParaRPr lang="nl-BE" sz="800" kern="100" dirty="0">
+                        <a:effectLst/>
+                      </a:endParaRPr>
+                    </a:p>
+                    <a:p>
+                      <a:pPr>
+                        <a:lnSpc>
+                          <a:spcPct val="107000"/>
+                        </a:lnSpc>
+                        <a:spcAft>
+                          <a:spcPts val="0"/>
+                        </a:spcAft>
+                      </a:pPr>
+                      <a:r>
+                        <a:rPr lang="nl-BE" sz="600" b="1" kern="0" dirty="0">
+                          <a:solidFill>
+                            <a:srgbClr val="000000"/>
+                          </a:solidFill>
+                          <a:effectLst/>
+                        </a:rPr>
+                        <a:t> }</a:t>
+                      </a:r>
+                      <a:endParaRPr lang="nl-BE" sz="800" kern="100" dirty="0">
+                        <a:effectLst/>
+                        <a:latin typeface="Calibri" panose="020F0502020204030204" pitchFamily="34" charset="0"/>
+                        <a:ea typeface="Calibri" panose="020F0502020204030204" pitchFamily="34" charset="0"/>
+                        <a:cs typeface="Times New Roman" panose="02020603050405020304" pitchFamily="18" charset="0"/>
+                      </a:endParaRPr>
+                    </a:p>
+                  </a:txBody>
+                  <a:tcPr marL="48766" marR="48766" marT="13095" marB="13095">
+                    <a:lnL>
+                      <a:noFill/>
+                    </a:lnL>
+                    <a:lnR>
+                      <a:noFill/>
+                    </a:lnR>
+                    <a:lnT w="12700" cap="flat" cmpd="sng" algn="ctr">
+                      <a:solidFill>
+                        <a:schemeClr val="tx1"/>
+                      </a:solidFill>
+                      <a:prstDash val="solid"/>
+                      <a:round/>
+                      <a:headEnd type="none" w="med" len="med"/>
+                      <a:tailEnd type="none" w="med" len="med"/>
+                    </a:lnT>
+                    <a:lnB w="12700" cap="flat" cmpd="sng" algn="ctr">
+                      <a:solidFill>
+                        <a:schemeClr val="tx1"/>
+                      </a:solidFill>
+                      <a:prstDash val="solid"/>
+                      <a:round/>
+                      <a:headEnd type="none" w="med" len="med"/>
+                      <a:tailEnd type="none" w="med" len="med"/>
+                    </a:lnB>
+                  </a:tcPr>
+                </a:tc>
+                <a:tc>
+                  <a:txBody>
+                    <a:bodyPr/>
+                    <a:lstStyle/>
+                    <a:p>
+                      <a:pPr>
+                        <a:lnSpc>
+                          <a:spcPct val="107000"/>
+                        </a:lnSpc>
+                        <a:spcAft>
+                          <a:spcPts val="0"/>
+                        </a:spcAft>
+                      </a:pPr>
+                      <a:r>
+                        <a:rPr lang="nl-BE" sz="700" kern="0" dirty="0" err="1">
+                          <a:solidFill>
+                            <a:srgbClr val="000000"/>
+                          </a:solidFill>
+                          <a:effectLst/>
+                        </a:rPr>
+                        <a:t>ToonGetal</a:t>
+                      </a:r>
+                      <a:r>
+                        <a:rPr lang="nl-BE" sz="700" kern="0" dirty="0">
+                          <a:solidFill>
+                            <a:srgbClr val="000000"/>
+                          </a:solidFill>
+                          <a:effectLst/>
+                        </a:rPr>
+                        <a:t>(6);</a:t>
+                      </a:r>
+                      <a:endParaRPr lang="nl-BE" sz="800" kern="100" dirty="0">
+                        <a:effectLst/>
+                        <a:latin typeface="Calibri" panose="020F0502020204030204" pitchFamily="34" charset="0"/>
+                        <a:ea typeface="Calibri" panose="020F0502020204030204" pitchFamily="34" charset="0"/>
+                        <a:cs typeface="Times New Roman" panose="02020603050405020304" pitchFamily="18" charset="0"/>
+                      </a:endParaRPr>
+                    </a:p>
+                  </a:txBody>
+                  <a:tcPr marL="48766" marR="48766" marT="13095" marB="13095">
+                    <a:lnL>
+                      <a:noFill/>
+                    </a:lnL>
+                    <a:lnR>
+                      <a:noFill/>
+                    </a:lnR>
+                    <a:lnT w="12700" cap="flat" cmpd="sng" algn="ctr">
+                      <a:solidFill>
+                        <a:schemeClr val="tx1"/>
+                      </a:solidFill>
+                      <a:prstDash val="solid"/>
+                      <a:round/>
+                      <a:headEnd type="none" w="med" len="med"/>
+                      <a:tailEnd type="none" w="med" len="med"/>
+                    </a:lnT>
+                    <a:lnB w="12700" cap="flat" cmpd="sng" algn="ctr">
+                      <a:solidFill>
+                        <a:schemeClr val="tx1"/>
+                      </a:solidFill>
+                      <a:prstDash val="solid"/>
+                      <a:round/>
+                      <a:headEnd type="none" w="med" len="med"/>
+                      <a:tailEnd type="none" w="med" len="med"/>
+                    </a:lnB>
+                  </a:tcPr>
+                </a:tc>
+                <a:extLst>
+                  <a:ext uri="{0D108BD9-81ED-4DB2-BD59-A6C34878D82A}">
+                    <a16:rowId xmlns:a16="http://schemas.microsoft.com/office/drawing/2014/main" val="10004"/>
+                  </a:ext>
+                </a:extLst>
+              </a:tr>
+              <a:tr h="499989">
+                <a:tc>
+                  <a:txBody>
+                    <a:bodyPr/>
+                    <a:lstStyle/>
+                    <a:p>
+                      <a:pPr>
+                        <a:lnSpc>
+                          <a:spcPct val="107000"/>
+                        </a:lnSpc>
+                        <a:spcAft>
+                          <a:spcPts val="0"/>
+                        </a:spcAft>
+                      </a:pPr>
+                      <a:r>
+                        <a:rPr lang="nl-BE" sz="600" b="1" kern="0" dirty="0">
+                          <a:solidFill>
+                            <a:srgbClr val="000000"/>
+                          </a:solidFill>
+                          <a:effectLst/>
+                        </a:rPr>
+                        <a:t> </a:t>
+                      </a:r>
+                      <a:r>
+                        <a:rPr lang="nl-BE" sz="600" b="1" kern="0" dirty="0" err="1">
+                          <a:solidFill>
+                            <a:srgbClr val="0000FF"/>
+                          </a:solidFill>
+                          <a:effectLst/>
+                        </a:rPr>
+                        <a:t>static</a:t>
+                      </a:r>
+                      <a:r>
+                        <a:rPr lang="nl-BE" sz="600" b="1" kern="0" dirty="0">
+                          <a:solidFill>
+                            <a:srgbClr val="000000"/>
+                          </a:solidFill>
+                          <a:effectLst/>
+                        </a:rPr>
+                        <a:t> </a:t>
+                      </a:r>
+                      <a:r>
+                        <a:rPr lang="nl-BE" sz="600" b="1" kern="0" dirty="0">
+                          <a:solidFill>
+                            <a:srgbClr val="0000FF"/>
+                          </a:solidFill>
+                          <a:effectLst/>
+                        </a:rPr>
+                        <a:t>int</a:t>
+                      </a:r>
+                      <a:r>
+                        <a:rPr lang="nl-BE" sz="600" b="1" kern="0" dirty="0">
+                          <a:solidFill>
+                            <a:srgbClr val="000000"/>
+                          </a:solidFill>
+                          <a:effectLst/>
+                        </a:rPr>
+                        <a:t> </a:t>
+                      </a:r>
+                      <a:r>
+                        <a:rPr lang="nl-BE" sz="600" b="1" kern="0" dirty="0" err="1">
+                          <a:solidFill>
+                            <a:srgbClr val="000000"/>
+                          </a:solidFill>
+                          <a:effectLst/>
+                        </a:rPr>
+                        <a:t>VerdubbelGetal</a:t>
+                      </a:r>
+                      <a:r>
+                        <a:rPr lang="nl-BE" sz="600" b="1" kern="0" dirty="0">
+                          <a:solidFill>
+                            <a:srgbClr val="000000"/>
+                          </a:solidFill>
+                          <a:effectLst/>
+                        </a:rPr>
+                        <a:t>(</a:t>
+                      </a:r>
+                      <a:r>
+                        <a:rPr lang="nl-BE" sz="600" b="1" kern="0" dirty="0">
+                          <a:solidFill>
+                            <a:srgbClr val="0000FF"/>
+                          </a:solidFill>
+                          <a:effectLst/>
+                        </a:rPr>
+                        <a:t>int</a:t>
+                      </a:r>
+                      <a:r>
+                        <a:rPr lang="nl-BE" sz="600" b="1" kern="0" dirty="0">
+                          <a:solidFill>
+                            <a:srgbClr val="000000"/>
+                          </a:solidFill>
+                          <a:effectLst/>
+                        </a:rPr>
+                        <a:t> getal)</a:t>
+                      </a:r>
+                      <a:endParaRPr lang="nl-BE" sz="800" kern="100" dirty="0">
+                        <a:effectLst/>
+                      </a:endParaRPr>
+                    </a:p>
+                    <a:p>
+                      <a:pPr>
+                        <a:lnSpc>
+                          <a:spcPct val="107000"/>
+                        </a:lnSpc>
+                        <a:spcAft>
+                          <a:spcPts val="0"/>
+                        </a:spcAft>
+                      </a:pPr>
+                      <a:r>
+                        <a:rPr lang="nl-BE" sz="600" b="1" kern="0" dirty="0">
+                          <a:solidFill>
+                            <a:srgbClr val="000000"/>
+                          </a:solidFill>
+                          <a:effectLst/>
+                        </a:rPr>
+                        <a:t> {</a:t>
+                      </a:r>
+                      <a:endParaRPr lang="nl-BE" sz="800" kern="100" dirty="0">
+                        <a:effectLst/>
+                      </a:endParaRPr>
+                    </a:p>
+                    <a:p>
+                      <a:pPr>
+                        <a:lnSpc>
+                          <a:spcPct val="107000"/>
+                        </a:lnSpc>
+                        <a:spcAft>
+                          <a:spcPts val="0"/>
+                        </a:spcAft>
+                      </a:pPr>
+                      <a:r>
+                        <a:rPr lang="nl-BE" sz="600" b="1" kern="0" dirty="0">
+                          <a:solidFill>
+                            <a:srgbClr val="000000"/>
+                          </a:solidFill>
+                          <a:effectLst/>
+                        </a:rPr>
+                        <a:t>       </a:t>
+                      </a:r>
+                      <a:r>
+                        <a:rPr lang="nl-BE" sz="600" b="1" kern="0" dirty="0">
+                          <a:solidFill>
+                            <a:srgbClr val="0000FF"/>
+                          </a:solidFill>
+                          <a:effectLst/>
+                        </a:rPr>
+                        <a:t>int</a:t>
+                      </a:r>
+                      <a:r>
+                        <a:rPr lang="nl-BE" sz="600" b="1" kern="0" dirty="0">
+                          <a:solidFill>
+                            <a:srgbClr val="000000"/>
+                          </a:solidFill>
+                          <a:effectLst/>
+                        </a:rPr>
+                        <a:t> dubbel = getal*2;</a:t>
+                      </a:r>
+                      <a:endParaRPr lang="nl-BE" sz="800" kern="100" dirty="0">
+                        <a:effectLst/>
+                      </a:endParaRPr>
+                    </a:p>
+                    <a:p>
+                      <a:pPr>
+                        <a:lnSpc>
+                          <a:spcPct val="107000"/>
+                        </a:lnSpc>
+                        <a:spcAft>
+                          <a:spcPts val="0"/>
+                        </a:spcAft>
+                      </a:pPr>
+                      <a:r>
+                        <a:rPr lang="nl-BE" sz="600" b="1" kern="0" dirty="0">
+                          <a:solidFill>
+                            <a:srgbClr val="000000"/>
+                          </a:solidFill>
+                          <a:effectLst/>
+                        </a:rPr>
+                        <a:t>       </a:t>
+                      </a:r>
+                      <a:r>
+                        <a:rPr lang="nl-BE" sz="600" b="1" kern="0" dirty="0">
+                          <a:solidFill>
+                            <a:srgbClr val="0000FF"/>
+                          </a:solidFill>
+                          <a:effectLst/>
+                        </a:rPr>
+                        <a:t>return</a:t>
+                      </a:r>
+                      <a:r>
+                        <a:rPr lang="nl-BE" sz="600" b="1" kern="0" dirty="0">
+                          <a:solidFill>
+                            <a:srgbClr val="000000"/>
+                          </a:solidFill>
+                          <a:effectLst/>
+                        </a:rPr>
+                        <a:t> dubbel;</a:t>
+                      </a:r>
+                      <a:endParaRPr lang="nl-BE" sz="800" kern="100" dirty="0">
+                        <a:effectLst/>
+                      </a:endParaRPr>
+                    </a:p>
+                    <a:p>
+                      <a:pPr>
+                        <a:lnSpc>
+                          <a:spcPct val="107000"/>
+                        </a:lnSpc>
+                        <a:spcAft>
+                          <a:spcPts val="0"/>
+                        </a:spcAft>
+                      </a:pPr>
+                      <a:r>
+                        <a:rPr lang="nl-BE" sz="600" b="1" kern="0" dirty="0">
+                          <a:solidFill>
+                            <a:srgbClr val="000000"/>
+                          </a:solidFill>
+                          <a:effectLst/>
+                        </a:rPr>
+                        <a:t> }</a:t>
+                      </a:r>
+                      <a:endParaRPr lang="nl-BE" sz="800" kern="100" dirty="0">
+                        <a:effectLst/>
+                        <a:latin typeface="Calibri" panose="020F0502020204030204" pitchFamily="34" charset="0"/>
+                        <a:ea typeface="Calibri" panose="020F0502020204030204" pitchFamily="34" charset="0"/>
+                        <a:cs typeface="Times New Roman" panose="02020603050405020304" pitchFamily="18" charset="0"/>
+                      </a:endParaRPr>
+                    </a:p>
+                  </a:txBody>
+                  <a:tcPr marL="48766" marR="48766" marT="13095" marB="13095">
+                    <a:lnL>
+                      <a:noFill/>
+                    </a:lnL>
+                    <a:lnR>
+                      <a:noFill/>
+                    </a:lnR>
+                    <a:lnT w="12700" cap="flat" cmpd="sng" algn="ctr">
+                      <a:solidFill>
+                        <a:schemeClr val="tx1"/>
+                      </a:solidFill>
+                      <a:prstDash val="solid"/>
+                      <a:round/>
+                      <a:headEnd type="none" w="med" len="med"/>
+                      <a:tailEnd type="none" w="med" len="med"/>
+                    </a:lnT>
+                    <a:lnB w="12700" cap="flat" cmpd="sng" algn="ctr">
+                      <a:solidFill>
+                        <a:schemeClr val="tx1"/>
+                      </a:solidFill>
+                      <a:prstDash val="solid"/>
+                      <a:round/>
+                      <a:headEnd type="none" w="med" len="med"/>
+                      <a:tailEnd type="none" w="med" len="med"/>
+                    </a:lnB>
+                  </a:tcPr>
+                </a:tc>
+                <a:tc>
+                  <a:txBody>
+                    <a:bodyPr/>
+                    <a:lstStyle/>
+                    <a:p>
+                      <a:pPr>
+                        <a:lnSpc>
+                          <a:spcPct val="107000"/>
+                        </a:lnSpc>
+                        <a:spcAft>
+                          <a:spcPts val="0"/>
+                        </a:spcAft>
+                      </a:pPr>
+                      <a:r>
+                        <a:rPr lang="nl-BE" sz="700" kern="0" dirty="0">
+                          <a:solidFill>
+                            <a:srgbClr val="0000FF"/>
+                          </a:solidFill>
+                          <a:effectLst/>
+                        </a:rPr>
+                        <a:t>int</a:t>
+                      </a:r>
+                      <a:r>
+                        <a:rPr lang="nl-BE" sz="700" kern="0" dirty="0">
+                          <a:solidFill>
+                            <a:srgbClr val="000000"/>
+                          </a:solidFill>
+                          <a:effectLst/>
+                        </a:rPr>
+                        <a:t> resultaat = </a:t>
+                      </a:r>
+                      <a:r>
+                        <a:rPr lang="nl-BE" sz="700" kern="0" dirty="0" err="1">
+                          <a:solidFill>
+                            <a:srgbClr val="000000"/>
+                          </a:solidFill>
+                          <a:effectLst/>
+                        </a:rPr>
+                        <a:t>VerdubbelGetal</a:t>
+                      </a:r>
+                      <a:r>
+                        <a:rPr lang="nl-BE" sz="700" kern="0" dirty="0">
+                          <a:solidFill>
+                            <a:srgbClr val="000000"/>
+                          </a:solidFill>
+                          <a:effectLst/>
+                        </a:rPr>
+                        <a:t>(6);</a:t>
+                      </a:r>
+                      <a:endParaRPr lang="nl-BE" sz="800" kern="100" dirty="0">
+                        <a:effectLst/>
+                        <a:latin typeface="Calibri" panose="020F0502020204030204" pitchFamily="34" charset="0"/>
+                        <a:ea typeface="Calibri" panose="020F0502020204030204" pitchFamily="34" charset="0"/>
+                        <a:cs typeface="Times New Roman" panose="02020603050405020304" pitchFamily="18" charset="0"/>
+                      </a:endParaRPr>
+                    </a:p>
+                  </a:txBody>
+                  <a:tcPr marL="48766" marR="48766" marT="13095" marB="13095">
+                    <a:lnL>
+                      <a:noFill/>
+                    </a:lnL>
+                    <a:lnR>
+                      <a:noFill/>
+                    </a:lnR>
+                    <a:lnT w="12700" cap="flat" cmpd="sng" algn="ctr">
+                      <a:solidFill>
+                        <a:schemeClr val="tx1"/>
+                      </a:solidFill>
+                      <a:prstDash val="solid"/>
+                      <a:round/>
+                      <a:headEnd type="none" w="med" len="med"/>
+                      <a:tailEnd type="none" w="med" len="med"/>
+                    </a:lnT>
+                    <a:lnB w="12700" cap="flat" cmpd="sng" algn="ctr">
+                      <a:solidFill>
+                        <a:schemeClr val="tx1"/>
+                      </a:solidFill>
+                      <a:prstDash val="solid"/>
+                      <a:round/>
+                      <a:headEnd type="none" w="med" len="med"/>
+                      <a:tailEnd type="none" w="med" len="med"/>
+                    </a:lnB>
+                  </a:tcPr>
+                </a:tc>
+                <a:extLst>
+                  <a:ext uri="{0D108BD9-81ED-4DB2-BD59-A6C34878D82A}">
+                    <a16:rowId xmlns:a16="http://schemas.microsoft.com/office/drawing/2014/main" val="10005"/>
+                  </a:ext>
+                </a:extLst>
+              </a:tr>
+              <a:tr h="499989">
+                <a:tc>
+                  <a:txBody>
+                    <a:bodyPr/>
+                    <a:lstStyle/>
+                    <a:p>
+                      <a:pPr>
+                        <a:lnSpc>
+                          <a:spcPct val="107000"/>
+                        </a:lnSpc>
+                        <a:spcAft>
+                          <a:spcPts val="0"/>
+                        </a:spcAft>
+                      </a:pPr>
+                      <a:r>
+                        <a:rPr lang="nl-BE" sz="600" b="1" kern="0" dirty="0">
+                          <a:solidFill>
+                            <a:srgbClr val="000000"/>
+                          </a:solidFill>
+                          <a:effectLst/>
+                        </a:rPr>
+                        <a:t> </a:t>
+                      </a:r>
+                      <a:r>
+                        <a:rPr lang="nl-BE" sz="600" b="1" kern="0" dirty="0" err="1">
+                          <a:solidFill>
+                            <a:srgbClr val="0000FF"/>
+                          </a:solidFill>
+                          <a:effectLst/>
+                        </a:rPr>
+                        <a:t>static</a:t>
+                      </a:r>
+                      <a:r>
+                        <a:rPr lang="nl-BE" sz="600" b="1" kern="0" dirty="0">
+                          <a:solidFill>
+                            <a:srgbClr val="000000"/>
+                          </a:solidFill>
+                          <a:effectLst/>
+                        </a:rPr>
+                        <a:t> </a:t>
+                      </a:r>
+                      <a:r>
+                        <a:rPr lang="nl-BE" sz="600" b="1" kern="0" dirty="0">
+                          <a:solidFill>
+                            <a:srgbClr val="0000FF"/>
+                          </a:solidFill>
+                          <a:effectLst/>
+                        </a:rPr>
+                        <a:t>double</a:t>
+                      </a:r>
+                      <a:r>
+                        <a:rPr lang="nl-BE" sz="600" b="1" kern="0" dirty="0">
+                          <a:solidFill>
+                            <a:srgbClr val="000000"/>
+                          </a:solidFill>
+                          <a:effectLst/>
+                        </a:rPr>
+                        <a:t> Gemiddelde(</a:t>
+                      </a:r>
+                      <a:r>
+                        <a:rPr lang="nl-BE" sz="600" b="1" kern="0" dirty="0">
+                          <a:solidFill>
+                            <a:srgbClr val="0000FF"/>
+                          </a:solidFill>
+                          <a:effectLst/>
+                        </a:rPr>
+                        <a:t>int</a:t>
+                      </a:r>
+                      <a:r>
+                        <a:rPr lang="nl-BE" sz="600" b="1" kern="0" dirty="0">
+                          <a:solidFill>
+                            <a:srgbClr val="000000"/>
+                          </a:solidFill>
+                          <a:effectLst/>
+                        </a:rPr>
+                        <a:t> getal1, </a:t>
+                      </a:r>
+                      <a:r>
+                        <a:rPr lang="nl-BE" sz="600" b="1" kern="0" dirty="0">
+                          <a:solidFill>
+                            <a:srgbClr val="0000FF"/>
+                          </a:solidFill>
+                          <a:effectLst/>
+                        </a:rPr>
+                        <a:t>int</a:t>
+                      </a:r>
+                      <a:r>
+                        <a:rPr lang="nl-BE" sz="600" b="1" kern="0" dirty="0">
+                          <a:solidFill>
+                            <a:srgbClr val="000000"/>
+                          </a:solidFill>
+                          <a:effectLst/>
+                        </a:rPr>
+                        <a:t> getal2)</a:t>
+                      </a:r>
+                      <a:endParaRPr lang="nl-BE" sz="800" kern="100" dirty="0">
+                        <a:effectLst/>
+                      </a:endParaRPr>
+                    </a:p>
+                    <a:p>
+                      <a:pPr>
+                        <a:lnSpc>
+                          <a:spcPct val="107000"/>
+                        </a:lnSpc>
+                        <a:spcAft>
+                          <a:spcPts val="0"/>
+                        </a:spcAft>
+                      </a:pPr>
+                      <a:r>
+                        <a:rPr lang="nl-BE" sz="600" b="1" kern="0" dirty="0">
+                          <a:solidFill>
+                            <a:srgbClr val="000000"/>
+                          </a:solidFill>
+                          <a:effectLst/>
+                        </a:rPr>
+                        <a:t> {</a:t>
+                      </a:r>
+                      <a:endParaRPr lang="nl-BE" sz="800" kern="100" dirty="0">
+                        <a:effectLst/>
+                      </a:endParaRPr>
+                    </a:p>
+                    <a:p>
+                      <a:pPr>
+                        <a:lnSpc>
+                          <a:spcPct val="107000"/>
+                        </a:lnSpc>
+                        <a:spcAft>
+                          <a:spcPts val="0"/>
+                        </a:spcAft>
+                      </a:pPr>
+                      <a:r>
+                        <a:rPr lang="nl-BE" sz="600" b="1" kern="0" dirty="0">
+                          <a:solidFill>
+                            <a:srgbClr val="000000"/>
+                          </a:solidFill>
+                          <a:effectLst/>
+                        </a:rPr>
+                        <a:t>       </a:t>
+                      </a:r>
+                      <a:r>
+                        <a:rPr lang="nl-BE" sz="600" b="1" kern="0" dirty="0">
+                          <a:solidFill>
+                            <a:srgbClr val="0000FF"/>
+                          </a:solidFill>
+                          <a:effectLst/>
+                        </a:rPr>
+                        <a:t>double</a:t>
+                      </a:r>
+                      <a:r>
+                        <a:rPr lang="nl-BE" sz="600" b="1" kern="0" dirty="0">
+                          <a:solidFill>
+                            <a:srgbClr val="000000"/>
+                          </a:solidFill>
+                          <a:effectLst/>
+                        </a:rPr>
+                        <a:t> gemiddelde = (getal1 + getal2)/2.0;</a:t>
+                      </a:r>
+                      <a:endParaRPr lang="nl-BE" sz="800" kern="100" dirty="0">
+                        <a:effectLst/>
+                      </a:endParaRPr>
+                    </a:p>
+                    <a:p>
+                      <a:pPr>
+                        <a:lnSpc>
+                          <a:spcPct val="107000"/>
+                        </a:lnSpc>
+                        <a:spcAft>
+                          <a:spcPts val="0"/>
+                        </a:spcAft>
+                      </a:pPr>
+                      <a:r>
+                        <a:rPr lang="nl-BE" sz="600" b="1" kern="0" dirty="0">
+                          <a:solidFill>
+                            <a:srgbClr val="000000"/>
+                          </a:solidFill>
+                          <a:effectLst/>
+                        </a:rPr>
+                        <a:t>       </a:t>
+                      </a:r>
+                      <a:r>
+                        <a:rPr lang="nl-BE" sz="600" b="1" kern="0" dirty="0">
+                          <a:solidFill>
+                            <a:srgbClr val="0000FF"/>
+                          </a:solidFill>
+                          <a:effectLst/>
+                        </a:rPr>
+                        <a:t>return</a:t>
+                      </a:r>
+                      <a:r>
+                        <a:rPr lang="nl-BE" sz="600" b="1" kern="0" dirty="0">
+                          <a:solidFill>
+                            <a:srgbClr val="000000"/>
+                          </a:solidFill>
+                          <a:effectLst/>
+                        </a:rPr>
+                        <a:t> gemiddelde;</a:t>
+                      </a:r>
+                      <a:endParaRPr lang="nl-BE" sz="800" kern="100" dirty="0">
+                        <a:effectLst/>
+                      </a:endParaRPr>
+                    </a:p>
+                    <a:p>
+                      <a:pPr>
+                        <a:lnSpc>
+                          <a:spcPct val="107000"/>
+                        </a:lnSpc>
+                        <a:spcAft>
+                          <a:spcPts val="0"/>
+                        </a:spcAft>
+                      </a:pPr>
+                      <a:r>
+                        <a:rPr lang="nl-BE" sz="600" b="1" kern="0" dirty="0">
+                          <a:solidFill>
+                            <a:srgbClr val="000000"/>
+                          </a:solidFill>
+                          <a:effectLst/>
+                        </a:rPr>
+                        <a:t> }</a:t>
+                      </a:r>
+                      <a:endParaRPr lang="nl-BE" sz="800" kern="100" dirty="0">
+                        <a:effectLst/>
+                        <a:latin typeface="Calibri" panose="020F0502020204030204" pitchFamily="34" charset="0"/>
+                        <a:ea typeface="Calibri" panose="020F0502020204030204" pitchFamily="34" charset="0"/>
+                        <a:cs typeface="Times New Roman" panose="02020603050405020304" pitchFamily="18" charset="0"/>
+                      </a:endParaRPr>
+                    </a:p>
+                  </a:txBody>
+                  <a:tcPr marL="48766" marR="48766" marT="13095" marB="13095">
+                    <a:lnL>
+                      <a:noFill/>
+                    </a:lnL>
+                    <a:lnR>
+                      <a:noFill/>
+                    </a:lnR>
+                    <a:lnT w="12700" cap="flat" cmpd="sng" algn="ctr">
+                      <a:solidFill>
+                        <a:schemeClr val="tx1"/>
+                      </a:solidFill>
+                      <a:prstDash val="solid"/>
+                      <a:round/>
+                      <a:headEnd type="none" w="med" len="med"/>
+                      <a:tailEnd type="none" w="med" len="med"/>
+                    </a:lnT>
+                    <a:lnB w="12700" cap="flat" cmpd="sng" algn="ctr">
+                      <a:solidFill>
+                        <a:schemeClr val="tx1"/>
+                      </a:solidFill>
+                      <a:prstDash val="solid"/>
+                      <a:round/>
+                      <a:headEnd type="none" w="med" len="med"/>
+                      <a:tailEnd type="none" w="med" len="med"/>
+                    </a:lnB>
+                  </a:tcPr>
+                </a:tc>
+                <a:tc>
+                  <a:txBody>
+                    <a:bodyPr/>
+                    <a:lstStyle/>
+                    <a:p>
+                      <a:pPr>
+                        <a:lnSpc>
+                          <a:spcPct val="107000"/>
+                        </a:lnSpc>
+                        <a:spcAft>
+                          <a:spcPts val="0"/>
+                        </a:spcAft>
+                      </a:pPr>
+                      <a:r>
+                        <a:rPr lang="nl-BE" sz="700" kern="0" dirty="0">
+                          <a:solidFill>
+                            <a:srgbClr val="0000FF"/>
+                          </a:solidFill>
+                          <a:effectLst/>
+                        </a:rPr>
+                        <a:t>double</a:t>
+                      </a:r>
+                      <a:r>
+                        <a:rPr lang="nl-BE" sz="700" kern="0" dirty="0">
+                          <a:solidFill>
+                            <a:srgbClr val="000000"/>
+                          </a:solidFill>
+                          <a:effectLst/>
+                        </a:rPr>
+                        <a:t> resultaat = Gemiddelde(6,9);</a:t>
+                      </a:r>
+                      <a:endParaRPr lang="nl-BE" sz="800" kern="100" dirty="0">
+                        <a:effectLst/>
+                        <a:latin typeface="Calibri" panose="020F0502020204030204" pitchFamily="34" charset="0"/>
+                        <a:ea typeface="Calibri" panose="020F0502020204030204" pitchFamily="34" charset="0"/>
+                        <a:cs typeface="Times New Roman" panose="02020603050405020304" pitchFamily="18" charset="0"/>
+                      </a:endParaRPr>
+                    </a:p>
+                  </a:txBody>
+                  <a:tcPr marL="48766" marR="48766" marT="13095" marB="13095">
+                    <a:lnL>
+                      <a:noFill/>
+                    </a:lnL>
+                    <a:lnR>
+                      <a:noFill/>
+                    </a:lnR>
+                    <a:lnT w="12700" cap="flat" cmpd="sng" algn="ctr">
+                      <a:solidFill>
+                        <a:schemeClr val="tx1"/>
+                      </a:solidFill>
+                      <a:prstDash val="solid"/>
+                      <a:round/>
+                      <a:headEnd type="none" w="med" len="med"/>
+                      <a:tailEnd type="none" w="med" len="med"/>
+                    </a:lnT>
+                    <a:lnB w="12700" cap="flat" cmpd="sng" algn="ctr">
+                      <a:solidFill>
+                        <a:schemeClr val="tx1"/>
+                      </a:solidFill>
+                      <a:prstDash val="solid"/>
+                      <a:round/>
+                      <a:headEnd type="none" w="med" len="med"/>
+                      <a:tailEnd type="none" w="med" len="med"/>
+                    </a:lnB>
+                  </a:tcPr>
+                </a:tc>
+                <a:extLst>
+                  <a:ext uri="{0D108BD9-81ED-4DB2-BD59-A6C34878D82A}">
+                    <a16:rowId xmlns:a16="http://schemas.microsoft.com/office/drawing/2014/main" val="10006"/>
+                  </a:ext>
+                </a:extLst>
+              </a:tr>
+              <a:tr h="445115">
+                <a:tc>
+                  <a:txBody>
+                    <a:bodyPr/>
+                    <a:lstStyle/>
+                    <a:p>
+                      <a:pPr>
+                        <a:lnSpc>
+                          <a:spcPct val="107000"/>
+                        </a:lnSpc>
+                        <a:spcAft>
+                          <a:spcPts val="0"/>
+                        </a:spcAft>
+                      </a:pPr>
+                      <a:r>
+                        <a:rPr lang="nl-BE" sz="600" b="1" kern="0" dirty="0">
+                          <a:solidFill>
+                            <a:srgbClr val="000000"/>
+                          </a:solidFill>
+                          <a:effectLst/>
+                        </a:rPr>
+                        <a:t> </a:t>
+                      </a:r>
+                      <a:r>
+                        <a:rPr lang="nl-BE" sz="600" b="1" kern="0" dirty="0" err="1">
+                          <a:solidFill>
+                            <a:srgbClr val="0000FF"/>
+                          </a:solidFill>
+                          <a:effectLst/>
+                        </a:rPr>
+                        <a:t>static</a:t>
+                      </a:r>
+                      <a:r>
+                        <a:rPr lang="nl-BE" sz="600" b="1" kern="0" dirty="0">
+                          <a:solidFill>
+                            <a:srgbClr val="000000"/>
+                          </a:solidFill>
+                          <a:effectLst/>
+                        </a:rPr>
+                        <a:t> </a:t>
+                      </a:r>
+                      <a:r>
+                        <a:rPr lang="nl-BE" sz="600" b="1" kern="0" dirty="0" err="1">
+                          <a:solidFill>
+                            <a:srgbClr val="0000FF"/>
+                          </a:solidFill>
+                          <a:effectLst/>
+                        </a:rPr>
+                        <a:t>bool</a:t>
+                      </a:r>
+                      <a:r>
+                        <a:rPr lang="nl-BE" sz="600" b="1" kern="0" dirty="0">
+                          <a:solidFill>
+                            <a:srgbClr val="000000"/>
+                          </a:solidFill>
+                          <a:effectLst/>
+                        </a:rPr>
+                        <a:t> </a:t>
+                      </a:r>
+                      <a:r>
+                        <a:rPr lang="nl-BE" sz="600" b="1" kern="0" dirty="0" err="1">
+                          <a:solidFill>
+                            <a:srgbClr val="000000"/>
+                          </a:solidFill>
+                          <a:effectLst/>
+                        </a:rPr>
+                        <a:t>IsGelijk</a:t>
+                      </a:r>
+                      <a:r>
+                        <a:rPr lang="nl-BE" sz="600" b="1" kern="0" dirty="0">
+                          <a:solidFill>
+                            <a:srgbClr val="000000"/>
+                          </a:solidFill>
+                          <a:effectLst/>
+                        </a:rPr>
+                        <a:t>(</a:t>
+                      </a:r>
+                      <a:r>
+                        <a:rPr lang="nl-BE" sz="600" b="1" kern="0" dirty="0">
+                          <a:solidFill>
+                            <a:srgbClr val="0000FF"/>
+                          </a:solidFill>
+                          <a:effectLst/>
+                        </a:rPr>
+                        <a:t>int</a:t>
+                      </a:r>
+                      <a:r>
+                        <a:rPr lang="nl-BE" sz="600" b="1" kern="0" dirty="0">
+                          <a:solidFill>
+                            <a:srgbClr val="000000"/>
+                          </a:solidFill>
+                          <a:effectLst/>
+                        </a:rPr>
+                        <a:t> getal1, </a:t>
+                      </a:r>
+                      <a:r>
+                        <a:rPr lang="nl-BE" sz="600" b="1" kern="0" dirty="0">
+                          <a:solidFill>
+                            <a:srgbClr val="0000FF"/>
+                          </a:solidFill>
+                          <a:effectLst/>
+                        </a:rPr>
+                        <a:t>int</a:t>
+                      </a:r>
+                      <a:r>
+                        <a:rPr lang="nl-BE" sz="600" b="1" kern="0" dirty="0">
+                          <a:solidFill>
+                            <a:srgbClr val="000000"/>
+                          </a:solidFill>
+                          <a:effectLst/>
+                        </a:rPr>
+                        <a:t> getal2)</a:t>
+                      </a:r>
+                      <a:endParaRPr lang="nl-BE" sz="800" kern="100" dirty="0">
+                        <a:effectLst/>
+                      </a:endParaRPr>
+                    </a:p>
+                    <a:p>
+                      <a:pPr>
+                        <a:lnSpc>
+                          <a:spcPct val="107000"/>
+                        </a:lnSpc>
+                        <a:spcAft>
+                          <a:spcPts val="0"/>
+                        </a:spcAft>
+                      </a:pPr>
+                      <a:r>
+                        <a:rPr lang="nl-BE" sz="600" b="1" kern="0" dirty="0">
+                          <a:solidFill>
+                            <a:srgbClr val="000000"/>
+                          </a:solidFill>
+                          <a:effectLst/>
+                        </a:rPr>
+                        <a:t> </a:t>
+                      </a:r>
+                      <a:r>
+                        <a:rPr lang="en-US" sz="600" b="1" kern="0" dirty="0">
+                          <a:solidFill>
+                            <a:srgbClr val="000000"/>
+                          </a:solidFill>
+                          <a:effectLst/>
+                        </a:rPr>
+                        <a:t>{</a:t>
+                      </a:r>
+                      <a:endParaRPr lang="nl-BE" sz="800" kern="100" dirty="0">
+                        <a:effectLst/>
+                      </a:endParaRPr>
+                    </a:p>
+                    <a:p>
+                      <a:pPr>
+                        <a:lnSpc>
+                          <a:spcPct val="107000"/>
+                        </a:lnSpc>
+                        <a:spcAft>
+                          <a:spcPts val="0"/>
+                        </a:spcAft>
+                      </a:pPr>
+                      <a:r>
+                        <a:rPr lang="en-US" sz="600" b="1" kern="0" dirty="0">
+                          <a:solidFill>
+                            <a:srgbClr val="000000"/>
+                          </a:solidFill>
+                          <a:effectLst/>
+                        </a:rPr>
+                        <a:t>       </a:t>
+                      </a:r>
+                      <a:r>
+                        <a:rPr lang="en-US" sz="600" b="1" kern="0" dirty="0">
+                          <a:solidFill>
+                            <a:srgbClr val="0000FF"/>
+                          </a:solidFill>
+                          <a:effectLst/>
+                        </a:rPr>
+                        <a:t>return </a:t>
+                      </a:r>
+                      <a:r>
+                        <a:rPr lang="en-US" sz="600" b="1" kern="0" dirty="0">
+                          <a:solidFill>
+                            <a:srgbClr val="000000"/>
+                          </a:solidFill>
+                          <a:effectLst/>
+                        </a:rPr>
+                        <a:t>getal1 == getal2;</a:t>
+                      </a:r>
+                      <a:endParaRPr lang="nl-BE" sz="800" kern="100" dirty="0">
+                        <a:effectLst/>
+                      </a:endParaRPr>
+                    </a:p>
+                    <a:p>
+                      <a:pPr>
+                        <a:lnSpc>
+                          <a:spcPct val="107000"/>
+                        </a:lnSpc>
+                        <a:spcAft>
+                          <a:spcPts val="0"/>
+                        </a:spcAft>
+                      </a:pPr>
+                      <a:r>
+                        <a:rPr lang="nl-BE" sz="600" b="1" kern="0" dirty="0">
+                          <a:solidFill>
+                            <a:srgbClr val="000000"/>
+                          </a:solidFill>
+                          <a:effectLst/>
+                        </a:rPr>
+                        <a:t> }</a:t>
+                      </a:r>
+                      <a:endParaRPr lang="nl-BE" sz="800" kern="100" dirty="0">
+                        <a:effectLst/>
+                        <a:latin typeface="Calibri" panose="020F0502020204030204" pitchFamily="34" charset="0"/>
+                        <a:ea typeface="Calibri" panose="020F0502020204030204" pitchFamily="34" charset="0"/>
+                        <a:cs typeface="Times New Roman" panose="02020603050405020304" pitchFamily="18" charset="0"/>
+                      </a:endParaRPr>
+                    </a:p>
+                  </a:txBody>
+                  <a:tcPr marL="48766" marR="48766" marT="13095" marB="13095">
+                    <a:lnL>
+                      <a:noFill/>
+                    </a:lnL>
+                    <a:lnR>
+                      <a:noFill/>
+                    </a:lnR>
+                    <a:lnT w="12700" cap="flat" cmpd="sng" algn="ctr">
+                      <a:solidFill>
+                        <a:schemeClr val="tx1"/>
+                      </a:solidFill>
+                      <a:prstDash val="solid"/>
+                      <a:round/>
+                      <a:headEnd type="none" w="med" len="med"/>
+                      <a:tailEnd type="none" w="med" len="med"/>
+                    </a:lnT>
+                    <a:lnB w="12700" cap="flat" cmpd="sng" algn="ctr">
+                      <a:solidFill>
+                        <a:schemeClr val="tx1"/>
+                      </a:solidFill>
+                      <a:prstDash val="solid"/>
+                      <a:round/>
+                      <a:headEnd type="none" w="med" len="med"/>
+                      <a:tailEnd type="none" w="med" len="med"/>
+                    </a:lnB>
+                  </a:tcPr>
+                </a:tc>
+                <a:tc>
+                  <a:txBody>
+                    <a:bodyPr/>
+                    <a:lstStyle/>
+                    <a:p>
+                      <a:pPr>
+                        <a:lnSpc>
+                          <a:spcPct val="107000"/>
+                        </a:lnSpc>
+                        <a:spcAft>
+                          <a:spcPts val="0"/>
+                        </a:spcAft>
+                      </a:pPr>
+                      <a:r>
+                        <a:rPr lang="nl-BE" sz="700" kern="0" dirty="0" err="1">
+                          <a:solidFill>
+                            <a:srgbClr val="0000FF"/>
+                          </a:solidFill>
+                          <a:effectLst/>
+                        </a:rPr>
+                        <a:t>if</a:t>
+                      </a:r>
+                      <a:r>
+                        <a:rPr lang="nl-BE" sz="700" kern="0" dirty="0">
+                          <a:solidFill>
+                            <a:srgbClr val="000000"/>
+                          </a:solidFill>
+                          <a:effectLst/>
+                        </a:rPr>
+                        <a:t> (</a:t>
+                      </a:r>
+                      <a:r>
+                        <a:rPr lang="nl-BE" sz="700" kern="0" dirty="0" err="1">
+                          <a:solidFill>
+                            <a:srgbClr val="000000"/>
+                          </a:solidFill>
+                          <a:effectLst/>
+                        </a:rPr>
+                        <a:t>IsGelijk</a:t>
+                      </a:r>
+                      <a:r>
+                        <a:rPr lang="nl-BE" sz="700" kern="0" dirty="0">
+                          <a:solidFill>
+                            <a:srgbClr val="000000"/>
+                          </a:solidFill>
+                          <a:effectLst/>
+                        </a:rPr>
+                        <a:t>(6, 8))</a:t>
+                      </a:r>
+                      <a:endParaRPr lang="nl-BE" sz="800" kern="100" dirty="0">
+                        <a:effectLst/>
+                      </a:endParaRPr>
+                    </a:p>
+                    <a:p>
+                      <a:pPr>
+                        <a:lnSpc>
+                          <a:spcPct val="107000"/>
+                        </a:lnSpc>
+                        <a:spcAft>
+                          <a:spcPts val="0"/>
+                        </a:spcAft>
+                      </a:pPr>
+                      <a:r>
+                        <a:rPr lang="nl-BE" sz="700" kern="0" dirty="0">
+                          <a:solidFill>
+                            <a:srgbClr val="000000"/>
+                          </a:solidFill>
+                          <a:effectLst/>
+                        </a:rPr>
+                        <a:t>{</a:t>
+                      </a:r>
+                      <a:endParaRPr lang="nl-BE" sz="800" kern="100" dirty="0">
+                        <a:effectLst/>
+                      </a:endParaRPr>
+                    </a:p>
+                    <a:p>
+                      <a:pPr>
+                        <a:lnSpc>
+                          <a:spcPct val="107000"/>
+                        </a:lnSpc>
+                        <a:spcAft>
+                          <a:spcPts val="0"/>
+                        </a:spcAft>
+                      </a:pPr>
+                      <a:r>
+                        <a:rPr lang="nl-BE" sz="700" kern="0" dirty="0">
+                          <a:solidFill>
+                            <a:srgbClr val="000000"/>
+                          </a:solidFill>
+                          <a:effectLst/>
+                        </a:rPr>
+                        <a:t>    </a:t>
+                      </a:r>
+                      <a:r>
+                        <a:rPr lang="nl-BE" sz="700" kern="0" dirty="0">
+                          <a:solidFill>
+                            <a:srgbClr val="008000"/>
+                          </a:solidFill>
+                          <a:effectLst/>
+                        </a:rPr>
+                        <a:t>//...</a:t>
+                      </a:r>
+                      <a:endParaRPr lang="nl-BE" sz="800" kern="100" dirty="0">
+                        <a:effectLst/>
+                        <a:latin typeface="Calibri" panose="020F0502020204030204" pitchFamily="34" charset="0"/>
+                        <a:ea typeface="Calibri" panose="020F0502020204030204" pitchFamily="34" charset="0"/>
+                        <a:cs typeface="Times New Roman" panose="02020603050405020304" pitchFamily="18" charset="0"/>
+                      </a:endParaRPr>
+                    </a:p>
+                  </a:txBody>
+                  <a:tcPr marL="48766" marR="48766" marT="13095" marB="13095">
+                    <a:lnL>
+                      <a:noFill/>
+                    </a:lnL>
+                    <a:lnR>
+                      <a:noFill/>
+                    </a:lnR>
+                    <a:lnT w="12700" cap="flat" cmpd="sng" algn="ctr">
+                      <a:solidFill>
+                        <a:schemeClr val="tx1"/>
+                      </a:solidFill>
+                      <a:prstDash val="solid"/>
+                      <a:round/>
+                      <a:headEnd type="none" w="med" len="med"/>
+                      <a:tailEnd type="none" w="med" len="med"/>
+                    </a:lnT>
+                    <a:lnB w="12700" cap="flat" cmpd="sng" algn="ctr">
+                      <a:solidFill>
+                        <a:schemeClr val="tx1"/>
+                      </a:solidFill>
+                      <a:prstDash val="solid"/>
+                      <a:round/>
+                      <a:headEnd type="none" w="med" len="med"/>
+                      <a:tailEnd type="none" w="med" len="med"/>
+                    </a:lnB>
+                  </a:tcPr>
+                </a:tc>
+                <a:extLst>
+                  <a:ext uri="{0D108BD9-81ED-4DB2-BD59-A6C34878D82A}">
+                    <a16:rowId xmlns:a16="http://schemas.microsoft.com/office/drawing/2014/main" val="10007"/>
+                  </a:ext>
+                </a:extLst>
+              </a:tr>
+              <a:tr h="618986">
+                <a:tc>
+                  <a:txBody>
+                    <a:bodyPr/>
+                    <a:lstStyle/>
+                    <a:p>
+                      <a:pPr>
+                        <a:lnSpc>
+                          <a:spcPct val="107000"/>
+                        </a:lnSpc>
+                        <a:spcAft>
+                          <a:spcPts val="0"/>
+                        </a:spcAft>
+                      </a:pPr>
+                      <a:r>
+                        <a:rPr lang="nl-BE" sz="600" b="1" kern="0" dirty="0">
+                          <a:solidFill>
+                            <a:srgbClr val="000000"/>
+                          </a:solidFill>
+                          <a:effectLst/>
+                        </a:rPr>
+                        <a:t> </a:t>
+                      </a:r>
+                      <a:r>
+                        <a:rPr lang="en-US" sz="600" b="1" kern="0" dirty="0">
+                          <a:solidFill>
+                            <a:srgbClr val="0000FF"/>
+                          </a:solidFill>
+                          <a:effectLst/>
+                        </a:rPr>
+                        <a:t>static</a:t>
+                      </a:r>
+                      <a:r>
+                        <a:rPr lang="en-US" sz="600" b="1" kern="0" dirty="0">
+                          <a:solidFill>
+                            <a:srgbClr val="000000"/>
+                          </a:solidFill>
+                          <a:effectLst/>
+                        </a:rPr>
+                        <a:t> </a:t>
+                      </a:r>
+                      <a:r>
+                        <a:rPr lang="en-US" sz="600" b="1" kern="0" dirty="0" err="1">
+                          <a:solidFill>
+                            <a:srgbClr val="0000FF"/>
+                          </a:solidFill>
+                          <a:effectLst/>
+                        </a:rPr>
+                        <a:t>bool</a:t>
+                      </a:r>
+                      <a:r>
+                        <a:rPr lang="en-US" sz="600" b="1" kern="0" dirty="0">
+                          <a:solidFill>
+                            <a:srgbClr val="000000"/>
+                          </a:solidFill>
+                          <a:effectLst/>
+                        </a:rPr>
+                        <a:t> </a:t>
+                      </a:r>
+                      <a:r>
+                        <a:rPr lang="en-US" sz="600" b="1" kern="0" dirty="0" err="1">
+                          <a:solidFill>
+                            <a:srgbClr val="000000"/>
+                          </a:solidFill>
+                          <a:effectLst/>
+                        </a:rPr>
+                        <a:t>CooleNaam</a:t>
+                      </a:r>
+                      <a:r>
+                        <a:rPr lang="en-US" sz="600" b="1" kern="0" dirty="0">
+                          <a:solidFill>
+                            <a:srgbClr val="000000"/>
+                          </a:solidFill>
+                          <a:effectLst/>
+                        </a:rPr>
+                        <a:t>(</a:t>
+                      </a:r>
+                      <a:r>
+                        <a:rPr lang="en-US" sz="600" b="1" kern="0" dirty="0">
+                          <a:solidFill>
+                            <a:srgbClr val="0000FF"/>
+                          </a:solidFill>
+                          <a:effectLst/>
+                        </a:rPr>
+                        <a:t>string</a:t>
+                      </a:r>
+                      <a:r>
+                        <a:rPr lang="en-US" sz="600" b="1" kern="0" dirty="0">
+                          <a:solidFill>
+                            <a:srgbClr val="000000"/>
+                          </a:solidFill>
+                          <a:effectLst/>
+                        </a:rPr>
+                        <a:t> </a:t>
+                      </a:r>
+                      <a:r>
+                        <a:rPr lang="en-US" sz="600" b="1" kern="0" dirty="0" err="1">
+                          <a:solidFill>
+                            <a:srgbClr val="000000"/>
+                          </a:solidFill>
+                          <a:effectLst/>
+                        </a:rPr>
+                        <a:t>naam</a:t>
+                      </a:r>
+                      <a:r>
+                        <a:rPr lang="en-US" sz="600" b="1" kern="0" dirty="0">
+                          <a:solidFill>
+                            <a:srgbClr val="000000"/>
+                          </a:solidFill>
+                          <a:effectLst/>
+                        </a:rPr>
+                        <a:t>)</a:t>
+                      </a:r>
+                      <a:endParaRPr lang="nl-BE" sz="800" kern="100" dirty="0">
+                        <a:effectLst/>
+                      </a:endParaRPr>
+                    </a:p>
+                    <a:p>
+                      <a:pPr>
+                        <a:lnSpc>
+                          <a:spcPct val="107000"/>
+                        </a:lnSpc>
+                        <a:spcAft>
+                          <a:spcPts val="0"/>
+                        </a:spcAft>
+                      </a:pPr>
+                      <a:r>
+                        <a:rPr lang="en-US" sz="600" b="1" kern="0" dirty="0">
+                          <a:solidFill>
+                            <a:srgbClr val="000000"/>
+                          </a:solidFill>
+                          <a:effectLst/>
+                        </a:rPr>
+                        <a:t> {</a:t>
+                      </a:r>
+                      <a:endParaRPr lang="nl-BE" sz="800" kern="100" dirty="0">
+                        <a:effectLst/>
+                      </a:endParaRPr>
+                    </a:p>
+                    <a:p>
+                      <a:pPr>
+                        <a:lnSpc>
+                          <a:spcPct val="107000"/>
+                        </a:lnSpc>
+                        <a:spcAft>
+                          <a:spcPts val="0"/>
+                        </a:spcAft>
+                      </a:pPr>
+                      <a:r>
+                        <a:rPr lang="en-US" sz="600" b="1" kern="0" dirty="0">
+                          <a:solidFill>
+                            <a:srgbClr val="000000"/>
+                          </a:solidFill>
+                          <a:effectLst/>
+                        </a:rPr>
+                        <a:t>       </a:t>
+                      </a:r>
+                      <a:r>
+                        <a:rPr lang="en-US" sz="600" b="1" kern="0" dirty="0">
+                          <a:solidFill>
+                            <a:srgbClr val="0000FF"/>
+                          </a:solidFill>
+                          <a:effectLst/>
+                        </a:rPr>
+                        <a:t>bool</a:t>
+                      </a:r>
+                      <a:r>
+                        <a:rPr lang="en-US" sz="600" b="1" kern="0" dirty="0">
+                          <a:solidFill>
+                            <a:srgbClr val="000000"/>
+                          </a:solidFill>
+                          <a:effectLst/>
+                        </a:rPr>
+                        <a:t> result;</a:t>
+                      </a:r>
+                      <a:endParaRPr lang="nl-BE" sz="800" kern="100" dirty="0">
+                        <a:effectLst/>
+                      </a:endParaRPr>
+                    </a:p>
+                    <a:p>
+                      <a:pPr>
+                        <a:lnSpc>
+                          <a:spcPct val="107000"/>
+                        </a:lnSpc>
+                        <a:spcAft>
+                          <a:spcPts val="0"/>
+                        </a:spcAft>
+                      </a:pPr>
+                      <a:r>
+                        <a:rPr lang="en-US" sz="600" b="1" kern="0" dirty="0">
+                          <a:solidFill>
+                            <a:srgbClr val="000000"/>
+                          </a:solidFill>
+                          <a:effectLst/>
+                        </a:rPr>
+                        <a:t>       </a:t>
+                      </a:r>
+                      <a:r>
+                        <a:rPr lang="en-US" sz="600" b="1" kern="0" dirty="0">
+                          <a:solidFill>
+                            <a:srgbClr val="0000FF"/>
+                          </a:solidFill>
+                          <a:effectLst/>
+                        </a:rPr>
+                        <a:t>return </a:t>
+                      </a:r>
+                      <a:r>
+                        <a:rPr lang="en-US" sz="600" b="1" kern="0" dirty="0">
+                          <a:solidFill>
+                            <a:srgbClr val="000000"/>
+                          </a:solidFill>
+                          <a:effectLst/>
+                        </a:rPr>
+                        <a:t>naam == </a:t>
+                      </a:r>
+                      <a:r>
+                        <a:rPr lang="en-US" sz="600" b="1" kern="0" dirty="0">
+                          <a:solidFill>
+                            <a:srgbClr val="A31515"/>
+                          </a:solidFill>
+                          <a:effectLst/>
+                        </a:rPr>
+                        <a:t>"Tim"</a:t>
+                      </a:r>
+                      <a:r>
+                        <a:rPr lang="en-US" sz="600" b="1" kern="0" dirty="0">
+                          <a:solidFill>
+                            <a:srgbClr val="000000"/>
+                          </a:solidFill>
+                          <a:effectLst/>
+                        </a:rPr>
+                        <a:t>;</a:t>
+                      </a:r>
+                      <a:endParaRPr lang="nl-BE" sz="800" kern="100" dirty="0">
+                        <a:effectLst/>
+                      </a:endParaRPr>
+                    </a:p>
+                    <a:p>
+                      <a:pPr>
+                        <a:lnSpc>
+                          <a:spcPct val="107000"/>
+                        </a:lnSpc>
+                        <a:spcAft>
+                          <a:spcPts val="0"/>
+                        </a:spcAft>
+                      </a:pPr>
+                      <a:r>
+                        <a:rPr lang="nl-BE" sz="600" b="1" kern="0" dirty="0">
+                          <a:solidFill>
+                            <a:srgbClr val="000000"/>
+                          </a:solidFill>
+                          <a:effectLst/>
+                        </a:rPr>
+                        <a:t>}</a:t>
+                      </a:r>
+                      <a:endParaRPr lang="nl-BE" sz="800" kern="100" dirty="0">
+                        <a:effectLst/>
+                        <a:latin typeface="Calibri" panose="020F0502020204030204" pitchFamily="34" charset="0"/>
+                        <a:ea typeface="Calibri" panose="020F0502020204030204" pitchFamily="34" charset="0"/>
+                        <a:cs typeface="Times New Roman" panose="02020603050405020304" pitchFamily="18" charset="0"/>
+                      </a:endParaRPr>
+                    </a:p>
+                  </a:txBody>
+                  <a:tcPr marL="48766" marR="48766" marT="13095" marB="13095">
+                    <a:lnL>
+                      <a:noFill/>
+                    </a:lnL>
+                    <a:lnR>
+                      <a:noFill/>
+                    </a:lnR>
+                    <a:lnT w="12700" cap="flat" cmpd="sng" algn="ctr">
+                      <a:solidFill>
+                        <a:schemeClr val="tx1"/>
+                      </a:solidFill>
+                      <a:prstDash val="solid"/>
+                      <a:round/>
+                      <a:headEnd type="none" w="med" len="med"/>
+                      <a:tailEnd type="none" w="med" len="med"/>
+                    </a:lnT>
+                    <a:lnB>
+                      <a:noFill/>
+                    </a:lnB>
+                  </a:tcPr>
+                </a:tc>
+                <a:tc>
+                  <a:txBody>
+                    <a:bodyPr/>
+                    <a:lstStyle/>
+                    <a:p>
+                      <a:pPr>
+                        <a:lnSpc>
+                          <a:spcPct val="107000"/>
+                        </a:lnSpc>
+                        <a:spcAft>
+                          <a:spcPts val="0"/>
+                        </a:spcAft>
+                      </a:pPr>
+                      <a:r>
+                        <a:rPr lang="nl-BE" sz="700" kern="0" dirty="0" err="1">
+                          <a:solidFill>
+                            <a:srgbClr val="0000FF"/>
+                          </a:solidFill>
+                          <a:effectLst/>
+                        </a:rPr>
+                        <a:t>bool</a:t>
+                      </a:r>
+                      <a:r>
+                        <a:rPr lang="nl-BE" sz="700" kern="0" dirty="0">
+                          <a:solidFill>
+                            <a:srgbClr val="000000"/>
+                          </a:solidFill>
+                          <a:effectLst/>
+                        </a:rPr>
+                        <a:t> </a:t>
+                      </a:r>
+                      <a:r>
+                        <a:rPr lang="nl-BE" sz="700" kern="0" dirty="0" err="1">
+                          <a:solidFill>
+                            <a:srgbClr val="000000"/>
+                          </a:solidFill>
+                          <a:effectLst/>
+                        </a:rPr>
+                        <a:t>ikbencool</a:t>
+                      </a:r>
+                      <a:r>
+                        <a:rPr lang="nl-BE" sz="700" kern="0" dirty="0">
+                          <a:solidFill>
+                            <a:srgbClr val="000000"/>
+                          </a:solidFill>
+                          <a:effectLst/>
+                        </a:rPr>
+                        <a:t> = </a:t>
+                      </a:r>
+                      <a:r>
+                        <a:rPr lang="nl-BE" sz="700" kern="0" dirty="0" err="1">
+                          <a:solidFill>
+                            <a:srgbClr val="000000"/>
+                          </a:solidFill>
+                          <a:effectLst/>
+                        </a:rPr>
+                        <a:t>CooleNaam</a:t>
+                      </a:r>
+                      <a:r>
+                        <a:rPr lang="nl-BE" sz="700" kern="0" dirty="0">
+                          <a:solidFill>
+                            <a:srgbClr val="000000"/>
+                          </a:solidFill>
+                          <a:effectLst/>
+                        </a:rPr>
+                        <a:t>(</a:t>
+                      </a:r>
+                      <a:r>
+                        <a:rPr lang="nl-BE" sz="700" kern="0" dirty="0">
+                          <a:solidFill>
+                            <a:srgbClr val="A31515"/>
+                          </a:solidFill>
+                          <a:effectLst/>
+                        </a:rPr>
+                        <a:t>"Jos"</a:t>
+                      </a:r>
+                      <a:r>
+                        <a:rPr lang="nl-BE" sz="700" kern="0" dirty="0">
+                          <a:solidFill>
+                            <a:srgbClr val="000000"/>
+                          </a:solidFill>
+                          <a:effectLst/>
+                        </a:rPr>
+                        <a:t>);</a:t>
+                      </a:r>
+                      <a:endParaRPr lang="nl-BE" sz="800" kern="100" dirty="0">
+                        <a:effectLst/>
+                        <a:latin typeface="Calibri" panose="020F0502020204030204" pitchFamily="34" charset="0"/>
+                        <a:ea typeface="Calibri" panose="020F0502020204030204" pitchFamily="34" charset="0"/>
+                        <a:cs typeface="Times New Roman" panose="02020603050405020304" pitchFamily="18" charset="0"/>
+                      </a:endParaRPr>
+                    </a:p>
+                  </a:txBody>
+                  <a:tcPr marL="48766" marR="48766" marT="13095" marB="13095">
+                    <a:lnL>
+                      <a:noFill/>
+                    </a:lnL>
+                    <a:lnR>
+                      <a:noFill/>
+                    </a:lnR>
+                    <a:lnT w="12700" cap="flat" cmpd="sng" algn="ctr">
+                      <a:solidFill>
+                        <a:schemeClr val="tx1"/>
+                      </a:solidFill>
+                      <a:prstDash val="solid"/>
+                      <a:round/>
+                      <a:headEnd type="none" w="med" len="med"/>
+                      <a:tailEnd type="none" w="med" len="med"/>
+                    </a:lnT>
+                    <a:lnB>
+                      <a:noFill/>
+                    </a:lnB>
+                  </a:tcPr>
+                </a:tc>
+                <a:extLst>
+                  <a:ext uri="{0D108BD9-81ED-4DB2-BD59-A6C34878D82A}">
+                    <a16:rowId xmlns:a16="http://schemas.microsoft.com/office/drawing/2014/main" val="10008"/>
+                  </a:ext>
+                </a:extLst>
+              </a:tr>
+            </a:tbl>
+          </a:graphicData>
+        </a:graphic>
+      </p:graphicFrame>
+      <p:graphicFrame>
+        <p:nvGraphicFramePr>
+          <p:cNvPr id="8" name="Tabel 7">
+            <a:extLst>
+              <a:ext uri="{FF2B5EF4-FFF2-40B4-BE49-F238E27FC236}">
+                <a16:creationId xmlns:a16="http://schemas.microsoft.com/office/drawing/2014/main" id="{AE5BFF0D-BF96-7CEC-65B5-6227F26B2951}"/>
+              </a:ext>
+            </a:extLst>
+          </p:cNvPr>
+          <p:cNvGraphicFramePr>
+            <a:graphicFrameLocks noGrp="1"/>
+          </p:cNvGraphicFramePr>
+          <p:nvPr>
+            <p:extLst>
+              <p:ext uri="{D42A27DB-BD31-4B8C-83A1-F6EECF244321}">
+                <p14:modId xmlns:p14="http://schemas.microsoft.com/office/powerpoint/2010/main" val="3298662423"/>
+              </p:ext>
+            </p:extLst>
+          </p:nvPr>
+        </p:nvGraphicFramePr>
+        <p:xfrm>
+          <a:off x="319766" y="8556624"/>
+          <a:ext cx="4040497" cy="1220894"/>
+        </p:xfrm>
+        <a:graphic>
+          <a:graphicData uri="http://schemas.openxmlformats.org/drawingml/2006/table">
+            <a:tbl>
+              <a:tblPr firstRow="1" bandRow="1">
+                <a:tableStyleId>{5940675A-B579-460E-94D1-54222C63F5DA}</a:tableStyleId>
+              </a:tblPr>
+              <a:tblGrid>
+                <a:gridCol w="906732">
+                  <a:extLst>
+                    <a:ext uri="{9D8B030D-6E8A-4147-A177-3AD203B41FA5}">
+                      <a16:colId xmlns:a16="http://schemas.microsoft.com/office/drawing/2014/main" val="3162732747"/>
+                    </a:ext>
+                  </a:extLst>
+                </a:gridCol>
+                <a:gridCol w="3133765">
+                  <a:extLst>
+                    <a:ext uri="{9D8B030D-6E8A-4147-A177-3AD203B41FA5}">
+                      <a16:colId xmlns:a16="http://schemas.microsoft.com/office/drawing/2014/main" val="258110068"/>
+                    </a:ext>
+                  </a:extLst>
+                </a:gridCol>
+              </a:tblGrid>
+              <a:tr h="348034">
+                <a:tc>
+                  <a:txBody>
+                    <a:bodyPr/>
+                    <a:lstStyle/>
+                    <a:p>
+                      <a:pPr>
+                        <a:lnSpc>
+                          <a:spcPct val="107000"/>
+                        </a:lnSpc>
+                        <a:spcAft>
+                          <a:spcPts val="0"/>
+                        </a:spcAft>
+                      </a:pPr>
+                      <a:r>
+                        <a:rPr lang="nl-BE" sz="800" b="1" kern="100" dirty="0">
+                          <a:effectLst/>
+                        </a:rPr>
+                        <a:t>Aanmaken 1D:</a:t>
+                      </a:r>
+                      <a:endParaRPr lang="nl-BE" sz="1100" kern="100" dirty="0">
+                        <a:effectLst/>
+                        <a:latin typeface="Calibri" panose="020F0502020204030204" pitchFamily="34" charset="0"/>
+                        <a:ea typeface="Calibri" panose="020F0502020204030204" pitchFamily="34" charset="0"/>
+                        <a:cs typeface="Times New Roman" panose="02020603050405020304" pitchFamily="18" charset="0"/>
+                      </a:endParaRPr>
+                    </a:p>
+                  </a:txBody>
+                  <a:tcPr marL="68580" marR="68580" marT="18415" marB="18415">
+                    <a:lnL w="12700" cmpd="sng">
+                      <a:noFill/>
+                    </a:lnL>
+                    <a:lnR w="12700" cmpd="sng">
+                      <a:noFill/>
+                    </a:lnR>
+                    <a:lnT w="12700" cmpd="sng">
+                      <a:noFill/>
+                    </a:lnT>
+                    <a:lnB w="12700" cmpd="sng">
+                      <a:noFill/>
+                    </a:lnB>
+                    <a:lnTlToBr w="12700" cmpd="sng">
+                      <a:noFill/>
+                      <a:prstDash val="solid"/>
+                    </a:lnTlToBr>
+                    <a:lnBlToTr w="12700" cmpd="sng">
+                      <a:noFill/>
+                      <a:prstDash val="solid"/>
+                    </a:lnBlToTr>
+                  </a:tcPr>
+                </a:tc>
+                <a:tc>
+                  <a:txBody>
+                    <a:bodyPr/>
+                    <a:lstStyle/>
+                    <a:p>
+                      <a:pPr>
+                        <a:lnSpc>
+                          <a:spcPct val="107000"/>
+                        </a:lnSpc>
+                        <a:spcAft>
+                          <a:spcPts val="0"/>
+                        </a:spcAft>
+                      </a:pPr>
+                      <a:r>
+                        <a:rPr lang="nl-BE" sz="700" kern="0" dirty="0">
+                          <a:solidFill>
+                            <a:srgbClr val="0000FF"/>
+                          </a:solidFill>
+                          <a:effectLst/>
+                          <a:latin typeface="Cascadia Code" panose="020B0609020000020004" pitchFamily="49" charset="0"/>
+                          <a:cs typeface="Cascadia Code" panose="020B0609020000020004" pitchFamily="49" charset="0"/>
+                        </a:rPr>
+                        <a:t>int</a:t>
+                      </a:r>
+                      <a:r>
+                        <a:rPr lang="nl-BE" sz="700" kern="0" dirty="0">
+                          <a:solidFill>
+                            <a:srgbClr val="000000"/>
+                          </a:solidFill>
+                          <a:effectLst/>
+                          <a:latin typeface="Cascadia Code" panose="020B0609020000020004" pitchFamily="49" charset="0"/>
+                          <a:cs typeface="Cascadia Code" panose="020B0609020000020004" pitchFamily="49" charset="0"/>
+                        </a:rPr>
+                        <a:t>[] getallen = { 2, 5, 7, 8 };</a:t>
+                      </a:r>
+                      <a:endParaRPr lang="nl-BE" sz="700" kern="100" dirty="0">
+                        <a:effectLst/>
+                        <a:latin typeface="Cascadia Code" panose="020B0609020000020004" pitchFamily="49" charset="0"/>
+                        <a:cs typeface="Cascadia Code" panose="020B0609020000020004" pitchFamily="49" charset="0"/>
+                      </a:endParaRPr>
+                    </a:p>
+                    <a:p>
+                      <a:pPr>
+                        <a:lnSpc>
+                          <a:spcPct val="107000"/>
+                        </a:lnSpc>
+                        <a:spcAft>
+                          <a:spcPts val="0"/>
+                        </a:spcAft>
+                      </a:pPr>
+                      <a:r>
+                        <a:rPr lang="nl-BE" sz="700" kern="0" dirty="0" err="1">
+                          <a:solidFill>
+                            <a:srgbClr val="0000FF"/>
+                          </a:solidFill>
+                          <a:effectLst/>
+                          <a:latin typeface="Cascadia Code" panose="020B0609020000020004" pitchFamily="49" charset="0"/>
+                          <a:cs typeface="Cascadia Code" panose="020B0609020000020004" pitchFamily="49" charset="0"/>
+                        </a:rPr>
+                        <a:t>float</a:t>
+                      </a:r>
+                      <a:r>
+                        <a:rPr lang="nl-BE" sz="700" kern="0" dirty="0">
+                          <a:solidFill>
+                            <a:srgbClr val="000000"/>
+                          </a:solidFill>
+                          <a:effectLst/>
+                          <a:latin typeface="Cascadia Code" panose="020B0609020000020004" pitchFamily="49" charset="0"/>
+                          <a:cs typeface="Cascadia Code" panose="020B0609020000020004" pitchFamily="49" charset="0"/>
+                        </a:rPr>
+                        <a:t>[] kommagetallen = </a:t>
+                      </a:r>
+                      <a:r>
+                        <a:rPr lang="nl-BE" sz="700" kern="0" dirty="0">
+                          <a:solidFill>
+                            <a:srgbClr val="0000FF"/>
+                          </a:solidFill>
+                          <a:effectLst/>
+                          <a:latin typeface="Cascadia Code" panose="020B0609020000020004" pitchFamily="49" charset="0"/>
+                          <a:cs typeface="Cascadia Code" panose="020B0609020000020004" pitchFamily="49" charset="0"/>
+                        </a:rPr>
+                        <a:t>new</a:t>
+                      </a:r>
+                      <a:r>
+                        <a:rPr lang="nl-BE" sz="700" kern="0" dirty="0">
+                          <a:solidFill>
+                            <a:srgbClr val="000000"/>
+                          </a:solidFill>
+                          <a:effectLst/>
+                          <a:latin typeface="Cascadia Code" panose="020B0609020000020004" pitchFamily="49" charset="0"/>
+                          <a:cs typeface="Cascadia Code" panose="020B0609020000020004" pitchFamily="49" charset="0"/>
+                        </a:rPr>
+                        <a:t> </a:t>
+                      </a:r>
+                      <a:r>
+                        <a:rPr lang="nl-BE" sz="700" kern="0" dirty="0" err="1">
+                          <a:solidFill>
+                            <a:srgbClr val="0000FF"/>
+                          </a:solidFill>
+                          <a:effectLst/>
+                          <a:latin typeface="Cascadia Code" panose="020B0609020000020004" pitchFamily="49" charset="0"/>
+                          <a:cs typeface="Cascadia Code" panose="020B0609020000020004" pitchFamily="49" charset="0"/>
+                        </a:rPr>
+                        <a:t>float</a:t>
+                      </a:r>
+                      <a:r>
+                        <a:rPr lang="nl-BE" sz="700" kern="0" dirty="0">
+                          <a:solidFill>
+                            <a:srgbClr val="000000"/>
+                          </a:solidFill>
+                          <a:effectLst/>
+                          <a:latin typeface="Cascadia Code" panose="020B0609020000020004" pitchFamily="49" charset="0"/>
+                          <a:cs typeface="Cascadia Code" panose="020B0609020000020004" pitchFamily="49" charset="0"/>
+                        </a:rPr>
+                        <a:t>[10];</a:t>
+                      </a:r>
+                      <a:endParaRPr lang="nl-BE" sz="700" kern="100" dirty="0">
+                        <a:effectLst/>
+                        <a:latin typeface="Cascadia Code" panose="020B0609020000020004" pitchFamily="49" charset="0"/>
+                        <a:ea typeface="Calibri" panose="020F0502020204030204" pitchFamily="34" charset="0"/>
+                        <a:cs typeface="Cascadia Code" panose="020B0609020000020004" pitchFamily="49" charset="0"/>
+                      </a:endParaRPr>
+                    </a:p>
+                  </a:txBody>
+                  <a:tcPr marL="68580" marR="68580" marT="18415" marB="18415">
+                    <a:lnL w="12700" cmpd="sng">
+                      <a:noFill/>
+                    </a:lnL>
+                    <a:lnR w="12700" cmpd="sng">
+                      <a:noFill/>
+                    </a:lnR>
+                    <a:lnT w="12700" cmpd="sng">
+                      <a:noFill/>
+                    </a:lnT>
+                    <a:lnB w="12700" cmpd="sng">
+                      <a:noFill/>
+                    </a:lnB>
+                    <a:lnTlToBr w="12700" cmpd="sng">
+                      <a:noFill/>
+                      <a:prstDash val="solid"/>
+                    </a:lnTlToBr>
+                    <a:lnBlToTr w="12700" cmpd="sng">
+                      <a:noFill/>
+                      <a:prstDash val="solid"/>
+                    </a:lnBlToTr>
+                  </a:tcPr>
+                </a:tc>
+                <a:extLst>
+                  <a:ext uri="{0D108BD9-81ED-4DB2-BD59-A6C34878D82A}">
+                    <a16:rowId xmlns:a16="http://schemas.microsoft.com/office/drawing/2014/main" val="2678663065"/>
+                  </a:ext>
+                </a:extLst>
+              </a:tr>
+              <a:tr h="351194">
+                <a:tc>
+                  <a:txBody>
+                    <a:bodyPr/>
+                    <a:lstStyle/>
+                    <a:p>
+                      <a:pPr>
+                        <a:lnSpc>
+                          <a:spcPct val="107000"/>
+                        </a:lnSpc>
+                        <a:spcAft>
+                          <a:spcPts val="0"/>
+                        </a:spcAft>
+                      </a:pPr>
+                      <a:r>
+                        <a:rPr lang="en-US" sz="800" b="1" kern="100" dirty="0" err="1">
+                          <a:effectLst/>
+                        </a:rPr>
+                        <a:t>Aanmaken</a:t>
+                      </a:r>
+                      <a:r>
+                        <a:rPr lang="en-US" sz="800" b="1" kern="100" dirty="0">
+                          <a:effectLst/>
+                        </a:rPr>
+                        <a:t> 2D:</a:t>
+                      </a:r>
+                      <a:endParaRPr lang="nl-BE" sz="1100" kern="100" dirty="0">
+                        <a:effectLst/>
+                        <a:latin typeface="Calibri" panose="020F0502020204030204" pitchFamily="34" charset="0"/>
+                        <a:ea typeface="Calibri" panose="020F0502020204030204" pitchFamily="34" charset="0"/>
+                        <a:cs typeface="Times New Roman" panose="02020603050405020304" pitchFamily="18" charset="0"/>
+                      </a:endParaRPr>
+                    </a:p>
+                  </a:txBody>
+                  <a:tcPr marL="68580" marR="68580" marT="18415" marB="18415">
+                    <a:lnL w="12700" cmpd="sng">
+                      <a:noFill/>
+                    </a:lnL>
+                    <a:lnR w="12700" cmpd="sng">
+                      <a:noFill/>
+                    </a:lnR>
+                    <a:lnT w="12700" cmpd="sng">
+                      <a:noFill/>
+                    </a:lnT>
+                    <a:lnB w="12700" cmpd="sng">
+                      <a:noFill/>
+                    </a:lnB>
+                    <a:lnTlToBr w="12700" cmpd="sng">
+                      <a:noFill/>
+                      <a:prstDash val="solid"/>
+                    </a:lnTlToBr>
+                    <a:lnBlToTr w="12700" cmpd="sng">
+                      <a:noFill/>
+                      <a:prstDash val="solid"/>
+                    </a:lnBlToTr>
+                  </a:tcPr>
+                </a:tc>
+                <a:tc>
+                  <a:txBody>
+                    <a:bodyPr/>
+                    <a:lstStyle/>
+                    <a:p>
+                      <a:pPr>
+                        <a:lnSpc>
+                          <a:spcPct val="107000"/>
+                        </a:lnSpc>
+                        <a:spcAft>
+                          <a:spcPts val="0"/>
+                        </a:spcAft>
+                      </a:pPr>
+                      <a:r>
+                        <a:rPr lang="nl-BE" sz="700" kern="0" dirty="0">
+                          <a:solidFill>
+                            <a:srgbClr val="0000FF"/>
+                          </a:solidFill>
+                          <a:effectLst/>
+                          <a:latin typeface="Cascadia Code" panose="020B0609020000020004" pitchFamily="49" charset="0"/>
+                          <a:cs typeface="Cascadia Code" panose="020B0609020000020004" pitchFamily="49" charset="0"/>
+                        </a:rPr>
+                        <a:t>int</a:t>
+                      </a:r>
+                      <a:r>
+                        <a:rPr lang="nl-BE" sz="700" kern="0" dirty="0">
+                          <a:solidFill>
+                            <a:srgbClr val="000000"/>
+                          </a:solidFill>
+                          <a:effectLst/>
+                          <a:latin typeface="Cascadia Code" panose="020B0609020000020004" pitchFamily="49" charset="0"/>
+                          <a:cs typeface="Cascadia Code" panose="020B0609020000020004" pitchFamily="49" charset="0"/>
+                        </a:rPr>
+                        <a:t>[,] getallen2d = { { 2, 5, 7, 8 }, { 6, 7, 4, 3 } };</a:t>
+                      </a:r>
+                      <a:endParaRPr lang="nl-BE" sz="700" kern="100" dirty="0">
+                        <a:effectLst/>
+                        <a:latin typeface="Cascadia Code" panose="020B0609020000020004" pitchFamily="49" charset="0"/>
+                        <a:cs typeface="Cascadia Code" panose="020B0609020000020004" pitchFamily="49" charset="0"/>
+                      </a:endParaRPr>
+                    </a:p>
+                    <a:p>
+                      <a:pPr>
+                        <a:lnSpc>
+                          <a:spcPct val="107000"/>
+                        </a:lnSpc>
+                        <a:spcAft>
+                          <a:spcPts val="0"/>
+                        </a:spcAft>
+                      </a:pPr>
+                      <a:r>
+                        <a:rPr lang="nl-BE" sz="700" kern="0" dirty="0" err="1">
+                          <a:solidFill>
+                            <a:srgbClr val="0000FF"/>
+                          </a:solidFill>
+                          <a:effectLst/>
+                          <a:latin typeface="Cascadia Code" panose="020B0609020000020004" pitchFamily="49" charset="0"/>
+                          <a:cs typeface="Cascadia Code" panose="020B0609020000020004" pitchFamily="49" charset="0"/>
+                        </a:rPr>
+                        <a:t>float</a:t>
+                      </a:r>
+                      <a:r>
+                        <a:rPr lang="nl-BE" sz="700" kern="0" dirty="0">
+                          <a:solidFill>
+                            <a:srgbClr val="000000"/>
+                          </a:solidFill>
+                          <a:effectLst/>
+                          <a:latin typeface="Cascadia Code" panose="020B0609020000020004" pitchFamily="49" charset="0"/>
+                          <a:cs typeface="Cascadia Code" panose="020B0609020000020004" pitchFamily="49" charset="0"/>
+                        </a:rPr>
+                        <a:t>[,] kommagetallen2d = </a:t>
+                      </a:r>
+                      <a:r>
+                        <a:rPr lang="nl-BE" sz="700" kern="0" dirty="0">
+                          <a:solidFill>
+                            <a:srgbClr val="0000FF"/>
+                          </a:solidFill>
+                          <a:effectLst/>
+                          <a:latin typeface="Cascadia Code" panose="020B0609020000020004" pitchFamily="49" charset="0"/>
+                          <a:cs typeface="Cascadia Code" panose="020B0609020000020004" pitchFamily="49" charset="0"/>
+                        </a:rPr>
+                        <a:t>new</a:t>
+                      </a:r>
+                      <a:r>
+                        <a:rPr lang="nl-BE" sz="700" kern="0" dirty="0">
+                          <a:solidFill>
+                            <a:srgbClr val="000000"/>
+                          </a:solidFill>
+                          <a:effectLst/>
+                          <a:latin typeface="Cascadia Code" panose="020B0609020000020004" pitchFamily="49" charset="0"/>
+                          <a:cs typeface="Cascadia Code" panose="020B0609020000020004" pitchFamily="49" charset="0"/>
+                        </a:rPr>
+                        <a:t> </a:t>
+                      </a:r>
+                      <a:r>
+                        <a:rPr lang="nl-BE" sz="700" kern="0" dirty="0" err="1">
+                          <a:solidFill>
+                            <a:srgbClr val="0000FF"/>
+                          </a:solidFill>
+                          <a:effectLst/>
+                          <a:latin typeface="Cascadia Code" panose="020B0609020000020004" pitchFamily="49" charset="0"/>
+                          <a:cs typeface="Cascadia Code" panose="020B0609020000020004" pitchFamily="49" charset="0"/>
+                        </a:rPr>
+                        <a:t>float</a:t>
+                      </a:r>
+                      <a:r>
+                        <a:rPr lang="nl-BE" sz="700" kern="0" dirty="0">
+                          <a:solidFill>
+                            <a:srgbClr val="000000"/>
+                          </a:solidFill>
+                          <a:effectLst/>
+                          <a:latin typeface="Cascadia Code" panose="020B0609020000020004" pitchFamily="49" charset="0"/>
+                          <a:cs typeface="Cascadia Code" panose="020B0609020000020004" pitchFamily="49" charset="0"/>
+                        </a:rPr>
+                        <a:t>[10,20];</a:t>
+                      </a:r>
+                      <a:endParaRPr lang="nl-BE" sz="700" kern="100" dirty="0">
+                        <a:effectLst/>
+                        <a:latin typeface="Cascadia Code" panose="020B0609020000020004" pitchFamily="49" charset="0"/>
+                        <a:ea typeface="Calibri" panose="020F0502020204030204" pitchFamily="34" charset="0"/>
+                        <a:cs typeface="Cascadia Code" panose="020B0609020000020004" pitchFamily="49" charset="0"/>
+                      </a:endParaRPr>
+                    </a:p>
+                  </a:txBody>
+                  <a:tcPr marL="68580" marR="68580" marT="18415" marB="18415">
+                    <a:lnL w="12700" cmpd="sng">
+                      <a:noFill/>
+                    </a:lnL>
+                    <a:lnR w="12700" cmpd="sng">
+                      <a:noFill/>
+                    </a:lnR>
+                    <a:lnT w="12700" cmpd="sng">
+                      <a:noFill/>
+                    </a:lnT>
+                    <a:lnB w="12700" cmpd="sng">
+                      <a:noFill/>
+                    </a:lnB>
+                    <a:lnTlToBr w="12700" cmpd="sng">
+                      <a:noFill/>
+                      <a:prstDash val="solid"/>
+                    </a:lnTlToBr>
+                    <a:lnBlToTr w="12700" cmpd="sng">
+                      <a:noFill/>
+                      <a:prstDash val="solid"/>
+                    </a:lnBlToTr>
+                  </a:tcPr>
+                </a:tc>
+                <a:extLst>
+                  <a:ext uri="{0D108BD9-81ED-4DB2-BD59-A6C34878D82A}">
+                    <a16:rowId xmlns:a16="http://schemas.microsoft.com/office/drawing/2014/main" val="3102222812"/>
+                  </a:ext>
+                </a:extLst>
+              </a:tr>
+              <a:tr h="173632">
+                <a:tc>
+                  <a:txBody>
+                    <a:bodyPr/>
+                    <a:lstStyle/>
+                    <a:p>
+                      <a:pPr>
+                        <a:lnSpc>
+                          <a:spcPct val="107000"/>
+                        </a:lnSpc>
+                        <a:spcAft>
+                          <a:spcPts val="0"/>
+                        </a:spcAft>
+                      </a:pPr>
+                      <a:r>
+                        <a:rPr lang="nl-BE" sz="800" b="1" kern="100" dirty="0">
+                          <a:effectLst/>
+                        </a:rPr>
+                        <a:t>Lengte 1D:</a:t>
+                      </a:r>
+                      <a:endParaRPr lang="nl-BE" sz="1100" kern="100" dirty="0">
+                        <a:effectLst/>
+                        <a:latin typeface="Calibri" panose="020F0502020204030204" pitchFamily="34" charset="0"/>
+                        <a:ea typeface="Calibri" panose="020F0502020204030204" pitchFamily="34" charset="0"/>
+                        <a:cs typeface="Times New Roman" panose="02020603050405020304" pitchFamily="18" charset="0"/>
+                      </a:endParaRPr>
+                    </a:p>
+                  </a:txBody>
+                  <a:tcPr marL="68580" marR="68580" marT="18415" marB="18415">
+                    <a:lnL w="12700" cmpd="sng">
+                      <a:noFill/>
+                    </a:lnL>
+                    <a:lnR w="12700" cmpd="sng">
+                      <a:noFill/>
+                    </a:lnR>
+                    <a:lnT w="12700" cmpd="sng">
+                      <a:noFill/>
+                    </a:lnT>
+                    <a:lnB w="12700" cmpd="sng">
+                      <a:noFill/>
+                    </a:lnB>
+                    <a:lnTlToBr w="12700" cmpd="sng">
+                      <a:noFill/>
+                      <a:prstDash val="solid"/>
+                    </a:lnTlToBr>
+                    <a:lnBlToTr w="12700" cmpd="sng">
+                      <a:noFill/>
+                      <a:prstDash val="solid"/>
+                    </a:lnBlToTr>
+                  </a:tcPr>
+                </a:tc>
+                <a:tc>
+                  <a:txBody>
+                    <a:bodyPr/>
+                    <a:lstStyle/>
+                    <a:p>
+                      <a:pPr>
+                        <a:lnSpc>
+                          <a:spcPct val="107000"/>
+                        </a:lnSpc>
+                        <a:spcAft>
+                          <a:spcPts val="0"/>
+                        </a:spcAft>
+                      </a:pPr>
+                      <a:r>
+                        <a:rPr lang="nl-BE" sz="700" kern="0" dirty="0" err="1">
+                          <a:solidFill>
+                            <a:srgbClr val="000000"/>
+                          </a:solidFill>
+                          <a:effectLst/>
+                          <a:latin typeface="Cascadia Code" panose="020B0609020000020004" pitchFamily="49" charset="0"/>
+                          <a:cs typeface="Cascadia Code" panose="020B0609020000020004" pitchFamily="49" charset="0"/>
+                        </a:rPr>
+                        <a:t>getallen.Length</a:t>
+                      </a:r>
+                      <a:endParaRPr lang="nl-BE" sz="700" kern="100" dirty="0">
+                        <a:effectLst/>
+                        <a:latin typeface="Cascadia Code" panose="020B0609020000020004" pitchFamily="49" charset="0"/>
+                        <a:ea typeface="Calibri" panose="020F0502020204030204" pitchFamily="34" charset="0"/>
+                        <a:cs typeface="Cascadia Code" panose="020B0609020000020004" pitchFamily="49" charset="0"/>
+                      </a:endParaRPr>
+                    </a:p>
+                  </a:txBody>
+                  <a:tcPr marL="68580" marR="68580" marT="18415" marB="18415">
+                    <a:lnL w="12700" cmpd="sng">
+                      <a:noFill/>
+                    </a:lnL>
+                    <a:lnR w="12700" cmpd="sng">
+                      <a:noFill/>
+                    </a:lnR>
+                    <a:lnT w="12700" cmpd="sng">
+                      <a:noFill/>
+                    </a:lnT>
+                    <a:lnB w="12700" cmpd="sng">
+                      <a:noFill/>
+                    </a:lnB>
+                    <a:lnTlToBr w="12700" cmpd="sng">
+                      <a:noFill/>
+                      <a:prstDash val="solid"/>
+                    </a:lnTlToBr>
+                    <a:lnBlToTr w="12700" cmpd="sng">
+                      <a:noFill/>
+                      <a:prstDash val="solid"/>
+                    </a:lnBlToTr>
+                  </a:tcPr>
+                </a:tc>
+                <a:extLst>
+                  <a:ext uri="{0D108BD9-81ED-4DB2-BD59-A6C34878D82A}">
+                    <a16:rowId xmlns:a16="http://schemas.microsoft.com/office/drawing/2014/main" val="535902774"/>
+                  </a:ext>
+                </a:extLst>
+              </a:tr>
+              <a:tr h="348034">
+                <a:tc>
+                  <a:txBody>
+                    <a:bodyPr/>
+                    <a:lstStyle/>
+                    <a:p>
+                      <a:pPr>
+                        <a:lnSpc>
+                          <a:spcPct val="107000"/>
+                        </a:lnSpc>
+                        <a:spcAft>
+                          <a:spcPts val="0"/>
+                        </a:spcAft>
+                      </a:pPr>
+                      <a:r>
+                        <a:rPr lang="nl-BE" sz="800" b="1" kern="100" dirty="0">
+                          <a:effectLst/>
+                        </a:rPr>
+                        <a:t>Lengte 2D:</a:t>
+                      </a:r>
+                      <a:endParaRPr lang="nl-BE" sz="1100" kern="100" dirty="0">
+                        <a:effectLst/>
+                        <a:latin typeface="Calibri" panose="020F0502020204030204" pitchFamily="34" charset="0"/>
+                        <a:ea typeface="Calibri" panose="020F0502020204030204" pitchFamily="34" charset="0"/>
+                        <a:cs typeface="Times New Roman" panose="02020603050405020304" pitchFamily="18" charset="0"/>
+                      </a:endParaRPr>
+                    </a:p>
+                  </a:txBody>
+                  <a:tcPr marL="68580" marR="68580" marT="18415" marB="18415">
+                    <a:lnL w="12700" cmpd="sng">
+                      <a:noFill/>
+                    </a:lnL>
+                    <a:lnR w="12700" cmpd="sng">
+                      <a:noFill/>
+                    </a:lnR>
+                    <a:lnT w="12700" cmpd="sng">
+                      <a:noFill/>
+                    </a:lnT>
+                    <a:lnB w="12700" cmpd="sng">
+                      <a:noFill/>
+                    </a:lnB>
+                    <a:lnTlToBr w="12700" cmpd="sng">
+                      <a:noFill/>
+                      <a:prstDash val="solid"/>
+                    </a:lnTlToBr>
+                    <a:lnBlToTr w="12700" cmpd="sng">
+                      <a:noFill/>
+                      <a:prstDash val="solid"/>
+                    </a:lnBlToTr>
+                  </a:tcPr>
+                </a:tc>
+                <a:tc>
+                  <a:txBody>
+                    <a:bodyPr/>
+                    <a:lstStyle/>
+                    <a:p>
+                      <a:pPr marL="0" marR="0" indent="0" algn="l" defTabSz="914400" rtl="0" eaLnBrk="1" fontAlgn="auto" latinLnBrk="0" hangingPunct="1">
+                        <a:lnSpc>
+                          <a:spcPct val="107000"/>
+                        </a:lnSpc>
+                        <a:spcBef>
+                          <a:spcPts val="0"/>
+                        </a:spcBef>
+                        <a:spcAft>
+                          <a:spcPts val="0"/>
+                        </a:spcAft>
+                        <a:buClrTx/>
+                        <a:buSzTx/>
+                        <a:buFontTx/>
+                        <a:buNone/>
+                        <a:tabLst/>
+                        <a:defRPr/>
+                      </a:pPr>
+                      <a:r>
+                        <a:rPr lang="nl-BE" sz="700" kern="0" dirty="0" err="1">
+                          <a:solidFill>
+                            <a:srgbClr val="000000"/>
+                          </a:solidFill>
+                          <a:effectLst/>
+                          <a:latin typeface="Cascadia Code" panose="020B0609020000020004" pitchFamily="49" charset="0"/>
+                          <a:cs typeface="Cascadia Code" panose="020B0609020000020004" pitchFamily="49" charset="0"/>
+                        </a:rPr>
+                        <a:t>kommagetallen.GetLength</a:t>
+                      </a:r>
+                      <a:r>
+                        <a:rPr lang="nl-BE" sz="700" kern="0" dirty="0">
+                          <a:solidFill>
+                            <a:srgbClr val="000000"/>
+                          </a:solidFill>
+                          <a:effectLst/>
+                          <a:latin typeface="Cascadia Code" panose="020B0609020000020004" pitchFamily="49" charset="0"/>
+                          <a:cs typeface="Cascadia Code" panose="020B0609020000020004" pitchFamily="49" charset="0"/>
+                        </a:rPr>
+                        <a:t>(0); </a:t>
+                      </a:r>
+                      <a:r>
+                        <a:rPr lang="nl-BE" sz="700" kern="0" dirty="0">
+                          <a:solidFill>
+                            <a:srgbClr val="008000"/>
+                          </a:solidFill>
+                          <a:effectLst/>
+                          <a:latin typeface="Cascadia Code" panose="020B0609020000020004" pitchFamily="49" charset="0"/>
+                          <a:cs typeface="Cascadia Code" panose="020B0609020000020004" pitchFamily="49" charset="0"/>
+                        </a:rPr>
+                        <a:t>//Dim 1</a:t>
+                      </a:r>
+                      <a:r>
+                        <a:rPr lang="nl-BE" sz="700" kern="0" baseline="0" dirty="0">
+                          <a:solidFill>
+                            <a:srgbClr val="008000"/>
+                          </a:solidFill>
+                          <a:effectLst/>
+                          <a:latin typeface="Cascadia Code" panose="020B0609020000020004" pitchFamily="49" charset="0"/>
+                          <a:cs typeface="Cascadia Code" panose="020B0609020000020004" pitchFamily="49" charset="0"/>
+                        </a:rPr>
+                        <a:t> lengte</a:t>
+                      </a:r>
+                      <a:endParaRPr lang="nl-BE" sz="700" kern="100" dirty="0">
+                        <a:effectLst/>
+                        <a:latin typeface="Cascadia Code" panose="020B0609020000020004" pitchFamily="49" charset="0"/>
+                        <a:cs typeface="Cascadia Code" panose="020B0609020000020004" pitchFamily="49" charset="0"/>
+                      </a:endParaRPr>
+                    </a:p>
+                    <a:p>
+                      <a:pPr marL="0" marR="0" indent="0" algn="l" defTabSz="914400" rtl="0" eaLnBrk="1" fontAlgn="auto" latinLnBrk="0" hangingPunct="1">
+                        <a:lnSpc>
+                          <a:spcPct val="107000"/>
+                        </a:lnSpc>
+                        <a:spcBef>
+                          <a:spcPts val="0"/>
+                        </a:spcBef>
+                        <a:spcAft>
+                          <a:spcPts val="0"/>
+                        </a:spcAft>
+                        <a:buClrTx/>
+                        <a:buSzTx/>
+                        <a:buFontTx/>
+                        <a:buNone/>
+                        <a:tabLst/>
+                        <a:defRPr/>
+                      </a:pPr>
+                      <a:r>
+                        <a:rPr lang="nl-BE" sz="700" kern="0" dirty="0" err="1">
+                          <a:solidFill>
+                            <a:srgbClr val="000000"/>
+                          </a:solidFill>
+                          <a:effectLst/>
+                          <a:latin typeface="Cascadia Code" panose="020B0609020000020004" pitchFamily="49" charset="0"/>
+                          <a:cs typeface="Cascadia Code" panose="020B0609020000020004" pitchFamily="49" charset="0"/>
+                        </a:rPr>
+                        <a:t>kommagetallen.GetLength</a:t>
+                      </a:r>
+                      <a:r>
+                        <a:rPr lang="nl-BE" sz="700" kern="0" dirty="0">
+                          <a:solidFill>
+                            <a:srgbClr val="000000"/>
+                          </a:solidFill>
+                          <a:effectLst/>
+                          <a:latin typeface="Cascadia Code" panose="020B0609020000020004" pitchFamily="49" charset="0"/>
+                          <a:cs typeface="Cascadia Code" panose="020B0609020000020004" pitchFamily="49" charset="0"/>
+                        </a:rPr>
+                        <a:t>(1);</a:t>
+                      </a:r>
+                      <a:r>
+                        <a:rPr lang="nl-BE" sz="700" kern="0" dirty="0">
+                          <a:solidFill>
+                            <a:srgbClr val="008000"/>
+                          </a:solidFill>
+                          <a:effectLst/>
+                          <a:latin typeface="Cascadia Code" panose="020B0609020000020004" pitchFamily="49" charset="0"/>
+                          <a:cs typeface="Cascadia Code" panose="020B0609020000020004" pitchFamily="49" charset="0"/>
+                        </a:rPr>
+                        <a:t> //Dim 2</a:t>
+                      </a:r>
+                      <a:r>
+                        <a:rPr lang="nl-BE" sz="700" kern="0" baseline="0" dirty="0">
+                          <a:solidFill>
+                            <a:srgbClr val="008000"/>
+                          </a:solidFill>
+                          <a:effectLst/>
+                          <a:latin typeface="Cascadia Code" panose="020B0609020000020004" pitchFamily="49" charset="0"/>
+                          <a:cs typeface="Cascadia Code" panose="020B0609020000020004" pitchFamily="49" charset="0"/>
+                        </a:rPr>
+                        <a:t> lengte</a:t>
+                      </a:r>
+                      <a:endParaRPr lang="nl-BE" sz="700" kern="100" dirty="0">
+                        <a:effectLst/>
+                        <a:latin typeface="Cascadia Code" panose="020B0609020000020004" pitchFamily="49" charset="0"/>
+                        <a:ea typeface="Calibri" panose="020F0502020204030204" pitchFamily="34" charset="0"/>
+                        <a:cs typeface="Cascadia Code" panose="020B0609020000020004" pitchFamily="49" charset="0"/>
+                      </a:endParaRPr>
+                    </a:p>
+                  </a:txBody>
+                  <a:tcPr marL="68580" marR="68580" marT="18415" marB="18415">
+                    <a:lnL w="12700" cmpd="sng">
+                      <a:noFill/>
+                    </a:lnL>
+                    <a:lnR w="12700" cmpd="sng">
+                      <a:noFill/>
+                    </a:lnR>
+                    <a:lnT w="12700" cmpd="sng">
+                      <a:noFill/>
+                    </a:lnT>
+                    <a:lnB w="12700" cmpd="sng">
+                      <a:noFill/>
+                    </a:lnB>
+                    <a:lnTlToBr w="12700" cmpd="sng">
+                      <a:noFill/>
+                      <a:prstDash val="solid"/>
+                    </a:lnTlToBr>
+                    <a:lnBlToTr w="12700" cmpd="sng">
+                      <a:noFill/>
+                      <a:prstDash val="solid"/>
+                    </a:lnBlToTr>
+                  </a:tcPr>
+                </a:tc>
+                <a:extLst>
+                  <a:ext uri="{0D108BD9-81ED-4DB2-BD59-A6C34878D82A}">
+                    <a16:rowId xmlns:a16="http://schemas.microsoft.com/office/drawing/2014/main" val="2658444777"/>
+                  </a:ext>
+                </a:extLst>
+              </a:tr>
+            </a:tbl>
+          </a:graphicData>
+        </a:graphic>
+      </p:graphicFrame>
+      <p:graphicFrame>
+        <p:nvGraphicFramePr>
+          <p:cNvPr id="10" name="Table 12">
+            <a:extLst>
+              <a:ext uri="{FF2B5EF4-FFF2-40B4-BE49-F238E27FC236}">
+                <a16:creationId xmlns:a16="http://schemas.microsoft.com/office/drawing/2014/main" id="{6905FFAC-E2FE-4267-B79D-C6E669EB0D61}"/>
+              </a:ext>
+            </a:extLst>
+          </p:cNvPr>
+          <p:cNvGraphicFramePr>
+            <a:graphicFrameLocks noGrp="1"/>
+          </p:cNvGraphicFramePr>
+          <p:nvPr>
+            <p:extLst>
+              <p:ext uri="{D42A27DB-BD31-4B8C-83A1-F6EECF244321}">
+                <p14:modId xmlns:p14="http://schemas.microsoft.com/office/powerpoint/2010/main" val="2548524848"/>
+              </p:ext>
+            </p:extLst>
+          </p:nvPr>
+        </p:nvGraphicFramePr>
+        <p:xfrm>
+          <a:off x="240371" y="4488963"/>
+          <a:ext cx="3310289" cy="3695711"/>
+        </p:xfrm>
+        <a:graphic>
+          <a:graphicData uri="http://schemas.openxmlformats.org/drawingml/2006/table">
+            <a:tbl>
+              <a:tblPr firstRow="1" firstCol="1" bandRow="1"/>
+              <a:tblGrid>
+                <a:gridCol w="2468158">
+                  <a:extLst>
+                    <a:ext uri="{9D8B030D-6E8A-4147-A177-3AD203B41FA5}">
+                      <a16:colId xmlns:a16="http://schemas.microsoft.com/office/drawing/2014/main" val="20000"/>
+                    </a:ext>
+                  </a:extLst>
+                </a:gridCol>
+                <a:gridCol w="842131">
+                  <a:extLst>
+                    <a:ext uri="{9D8B030D-6E8A-4147-A177-3AD203B41FA5}">
+                      <a16:colId xmlns:a16="http://schemas.microsoft.com/office/drawing/2014/main" val="20001"/>
+                    </a:ext>
+                  </a:extLst>
+                </a:gridCol>
+              </a:tblGrid>
+              <a:tr h="208555">
+                <a:tc>
+                  <a:txBody>
+                    <a:bodyPr/>
+                    <a:lstStyle/>
+                    <a:p>
+                      <a:pPr>
+                        <a:lnSpc>
+                          <a:spcPct val="107000"/>
+                        </a:lnSpc>
+                        <a:spcAft>
+                          <a:spcPts val="0"/>
+                        </a:spcAft>
+                      </a:pPr>
+                      <a:endParaRPr lang="nl-BE" sz="1100" kern="100" dirty="0">
+                        <a:effectLst/>
+                        <a:latin typeface="Calibri" panose="020F0502020204030204" pitchFamily="34" charset="0"/>
+                        <a:ea typeface="Calibri" panose="020F0502020204030204" pitchFamily="34" charset="0"/>
+                        <a:cs typeface="Times New Roman" panose="02020603050405020304" pitchFamily="18" charset="0"/>
+                      </a:endParaRPr>
+                    </a:p>
+                  </a:txBody>
+                  <a:tcPr marL="68580" marR="68580" marT="18415" marB="18415">
+                    <a:lnL w="12700" cap="flat" cmpd="sng" algn="ctr">
+                      <a:solidFill>
+                        <a:srgbClr val="FFC000"/>
+                      </a:solidFill>
+                      <a:prstDash val="solid"/>
+                      <a:round/>
+                      <a:headEnd type="none" w="med" len="med"/>
+                      <a:tailEnd type="none" w="med" len="med"/>
+                    </a:lnL>
+                    <a:lnR>
+                      <a:noFill/>
+                    </a:lnR>
+                    <a:lnT w="12700" cap="flat" cmpd="sng" algn="ctr">
+                      <a:solidFill>
+                        <a:srgbClr val="FFC000"/>
+                      </a:solidFill>
+                      <a:prstDash val="solid"/>
+                      <a:round/>
+                      <a:headEnd type="none" w="med" len="med"/>
+                      <a:tailEnd type="none" w="med" len="med"/>
+                    </a:lnT>
+                    <a:lnB w="12700" cap="flat" cmpd="sng" algn="ctr">
+                      <a:solidFill>
+                        <a:srgbClr val="FFC000"/>
+                      </a:solidFill>
+                      <a:prstDash val="solid"/>
+                      <a:round/>
+                      <a:headEnd type="none" w="med" len="med"/>
+                      <a:tailEnd type="none" w="med" len="med"/>
+                    </a:lnB>
+                    <a:solidFill>
+                      <a:srgbClr val="FFC000"/>
+                    </a:solidFill>
+                  </a:tcPr>
+                </a:tc>
+                <a:tc>
+                  <a:txBody>
+                    <a:bodyPr/>
+                    <a:lstStyle/>
+                    <a:p>
+                      <a:pPr>
+                        <a:lnSpc>
+                          <a:spcPct val="107000"/>
+                        </a:lnSpc>
+                        <a:spcAft>
+                          <a:spcPts val="0"/>
+                        </a:spcAft>
+                      </a:pPr>
+                      <a:r>
+                        <a:rPr lang="nl-BE" sz="1100" b="1" kern="100" dirty="0">
+                          <a:solidFill>
+                            <a:srgbClr val="FFFFFF"/>
+                          </a:solidFill>
+                          <a:effectLst/>
+                          <a:latin typeface="Calibri"/>
+                          <a:ea typeface="Calibri" panose="020F0502020204030204" pitchFamily="34" charset="0"/>
+                          <a:cs typeface="Times New Roman"/>
+                        </a:rPr>
+                        <a:t>Output</a:t>
+                      </a:r>
+                      <a:endParaRPr lang="nl-BE" sz="1100" kern="100" dirty="0">
+                        <a:effectLst/>
+                        <a:latin typeface="Calibri"/>
+                        <a:ea typeface="Calibri" panose="020F0502020204030204" pitchFamily="34" charset="0"/>
+                        <a:cs typeface="Times New Roman"/>
+                      </a:endParaRPr>
+                    </a:p>
+                  </a:txBody>
+                  <a:tcPr marL="68580" marR="68580" marT="18415" marB="18415">
+                    <a:lnL>
+                      <a:noFill/>
+                    </a:lnL>
+                    <a:lnR w="12700" cap="flat" cmpd="sng" algn="ctr">
+                      <a:solidFill>
+                        <a:srgbClr val="FFC000"/>
+                      </a:solidFill>
+                      <a:prstDash val="solid"/>
+                      <a:round/>
+                      <a:headEnd type="none" w="med" len="med"/>
+                      <a:tailEnd type="none" w="med" len="med"/>
+                    </a:lnR>
+                    <a:lnT w="12700" cap="flat" cmpd="sng" algn="ctr">
+                      <a:solidFill>
+                        <a:srgbClr val="FFC000"/>
+                      </a:solidFill>
+                      <a:prstDash val="solid"/>
+                      <a:round/>
+                      <a:headEnd type="none" w="med" len="med"/>
+                      <a:tailEnd type="none" w="med" len="med"/>
+                    </a:lnT>
+                    <a:lnB w="12700" cap="flat" cmpd="sng" algn="ctr">
+                      <a:solidFill>
+                        <a:srgbClr val="FFC000"/>
+                      </a:solidFill>
+                      <a:prstDash val="solid"/>
+                      <a:round/>
+                      <a:headEnd type="none" w="med" len="med"/>
+                      <a:tailEnd type="none" w="med" len="med"/>
+                    </a:lnB>
+                    <a:solidFill>
+                      <a:srgbClr val="FFC000"/>
+                    </a:solidFill>
+                  </a:tcPr>
+                </a:tc>
+                <a:extLst>
+                  <a:ext uri="{0D108BD9-81ED-4DB2-BD59-A6C34878D82A}">
+                    <a16:rowId xmlns:a16="http://schemas.microsoft.com/office/drawing/2014/main" val="10000"/>
+                  </a:ext>
+                </a:extLst>
+              </a:tr>
+              <a:tr h="900674">
+                <a:tc>
+                  <a:txBody>
+                    <a:bodyPr/>
+                    <a:lstStyle/>
+                    <a:p>
+                      <a:pPr>
+                        <a:lnSpc>
+                          <a:spcPct val="107000"/>
+                        </a:lnSpc>
+                        <a:spcAft>
+                          <a:spcPts val="0"/>
+                        </a:spcAft>
+                      </a:pPr>
+                      <a:r>
+                        <a:rPr lang="nl-BE" sz="750" b="0" kern="0" dirty="0">
+                          <a:solidFill>
+                            <a:srgbClr val="0000FF"/>
+                          </a:solidFill>
+                          <a:effectLst/>
+                          <a:latin typeface="Cascadia Code" panose="020B0609020000020004" pitchFamily="49" charset="0"/>
+                          <a:ea typeface="Calibri" panose="020F0502020204030204" pitchFamily="34" charset="0"/>
+                          <a:cs typeface="Cascadia Code" panose="020B0609020000020004" pitchFamily="49" charset="0"/>
+                        </a:rPr>
+                        <a:t>int</a:t>
+                      </a:r>
+                      <a:r>
+                        <a:rPr lang="nl-BE" sz="750" b="0" kern="0" dirty="0">
+                          <a:solidFill>
+                            <a:srgbClr val="000000"/>
+                          </a:solidFill>
+                          <a:effectLst/>
+                          <a:latin typeface="Cascadia Code" panose="020B0609020000020004" pitchFamily="49" charset="0"/>
+                          <a:ea typeface="Calibri" panose="020F0502020204030204" pitchFamily="34" charset="0"/>
+                          <a:cs typeface="Cascadia Code" panose="020B0609020000020004" pitchFamily="49" charset="0"/>
+                        </a:rPr>
+                        <a:t> teller = 0;</a:t>
+                      </a:r>
+                      <a:endParaRPr lang="nl-BE" sz="1100" b="0" kern="100" dirty="0">
+                        <a:effectLst/>
+                        <a:latin typeface="Cascadia Code" panose="020B0609020000020004" pitchFamily="49" charset="0"/>
+                        <a:ea typeface="Calibri" panose="020F0502020204030204" pitchFamily="34" charset="0"/>
+                        <a:cs typeface="Cascadia Code" panose="020B0609020000020004" pitchFamily="49" charset="0"/>
+                      </a:endParaRPr>
+                    </a:p>
+                    <a:p>
+                      <a:pPr>
+                        <a:lnSpc>
+                          <a:spcPct val="107000"/>
+                        </a:lnSpc>
+                        <a:spcAft>
+                          <a:spcPts val="0"/>
+                        </a:spcAft>
+                      </a:pPr>
+                      <a:r>
+                        <a:rPr lang="nl-BE" sz="750" b="0" kern="0" dirty="0" err="1">
+                          <a:solidFill>
+                            <a:srgbClr val="0000FF"/>
+                          </a:solidFill>
+                          <a:effectLst/>
+                          <a:latin typeface="Cascadia Code" panose="020B0609020000020004" pitchFamily="49" charset="0"/>
+                          <a:ea typeface="Calibri" panose="020F0502020204030204" pitchFamily="34" charset="0"/>
+                          <a:cs typeface="Cascadia Code" panose="020B0609020000020004" pitchFamily="49" charset="0"/>
+                        </a:rPr>
+                        <a:t>while</a:t>
+                      </a:r>
+                      <a:r>
+                        <a:rPr lang="nl-BE" sz="750" b="0" kern="0" dirty="0">
+                          <a:solidFill>
+                            <a:srgbClr val="000000"/>
+                          </a:solidFill>
+                          <a:effectLst/>
+                          <a:latin typeface="Cascadia Code" panose="020B0609020000020004" pitchFamily="49" charset="0"/>
+                          <a:ea typeface="Calibri" panose="020F0502020204030204" pitchFamily="34" charset="0"/>
+                          <a:cs typeface="Cascadia Code" panose="020B0609020000020004" pitchFamily="49" charset="0"/>
+                        </a:rPr>
+                        <a:t> (teller &lt; 5)</a:t>
+                      </a:r>
+                      <a:endParaRPr lang="nl-BE" sz="1100" b="0" kern="100" dirty="0">
+                        <a:effectLst/>
+                        <a:latin typeface="Cascadia Code" panose="020B0609020000020004" pitchFamily="49" charset="0"/>
+                        <a:ea typeface="Calibri" panose="020F0502020204030204" pitchFamily="34" charset="0"/>
+                        <a:cs typeface="Cascadia Code" panose="020B0609020000020004" pitchFamily="49" charset="0"/>
+                      </a:endParaRPr>
+                    </a:p>
+                    <a:p>
+                      <a:pPr>
+                        <a:lnSpc>
+                          <a:spcPct val="107000"/>
+                        </a:lnSpc>
+                        <a:spcAft>
+                          <a:spcPts val="0"/>
+                        </a:spcAft>
+                      </a:pPr>
+                      <a:r>
+                        <a:rPr lang="nl-BE" sz="750" b="0" kern="0" dirty="0">
+                          <a:solidFill>
+                            <a:srgbClr val="000000"/>
+                          </a:solidFill>
+                          <a:effectLst/>
+                          <a:latin typeface="Cascadia Code" panose="020B0609020000020004" pitchFamily="49" charset="0"/>
+                          <a:ea typeface="Calibri" panose="020F0502020204030204" pitchFamily="34" charset="0"/>
+                          <a:cs typeface="Cascadia Code" panose="020B0609020000020004" pitchFamily="49" charset="0"/>
+                        </a:rPr>
+                        <a:t>{</a:t>
+                      </a:r>
+                      <a:endParaRPr lang="nl-BE" sz="1100" b="0" kern="100" dirty="0">
+                        <a:effectLst/>
+                        <a:latin typeface="Cascadia Code" panose="020B0609020000020004" pitchFamily="49" charset="0"/>
+                        <a:ea typeface="Calibri" panose="020F0502020204030204" pitchFamily="34" charset="0"/>
+                        <a:cs typeface="Cascadia Code" panose="020B0609020000020004" pitchFamily="49" charset="0"/>
+                      </a:endParaRPr>
+                    </a:p>
+                    <a:p>
+                      <a:pPr>
+                        <a:lnSpc>
+                          <a:spcPct val="107000"/>
+                        </a:lnSpc>
+                        <a:spcAft>
+                          <a:spcPts val="0"/>
+                        </a:spcAft>
+                      </a:pPr>
+                      <a:r>
+                        <a:rPr lang="nl-BE" sz="750" b="0" kern="0" dirty="0">
+                          <a:solidFill>
+                            <a:srgbClr val="000000"/>
+                          </a:solidFill>
+                          <a:effectLst/>
+                          <a:latin typeface="Cascadia Code" panose="020B0609020000020004" pitchFamily="49" charset="0"/>
+                          <a:ea typeface="Calibri" panose="020F0502020204030204" pitchFamily="34" charset="0"/>
+                          <a:cs typeface="Cascadia Code" panose="020B0609020000020004" pitchFamily="49" charset="0"/>
+                        </a:rPr>
+                        <a:t>    </a:t>
+                      </a:r>
+                      <a:r>
+                        <a:rPr lang="nl-BE" sz="750" b="0" kern="0" dirty="0" err="1">
+                          <a:solidFill>
+                            <a:srgbClr val="2B91AF"/>
+                          </a:solidFill>
+                          <a:effectLst/>
+                          <a:latin typeface="Cascadia Code" panose="020B0609020000020004" pitchFamily="49" charset="0"/>
+                          <a:ea typeface="Calibri" panose="020F0502020204030204" pitchFamily="34" charset="0"/>
+                          <a:cs typeface="Cascadia Code" panose="020B0609020000020004" pitchFamily="49" charset="0"/>
+                        </a:rPr>
+                        <a:t>Console</a:t>
+                      </a:r>
+                      <a:r>
+                        <a:rPr lang="nl-BE" sz="750" b="0" kern="0" dirty="0" err="1">
+                          <a:solidFill>
+                            <a:srgbClr val="000000"/>
+                          </a:solidFill>
+                          <a:effectLst/>
+                          <a:latin typeface="Cascadia Code" panose="020B0609020000020004" pitchFamily="49" charset="0"/>
+                          <a:ea typeface="Calibri" panose="020F0502020204030204" pitchFamily="34" charset="0"/>
+                          <a:cs typeface="Cascadia Code" panose="020B0609020000020004" pitchFamily="49" charset="0"/>
+                        </a:rPr>
+                        <a:t>.WriteLine</a:t>
+                      </a:r>
+                      <a:r>
+                        <a:rPr lang="nl-BE" sz="750" b="0" kern="0" dirty="0">
+                          <a:solidFill>
+                            <a:srgbClr val="000000"/>
+                          </a:solidFill>
+                          <a:effectLst/>
+                          <a:latin typeface="Cascadia Code" panose="020B0609020000020004" pitchFamily="49" charset="0"/>
+                          <a:ea typeface="Calibri" panose="020F0502020204030204" pitchFamily="34" charset="0"/>
+                          <a:cs typeface="Cascadia Code" panose="020B0609020000020004" pitchFamily="49" charset="0"/>
+                        </a:rPr>
+                        <a:t>(teller);</a:t>
+                      </a:r>
+                      <a:endParaRPr lang="nl-BE" sz="1100" b="0" kern="100" dirty="0">
+                        <a:effectLst/>
+                        <a:latin typeface="Cascadia Code" panose="020B0609020000020004" pitchFamily="49" charset="0"/>
+                        <a:ea typeface="Calibri" panose="020F0502020204030204" pitchFamily="34" charset="0"/>
+                        <a:cs typeface="Cascadia Code" panose="020B0609020000020004" pitchFamily="49" charset="0"/>
+                      </a:endParaRPr>
+                    </a:p>
+                    <a:p>
+                      <a:pPr>
+                        <a:lnSpc>
+                          <a:spcPct val="107000"/>
+                        </a:lnSpc>
+                        <a:spcAft>
+                          <a:spcPts val="0"/>
+                        </a:spcAft>
+                      </a:pPr>
+                      <a:r>
+                        <a:rPr lang="nl-BE" sz="750" b="0" kern="0" dirty="0">
+                          <a:solidFill>
+                            <a:srgbClr val="000000"/>
+                          </a:solidFill>
+                          <a:effectLst/>
+                          <a:latin typeface="Cascadia Code" panose="020B0609020000020004" pitchFamily="49" charset="0"/>
+                          <a:ea typeface="Calibri" panose="020F0502020204030204" pitchFamily="34" charset="0"/>
+                          <a:cs typeface="Cascadia Code" panose="020B0609020000020004" pitchFamily="49" charset="0"/>
+                        </a:rPr>
+                        <a:t>    teller++;</a:t>
+                      </a:r>
+                      <a:endParaRPr lang="nl-BE" sz="1100" b="0" kern="100" dirty="0">
+                        <a:effectLst/>
+                        <a:latin typeface="Cascadia Code" panose="020B0609020000020004" pitchFamily="49" charset="0"/>
+                        <a:ea typeface="Calibri" panose="020F0502020204030204" pitchFamily="34" charset="0"/>
+                        <a:cs typeface="Cascadia Code" panose="020B0609020000020004" pitchFamily="49" charset="0"/>
+                      </a:endParaRPr>
+                    </a:p>
+                    <a:p>
+                      <a:pPr>
+                        <a:lnSpc>
+                          <a:spcPct val="107000"/>
+                        </a:lnSpc>
+                        <a:spcAft>
+                          <a:spcPts val="0"/>
+                        </a:spcAft>
+                      </a:pPr>
+                      <a:r>
+                        <a:rPr lang="nl-BE" sz="750" b="0" kern="0" dirty="0">
+                          <a:solidFill>
+                            <a:srgbClr val="000000"/>
+                          </a:solidFill>
+                          <a:effectLst/>
+                          <a:latin typeface="Cascadia Code" panose="020B0609020000020004" pitchFamily="49" charset="0"/>
+                          <a:ea typeface="Calibri" panose="020F0502020204030204" pitchFamily="34" charset="0"/>
+                          <a:cs typeface="Cascadia Code" panose="020B0609020000020004" pitchFamily="49" charset="0"/>
+                        </a:rPr>
+                        <a:t>}</a:t>
+                      </a:r>
+                      <a:endParaRPr lang="nl-BE" sz="1100" b="0" kern="100" dirty="0">
+                        <a:effectLst/>
+                        <a:latin typeface="Cascadia Code" panose="020B0609020000020004" pitchFamily="49" charset="0"/>
+                        <a:ea typeface="Calibri" panose="020F0502020204030204" pitchFamily="34" charset="0"/>
+                        <a:cs typeface="Cascadia Code" panose="020B0609020000020004" pitchFamily="49" charset="0"/>
+                      </a:endParaRPr>
+                    </a:p>
+                  </a:txBody>
+                  <a:tcPr marL="68580" marR="68580" marT="18415" marB="18415">
+                    <a:lnL w="12700" cap="flat" cmpd="sng" algn="ctr">
+                      <a:solidFill>
+                        <a:srgbClr val="FFD966"/>
+                      </a:solidFill>
+                      <a:prstDash val="solid"/>
+                      <a:round/>
+                      <a:headEnd type="none" w="med" len="med"/>
+                      <a:tailEnd type="none" w="med" len="med"/>
+                    </a:lnL>
+                    <a:lnR w="12700" cap="flat" cmpd="sng" algn="ctr">
+                      <a:solidFill>
+                        <a:srgbClr val="FFD966"/>
+                      </a:solidFill>
+                      <a:prstDash val="solid"/>
+                      <a:round/>
+                      <a:headEnd type="none" w="med" len="med"/>
+                      <a:tailEnd type="none" w="med" len="med"/>
+                    </a:lnR>
+                    <a:lnT w="12700" cap="flat" cmpd="sng" algn="ctr">
+                      <a:solidFill>
+                        <a:srgbClr val="FFC000"/>
+                      </a:solidFill>
+                      <a:prstDash val="solid"/>
+                      <a:round/>
+                      <a:headEnd type="none" w="med" len="med"/>
+                      <a:tailEnd type="none" w="med" len="med"/>
+                    </a:lnT>
+                    <a:lnB w="12700" cap="flat" cmpd="sng" algn="ctr">
+                      <a:solidFill>
+                        <a:srgbClr val="FFD966"/>
+                      </a:solidFill>
+                      <a:prstDash val="solid"/>
+                      <a:round/>
+                      <a:headEnd type="none" w="med" len="med"/>
+                      <a:tailEnd type="none" w="med" len="med"/>
+                    </a:lnB>
+                    <a:solidFill>
+                      <a:srgbClr val="FFF2CC"/>
+                    </a:solidFill>
+                  </a:tcPr>
+                </a:tc>
+                <a:tc>
+                  <a:txBody>
+                    <a:bodyPr/>
+                    <a:lstStyle/>
+                    <a:p>
+                      <a:pPr>
+                        <a:lnSpc>
+                          <a:spcPct val="107000"/>
+                        </a:lnSpc>
+                        <a:spcAft>
+                          <a:spcPts val="0"/>
+                        </a:spcAft>
+                      </a:pPr>
+                      <a:r>
+                        <a:rPr lang="nl-BE" sz="1000" kern="100" dirty="0">
+                          <a:effectLst/>
+                          <a:latin typeface="Calibri"/>
+                          <a:ea typeface="Calibri" panose="020F0502020204030204" pitchFamily="34" charset="0"/>
+                          <a:cs typeface="Times New Roman"/>
+                        </a:rPr>
+                        <a:t>0</a:t>
+                      </a:r>
+                    </a:p>
+                    <a:p>
+                      <a:pPr>
+                        <a:lnSpc>
+                          <a:spcPct val="107000"/>
+                        </a:lnSpc>
+                        <a:spcAft>
+                          <a:spcPts val="0"/>
+                        </a:spcAft>
+                      </a:pPr>
+                      <a:r>
+                        <a:rPr lang="nl-BE" sz="1000" kern="100" dirty="0">
+                          <a:effectLst/>
+                          <a:latin typeface="Calibri"/>
+                          <a:ea typeface="Calibri" panose="020F0502020204030204" pitchFamily="34" charset="0"/>
+                          <a:cs typeface="Times New Roman"/>
+                        </a:rPr>
+                        <a:t>1</a:t>
+                      </a:r>
+                    </a:p>
+                    <a:p>
+                      <a:pPr>
+                        <a:lnSpc>
+                          <a:spcPct val="107000"/>
+                        </a:lnSpc>
+                        <a:spcAft>
+                          <a:spcPts val="0"/>
+                        </a:spcAft>
+                      </a:pPr>
+                      <a:r>
+                        <a:rPr lang="nl-BE" sz="1000" kern="100" dirty="0">
+                          <a:effectLst/>
+                          <a:latin typeface="Calibri"/>
+                          <a:ea typeface="Calibri" panose="020F0502020204030204" pitchFamily="34" charset="0"/>
+                          <a:cs typeface="Times New Roman"/>
+                        </a:rPr>
+                        <a:t>2</a:t>
+                      </a:r>
+                    </a:p>
+                    <a:p>
+                      <a:pPr>
+                        <a:lnSpc>
+                          <a:spcPct val="107000"/>
+                        </a:lnSpc>
+                        <a:spcAft>
+                          <a:spcPts val="0"/>
+                        </a:spcAft>
+                      </a:pPr>
+                      <a:r>
+                        <a:rPr lang="nl-BE" sz="1000" kern="100" dirty="0">
+                          <a:effectLst/>
+                          <a:latin typeface="Calibri"/>
+                          <a:ea typeface="Calibri" panose="020F0502020204030204" pitchFamily="34" charset="0"/>
+                          <a:cs typeface="Times New Roman"/>
+                        </a:rPr>
+                        <a:t>3</a:t>
+                      </a:r>
+                    </a:p>
+                    <a:p>
+                      <a:pPr>
+                        <a:lnSpc>
+                          <a:spcPct val="107000"/>
+                        </a:lnSpc>
+                        <a:spcAft>
+                          <a:spcPts val="0"/>
+                        </a:spcAft>
+                      </a:pPr>
+                      <a:r>
+                        <a:rPr lang="nl-BE" sz="1000" kern="100" dirty="0">
+                          <a:effectLst/>
+                          <a:latin typeface="Calibri"/>
+                          <a:ea typeface="Calibri" panose="020F0502020204030204" pitchFamily="34" charset="0"/>
+                          <a:cs typeface="Times New Roman"/>
+                        </a:rPr>
+                        <a:t>4</a:t>
+                      </a:r>
+                    </a:p>
+                  </a:txBody>
+                  <a:tcPr marL="68580" marR="68580" marT="18415" marB="18415">
+                    <a:lnL w="12700" cap="flat" cmpd="sng" algn="ctr">
+                      <a:solidFill>
+                        <a:srgbClr val="FFD966"/>
+                      </a:solidFill>
+                      <a:prstDash val="solid"/>
+                      <a:round/>
+                      <a:headEnd type="none" w="med" len="med"/>
+                      <a:tailEnd type="none" w="med" len="med"/>
+                    </a:lnL>
+                    <a:lnR w="12700" cap="flat" cmpd="sng" algn="ctr">
+                      <a:solidFill>
+                        <a:srgbClr val="FFD966"/>
+                      </a:solidFill>
+                      <a:prstDash val="solid"/>
+                      <a:round/>
+                      <a:headEnd type="none" w="med" len="med"/>
+                      <a:tailEnd type="none" w="med" len="med"/>
+                    </a:lnR>
+                    <a:lnT w="12700" cap="flat" cmpd="sng" algn="ctr">
+                      <a:solidFill>
+                        <a:srgbClr val="FFC000"/>
+                      </a:solidFill>
+                      <a:prstDash val="solid"/>
+                      <a:round/>
+                      <a:headEnd type="none" w="med" len="med"/>
+                      <a:tailEnd type="none" w="med" len="med"/>
+                    </a:lnT>
+                    <a:lnB w="12700" cap="flat" cmpd="sng" algn="ctr">
+                      <a:solidFill>
+                        <a:srgbClr val="FFD966"/>
+                      </a:solidFill>
+                      <a:prstDash val="solid"/>
+                      <a:round/>
+                      <a:headEnd type="none" w="med" len="med"/>
+                      <a:tailEnd type="none" w="med" len="med"/>
+                    </a:lnB>
+                    <a:solidFill>
+                      <a:srgbClr val="FFF2CC"/>
+                    </a:solidFill>
+                  </a:tcPr>
+                </a:tc>
+                <a:extLst>
+                  <a:ext uri="{0D108BD9-81ED-4DB2-BD59-A6C34878D82A}">
+                    <a16:rowId xmlns:a16="http://schemas.microsoft.com/office/drawing/2014/main" val="10001"/>
+                  </a:ext>
+                </a:extLst>
+              </a:tr>
+              <a:tr h="822033">
+                <a:tc>
+                  <a:txBody>
+                    <a:bodyPr/>
+                    <a:lstStyle/>
+                    <a:p>
+                      <a:pPr>
+                        <a:lnSpc>
+                          <a:spcPct val="107000"/>
+                        </a:lnSpc>
+                        <a:spcAft>
+                          <a:spcPts val="0"/>
+                        </a:spcAft>
+                      </a:pPr>
+                      <a:r>
+                        <a:rPr lang="nl-BE" sz="750" b="0" kern="0" dirty="0">
+                          <a:solidFill>
+                            <a:srgbClr val="0000FF"/>
+                          </a:solidFill>
+                          <a:effectLst/>
+                          <a:highlight>
+                            <a:srgbClr val="FFFFFF"/>
+                          </a:highlight>
+                          <a:latin typeface="Cascadia Code" panose="020B0609020000020004" pitchFamily="49" charset="0"/>
+                          <a:ea typeface="Calibri" panose="020F0502020204030204" pitchFamily="34" charset="0"/>
+                          <a:cs typeface="Cascadia Code" panose="020B0609020000020004" pitchFamily="49" charset="0"/>
+                        </a:rPr>
+                        <a:t>int</a:t>
+                      </a:r>
+                      <a:r>
+                        <a:rPr lang="nl-BE" sz="750" b="0" kern="0" dirty="0">
+                          <a:solidFill>
+                            <a:srgbClr val="000000"/>
+                          </a:solidFill>
+                          <a:effectLst/>
+                          <a:highlight>
+                            <a:srgbClr val="FFFFFF"/>
+                          </a:highlight>
+                          <a:latin typeface="Cascadia Code" panose="020B0609020000020004" pitchFamily="49" charset="0"/>
+                          <a:ea typeface="Calibri" panose="020F0502020204030204" pitchFamily="34" charset="0"/>
+                          <a:cs typeface="Cascadia Code" panose="020B0609020000020004" pitchFamily="49" charset="0"/>
+                        </a:rPr>
+                        <a:t> teller = 0;</a:t>
+                      </a:r>
+                      <a:endParaRPr lang="nl-BE" sz="1100" b="0" kern="100" dirty="0">
+                        <a:effectLst/>
+                        <a:latin typeface="Cascadia Code" panose="020B0609020000020004" pitchFamily="49" charset="0"/>
+                        <a:ea typeface="Calibri" panose="020F0502020204030204" pitchFamily="34" charset="0"/>
+                        <a:cs typeface="Cascadia Code" panose="020B0609020000020004" pitchFamily="49" charset="0"/>
+                      </a:endParaRPr>
+                    </a:p>
+                    <a:p>
+                      <a:pPr>
+                        <a:lnSpc>
+                          <a:spcPct val="107000"/>
+                        </a:lnSpc>
+                        <a:spcAft>
+                          <a:spcPts val="0"/>
+                        </a:spcAft>
+                      </a:pPr>
+                      <a:r>
+                        <a:rPr lang="nl-BE" sz="750" b="0" kern="0" dirty="0">
+                          <a:solidFill>
+                            <a:srgbClr val="0000FF"/>
+                          </a:solidFill>
+                          <a:effectLst/>
+                          <a:highlight>
+                            <a:srgbClr val="FFFFFF"/>
+                          </a:highlight>
+                          <a:latin typeface="Cascadia Code" panose="020B0609020000020004" pitchFamily="49" charset="0"/>
+                          <a:ea typeface="Calibri" panose="020F0502020204030204" pitchFamily="34" charset="0"/>
+                          <a:cs typeface="Cascadia Code" panose="020B0609020000020004" pitchFamily="49" charset="0"/>
+                        </a:rPr>
+                        <a:t>do</a:t>
+                      </a:r>
+                      <a:endParaRPr lang="nl-BE" sz="1100" b="0" kern="100" dirty="0">
+                        <a:effectLst/>
+                        <a:latin typeface="Cascadia Code" panose="020B0609020000020004" pitchFamily="49" charset="0"/>
+                        <a:ea typeface="Calibri" panose="020F0502020204030204" pitchFamily="34" charset="0"/>
+                        <a:cs typeface="Cascadia Code" panose="020B0609020000020004" pitchFamily="49" charset="0"/>
+                      </a:endParaRPr>
+                    </a:p>
+                    <a:p>
+                      <a:pPr>
+                        <a:lnSpc>
+                          <a:spcPct val="107000"/>
+                        </a:lnSpc>
+                        <a:spcAft>
+                          <a:spcPts val="0"/>
+                        </a:spcAft>
+                      </a:pPr>
+                      <a:r>
+                        <a:rPr lang="nl-BE" sz="750" b="0" kern="0" dirty="0">
+                          <a:solidFill>
+                            <a:srgbClr val="000000"/>
+                          </a:solidFill>
+                          <a:effectLst/>
+                          <a:highlight>
+                            <a:srgbClr val="FFFFFF"/>
+                          </a:highlight>
+                          <a:latin typeface="Cascadia Code" panose="020B0609020000020004" pitchFamily="49" charset="0"/>
+                          <a:ea typeface="Calibri" panose="020F0502020204030204" pitchFamily="34" charset="0"/>
+                          <a:cs typeface="Cascadia Code" panose="020B0609020000020004" pitchFamily="49" charset="0"/>
+                        </a:rPr>
+                        <a:t>{</a:t>
+                      </a:r>
+                      <a:endParaRPr lang="nl-BE" sz="1100" b="0" kern="100" dirty="0">
+                        <a:effectLst/>
+                        <a:latin typeface="Cascadia Code" panose="020B0609020000020004" pitchFamily="49" charset="0"/>
+                        <a:ea typeface="Calibri" panose="020F0502020204030204" pitchFamily="34" charset="0"/>
+                        <a:cs typeface="Cascadia Code" panose="020B0609020000020004" pitchFamily="49" charset="0"/>
+                      </a:endParaRPr>
+                    </a:p>
+                    <a:p>
+                      <a:pPr>
+                        <a:lnSpc>
+                          <a:spcPct val="107000"/>
+                        </a:lnSpc>
+                        <a:spcAft>
+                          <a:spcPts val="0"/>
+                        </a:spcAft>
+                      </a:pPr>
+                      <a:r>
+                        <a:rPr lang="nl-BE" sz="750" b="0" kern="0" dirty="0">
+                          <a:solidFill>
+                            <a:srgbClr val="000000"/>
+                          </a:solidFill>
+                          <a:effectLst/>
+                          <a:highlight>
+                            <a:srgbClr val="FFFFFF"/>
+                          </a:highlight>
+                          <a:latin typeface="Cascadia Code" panose="020B0609020000020004" pitchFamily="49" charset="0"/>
+                          <a:ea typeface="Calibri" panose="020F0502020204030204" pitchFamily="34" charset="0"/>
+                          <a:cs typeface="Cascadia Code" panose="020B0609020000020004" pitchFamily="49" charset="0"/>
+                        </a:rPr>
+                        <a:t>    </a:t>
+                      </a:r>
+                      <a:r>
+                        <a:rPr lang="nl-BE" sz="750" b="0" kern="0" dirty="0" err="1">
+                          <a:solidFill>
+                            <a:srgbClr val="2B91AF"/>
+                          </a:solidFill>
+                          <a:effectLst/>
+                          <a:highlight>
+                            <a:srgbClr val="FFFFFF"/>
+                          </a:highlight>
+                          <a:latin typeface="Cascadia Code" panose="020B0609020000020004" pitchFamily="49" charset="0"/>
+                          <a:ea typeface="Calibri" panose="020F0502020204030204" pitchFamily="34" charset="0"/>
+                          <a:cs typeface="Cascadia Code" panose="020B0609020000020004" pitchFamily="49" charset="0"/>
+                        </a:rPr>
+                        <a:t>Console</a:t>
+                      </a:r>
+                      <a:r>
+                        <a:rPr lang="nl-BE" sz="750" b="0" kern="0" dirty="0" err="1">
+                          <a:solidFill>
+                            <a:srgbClr val="000000"/>
+                          </a:solidFill>
+                          <a:effectLst/>
+                          <a:highlight>
+                            <a:srgbClr val="FFFFFF"/>
+                          </a:highlight>
+                          <a:latin typeface="Cascadia Code" panose="020B0609020000020004" pitchFamily="49" charset="0"/>
+                          <a:ea typeface="Calibri" panose="020F0502020204030204" pitchFamily="34" charset="0"/>
+                          <a:cs typeface="Cascadia Code" panose="020B0609020000020004" pitchFamily="49" charset="0"/>
+                        </a:rPr>
+                        <a:t>.WriteLine</a:t>
+                      </a:r>
+                      <a:r>
+                        <a:rPr lang="nl-BE" sz="750" b="0" kern="0" dirty="0">
+                          <a:solidFill>
+                            <a:srgbClr val="000000"/>
+                          </a:solidFill>
+                          <a:effectLst/>
+                          <a:highlight>
+                            <a:srgbClr val="FFFFFF"/>
+                          </a:highlight>
+                          <a:latin typeface="Cascadia Code" panose="020B0609020000020004" pitchFamily="49" charset="0"/>
+                          <a:ea typeface="Calibri" panose="020F0502020204030204" pitchFamily="34" charset="0"/>
+                          <a:cs typeface="Cascadia Code" panose="020B0609020000020004" pitchFamily="49" charset="0"/>
+                        </a:rPr>
+                        <a:t>(teller);</a:t>
+                      </a:r>
+                      <a:endParaRPr lang="nl-BE" sz="1100" b="0" kern="100" dirty="0">
+                        <a:effectLst/>
+                        <a:latin typeface="Cascadia Code" panose="020B0609020000020004" pitchFamily="49" charset="0"/>
+                        <a:ea typeface="Calibri" panose="020F0502020204030204" pitchFamily="34" charset="0"/>
+                        <a:cs typeface="Cascadia Code" panose="020B0609020000020004" pitchFamily="49" charset="0"/>
+                      </a:endParaRPr>
+                    </a:p>
+                    <a:p>
+                      <a:pPr>
+                        <a:lnSpc>
+                          <a:spcPct val="107000"/>
+                        </a:lnSpc>
+                        <a:spcAft>
+                          <a:spcPts val="0"/>
+                        </a:spcAft>
+                      </a:pPr>
+                      <a:r>
+                        <a:rPr lang="nl-BE" sz="750" b="0" kern="0" dirty="0">
+                          <a:solidFill>
+                            <a:srgbClr val="000000"/>
+                          </a:solidFill>
+                          <a:effectLst/>
+                          <a:highlight>
+                            <a:srgbClr val="FFFFFF"/>
+                          </a:highlight>
+                          <a:latin typeface="Cascadia Code" panose="020B0609020000020004" pitchFamily="49" charset="0"/>
+                          <a:ea typeface="Calibri" panose="020F0502020204030204" pitchFamily="34" charset="0"/>
+                          <a:cs typeface="Cascadia Code" panose="020B0609020000020004" pitchFamily="49" charset="0"/>
+                        </a:rPr>
+                        <a:t>    teller++;</a:t>
+                      </a:r>
+                      <a:endParaRPr lang="nl-BE" sz="1100" b="0" kern="100" dirty="0">
+                        <a:effectLst/>
+                        <a:latin typeface="Cascadia Code" panose="020B0609020000020004" pitchFamily="49" charset="0"/>
+                        <a:ea typeface="Calibri" panose="020F0502020204030204" pitchFamily="34" charset="0"/>
+                        <a:cs typeface="Cascadia Code" panose="020B0609020000020004" pitchFamily="49" charset="0"/>
+                      </a:endParaRPr>
+                    </a:p>
+                    <a:p>
+                      <a:pPr>
+                        <a:lnSpc>
+                          <a:spcPct val="107000"/>
+                        </a:lnSpc>
+                        <a:spcAft>
+                          <a:spcPts val="0"/>
+                        </a:spcAft>
+                      </a:pPr>
+                      <a:r>
+                        <a:rPr lang="nl-BE" sz="750" b="0" kern="0" dirty="0">
+                          <a:solidFill>
+                            <a:srgbClr val="000000"/>
+                          </a:solidFill>
+                          <a:effectLst/>
+                          <a:highlight>
+                            <a:srgbClr val="FFFFFF"/>
+                          </a:highlight>
+                          <a:latin typeface="Cascadia Code" panose="020B0609020000020004" pitchFamily="49" charset="0"/>
+                          <a:ea typeface="Calibri" panose="020F0502020204030204" pitchFamily="34" charset="0"/>
+                          <a:cs typeface="Cascadia Code" panose="020B0609020000020004" pitchFamily="49" charset="0"/>
+                        </a:rPr>
+                        <a:t>} </a:t>
+                      </a:r>
+                      <a:r>
+                        <a:rPr lang="nl-BE" sz="750" b="0" kern="0" dirty="0" err="1">
+                          <a:solidFill>
+                            <a:srgbClr val="0000FF"/>
+                          </a:solidFill>
+                          <a:effectLst/>
+                          <a:highlight>
+                            <a:srgbClr val="FFFFFF"/>
+                          </a:highlight>
+                          <a:latin typeface="Cascadia Code" panose="020B0609020000020004" pitchFamily="49" charset="0"/>
+                          <a:ea typeface="Calibri" panose="020F0502020204030204" pitchFamily="34" charset="0"/>
+                          <a:cs typeface="Cascadia Code" panose="020B0609020000020004" pitchFamily="49" charset="0"/>
+                        </a:rPr>
+                        <a:t>while</a:t>
+                      </a:r>
+                      <a:r>
+                        <a:rPr lang="nl-BE" sz="750" b="0" kern="0" dirty="0">
+                          <a:solidFill>
+                            <a:srgbClr val="000000"/>
+                          </a:solidFill>
+                          <a:effectLst/>
+                          <a:highlight>
+                            <a:srgbClr val="FFFFFF"/>
+                          </a:highlight>
+                          <a:latin typeface="Cascadia Code" panose="020B0609020000020004" pitchFamily="49" charset="0"/>
+                          <a:ea typeface="Calibri" panose="020F0502020204030204" pitchFamily="34" charset="0"/>
+                          <a:cs typeface="Cascadia Code" panose="020B0609020000020004" pitchFamily="49" charset="0"/>
+                        </a:rPr>
+                        <a:t> (teller &lt; 5);</a:t>
+                      </a:r>
+                      <a:endParaRPr lang="nl-BE" sz="1100" b="0" kern="100" dirty="0">
+                        <a:effectLst/>
+                        <a:latin typeface="Cascadia Code" panose="020B0609020000020004" pitchFamily="49" charset="0"/>
+                        <a:ea typeface="Calibri" panose="020F0502020204030204" pitchFamily="34" charset="0"/>
+                        <a:cs typeface="Cascadia Code" panose="020B0609020000020004" pitchFamily="49" charset="0"/>
+                      </a:endParaRPr>
+                    </a:p>
+                  </a:txBody>
+                  <a:tcPr marL="68580" marR="68580" marT="18415" marB="18415">
+                    <a:lnL w="12700" cap="flat" cmpd="sng" algn="ctr">
+                      <a:solidFill>
+                        <a:srgbClr val="FFD966"/>
+                      </a:solidFill>
+                      <a:prstDash val="solid"/>
+                      <a:round/>
+                      <a:headEnd type="none" w="med" len="med"/>
+                      <a:tailEnd type="none" w="med" len="med"/>
+                    </a:lnL>
+                    <a:lnR w="12700" cap="flat" cmpd="sng" algn="ctr">
+                      <a:solidFill>
+                        <a:srgbClr val="FFD966"/>
+                      </a:solidFill>
+                      <a:prstDash val="solid"/>
+                      <a:round/>
+                      <a:headEnd type="none" w="med" len="med"/>
+                      <a:tailEnd type="none" w="med" len="med"/>
+                    </a:lnR>
+                    <a:lnT w="12700" cap="flat" cmpd="sng" algn="ctr">
+                      <a:solidFill>
+                        <a:srgbClr val="FFD966"/>
+                      </a:solidFill>
+                      <a:prstDash val="solid"/>
+                      <a:round/>
+                      <a:headEnd type="none" w="med" len="med"/>
+                      <a:tailEnd type="none" w="med" len="med"/>
+                    </a:lnT>
+                    <a:lnB w="12700" cap="flat" cmpd="sng" algn="ctr">
+                      <a:solidFill>
+                        <a:srgbClr val="FFD966"/>
+                      </a:solidFill>
+                      <a:prstDash val="solid"/>
+                      <a:round/>
+                      <a:headEnd type="none" w="med" len="med"/>
+                      <a:tailEnd type="none" w="med" len="med"/>
+                    </a:lnB>
+                  </a:tcPr>
+                </a:tc>
+                <a:tc>
+                  <a:txBody>
+                    <a:bodyPr/>
+                    <a:lstStyle/>
+                    <a:p>
+                      <a:pPr>
+                        <a:lnSpc>
+                          <a:spcPct val="107000"/>
+                        </a:lnSpc>
+                        <a:spcAft>
+                          <a:spcPts val="0"/>
+                        </a:spcAft>
+                      </a:pPr>
+                      <a:r>
+                        <a:rPr lang="nl-BE" sz="1000" kern="100" dirty="0">
+                          <a:effectLst/>
+                          <a:latin typeface="Calibri"/>
+                          <a:ea typeface="Calibri" panose="020F0502020204030204" pitchFamily="34" charset="0"/>
+                          <a:cs typeface="Times New Roman"/>
+                        </a:rPr>
+                        <a:t>0</a:t>
+                      </a:r>
+                    </a:p>
+                    <a:p>
+                      <a:pPr>
+                        <a:lnSpc>
+                          <a:spcPct val="107000"/>
+                        </a:lnSpc>
+                        <a:spcAft>
+                          <a:spcPts val="0"/>
+                        </a:spcAft>
+                      </a:pPr>
+                      <a:r>
+                        <a:rPr lang="nl-BE" sz="1000" kern="100" dirty="0">
+                          <a:effectLst/>
+                          <a:latin typeface="Calibri"/>
+                          <a:ea typeface="Calibri" panose="020F0502020204030204" pitchFamily="34" charset="0"/>
+                          <a:cs typeface="Times New Roman"/>
+                        </a:rPr>
+                        <a:t>1</a:t>
+                      </a:r>
+                    </a:p>
+                    <a:p>
+                      <a:pPr>
+                        <a:lnSpc>
+                          <a:spcPct val="107000"/>
+                        </a:lnSpc>
+                        <a:spcAft>
+                          <a:spcPts val="0"/>
+                        </a:spcAft>
+                      </a:pPr>
+                      <a:r>
+                        <a:rPr lang="nl-BE" sz="1000" kern="100" dirty="0">
+                          <a:effectLst/>
+                          <a:latin typeface="Calibri"/>
+                          <a:ea typeface="Calibri" panose="020F0502020204030204" pitchFamily="34" charset="0"/>
+                          <a:cs typeface="Times New Roman"/>
+                        </a:rPr>
+                        <a:t>2</a:t>
+                      </a:r>
+                    </a:p>
+                    <a:p>
+                      <a:pPr>
+                        <a:lnSpc>
+                          <a:spcPct val="107000"/>
+                        </a:lnSpc>
+                        <a:spcAft>
+                          <a:spcPts val="0"/>
+                        </a:spcAft>
+                      </a:pPr>
+                      <a:r>
+                        <a:rPr lang="nl-BE" sz="1000" kern="100" dirty="0">
+                          <a:effectLst/>
+                          <a:latin typeface="Calibri"/>
+                          <a:ea typeface="Calibri" panose="020F0502020204030204" pitchFamily="34" charset="0"/>
+                          <a:cs typeface="Times New Roman"/>
+                        </a:rPr>
+                        <a:t>3</a:t>
+                      </a:r>
+                    </a:p>
+                    <a:p>
+                      <a:pPr>
+                        <a:lnSpc>
+                          <a:spcPct val="107000"/>
+                        </a:lnSpc>
+                        <a:spcAft>
+                          <a:spcPts val="0"/>
+                        </a:spcAft>
+                      </a:pPr>
+                      <a:r>
+                        <a:rPr lang="nl-BE" sz="1000" kern="100" dirty="0">
+                          <a:effectLst/>
+                          <a:latin typeface="Calibri"/>
+                          <a:ea typeface="Calibri" panose="020F0502020204030204" pitchFamily="34" charset="0"/>
+                          <a:cs typeface="Times New Roman"/>
+                        </a:rPr>
+                        <a:t>4</a:t>
+                      </a:r>
+                    </a:p>
+                  </a:txBody>
+                  <a:tcPr marL="68580" marR="68580" marT="18415" marB="18415">
+                    <a:lnL w="12700" cap="flat" cmpd="sng" algn="ctr">
+                      <a:solidFill>
+                        <a:srgbClr val="FFD966"/>
+                      </a:solidFill>
+                      <a:prstDash val="solid"/>
+                      <a:round/>
+                      <a:headEnd type="none" w="med" len="med"/>
+                      <a:tailEnd type="none" w="med" len="med"/>
+                    </a:lnL>
+                    <a:lnR w="12700" cap="flat" cmpd="sng" algn="ctr">
+                      <a:solidFill>
+                        <a:srgbClr val="FFD966"/>
+                      </a:solidFill>
+                      <a:prstDash val="solid"/>
+                      <a:round/>
+                      <a:headEnd type="none" w="med" len="med"/>
+                      <a:tailEnd type="none" w="med" len="med"/>
+                    </a:lnR>
+                    <a:lnT w="12700" cap="flat" cmpd="sng" algn="ctr">
+                      <a:solidFill>
+                        <a:srgbClr val="FFD966"/>
+                      </a:solidFill>
+                      <a:prstDash val="solid"/>
+                      <a:round/>
+                      <a:headEnd type="none" w="med" len="med"/>
+                      <a:tailEnd type="none" w="med" len="med"/>
+                    </a:lnT>
+                    <a:lnB w="12700" cap="flat" cmpd="sng" algn="ctr">
+                      <a:solidFill>
+                        <a:srgbClr val="FFD966"/>
+                      </a:solidFill>
+                      <a:prstDash val="solid"/>
+                      <a:round/>
+                      <a:headEnd type="none" w="med" len="med"/>
+                      <a:tailEnd type="none" w="med" len="med"/>
+                    </a:lnB>
+                  </a:tcPr>
+                </a:tc>
+                <a:extLst>
+                  <a:ext uri="{0D108BD9-81ED-4DB2-BD59-A6C34878D82A}">
+                    <a16:rowId xmlns:a16="http://schemas.microsoft.com/office/drawing/2014/main" val="10002"/>
+                  </a:ext>
+                </a:extLst>
+              </a:tr>
+              <a:tr h="1694354">
+                <a:tc>
+                  <a:txBody>
+                    <a:bodyPr/>
+                    <a:lstStyle/>
+                    <a:p>
+                      <a:pPr>
+                        <a:lnSpc>
+                          <a:spcPct val="107000"/>
+                        </a:lnSpc>
+                        <a:spcAft>
+                          <a:spcPts val="0"/>
+                        </a:spcAft>
+                      </a:pPr>
+                      <a:r>
+                        <a:rPr lang="nl-BE" sz="750" b="0" kern="0" dirty="0">
+                          <a:solidFill>
+                            <a:srgbClr val="0000FF"/>
+                          </a:solidFill>
+                          <a:effectLst/>
+                          <a:latin typeface="Cascadia Code" panose="020B0609020000020004" pitchFamily="49" charset="0"/>
+                          <a:ea typeface="Calibri" panose="020F0502020204030204" pitchFamily="34" charset="0"/>
+                          <a:cs typeface="Cascadia Code" panose="020B0609020000020004" pitchFamily="49" charset="0"/>
+                        </a:rPr>
+                        <a:t>int</a:t>
+                      </a:r>
+                      <a:r>
+                        <a:rPr lang="nl-BE" sz="750" b="0" kern="0" dirty="0">
+                          <a:solidFill>
+                            <a:srgbClr val="000000"/>
+                          </a:solidFill>
+                          <a:effectLst/>
+                          <a:latin typeface="Cascadia Code" panose="020B0609020000020004" pitchFamily="49" charset="0"/>
+                          <a:ea typeface="Calibri" panose="020F0502020204030204" pitchFamily="34" charset="0"/>
+                          <a:cs typeface="Cascadia Code" panose="020B0609020000020004" pitchFamily="49" charset="0"/>
+                        </a:rPr>
+                        <a:t> teller1 = 0;</a:t>
+                      </a:r>
+                      <a:endParaRPr lang="nl-BE" sz="1100" b="0" kern="100" dirty="0">
+                        <a:effectLst/>
+                        <a:latin typeface="Cascadia Code" panose="020B0609020000020004" pitchFamily="49" charset="0"/>
+                        <a:ea typeface="Calibri" panose="020F0502020204030204" pitchFamily="34" charset="0"/>
+                        <a:cs typeface="Cascadia Code" panose="020B0609020000020004" pitchFamily="49" charset="0"/>
+                      </a:endParaRPr>
+                    </a:p>
+                    <a:p>
+                      <a:pPr>
+                        <a:lnSpc>
+                          <a:spcPct val="107000"/>
+                        </a:lnSpc>
+                        <a:spcAft>
+                          <a:spcPts val="0"/>
+                        </a:spcAft>
+                      </a:pPr>
+                      <a:r>
+                        <a:rPr lang="nl-BE" sz="750" b="0" kern="0" dirty="0">
+                          <a:solidFill>
+                            <a:srgbClr val="0000FF"/>
+                          </a:solidFill>
+                          <a:effectLst/>
+                          <a:latin typeface="Cascadia Code" panose="020B0609020000020004" pitchFamily="49" charset="0"/>
+                          <a:ea typeface="Calibri" panose="020F0502020204030204" pitchFamily="34" charset="0"/>
+                          <a:cs typeface="Cascadia Code" panose="020B0609020000020004" pitchFamily="49" charset="0"/>
+                        </a:rPr>
+                        <a:t>int</a:t>
+                      </a:r>
+                      <a:r>
+                        <a:rPr lang="nl-BE" sz="750" b="0" kern="0" dirty="0">
+                          <a:solidFill>
+                            <a:srgbClr val="000000"/>
+                          </a:solidFill>
+                          <a:effectLst/>
+                          <a:latin typeface="Cascadia Code" panose="020B0609020000020004" pitchFamily="49" charset="0"/>
+                          <a:ea typeface="Calibri" panose="020F0502020204030204" pitchFamily="34" charset="0"/>
+                          <a:cs typeface="Cascadia Code" panose="020B0609020000020004" pitchFamily="49" charset="0"/>
+                        </a:rPr>
+                        <a:t> teller2 = 0;</a:t>
+                      </a:r>
+                      <a:endParaRPr lang="nl-BE" sz="1100" b="0" kern="100" dirty="0">
+                        <a:effectLst/>
+                        <a:latin typeface="Cascadia Code" panose="020B0609020000020004" pitchFamily="49" charset="0"/>
+                        <a:ea typeface="Calibri" panose="020F0502020204030204" pitchFamily="34" charset="0"/>
+                        <a:cs typeface="Cascadia Code" panose="020B0609020000020004" pitchFamily="49" charset="0"/>
+                      </a:endParaRPr>
+                    </a:p>
+                    <a:p>
+                      <a:pPr>
+                        <a:lnSpc>
+                          <a:spcPct val="107000"/>
+                        </a:lnSpc>
+                        <a:spcAft>
+                          <a:spcPts val="0"/>
+                        </a:spcAft>
+                      </a:pPr>
+                      <a:r>
+                        <a:rPr lang="nl-BE" sz="750" b="0" kern="0" dirty="0" err="1">
+                          <a:solidFill>
+                            <a:srgbClr val="0000FF"/>
+                          </a:solidFill>
+                          <a:effectLst/>
+                          <a:latin typeface="Cascadia Code" panose="020B0609020000020004" pitchFamily="49" charset="0"/>
+                          <a:ea typeface="Calibri" panose="020F0502020204030204" pitchFamily="34" charset="0"/>
+                          <a:cs typeface="Cascadia Code" panose="020B0609020000020004" pitchFamily="49" charset="0"/>
+                        </a:rPr>
+                        <a:t>while</a:t>
+                      </a:r>
+                      <a:r>
+                        <a:rPr lang="nl-BE" sz="750" b="0" kern="0" dirty="0">
+                          <a:solidFill>
+                            <a:srgbClr val="000000"/>
+                          </a:solidFill>
+                          <a:effectLst/>
+                          <a:latin typeface="Cascadia Code" panose="020B0609020000020004" pitchFamily="49" charset="0"/>
+                          <a:ea typeface="Calibri" panose="020F0502020204030204" pitchFamily="34" charset="0"/>
+                          <a:cs typeface="Cascadia Code" panose="020B0609020000020004" pitchFamily="49" charset="0"/>
+                        </a:rPr>
+                        <a:t> (teller1 &lt; 2)</a:t>
+                      </a:r>
+                      <a:endParaRPr lang="nl-BE" sz="1100" b="0" kern="100" dirty="0">
+                        <a:effectLst/>
+                        <a:latin typeface="Cascadia Code" panose="020B0609020000020004" pitchFamily="49" charset="0"/>
+                        <a:ea typeface="Calibri" panose="020F0502020204030204" pitchFamily="34" charset="0"/>
+                        <a:cs typeface="Cascadia Code" panose="020B0609020000020004" pitchFamily="49" charset="0"/>
+                      </a:endParaRPr>
+                    </a:p>
+                    <a:p>
+                      <a:pPr>
+                        <a:lnSpc>
+                          <a:spcPct val="107000"/>
+                        </a:lnSpc>
+                        <a:spcAft>
+                          <a:spcPts val="0"/>
+                        </a:spcAft>
+                      </a:pPr>
+                      <a:r>
+                        <a:rPr lang="nl-BE" sz="750" b="0" kern="0" dirty="0">
+                          <a:solidFill>
+                            <a:srgbClr val="000000"/>
+                          </a:solidFill>
+                          <a:effectLst/>
+                          <a:latin typeface="Cascadia Code" panose="020B0609020000020004" pitchFamily="49" charset="0"/>
+                          <a:ea typeface="Calibri" panose="020F0502020204030204" pitchFamily="34" charset="0"/>
+                          <a:cs typeface="Cascadia Code" panose="020B0609020000020004" pitchFamily="49" charset="0"/>
+                        </a:rPr>
+                        <a:t>{</a:t>
+                      </a:r>
+                      <a:endParaRPr lang="nl-BE" sz="1100" b="0" kern="100" dirty="0">
+                        <a:effectLst/>
+                        <a:latin typeface="Cascadia Code" panose="020B0609020000020004" pitchFamily="49" charset="0"/>
+                        <a:ea typeface="Calibri" panose="020F0502020204030204" pitchFamily="34" charset="0"/>
+                        <a:cs typeface="Cascadia Code" panose="020B0609020000020004" pitchFamily="49" charset="0"/>
+                      </a:endParaRPr>
+                    </a:p>
+                    <a:p>
+                      <a:pPr>
+                        <a:lnSpc>
+                          <a:spcPct val="107000"/>
+                        </a:lnSpc>
+                        <a:spcAft>
+                          <a:spcPts val="0"/>
+                        </a:spcAft>
+                      </a:pPr>
+                      <a:r>
+                        <a:rPr lang="nl-BE" sz="750" b="0" kern="0" dirty="0">
+                          <a:solidFill>
+                            <a:srgbClr val="000000"/>
+                          </a:solidFill>
+                          <a:effectLst/>
+                          <a:latin typeface="Cascadia Code" panose="020B0609020000020004" pitchFamily="49" charset="0"/>
+                          <a:ea typeface="Calibri" panose="020F0502020204030204" pitchFamily="34" charset="0"/>
+                          <a:cs typeface="Cascadia Code" panose="020B0609020000020004" pitchFamily="49" charset="0"/>
+                        </a:rPr>
+                        <a:t>    teller1++;</a:t>
+                      </a:r>
+                      <a:endParaRPr lang="nl-BE" sz="1100" b="0" kern="100" dirty="0">
+                        <a:effectLst/>
+                        <a:latin typeface="Cascadia Code" panose="020B0609020000020004" pitchFamily="49" charset="0"/>
+                        <a:ea typeface="Calibri" panose="020F0502020204030204" pitchFamily="34" charset="0"/>
+                        <a:cs typeface="Cascadia Code" panose="020B0609020000020004" pitchFamily="49" charset="0"/>
+                      </a:endParaRPr>
+                    </a:p>
+                    <a:p>
+                      <a:pPr>
+                        <a:lnSpc>
+                          <a:spcPct val="107000"/>
+                        </a:lnSpc>
+                        <a:spcAft>
+                          <a:spcPts val="0"/>
+                        </a:spcAft>
+                      </a:pPr>
+                      <a:r>
+                        <a:rPr lang="nl-BE" sz="750" b="0" kern="0" dirty="0">
+                          <a:solidFill>
+                            <a:srgbClr val="000000"/>
+                          </a:solidFill>
+                          <a:effectLst/>
+                          <a:latin typeface="Cascadia Code" panose="020B0609020000020004" pitchFamily="49" charset="0"/>
+                          <a:ea typeface="Calibri" panose="020F0502020204030204" pitchFamily="34" charset="0"/>
+                          <a:cs typeface="Cascadia Code" panose="020B0609020000020004" pitchFamily="49" charset="0"/>
+                        </a:rPr>
+                        <a:t>    </a:t>
+                      </a:r>
+                      <a:r>
+                        <a:rPr lang="nl-BE" sz="750" b="0" kern="0" dirty="0" err="1">
+                          <a:solidFill>
+                            <a:srgbClr val="2B91AF"/>
+                          </a:solidFill>
+                          <a:effectLst/>
+                          <a:latin typeface="Cascadia Code" panose="020B0609020000020004" pitchFamily="49" charset="0"/>
+                          <a:ea typeface="Calibri" panose="020F0502020204030204" pitchFamily="34" charset="0"/>
+                          <a:cs typeface="Cascadia Code" panose="020B0609020000020004" pitchFamily="49" charset="0"/>
+                        </a:rPr>
+                        <a:t>Console</a:t>
+                      </a:r>
+                      <a:r>
+                        <a:rPr lang="nl-BE" sz="750" b="0" kern="0" dirty="0" err="1">
+                          <a:solidFill>
+                            <a:srgbClr val="000000"/>
+                          </a:solidFill>
+                          <a:effectLst/>
+                          <a:latin typeface="Cascadia Code" panose="020B0609020000020004" pitchFamily="49" charset="0"/>
+                          <a:ea typeface="Calibri" panose="020F0502020204030204" pitchFamily="34" charset="0"/>
+                          <a:cs typeface="Cascadia Code" panose="020B0609020000020004" pitchFamily="49" charset="0"/>
+                        </a:rPr>
+                        <a:t>.WriteLine</a:t>
+                      </a:r>
+                      <a:r>
+                        <a:rPr lang="nl-BE" sz="750" b="0" kern="0" dirty="0">
+                          <a:solidFill>
+                            <a:srgbClr val="000000"/>
+                          </a:solidFill>
+                          <a:effectLst/>
+                          <a:latin typeface="Cascadia Code" panose="020B0609020000020004" pitchFamily="49" charset="0"/>
+                          <a:ea typeface="Calibri" panose="020F0502020204030204" pitchFamily="34" charset="0"/>
+                          <a:cs typeface="Cascadia Code" panose="020B0609020000020004" pitchFamily="49" charset="0"/>
+                        </a:rPr>
+                        <a:t>(</a:t>
+                      </a:r>
+                      <a:r>
+                        <a:rPr lang="nl-BE" sz="750" b="0" kern="0" dirty="0">
+                          <a:solidFill>
+                            <a:srgbClr val="A31515"/>
+                          </a:solidFill>
+                          <a:effectLst/>
+                          <a:latin typeface="Cascadia Code" panose="020B0609020000020004" pitchFamily="49" charset="0"/>
+                          <a:ea typeface="Calibri" panose="020F0502020204030204" pitchFamily="34" charset="0"/>
+                          <a:cs typeface="Cascadia Code" panose="020B0609020000020004" pitchFamily="49" charset="0"/>
+                        </a:rPr>
+                        <a:t>"teller1="</a:t>
+                      </a:r>
+                      <a:r>
+                        <a:rPr lang="nl-BE" sz="750" b="0" kern="0" dirty="0">
+                          <a:solidFill>
+                            <a:srgbClr val="000000"/>
+                          </a:solidFill>
+                          <a:effectLst/>
+                          <a:latin typeface="Cascadia Code" panose="020B0609020000020004" pitchFamily="49" charset="0"/>
+                          <a:ea typeface="Calibri" panose="020F0502020204030204" pitchFamily="34" charset="0"/>
+                          <a:cs typeface="Cascadia Code" panose="020B0609020000020004" pitchFamily="49" charset="0"/>
+                        </a:rPr>
+                        <a:t>+ teller1);</a:t>
+                      </a:r>
+                      <a:endParaRPr lang="nl-BE" sz="1100" b="0" kern="100" dirty="0">
+                        <a:effectLst/>
+                        <a:latin typeface="Cascadia Code" panose="020B0609020000020004" pitchFamily="49" charset="0"/>
+                        <a:ea typeface="Calibri" panose="020F0502020204030204" pitchFamily="34" charset="0"/>
+                        <a:cs typeface="Cascadia Code" panose="020B0609020000020004" pitchFamily="49" charset="0"/>
+                      </a:endParaRPr>
+                    </a:p>
+                    <a:p>
+                      <a:pPr>
+                        <a:lnSpc>
+                          <a:spcPct val="107000"/>
+                        </a:lnSpc>
+                        <a:spcAft>
+                          <a:spcPts val="0"/>
+                        </a:spcAft>
+                      </a:pPr>
+                      <a:r>
+                        <a:rPr lang="nl-BE" sz="750" b="0" kern="0" dirty="0">
+                          <a:solidFill>
+                            <a:srgbClr val="000000"/>
+                          </a:solidFill>
+                          <a:effectLst/>
+                          <a:latin typeface="Cascadia Code" panose="020B0609020000020004" pitchFamily="49" charset="0"/>
+                          <a:ea typeface="Calibri" panose="020F0502020204030204" pitchFamily="34" charset="0"/>
+                          <a:cs typeface="Cascadia Code" panose="020B0609020000020004" pitchFamily="49" charset="0"/>
+                        </a:rPr>
+                        <a:t>    teller2 = 0;</a:t>
+                      </a:r>
+                      <a:endParaRPr lang="nl-BE" sz="1100" b="0" kern="100" dirty="0">
+                        <a:effectLst/>
+                        <a:latin typeface="Cascadia Code" panose="020B0609020000020004" pitchFamily="49" charset="0"/>
+                        <a:ea typeface="Calibri" panose="020F0502020204030204" pitchFamily="34" charset="0"/>
+                        <a:cs typeface="Cascadia Code" panose="020B0609020000020004" pitchFamily="49" charset="0"/>
+                      </a:endParaRPr>
+                    </a:p>
+                    <a:p>
+                      <a:pPr>
+                        <a:lnSpc>
+                          <a:spcPct val="107000"/>
+                        </a:lnSpc>
+                        <a:spcAft>
+                          <a:spcPts val="0"/>
+                        </a:spcAft>
+                      </a:pPr>
+                      <a:r>
+                        <a:rPr lang="nl-BE" sz="750" b="0" kern="0" dirty="0">
+                          <a:solidFill>
+                            <a:srgbClr val="000000"/>
+                          </a:solidFill>
+                          <a:effectLst/>
+                          <a:latin typeface="Cascadia Code" panose="020B0609020000020004" pitchFamily="49" charset="0"/>
+                          <a:ea typeface="Calibri" panose="020F0502020204030204" pitchFamily="34" charset="0"/>
+                          <a:cs typeface="Cascadia Code" panose="020B0609020000020004" pitchFamily="49" charset="0"/>
+                        </a:rPr>
+                        <a:t>    </a:t>
+                      </a:r>
+                      <a:r>
+                        <a:rPr lang="nl-BE" sz="750" b="0" kern="0" dirty="0" err="1">
+                          <a:solidFill>
+                            <a:srgbClr val="0000FF"/>
+                          </a:solidFill>
+                          <a:effectLst/>
+                          <a:latin typeface="Cascadia Code" panose="020B0609020000020004" pitchFamily="49" charset="0"/>
+                          <a:ea typeface="Calibri" panose="020F0502020204030204" pitchFamily="34" charset="0"/>
+                          <a:cs typeface="Cascadia Code" panose="020B0609020000020004" pitchFamily="49" charset="0"/>
+                        </a:rPr>
+                        <a:t>while</a:t>
+                      </a:r>
+                      <a:r>
+                        <a:rPr lang="nl-BE" sz="750" b="0" kern="0" dirty="0">
+                          <a:solidFill>
+                            <a:srgbClr val="000000"/>
+                          </a:solidFill>
+                          <a:effectLst/>
+                          <a:latin typeface="Cascadia Code" panose="020B0609020000020004" pitchFamily="49" charset="0"/>
+                          <a:ea typeface="Calibri" panose="020F0502020204030204" pitchFamily="34" charset="0"/>
+                          <a:cs typeface="Cascadia Code" panose="020B0609020000020004" pitchFamily="49" charset="0"/>
+                        </a:rPr>
+                        <a:t> (teller2&lt;3)</a:t>
+                      </a:r>
+                      <a:endParaRPr lang="nl-BE" sz="1100" b="0" kern="100" dirty="0">
+                        <a:effectLst/>
+                        <a:latin typeface="Cascadia Code" panose="020B0609020000020004" pitchFamily="49" charset="0"/>
+                        <a:ea typeface="Calibri" panose="020F0502020204030204" pitchFamily="34" charset="0"/>
+                        <a:cs typeface="Cascadia Code" panose="020B0609020000020004" pitchFamily="49" charset="0"/>
+                      </a:endParaRPr>
+                    </a:p>
+                    <a:p>
+                      <a:pPr>
+                        <a:lnSpc>
+                          <a:spcPct val="107000"/>
+                        </a:lnSpc>
+                        <a:spcAft>
+                          <a:spcPts val="0"/>
+                        </a:spcAft>
+                      </a:pPr>
+                      <a:r>
+                        <a:rPr lang="nl-BE" sz="750" b="0" kern="0" dirty="0">
+                          <a:solidFill>
+                            <a:srgbClr val="000000"/>
+                          </a:solidFill>
+                          <a:effectLst/>
+                          <a:latin typeface="Cascadia Code" panose="020B0609020000020004" pitchFamily="49" charset="0"/>
+                          <a:ea typeface="Calibri" panose="020F0502020204030204" pitchFamily="34" charset="0"/>
+                          <a:cs typeface="Cascadia Code" panose="020B0609020000020004" pitchFamily="49" charset="0"/>
+                        </a:rPr>
+                        <a:t>    {</a:t>
+                      </a:r>
+                      <a:endParaRPr lang="nl-BE" sz="1100" b="0" kern="100" dirty="0">
+                        <a:effectLst/>
+                        <a:latin typeface="Cascadia Code" panose="020B0609020000020004" pitchFamily="49" charset="0"/>
+                        <a:ea typeface="Calibri" panose="020F0502020204030204" pitchFamily="34" charset="0"/>
+                        <a:cs typeface="Cascadia Code" panose="020B0609020000020004" pitchFamily="49" charset="0"/>
+                      </a:endParaRPr>
+                    </a:p>
+                    <a:p>
+                      <a:pPr>
+                        <a:lnSpc>
+                          <a:spcPct val="107000"/>
+                        </a:lnSpc>
+                        <a:spcAft>
+                          <a:spcPts val="0"/>
+                        </a:spcAft>
+                      </a:pPr>
+                      <a:r>
+                        <a:rPr lang="nl-BE" sz="750" b="0" kern="0" dirty="0">
+                          <a:solidFill>
+                            <a:srgbClr val="000000"/>
+                          </a:solidFill>
+                          <a:effectLst/>
+                          <a:latin typeface="Cascadia Code" panose="020B0609020000020004" pitchFamily="49" charset="0"/>
+                          <a:ea typeface="Calibri" panose="020F0502020204030204" pitchFamily="34" charset="0"/>
+                          <a:cs typeface="Cascadia Code" panose="020B0609020000020004" pitchFamily="49" charset="0"/>
+                        </a:rPr>
+                        <a:t>        teller2++;</a:t>
+                      </a:r>
+                      <a:endParaRPr lang="nl-BE" sz="1100" b="0" kern="100" dirty="0">
+                        <a:effectLst/>
+                        <a:latin typeface="Cascadia Code" panose="020B0609020000020004" pitchFamily="49" charset="0"/>
+                        <a:ea typeface="Calibri" panose="020F0502020204030204" pitchFamily="34" charset="0"/>
+                        <a:cs typeface="Cascadia Code" panose="020B0609020000020004" pitchFamily="49" charset="0"/>
+                      </a:endParaRPr>
+                    </a:p>
+                    <a:p>
+                      <a:pPr>
+                        <a:lnSpc>
+                          <a:spcPct val="107000"/>
+                        </a:lnSpc>
+                        <a:spcAft>
+                          <a:spcPts val="0"/>
+                        </a:spcAft>
+                      </a:pPr>
+                      <a:r>
+                        <a:rPr lang="nl-BE" sz="750" b="0" kern="0" dirty="0">
+                          <a:solidFill>
+                            <a:srgbClr val="000000"/>
+                          </a:solidFill>
+                          <a:effectLst/>
+                          <a:latin typeface="Cascadia Code" panose="020B0609020000020004" pitchFamily="49" charset="0"/>
+                          <a:ea typeface="Calibri" panose="020F0502020204030204" pitchFamily="34" charset="0"/>
+                          <a:cs typeface="Cascadia Code" panose="020B0609020000020004" pitchFamily="49" charset="0"/>
+                        </a:rPr>
+                        <a:t>        </a:t>
+                      </a:r>
+                      <a:r>
+                        <a:rPr lang="nl-BE" sz="750" b="0" kern="0" dirty="0" err="1">
+                          <a:solidFill>
+                            <a:srgbClr val="2B91AF"/>
+                          </a:solidFill>
+                          <a:effectLst/>
+                          <a:latin typeface="Cascadia Code" panose="020B0609020000020004" pitchFamily="49" charset="0"/>
+                          <a:ea typeface="Calibri" panose="020F0502020204030204" pitchFamily="34" charset="0"/>
+                          <a:cs typeface="Cascadia Code" panose="020B0609020000020004" pitchFamily="49" charset="0"/>
+                        </a:rPr>
+                        <a:t>Console</a:t>
+                      </a:r>
+                      <a:r>
+                        <a:rPr lang="nl-BE" sz="750" b="0" kern="0" dirty="0" err="1">
+                          <a:solidFill>
+                            <a:srgbClr val="000000"/>
+                          </a:solidFill>
+                          <a:effectLst/>
+                          <a:latin typeface="Cascadia Code" panose="020B0609020000020004" pitchFamily="49" charset="0"/>
+                          <a:ea typeface="Calibri" panose="020F0502020204030204" pitchFamily="34" charset="0"/>
+                          <a:cs typeface="Cascadia Code" panose="020B0609020000020004" pitchFamily="49" charset="0"/>
+                        </a:rPr>
+                        <a:t>.WriteLine</a:t>
+                      </a:r>
+                      <a:r>
+                        <a:rPr lang="nl-BE" sz="750" b="0" kern="0" dirty="0">
+                          <a:solidFill>
+                            <a:srgbClr val="000000"/>
+                          </a:solidFill>
+                          <a:effectLst/>
+                          <a:latin typeface="Cascadia Code" panose="020B0609020000020004" pitchFamily="49" charset="0"/>
+                          <a:ea typeface="Calibri" panose="020F0502020204030204" pitchFamily="34" charset="0"/>
+                          <a:cs typeface="Cascadia Code" panose="020B0609020000020004" pitchFamily="49" charset="0"/>
+                        </a:rPr>
+                        <a:t>(teller2);</a:t>
+                      </a:r>
+                      <a:endParaRPr lang="nl-BE" sz="1100" b="0" kern="100" dirty="0">
+                        <a:effectLst/>
+                        <a:latin typeface="Cascadia Code" panose="020B0609020000020004" pitchFamily="49" charset="0"/>
+                        <a:ea typeface="Calibri" panose="020F0502020204030204" pitchFamily="34" charset="0"/>
+                        <a:cs typeface="Cascadia Code" panose="020B0609020000020004" pitchFamily="49" charset="0"/>
+                      </a:endParaRPr>
+                    </a:p>
+                    <a:p>
+                      <a:pPr>
+                        <a:lnSpc>
+                          <a:spcPct val="107000"/>
+                        </a:lnSpc>
+                        <a:spcAft>
+                          <a:spcPts val="0"/>
+                        </a:spcAft>
+                      </a:pPr>
+                      <a:r>
+                        <a:rPr lang="nl-BE" sz="750" b="0" kern="0" dirty="0">
+                          <a:solidFill>
+                            <a:srgbClr val="000000"/>
+                          </a:solidFill>
+                          <a:effectLst/>
+                          <a:latin typeface="Cascadia Code" panose="020B0609020000020004" pitchFamily="49" charset="0"/>
+                          <a:ea typeface="Calibri" panose="020F0502020204030204" pitchFamily="34" charset="0"/>
+                          <a:cs typeface="Cascadia Code" panose="020B0609020000020004" pitchFamily="49" charset="0"/>
+                        </a:rPr>
+                        <a:t>    }</a:t>
+                      </a:r>
+                      <a:endParaRPr lang="nl-BE" sz="1100" b="0" kern="100" dirty="0">
+                        <a:effectLst/>
+                        <a:latin typeface="Cascadia Code" panose="020B0609020000020004" pitchFamily="49" charset="0"/>
+                        <a:ea typeface="Calibri" panose="020F0502020204030204" pitchFamily="34" charset="0"/>
+                        <a:cs typeface="Cascadia Code" panose="020B0609020000020004" pitchFamily="49" charset="0"/>
+                      </a:endParaRPr>
+                    </a:p>
+                    <a:p>
+                      <a:pPr>
+                        <a:lnSpc>
+                          <a:spcPct val="107000"/>
+                        </a:lnSpc>
+                        <a:spcAft>
+                          <a:spcPts val="0"/>
+                        </a:spcAft>
+                      </a:pPr>
+                      <a:r>
+                        <a:rPr lang="nl-BE" sz="750" b="0" kern="0" dirty="0">
+                          <a:solidFill>
+                            <a:srgbClr val="000000"/>
+                          </a:solidFill>
+                          <a:effectLst/>
+                          <a:latin typeface="Cascadia Code" panose="020B0609020000020004" pitchFamily="49" charset="0"/>
+                          <a:ea typeface="Calibri" panose="020F0502020204030204" pitchFamily="34" charset="0"/>
+                          <a:cs typeface="Cascadia Code" panose="020B0609020000020004" pitchFamily="49" charset="0"/>
+                        </a:rPr>
+                        <a:t>}</a:t>
+                      </a:r>
+                      <a:endParaRPr lang="nl-BE" sz="1100" b="0" kern="100" dirty="0">
+                        <a:effectLst/>
+                        <a:latin typeface="Cascadia Code" panose="020B0609020000020004" pitchFamily="49" charset="0"/>
+                        <a:ea typeface="Calibri" panose="020F0502020204030204" pitchFamily="34" charset="0"/>
+                        <a:cs typeface="Cascadia Code" panose="020B0609020000020004" pitchFamily="49" charset="0"/>
+                      </a:endParaRPr>
+                    </a:p>
+                  </a:txBody>
+                  <a:tcPr marL="68580" marR="68580" marT="18415" marB="18415">
+                    <a:lnL w="12700" cap="flat" cmpd="sng" algn="ctr">
+                      <a:solidFill>
+                        <a:srgbClr val="FFD966"/>
+                      </a:solidFill>
+                      <a:prstDash val="solid"/>
+                      <a:round/>
+                      <a:headEnd type="none" w="med" len="med"/>
+                      <a:tailEnd type="none" w="med" len="med"/>
+                    </a:lnL>
+                    <a:lnR w="12700" cap="flat" cmpd="sng" algn="ctr">
+                      <a:solidFill>
+                        <a:srgbClr val="FFD966"/>
+                      </a:solidFill>
+                      <a:prstDash val="solid"/>
+                      <a:round/>
+                      <a:headEnd type="none" w="med" len="med"/>
+                      <a:tailEnd type="none" w="med" len="med"/>
+                    </a:lnR>
+                    <a:lnT w="12700" cap="flat" cmpd="sng" algn="ctr">
+                      <a:solidFill>
+                        <a:srgbClr val="FFD966"/>
+                      </a:solidFill>
+                      <a:prstDash val="solid"/>
+                      <a:round/>
+                      <a:headEnd type="none" w="med" len="med"/>
+                      <a:tailEnd type="none" w="med" len="med"/>
+                    </a:lnT>
+                    <a:lnB w="12700" cap="flat" cmpd="sng" algn="ctr">
+                      <a:solidFill>
+                        <a:srgbClr val="FFD966"/>
+                      </a:solidFill>
+                      <a:prstDash val="solid"/>
+                      <a:round/>
+                      <a:headEnd type="none" w="med" len="med"/>
+                      <a:tailEnd type="none" w="med" len="med"/>
+                    </a:lnB>
+                    <a:solidFill>
+                      <a:srgbClr val="FFF2CC"/>
+                    </a:solidFill>
+                  </a:tcPr>
+                </a:tc>
+                <a:tc>
+                  <a:txBody>
+                    <a:bodyPr/>
+                    <a:lstStyle/>
+                    <a:p>
+                      <a:pPr>
+                        <a:lnSpc>
+                          <a:spcPct val="107000"/>
+                        </a:lnSpc>
+                        <a:spcAft>
+                          <a:spcPts val="0"/>
+                        </a:spcAft>
+                      </a:pPr>
+                      <a:r>
+                        <a:rPr lang="nl-BE" sz="1000" kern="100" dirty="0">
+                          <a:effectLst/>
+                          <a:latin typeface="Calibri" panose="020F0502020204030204" pitchFamily="34" charset="0"/>
+                          <a:ea typeface="Calibri" panose="020F0502020204030204" pitchFamily="34" charset="0"/>
+                          <a:cs typeface="Times New Roman" panose="02020603050405020304" pitchFamily="18" charset="0"/>
+                        </a:rPr>
+                        <a:t>teller1 = 1</a:t>
+                      </a:r>
+                    </a:p>
+                    <a:p>
+                      <a:pPr>
+                        <a:lnSpc>
+                          <a:spcPct val="107000"/>
+                        </a:lnSpc>
+                        <a:spcAft>
+                          <a:spcPts val="0"/>
+                        </a:spcAft>
+                      </a:pPr>
+                      <a:r>
+                        <a:rPr lang="nl-BE" sz="1000" kern="100" dirty="0">
+                          <a:effectLst/>
+                          <a:latin typeface="Calibri" panose="020F0502020204030204" pitchFamily="34" charset="0"/>
+                          <a:ea typeface="Calibri" panose="020F0502020204030204" pitchFamily="34" charset="0"/>
+                          <a:cs typeface="Times New Roman" panose="02020603050405020304" pitchFamily="18" charset="0"/>
+                        </a:rPr>
+                        <a:t>1</a:t>
+                      </a:r>
+                    </a:p>
+                    <a:p>
+                      <a:pPr>
+                        <a:lnSpc>
+                          <a:spcPct val="107000"/>
+                        </a:lnSpc>
+                        <a:spcAft>
+                          <a:spcPts val="0"/>
+                        </a:spcAft>
+                      </a:pPr>
+                      <a:r>
+                        <a:rPr lang="nl-BE" sz="1000" kern="100" dirty="0">
+                          <a:effectLst/>
+                          <a:latin typeface="Calibri" panose="020F0502020204030204" pitchFamily="34" charset="0"/>
+                          <a:ea typeface="Calibri" panose="020F0502020204030204" pitchFamily="34" charset="0"/>
+                          <a:cs typeface="Times New Roman" panose="02020603050405020304" pitchFamily="18" charset="0"/>
+                        </a:rPr>
+                        <a:t>2</a:t>
+                      </a:r>
+                    </a:p>
+                    <a:p>
+                      <a:pPr>
+                        <a:lnSpc>
+                          <a:spcPct val="107000"/>
+                        </a:lnSpc>
+                        <a:spcAft>
+                          <a:spcPts val="0"/>
+                        </a:spcAft>
+                      </a:pPr>
+                      <a:r>
+                        <a:rPr lang="nl-BE" sz="1000" kern="100" dirty="0">
+                          <a:effectLst/>
+                          <a:latin typeface="Calibri" panose="020F0502020204030204" pitchFamily="34" charset="0"/>
+                          <a:ea typeface="Calibri" panose="020F0502020204030204" pitchFamily="34" charset="0"/>
+                          <a:cs typeface="Times New Roman" panose="02020603050405020304" pitchFamily="18" charset="0"/>
+                        </a:rPr>
+                        <a:t>3</a:t>
+                      </a:r>
+                    </a:p>
+                    <a:p>
+                      <a:pPr>
+                        <a:lnSpc>
+                          <a:spcPct val="107000"/>
+                        </a:lnSpc>
+                        <a:spcAft>
+                          <a:spcPts val="0"/>
+                        </a:spcAft>
+                      </a:pPr>
+                      <a:r>
+                        <a:rPr lang="nl-BE" sz="1000" kern="100" dirty="0">
+                          <a:effectLst/>
+                          <a:latin typeface="Calibri" panose="020F0502020204030204" pitchFamily="34" charset="0"/>
+                          <a:ea typeface="Calibri" panose="020F0502020204030204" pitchFamily="34" charset="0"/>
+                          <a:cs typeface="Times New Roman" panose="02020603050405020304" pitchFamily="18" charset="0"/>
+                        </a:rPr>
+                        <a:t>teller2 = 2</a:t>
+                      </a:r>
+                    </a:p>
+                    <a:p>
+                      <a:pPr>
+                        <a:lnSpc>
+                          <a:spcPct val="107000"/>
+                        </a:lnSpc>
+                        <a:spcAft>
+                          <a:spcPts val="0"/>
+                        </a:spcAft>
+                      </a:pPr>
+                      <a:r>
+                        <a:rPr lang="nl-BE" sz="1000" kern="100" dirty="0">
+                          <a:effectLst/>
+                          <a:latin typeface="Calibri" panose="020F0502020204030204" pitchFamily="34" charset="0"/>
+                          <a:ea typeface="Calibri" panose="020F0502020204030204" pitchFamily="34" charset="0"/>
+                          <a:cs typeface="Times New Roman" panose="02020603050405020304" pitchFamily="18" charset="0"/>
+                        </a:rPr>
+                        <a:t>1</a:t>
+                      </a:r>
+                    </a:p>
+                    <a:p>
+                      <a:pPr>
+                        <a:lnSpc>
+                          <a:spcPct val="107000"/>
+                        </a:lnSpc>
+                        <a:spcAft>
+                          <a:spcPts val="0"/>
+                        </a:spcAft>
+                      </a:pPr>
+                      <a:r>
+                        <a:rPr lang="nl-BE" sz="1000" kern="100" dirty="0">
+                          <a:effectLst/>
+                          <a:latin typeface="Calibri" panose="020F0502020204030204" pitchFamily="34" charset="0"/>
+                          <a:ea typeface="Calibri" panose="020F0502020204030204" pitchFamily="34" charset="0"/>
+                          <a:cs typeface="Times New Roman" panose="02020603050405020304" pitchFamily="18" charset="0"/>
+                        </a:rPr>
+                        <a:t>2</a:t>
+                      </a:r>
+                    </a:p>
+                    <a:p>
+                      <a:pPr>
+                        <a:lnSpc>
+                          <a:spcPct val="107000"/>
+                        </a:lnSpc>
+                        <a:spcAft>
+                          <a:spcPts val="0"/>
+                        </a:spcAft>
+                      </a:pPr>
+                      <a:r>
+                        <a:rPr lang="nl-BE" sz="1000" kern="100" dirty="0">
+                          <a:effectLst/>
+                          <a:latin typeface="Calibri" panose="020F0502020204030204" pitchFamily="34" charset="0"/>
+                          <a:ea typeface="Calibri" panose="020F0502020204030204" pitchFamily="34" charset="0"/>
+                          <a:cs typeface="Times New Roman" panose="02020603050405020304" pitchFamily="18" charset="0"/>
+                        </a:rPr>
+                        <a:t>3</a:t>
+                      </a:r>
+                    </a:p>
+                  </a:txBody>
+                  <a:tcPr marL="68580" marR="68580" marT="18415" marB="18415">
+                    <a:lnL w="12700" cap="flat" cmpd="sng" algn="ctr">
+                      <a:solidFill>
+                        <a:srgbClr val="FFD966"/>
+                      </a:solidFill>
+                      <a:prstDash val="solid"/>
+                      <a:round/>
+                      <a:headEnd type="none" w="med" len="med"/>
+                      <a:tailEnd type="none" w="med" len="med"/>
+                    </a:lnL>
+                    <a:lnR w="12700" cap="flat" cmpd="sng" algn="ctr">
+                      <a:solidFill>
+                        <a:srgbClr val="FFD966"/>
+                      </a:solidFill>
+                      <a:prstDash val="solid"/>
+                      <a:round/>
+                      <a:headEnd type="none" w="med" len="med"/>
+                      <a:tailEnd type="none" w="med" len="med"/>
+                    </a:lnR>
+                    <a:lnT w="12700" cap="flat" cmpd="sng" algn="ctr">
+                      <a:solidFill>
+                        <a:srgbClr val="FFD966"/>
+                      </a:solidFill>
+                      <a:prstDash val="solid"/>
+                      <a:round/>
+                      <a:headEnd type="none" w="med" len="med"/>
+                      <a:tailEnd type="none" w="med" len="med"/>
+                    </a:lnT>
+                    <a:lnB w="12700" cap="flat" cmpd="sng" algn="ctr">
+                      <a:solidFill>
+                        <a:srgbClr val="FFD966"/>
+                      </a:solidFill>
+                      <a:prstDash val="solid"/>
+                      <a:round/>
+                      <a:headEnd type="none" w="med" len="med"/>
+                      <a:tailEnd type="none" w="med" len="med"/>
+                    </a:lnB>
+                    <a:solidFill>
+                      <a:srgbClr val="FFF2CC"/>
+                    </a:solidFill>
+                  </a:tcPr>
+                </a:tc>
+                <a:extLst>
+                  <a:ext uri="{0D108BD9-81ED-4DB2-BD59-A6C34878D82A}">
+                    <a16:rowId xmlns:a16="http://schemas.microsoft.com/office/drawing/2014/main" val="10003"/>
+                  </a:ext>
+                </a:extLst>
+              </a:tr>
+            </a:tbl>
+          </a:graphicData>
+        </a:graphic>
+      </p:graphicFrame>
+      <p:graphicFrame>
+        <p:nvGraphicFramePr>
+          <p:cNvPr id="12" name="Table 12">
+            <a:extLst>
+              <a:ext uri="{FF2B5EF4-FFF2-40B4-BE49-F238E27FC236}">
+                <a16:creationId xmlns:a16="http://schemas.microsoft.com/office/drawing/2014/main" id="{AD289F7F-D567-AE45-8FCB-A37BFFD2A773}"/>
+              </a:ext>
+            </a:extLst>
+          </p:cNvPr>
+          <p:cNvGraphicFramePr>
+            <a:graphicFrameLocks noGrp="1"/>
+          </p:cNvGraphicFramePr>
+          <p:nvPr>
+            <p:extLst>
+              <p:ext uri="{D42A27DB-BD31-4B8C-83A1-F6EECF244321}">
+                <p14:modId xmlns:p14="http://schemas.microsoft.com/office/powerpoint/2010/main" val="2071252545"/>
+              </p:ext>
+            </p:extLst>
+          </p:nvPr>
+        </p:nvGraphicFramePr>
+        <p:xfrm>
+          <a:off x="7624070" y="877830"/>
+          <a:ext cx="3376151" cy="1896523"/>
+        </p:xfrm>
+        <a:graphic>
+          <a:graphicData uri="http://schemas.openxmlformats.org/drawingml/2006/table">
+            <a:tbl>
+              <a:tblPr firstRow="1" firstCol="1" bandRow="1"/>
+              <a:tblGrid>
+                <a:gridCol w="2588839">
+                  <a:extLst>
+                    <a:ext uri="{9D8B030D-6E8A-4147-A177-3AD203B41FA5}">
+                      <a16:colId xmlns:a16="http://schemas.microsoft.com/office/drawing/2014/main" val="20000"/>
+                    </a:ext>
+                  </a:extLst>
+                </a:gridCol>
+                <a:gridCol w="787312">
+                  <a:extLst>
+                    <a:ext uri="{9D8B030D-6E8A-4147-A177-3AD203B41FA5}">
+                      <a16:colId xmlns:a16="http://schemas.microsoft.com/office/drawing/2014/main" val="20001"/>
+                    </a:ext>
+                  </a:extLst>
+                </a:gridCol>
+              </a:tblGrid>
+              <a:tr h="222502">
+                <a:tc>
+                  <a:txBody>
+                    <a:bodyPr/>
+                    <a:lstStyle/>
+                    <a:p>
+                      <a:pPr>
+                        <a:lnSpc>
+                          <a:spcPct val="107000"/>
+                        </a:lnSpc>
+                        <a:spcAft>
+                          <a:spcPts val="0"/>
+                        </a:spcAft>
+                      </a:pPr>
+                      <a:r>
+                        <a:rPr lang="nl-BE" sz="1100" b="1" kern="100" dirty="0" err="1">
+                          <a:solidFill>
+                            <a:srgbClr val="FFFFFF"/>
+                          </a:solidFill>
+                          <a:effectLst/>
+                          <a:latin typeface="Calibri" panose="020F0502020204030204" pitchFamily="34" charset="0"/>
+                          <a:ea typeface="Calibri" panose="020F0502020204030204" pitchFamily="34" charset="0"/>
+                          <a:cs typeface="Times New Roman" panose="02020603050405020304" pitchFamily="18" charset="0"/>
+                        </a:rPr>
+                        <a:t>Nested</a:t>
+                      </a:r>
+                      <a:r>
+                        <a:rPr lang="nl-BE" sz="1100" b="1" kern="100" dirty="0">
+                          <a:solidFill>
+                            <a:srgbClr val="FFFFFF"/>
+                          </a:solidFill>
+                          <a:effectLst/>
+                          <a:latin typeface="Calibri" panose="020F0502020204030204" pitchFamily="34" charset="0"/>
+                          <a:ea typeface="Calibri" panose="020F0502020204030204" pitchFamily="34" charset="0"/>
+                          <a:cs typeface="Times New Roman" panose="02020603050405020304" pitchFamily="18" charset="0"/>
+                        </a:rPr>
+                        <a:t> loops</a:t>
+                      </a:r>
+                      <a:endParaRPr lang="nl-BE" sz="1100" kern="100" dirty="0">
+                        <a:effectLst/>
+                        <a:latin typeface="Calibri" panose="020F0502020204030204" pitchFamily="34" charset="0"/>
+                        <a:ea typeface="Calibri" panose="020F0502020204030204" pitchFamily="34" charset="0"/>
+                        <a:cs typeface="Times New Roman" panose="02020603050405020304" pitchFamily="18" charset="0"/>
+                      </a:endParaRPr>
+                    </a:p>
+                  </a:txBody>
+                  <a:tcPr marL="68580" marR="68580" marT="18415" marB="18415">
+                    <a:lnL w="12700" cap="flat" cmpd="sng" algn="ctr">
+                      <a:solidFill>
+                        <a:srgbClr val="FFC000"/>
+                      </a:solidFill>
+                      <a:prstDash val="solid"/>
+                      <a:round/>
+                      <a:headEnd type="none" w="med" len="med"/>
+                      <a:tailEnd type="none" w="med" len="med"/>
+                    </a:lnL>
+                    <a:lnR>
+                      <a:noFill/>
+                    </a:lnR>
+                    <a:lnT w="12700" cap="flat" cmpd="sng" algn="ctr">
+                      <a:solidFill>
+                        <a:srgbClr val="FFC000"/>
+                      </a:solidFill>
+                      <a:prstDash val="solid"/>
+                      <a:round/>
+                      <a:headEnd type="none" w="med" len="med"/>
+                      <a:tailEnd type="none" w="med" len="med"/>
+                    </a:lnT>
+                    <a:lnB w="12700" cap="flat" cmpd="sng" algn="ctr">
+                      <a:solidFill>
+                        <a:srgbClr val="FFC000"/>
+                      </a:solidFill>
+                      <a:prstDash val="solid"/>
+                      <a:round/>
+                      <a:headEnd type="none" w="med" len="med"/>
+                      <a:tailEnd type="none" w="med" len="med"/>
+                    </a:lnB>
+                    <a:solidFill>
+                      <a:srgbClr val="FFC000"/>
+                    </a:solidFill>
+                  </a:tcPr>
+                </a:tc>
+                <a:tc>
+                  <a:txBody>
+                    <a:bodyPr/>
+                    <a:lstStyle/>
+                    <a:p>
+                      <a:pPr>
+                        <a:lnSpc>
+                          <a:spcPct val="107000"/>
+                        </a:lnSpc>
+                        <a:spcAft>
+                          <a:spcPts val="0"/>
+                        </a:spcAft>
+                      </a:pPr>
+                      <a:r>
+                        <a:rPr lang="nl-BE" sz="1100" b="1" kern="100" dirty="0">
+                          <a:solidFill>
+                            <a:srgbClr val="FFFFFF"/>
+                          </a:solidFill>
+                          <a:effectLst/>
+                          <a:latin typeface="Calibri"/>
+                          <a:ea typeface="Calibri" panose="020F0502020204030204" pitchFamily="34" charset="0"/>
+                          <a:cs typeface="Times New Roman"/>
+                        </a:rPr>
+                        <a:t>Output</a:t>
+                      </a:r>
+                      <a:endParaRPr lang="nl-BE" sz="1100" kern="100" dirty="0">
+                        <a:effectLst/>
+                        <a:latin typeface="Calibri"/>
+                        <a:ea typeface="Calibri" panose="020F0502020204030204" pitchFamily="34" charset="0"/>
+                        <a:cs typeface="Times New Roman"/>
+                      </a:endParaRPr>
+                    </a:p>
+                  </a:txBody>
+                  <a:tcPr marL="68580" marR="68580" marT="18415" marB="18415">
+                    <a:lnL>
+                      <a:noFill/>
+                    </a:lnL>
+                    <a:lnR w="12700" cap="flat" cmpd="sng" algn="ctr">
+                      <a:solidFill>
+                        <a:srgbClr val="FFC000"/>
+                      </a:solidFill>
+                      <a:prstDash val="solid"/>
+                      <a:round/>
+                      <a:headEnd type="none" w="med" len="med"/>
+                      <a:tailEnd type="none" w="med" len="med"/>
+                    </a:lnR>
+                    <a:lnT w="12700" cap="flat" cmpd="sng" algn="ctr">
+                      <a:solidFill>
+                        <a:srgbClr val="FFC000"/>
+                      </a:solidFill>
+                      <a:prstDash val="solid"/>
+                      <a:round/>
+                      <a:headEnd type="none" w="med" len="med"/>
+                      <a:tailEnd type="none" w="med" len="med"/>
+                    </a:lnT>
+                    <a:lnB w="12700" cap="flat" cmpd="sng" algn="ctr">
+                      <a:solidFill>
+                        <a:srgbClr val="FFC000"/>
+                      </a:solidFill>
+                      <a:prstDash val="solid"/>
+                      <a:round/>
+                      <a:headEnd type="none" w="med" len="med"/>
+                      <a:tailEnd type="none" w="med" len="med"/>
+                    </a:lnB>
+                    <a:solidFill>
+                      <a:srgbClr val="FFC000"/>
+                    </a:solidFill>
+                  </a:tcPr>
+                </a:tc>
+                <a:extLst>
+                  <a:ext uri="{0D108BD9-81ED-4DB2-BD59-A6C34878D82A}">
+                    <a16:rowId xmlns:a16="http://schemas.microsoft.com/office/drawing/2014/main" val="10000"/>
+                  </a:ext>
+                </a:extLst>
+              </a:tr>
+              <a:tr h="1674021">
+                <a:tc>
+                  <a:txBody>
+                    <a:bodyPr/>
+                    <a:lstStyle/>
+                    <a:p>
+                      <a:pPr>
+                        <a:lnSpc>
+                          <a:spcPct val="107000"/>
+                        </a:lnSpc>
+                        <a:spcAft>
+                          <a:spcPts val="0"/>
+                        </a:spcAft>
+                      </a:pPr>
+                      <a:r>
+                        <a:rPr lang="nl-BE" sz="750" b="1" kern="0" dirty="0">
+                          <a:solidFill>
+                            <a:srgbClr val="0000FF"/>
+                          </a:solidFill>
+                          <a:effectLst/>
+                          <a:latin typeface="Consolas"/>
+                          <a:ea typeface="Calibri" panose="020F0502020204030204" pitchFamily="34" charset="0"/>
+                          <a:cs typeface="Times New Roman"/>
+                        </a:rPr>
+                        <a:t>int</a:t>
+                      </a:r>
+                      <a:r>
+                        <a:rPr lang="nl-BE" sz="750" b="1" kern="0" dirty="0">
+                          <a:solidFill>
+                            <a:srgbClr val="000000"/>
+                          </a:solidFill>
+                          <a:effectLst/>
+                          <a:latin typeface="Consolas"/>
+                          <a:ea typeface="Calibri" panose="020F0502020204030204" pitchFamily="34" charset="0"/>
+                          <a:cs typeface="Times New Roman"/>
+                        </a:rPr>
+                        <a:t> teller1 = 0;</a:t>
+                      </a:r>
+                      <a:endParaRPr lang="nl-BE" sz="1100" kern="100" dirty="0">
+                        <a:effectLst/>
+                        <a:latin typeface="Consolas"/>
+                        <a:ea typeface="Calibri" panose="020F0502020204030204" pitchFamily="34" charset="0"/>
+                        <a:cs typeface="Times New Roman"/>
+                      </a:endParaRPr>
+                    </a:p>
+                    <a:p>
+                      <a:pPr>
+                        <a:lnSpc>
+                          <a:spcPct val="107000"/>
+                        </a:lnSpc>
+                        <a:spcAft>
+                          <a:spcPts val="0"/>
+                        </a:spcAft>
+                      </a:pPr>
+                      <a:r>
+                        <a:rPr lang="nl-BE" sz="750" b="1" kern="0" dirty="0">
+                          <a:solidFill>
+                            <a:srgbClr val="0000FF"/>
+                          </a:solidFill>
+                          <a:effectLst/>
+                          <a:latin typeface="Consolas"/>
+                          <a:ea typeface="Calibri" panose="020F0502020204030204" pitchFamily="34" charset="0"/>
+                          <a:cs typeface="Times New Roman"/>
+                        </a:rPr>
+                        <a:t>int</a:t>
+                      </a:r>
+                      <a:r>
+                        <a:rPr lang="nl-BE" sz="750" b="1" kern="0" dirty="0">
+                          <a:solidFill>
+                            <a:srgbClr val="000000"/>
+                          </a:solidFill>
+                          <a:effectLst/>
+                          <a:latin typeface="Consolas"/>
+                          <a:ea typeface="Calibri" panose="020F0502020204030204" pitchFamily="34" charset="0"/>
+                          <a:cs typeface="Times New Roman"/>
+                        </a:rPr>
+                        <a:t> teller2 = 0;</a:t>
+                      </a:r>
+                      <a:endParaRPr lang="nl-BE" sz="1100" kern="100" dirty="0">
+                        <a:effectLst/>
+                        <a:latin typeface="Consolas"/>
+                        <a:ea typeface="Calibri" panose="020F0502020204030204" pitchFamily="34" charset="0"/>
+                        <a:cs typeface="Times New Roman"/>
+                      </a:endParaRPr>
+                    </a:p>
+                    <a:p>
+                      <a:pPr>
+                        <a:lnSpc>
+                          <a:spcPct val="107000"/>
+                        </a:lnSpc>
+                        <a:spcAft>
+                          <a:spcPts val="0"/>
+                        </a:spcAft>
+                      </a:pPr>
+                      <a:r>
+                        <a:rPr lang="nl-BE" sz="750" b="1" kern="0" dirty="0" err="1">
+                          <a:solidFill>
+                            <a:srgbClr val="0000FF"/>
+                          </a:solidFill>
+                          <a:effectLst/>
+                          <a:latin typeface="Consolas"/>
+                          <a:ea typeface="Calibri" panose="020F0502020204030204" pitchFamily="34" charset="0"/>
+                          <a:cs typeface="Times New Roman"/>
+                        </a:rPr>
+                        <a:t>while</a:t>
+                      </a:r>
+                      <a:r>
+                        <a:rPr lang="nl-BE" sz="750" b="1" kern="0" dirty="0">
+                          <a:solidFill>
+                            <a:srgbClr val="000000"/>
+                          </a:solidFill>
+                          <a:effectLst/>
+                          <a:latin typeface="Consolas"/>
+                          <a:ea typeface="Calibri" panose="020F0502020204030204" pitchFamily="34" charset="0"/>
+                          <a:cs typeface="Times New Roman"/>
+                        </a:rPr>
+                        <a:t> (teller1 &lt; 2)</a:t>
+                      </a:r>
+                      <a:endParaRPr lang="nl-BE" sz="1100" kern="100" dirty="0">
+                        <a:effectLst/>
+                        <a:latin typeface="Consolas"/>
+                        <a:ea typeface="Calibri" panose="020F0502020204030204" pitchFamily="34" charset="0"/>
+                        <a:cs typeface="Times New Roman"/>
+                      </a:endParaRPr>
+                    </a:p>
+                    <a:p>
+                      <a:pPr>
+                        <a:lnSpc>
+                          <a:spcPct val="107000"/>
+                        </a:lnSpc>
+                        <a:spcAft>
+                          <a:spcPts val="0"/>
+                        </a:spcAft>
+                      </a:pPr>
+                      <a:r>
+                        <a:rPr lang="nl-BE" sz="750" b="1" kern="0" dirty="0">
+                          <a:solidFill>
+                            <a:srgbClr val="000000"/>
+                          </a:solidFill>
+                          <a:effectLst/>
+                          <a:latin typeface="Consolas"/>
+                          <a:ea typeface="Calibri" panose="020F0502020204030204" pitchFamily="34" charset="0"/>
+                          <a:cs typeface="Times New Roman"/>
+                        </a:rPr>
+                        <a:t>{</a:t>
+                      </a:r>
+                      <a:endParaRPr lang="nl-BE" sz="1100" kern="100" dirty="0">
+                        <a:effectLst/>
+                        <a:latin typeface="Consolas"/>
+                        <a:ea typeface="Calibri" panose="020F0502020204030204" pitchFamily="34" charset="0"/>
+                        <a:cs typeface="Times New Roman"/>
+                      </a:endParaRPr>
+                    </a:p>
+                    <a:p>
+                      <a:pPr>
+                        <a:lnSpc>
+                          <a:spcPct val="107000"/>
+                        </a:lnSpc>
+                        <a:spcAft>
+                          <a:spcPts val="0"/>
+                        </a:spcAft>
+                      </a:pPr>
+                      <a:r>
+                        <a:rPr lang="nl-BE" sz="750" b="1" kern="0" dirty="0">
+                          <a:solidFill>
+                            <a:srgbClr val="000000"/>
+                          </a:solidFill>
+                          <a:effectLst/>
+                          <a:latin typeface="Consolas"/>
+                          <a:ea typeface="Calibri" panose="020F0502020204030204" pitchFamily="34" charset="0"/>
+                          <a:cs typeface="Times New Roman"/>
+                        </a:rPr>
+                        <a:t>    teller1++;</a:t>
+                      </a:r>
+                      <a:endParaRPr lang="nl-BE" sz="1100" kern="100" dirty="0">
+                        <a:effectLst/>
+                        <a:latin typeface="Consolas"/>
+                        <a:ea typeface="Calibri" panose="020F0502020204030204" pitchFamily="34" charset="0"/>
+                        <a:cs typeface="Times New Roman"/>
+                      </a:endParaRPr>
+                    </a:p>
+                    <a:p>
+                      <a:pPr>
+                        <a:lnSpc>
+                          <a:spcPct val="107000"/>
+                        </a:lnSpc>
+                        <a:spcAft>
+                          <a:spcPts val="0"/>
+                        </a:spcAft>
+                      </a:pPr>
+                      <a:r>
+                        <a:rPr lang="nl-BE" sz="750" b="1" kern="0" dirty="0">
+                          <a:solidFill>
+                            <a:srgbClr val="000000"/>
+                          </a:solidFill>
+                          <a:effectLst/>
+                          <a:latin typeface="Consolas"/>
+                          <a:ea typeface="Calibri" panose="020F0502020204030204" pitchFamily="34" charset="0"/>
+                          <a:cs typeface="Times New Roman"/>
+                        </a:rPr>
+                        <a:t>    </a:t>
+                      </a:r>
+                      <a:r>
+                        <a:rPr lang="nl-BE" sz="750" b="1" kern="0" dirty="0" err="1">
+                          <a:solidFill>
+                            <a:srgbClr val="2B91AF"/>
+                          </a:solidFill>
+                          <a:effectLst/>
+                          <a:latin typeface="Consolas"/>
+                          <a:ea typeface="Calibri" panose="020F0502020204030204" pitchFamily="34" charset="0"/>
+                          <a:cs typeface="Times New Roman"/>
+                        </a:rPr>
+                        <a:t>Console</a:t>
+                      </a:r>
+                      <a:r>
+                        <a:rPr lang="nl-BE" sz="750" b="1" kern="0" dirty="0" err="1">
+                          <a:solidFill>
+                            <a:srgbClr val="000000"/>
+                          </a:solidFill>
+                          <a:effectLst/>
+                          <a:latin typeface="Consolas"/>
+                          <a:ea typeface="Calibri" panose="020F0502020204030204" pitchFamily="34" charset="0"/>
+                          <a:cs typeface="Times New Roman"/>
+                        </a:rPr>
+                        <a:t>.WriteLine</a:t>
+                      </a:r>
+                      <a:r>
+                        <a:rPr lang="nl-BE" sz="750" b="1" kern="0" dirty="0">
+                          <a:solidFill>
+                            <a:srgbClr val="000000"/>
+                          </a:solidFill>
+                          <a:effectLst/>
+                          <a:latin typeface="Consolas"/>
+                          <a:ea typeface="Calibri" panose="020F0502020204030204" pitchFamily="34" charset="0"/>
+                          <a:cs typeface="Times New Roman"/>
+                        </a:rPr>
+                        <a:t>($</a:t>
+                      </a:r>
+                      <a:r>
+                        <a:rPr lang="nl-BE" sz="750" b="1" kern="0" dirty="0">
+                          <a:solidFill>
+                            <a:srgbClr val="A31515"/>
+                          </a:solidFill>
+                          <a:effectLst/>
+                          <a:latin typeface="Consolas"/>
+                          <a:ea typeface="Calibri" panose="020F0502020204030204" pitchFamily="34" charset="0"/>
+                          <a:cs typeface="Times New Roman"/>
+                        </a:rPr>
+                        <a:t>"teller1={</a:t>
+                      </a:r>
+                      <a:r>
+                        <a:rPr lang="nl-BE" sz="750" b="1" kern="0" dirty="0">
+                          <a:solidFill>
+                            <a:srgbClr val="000000"/>
+                          </a:solidFill>
+                          <a:effectLst/>
+                          <a:latin typeface="Consolas"/>
+                          <a:ea typeface="Calibri" panose="020F0502020204030204" pitchFamily="34" charset="0"/>
+                          <a:cs typeface="Times New Roman"/>
+                        </a:rPr>
+                        <a:t>teller1</a:t>
+                      </a:r>
+                      <a:r>
+                        <a:rPr lang="nl-BE" sz="750" b="1" kern="0" dirty="0">
+                          <a:solidFill>
+                            <a:srgbClr val="A31515"/>
+                          </a:solidFill>
+                          <a:effectLst/>
+                          <a:latin typeface="Consolas"/>
+                          <a:ea typeface="Calibri" panose="020F0502020204030204" pitchFamily="34" charset="0"/>
+                          <a:cs typeface="Times New Roman"/>
+                        </a:rPr>
+                        <a:t>}"</a:t>
+                      </a:r>
+                      <a:r>
+                        <a:rPr lang="nl-BE" sz="750" b="1" kern="0" dirty="0">
+                          <a:solidFill>
+                            <a:srgbClr val="000000"/>
+                          </a:solidFill>
+                          <a:effectLst/>
+                          <a:latin typeface="Consolas"/>
+                          <a:ea typeface="Calibri" panose="020F0502020204030204" pitchFamily="34" charset="0"/>
+                          <a:cs typeface="Times New Roman"/>
+                        </a:rPr>
+                        <a:t>);</a:t>
+                      </a:r>
+                      <a:endParaRPr lang="nl-BE" sz="1100" kern="100" dirty="0">
+                        <a:effectLst/>
+                        <a:latin typeface="Consolas"/>
+                        <a:ea typeface="Calibri" panose="020F0502020204030204" pitchFamily="34" charset="0"/>
+                        <a:cs typeface="Times New Roman"/>
+                      </a:endParaRPr>
+                    </a:p>
+                    <a:p>
+                      <a:pPr>
+                        <a:lnSpc>
+                          <a:spcPct val="107000"/>
+                        </a:lnSpc>
+                        <a:spcAft>
+                          <a:spcPts val="0"/>
+                        </a:spcAft>
+                      </a:pPr>
+                      <a:r>
+                        <a:rPr lang="nl-BE" sz="750" b="1" kern="0" dirty="0">
+                          <a:solidFill>
+                            <a:srgbClr val="000000"/>
+                          </a:solidFill>
+                          <a:effectLst/>
+                          <a:latin typeface="Consolas"/>
+                          <a:ea typeface="Calibri" panose="020F0502020204030204" pitchFamily="34" charset="0"/>
+                          <a:cs typeface="Times New Roman"/>
+                        </a:rPr>
+                        <a:t>    teller2 = 0;</a:t>
+                      </a:r>
+                      <a:endParaRPr lang="nl-BE" sz="1100" kern="100" dirty="0">
+                        <a:effectLst/>
+                        <a:latin typeface="Consolas"/>
+                        <a:ea typeface="Calibri" panose="020F0502020204030204" pitchFamily="34" charset="0"/>
+                        <a:cs typeface="Times New Roman"/>
+                      </a:endParaRPr>
+                    </a:p>
+                    <a:p>
+                      <a:pPr>
+                        <a:lnSpc>
+                          <a:spcPct val="107000"/>
+                        </a:lnSpc>
+                        <a:spcAft>
+                          <a:spcPts val="0"/>
+                        </a:spcAft>
+                      </a:pPr>
+                      <a:r>
+                        <a:rPr lang="nl-BE" sz="750" b="1" kern="0" dirty="0">
+                          <a:solidFill>
+                            <a:srgbClr val="000000"/>
+                          </a:solidFill>
+                          <a:effectLst/>
+                          <a:latin typeface="Consolas"/>
+                          <a:ea typeface="Calibri" panose="020F0502020204030204" pitchFamily="34" charset="0"/>
+                          <a:cs typeface="Times New Roman"/>
+                        </a:rPr>
+                        <a:t>    </a:t>
+                      </a:r>
+                      <a:r>
+                        <a:rPr lang="nl-BE" sz="750" b="1" kern="0" dirty="0" err="1">
+                          <a:solidFill>
+                            <a:srgbClr val="0000FF"/>
+                          </a:solidFill>
+                          <a:effectLst/>
+                          <a:latin typeface="Consolas"/>
+                          <a:ea typeface="Calibri" panose="020F0502020204030204" pitchFamily="34" charset="0"/>
+                          <a:cs typeface="Times New Roman"/>
+                        </a:rPr>
+                        <a:t>while</a:t>
+                      </a:r>
+                      <a:r>
+                        <a:rPr lang="nl-BE" sz="750" b="1" kern="0" dirty="0">
+                          <a:solidFill>
+                            <a:srgbClr val="000000"/>
+                          </a:solidFill>
+                          <a:effectLst/>
+                          <a:latin typeface="Consolas"/>
+                          <a:ea typeface="Calibri" panose="020F0502020204030204" pitchFamily="34" charset="0"/>
+                          <a:cs typeface="Times New Roman"/>
+                        </a:rPr>
+                        <a:t> (teller2&lt;3)</a:t>
+                      </a:r>
+                      <a:endParaRPr lang="nl-BE" sz="1100" kern="100" dirty="0">
+                        <a:effectLst/>
+                        <a:latin typeface="Consolas"/>
+                        <a:ea typeface="Calibri" panose="020F0502020204030204" pitchFamily="34" charset="0"/>
+                        <a:cs typeface="Times New Roman"/>
+                      </a:endParaRPr>
+                    </a:p>
+                    <a:p>
+                      <a:pPr>
+                        <a:lnSpc>
+                          <a:spcPct val="107000"/>
+                        </a:lnSpc>
+                        <a:spcAft>
+                          <a:spcPts val="0"/>
+                        </a:spcAft>
+                      </a:pPr>
+                      <a:r>
+                        <a:rPr lang="nl-BE" sz="750" b="1" kern="0" dirty="0">
+                          <a:solidFill>
+                            <a:srgbClr val="000000"/>
+                          </a:solidFill>
+                          <a:effectLst/>
+                          <a:latin typeface="Consolas"/>
+                          <a:ea typeface="Calibri" panose="020F0502020204030204" pitchFamily="34" charset="0"/>
+                          <a:cs typeface="Times New Roman"/>
+                        </a:rPr>
+                        <a:t>    {</a:t>
+                      </a:r>
+                      <a:endParaRPr lang="nl-BE" sz="1100" kern="100" dirty="0">
+                        <a:effectLst/>
+                        <a:latin typeface="Consolas"/>
+                        <a:ea typeface="Calibri" panose="020F0502020204030204" pitchFamily="34" charset="0"/>
+                        <a:cs typeface="Times New Roman"/>
+                      </a:endParaRPr>
+                    </a:p>
+                    <a:p>
+                      <a:pPr>
+                        <a:lnSpc>
+                          <a:spcPct val="107000"/>
+                        </a:lnSpc>
+                        <a:spcAft>
+                          <a:spcPts val="0"/>
+                        </a:spcAft>
+                      </a:pPr>
+                      <a:r>
+                        <a:rPr lang="nl-BE" sz="750" b="1" kern="0" dirty="0">
+                          <a:solidFill>
+                            <a:srgbClr val="000000"/>
+                          </a:solidFill>
+                          <a:effectLst/>
+                          <a:latin typeface="Consolas"/>
+                          <a:ea typeface="Calibri" panose="020F0502020204030204" pitchFamily="34" charset="0"/>
+                          <a:cs typeface="Times New Roman"/>
+                        </a:rPr>
+                        <a:t>        teller2++;</a:t>
+                      </a:r>
+                      <a:endParaRPr lang="nl-BE" sz="1100" kern="100" dirty="0">
+                        <a:effectLst/>
+                        <a:latin typeface="Consolas"/>
+                        <a:ea typeface="Calibri" panose="020F0502020204030204" pitchFamily="34" charset="0"/>
+                        <a:cs typeface="Times New Roman"/>
+                      </a:endParaRPr>
+                    </a:p>
+                    <a:p>
+                      <a:pPr>
+                        <a:lnSpc>
+                          <a:spcPct val="107000"/>
+                        </a:lnSpc>
+                        <a:spcAft>
+                          <a:spcPts val="0"/>
+                        </a:spcAft>
+                      </a:pPr>
+                      <a:r>
+                        <a:rPr lang="nl-BE" sz="750" b="1" kern="0" dirty="0">
+                          <a:solidFill>
+                            <a:srgbClr val="000000"/>
+                          </a:solidFill>
+                          <a:effectLst/>
+                          <a:latin typeface="Consolas"/>
+                          <a:ea typeface="Calibri" panose="020F0502020204030204" pitchFamily="34" charset="0"/>
+                          <a:cs typeface="Times New Roman"/>
+                        </a:rPr>
+                        <a:t>        </a:t>
+                      </a:r>
+                      <a:r>
+                        <a:rPr lang="nl-BE" sz="750" b="1" kern="0" dirty="0" err="1">
+                          <a:solidFill>
+                            <a:srgbClr val="2B91AF"/>
+                          </a:solidFill>
+                          <a:effectLst/>
+                          <a:latin typeface="Consolas"/>
+                          <a:ea typeface="Calibri" panose="020F0502020204030204" pitchFamily="34" charset="0"/>
+                          <a:cs typeface="Times New Roman"/>
+                        </a:rPr>
+                        <a:t>Console</a:t>
+                      </a:r>
+                      <a:r>
+                        <a:rPr lang="nl-BE" sz="750" b="1" kern="0" dirty="0" err="1">
+                          <a:solidFill>
+                            <a:srgbClr val="000000"/>
+                          </a:solidFill>
+                          <a:effectLst/>
+                          <a:latin typeface="Consolas"/>
+                          <a:ea typeface="Calibri" panose="020F0502020204030204" pitchFamily="34" charset="0"/>
+                          <a:cs typeface="Times New Roman"/>
+                        </a:rPr>
+                        <a:t>.WriteLine</a:t>
+                      </a:r>
+                      <a:r>
+                        <a:rPr lang="nl-BE" sz="750" b="1" kern="0" dirty="0">
+                          <a:solidFill>
+                            <a:srgbClr val="000000"/>
+                          </a:solidFill>
+                          <a:effectLst/>
+                          <a:latin typeface="Consolas"/>
+                          <a:ea typeface="Calibri" panose="020F0502020204030204" pitchFamily="34" charset="0"/>
+                          <a:cs typeface="Times New Roman"/>
+                        </a:rPr>
+                        <a:t>(teller2);</a:t>
+                      </a:r>
+                      <a:endParaRPr lang="nl-BE" sz="1100" kern="100" dirty="0">
+                        <a:effectLst/>
+                        <a:latin typeface="Consolas"/>
+                        <a:ea typeface="Calibri" panose="020F0502020204030204" pitchFamily="34" charset="0"/>
+                        <a:cs typeface="Times New Roman"/>
+                      </a:endParaRPr>
+                    </a:p>
+                    <a:p>
+                      <a:pPr>
+                        <a:lnSpc>
+                          <a:spcPct val="107000"/>
+                        </a:lnSpc>
+                        <a:spcAft>
+                          <a:spcPts val="0"/>
+                        </a:spcAft>
+                      </a:pPr>
+                      <a:r>
+                        <a:rPr lang="nl-BE" sz="750" b="1" kern="0" dirty="0">
+                          <a:solidFill>
+                            <a:srgbClr val="000000"/>
+                          </a:solidFill>
+                          <a:effectLst/>
+                          <a:latin typeface="Consolas"/>
+                          <a:ea typeface="Calibri" panose="020F0502020204030204" pitchFamily="34" charset="0"/>
+                          <a:cs typeface="Times New Roman"/>
+                        </a:rPr>
+                        <a:t>    }</a:t>
+                      </a:r>
+                      <a:endParaRPr lang="nl-BE" sz="1100" kern="100" dirty="0">
+                        <a:effectLst/>
+                        <a:latin typeface="Consolas"/>
+                        <a:ea typeface="Calibri" panose="020F0502020204030204" pitchFamily="34" charset="0"/>
+                        <a:cs typeface="Times New Roman"/>
+                      </a:endParaRPr>
+                    </a:p>
+                    <a:p>
+                      <a:pPr>
+                        <a:lnSpc>
+                          <a:spcPct val="107000"/>
+                        </a:lnSpc>
+                        <a:spcAft>
+                          <a:spcPts val="0"/>
+                        </a:spcAft>
+                      </a:pPr>
+                      <a:r>
+                        <a:rPr lang="nl-BE" sz="750" b="1" kern="0" dirty="0">
+                          <a:solidFill>
+                            <a:srgbClr val="000000"/>
+                          </a:solidFill>
+                          <a:effectLst/>
+                          <a:latin typeface="Consolas"/>
+                          <a:ea typeface="Calibri" panose="020F0502020204030204" pitchFamily="34" charset="0"/>
+                          <a:cs typeface="Times New Roman"/>
+                        </a:rPr>
+                        <a:t>}</a:t>
+                      </a:r>
+                      <a:endParaRPr lang="nl-BE" sz="1100" kern="100" dirty="0">
+                        <a:effectLst/>
+                        <a:latin typeface="Consolas"/>
+                        <a:ea typeface="Calibri" panose="020F0502020204030204" pitchFamily="34" charset="0"/>
+                        <a:cs typeface="Times New Roman"/>
+                      </a:endParaRPr>
+                    </a:p>
+                  </a:txBody>
+                  <a:tcPr marL="68580" marR="68580" marT="18415" marB="18415">
+                    <a:lnL w="12700" cap="flat" cmpd="sng" algn="ctr">
+                      <a:solidFill>
+                        <a:srgbClr val="FFD966"/>
+                      </a:solidFill>
+                      <a:prstDash val="solid"/>
+                      <a:round/>
+                      <a:headEnd type="none" w="med" len="med"/>
+                      <a:tailEnd type="none" w="med" len="med"/>
+                    </a:lnL>
+                    <a:lnR w="12700" cap="flat" cmpd="sng" algn="ctr">
+                      <a:solidFill>
+                        <a:srgbClr val="FFD966"/>
+                      </a:solidFill>
+                      <a:prstDash val="solid"/>
+                      <a:round/>
+                      <a:headEnd type="none" w="med" len="med"/>
+                      <a:tailEnd type="none" w="med" len="med"/>
+                    </a:lnR>
+                    <a:lnT w="12700" cap="flat" cmpd="sng" algn="ctr">
+                      <a:solidFill>
+                        <a:srgbClr val="FFC000"/>
+                      </a:solidFill>
+                      <a:prstDash val="solid"/>
+                      <a:round/>
+                      <a:headEnd type="none" w="med" len="med"/>
+                      <a:tailEnd type="none" w="med" len="med"/>
+                    </a:lnT>
+                    <a:lnB w="12700" cap="flat" cmpd="sng" algn="ctr">
+                      <a:solidFill>
+                        <a:srgbClr val="FFD966"/>
+                      </a:solidFill>
+                      <a:prstDash val="solid"/>
+                      <a:round/>
+                      <a:headEnd type="none" w="med" len="med"/>
+                      <a:tailEnd type="none" w="med" len="med"/>
+                    </a:lnB>
+                    <a:solidFill>
+                      <a:srgbClr val="FFF2CC"/>
+                    </a:solidFill>
+                  </a:tcPr>
+                </a:tc>
+                <a:tc>
+                  <a:txBody>
+                    <a:bodyPr/>
+                    <a:lstStyle/>
+                    <a:p>
+                      <a:pPr>
+                        <a:lnSpc>
+                          <a:spcPct val="107000"/>
+                        </a:lnSpc>
+                        <a:spcAft>
+                          <a:spcPts val="0"/>
+                        </a:spcAft>
+                      </a:pPr>
+                      <a:r>
+                        <a:rPr lang="nl-BE" sz="1100" kern="100" dirty="0">
+                          <a:effectLst/>
+                          <a:latin typeface="Calibri" panose="020F0502020204030204" pitchFamily="34" charset="0"/>
+                          <a:ea typeface="Calibri" panose="020F0502020204030204" pitchFamily="34" charset="0"/>
+                          <a:cs typeface="Times New Roman" panose="02020603050405020304" pitchFamily="18" charset="0"/>
+                        </a:rPr>
+                        <a:t>teller1 = 1</a:t>
+                      </a:r>
+                    </a:p>
+                    <a:p>
+                      <a:pPr>
+                        <a:lnSpc>
+                          <a:spcPct val="107000"/>
+                        </a:lnSpc>
+                        <a:spcAft>
+                          <a:spcPts val="0"/>
+                        </a:spcAft>
+                      </a:pPr>
+                      <a:r>
+                        <a:rPr lang="nl-BE" sz="1100" kern="100" dirty="0">
+                          <a:effectLst/>
+                          <a:latin typeface="Calibri" panose="020F0502020204030204" pitchFamily="34" charset="0"/>
+                          <a:ea typeface="Calibri" panose="020F0502020204030204" pitchFamily="34" charset="0"/>
+                          <a:cs typeface="Times New Roman" panose="02020603050405020304" pitchFamily="18" charset="0"/>
+                        </a:rPr>
+                        <a:t>1</a:t>
+                      </a:r>
+                    </a:p>
+                    <a:p>
+                      <a:pPr>
+                        <a:lnSpc>
+                          <a:spcPct val="107000"/>
+                        </a:lnSpc>
+                        <a:spcAft>
+                          <a:spcPts val="0"/>
+                        </a:spcAft>
+                      </a:pPr>
+                      <a:r>
+                        <a:rPr lang="nl-BE" sz="1100" kern="100" dirty="0">
+                          <a:effectLst/>
+                          <a:latin typeface="Calibri" panose="020F0502020204030204" pitchFamily="34" charset="0"/>
+                          <a:ea typeface="Calibri" panose="020F0502020204030204" pitchFamily="34" charset="0"/>
+                          <a:cs typeface="Times New Roman" panose="02020603050405020304" pitchFamily="18" charset="0"/>
+                        </a:rPr>
+                        <a:t>2</a:t>
+                      </a:r>
+                    </a:p>
+                    <a:p>
+                      <a:pPr>
+                        <a:lnSpc>
+                          <a:spcPct val="107000"/>
+                        </a:lnSpc>
+                        <a:spcAft>
+                          <a:spcPts val="0"/>
+                        </a:spcAft>
+                      </a:pPr>
+                      <a:r>
+                        <a:rPr lang="nl-BE" sz="1100" kern="100" dirty="0">
+                          <a:effectLst/>
+                          <a:latin typeface="Calibri" panose="020F0502020204030204" pitchFamily="34" charset="0"/>
+                          <a:ea typeface="Calibri" panose="020F0502020204030204" pitchFamily="34" charset="0"/>
+                          <a:cs typeface="Times New Roman" panose="02020603050405020304" pitchFamily="18" charset="0"/>
+                        </a:rPr>
+                        <a:t>3</a:t>
+                      </a:r>
+                    </a:p>
+                    <a:p>
+                      <a:pPr>
+                        <a:lnSpc>
+                          <a:spcPct val="107000"/>
+                        </a:lnSpc>
+                        <a:spcAft>
+                          <a:spcPts val="0"/>
+                        </a:spcAft>
+                      </a:pPr>
+                      <a:r>
+                        <a:rPr lang="nl-BE" sz="1100" kern="100" dirty="0">
+                          <a:effectLst/>
+                          <a:latin typeface="Calibri" panose="020F0502020204030204" pitchFamily="34" charset="0"/>
+                          <a:ea typeface="Calibri" panose="020F0502020204030204" pitchFamily="34" charset="0"/>
+                          <a:cs typeface="Times New Roman" panose="02020603050405020304" pitchFamily="18" charset="0"/>
+                        </a:rPr>
+                        <a:t>teller1 = 2</a:t>
+                      </a:r>
+                    </a:p>
+                    <a:p>
+                      <a:pPr>
+                        <a:lnSpc>
+                          <a:spcPct val="107000"/>
+                        </a:lnSpc>
+                        <a:spcAft>
+                          <a:spcPts val="0"/>
+                        </a:spcAft>
+                      </a:pPr>
+                      <a:r>
+                        <a:rPr lang="nl-BE" sz="1100" kern="100" dirty="0">
+                          <a:effectLst/>
+                          <a:latin typeface="Calibri" panose="020F0502020204030204" pitchFamily="34" charset="0"/>
+                          <a:ea typeface="Calibri" panose="020F0502020204030204" pitchFamily="34" charset="0"/>
+                          <a:cs typeface="Times New Roman" panose="02020603050405020304" pitchFamily="18" charset="0"/>
+                        </a:rPr>
+                        <a:t>1</a:t>
+                      </a:r>
+                    </a:p>
+                    <a:p>
+                      <a:pPr>
+                        <a:lnSpc>
+                          <a:spcPct val="107000"/>
+                        </a:lnSpc>
+                        <a:spcAft>
+                          <a:spcPts val="0"/>
+                        </a:spcAft>
+                      </a:pPr>
+                      <a:r>
+                        <a:rPr lang="nl-BE" sz="1100" kern="100" dirty="0">
+                          <a:effectLst/>
+                          <a:latin typeface="Calibri" panose="020F0502020204030204" pitchFamily="34" charset="0"/>
+                          <a:ea typeface="Calibri" panose="020F0502020204030204" pitchFamily="34" charset="0"/>
+                          <a:cs typeface="Times New Roman" panose="02020603050405020304" pitchFamily="18" charset="0"/>
+                        </a:rPr>
+                        <a:t>2</a:t>
+                      </a:r>
+                    </a:p>
+                    <a:p>
+                      <a:pPr>
+                        <a:lnSpc>
+                          <a:spcPct val="107000"/>
+                        </a:lnSpc>
+                        <a:spcAft>
+                          <a:spcPts val="0"/>
+                        </a:spcAft>
+                      </a:pPr>
+                      <a:r>
+                        <a:rPr lang="nl-BE" sz="1100" kern="100" dirty="0">
+                          <a:effectLst/>
+                          <a:latin typeface="Calibri" panose="020F0502020204030204" pitchFamily="34" charset="0"/>
+                          <a:ea typeface="Calibri" panose="020F0502020204030204" pitchFamily="34" charset="0"/>
+                          <a:cs typeface="Times New Roman" panose="02020603050405020304" pitchFamily="18" charset="0"/>
+                        </a:rPr>
+                        <a:t>3</a:t>
+                      </a:r>
+                    </a:p>
+                  </a:txBody>
+                  <a:tcPr marL="68580" marR="68580" marT="18415" marB="18415">
+                    <a:lnL w="12700" cap="flat" cmpd="sng" algn="ctr">
+                      <a:solidFill>
+                        <a:srgbClr val="FFD966"/>
+                      </a:solidFill>
+                      <a:prstDash val="solid"/>
+                      <a:round/>
+                      <a:headEnd type="none" w="med" len="med"/>
+                      <a:tailEnd type="none" w="med" len="med"/>
+                    </a:lnL>
+                    <a:lnR w="12700" cap="flat" cmpd="sng" algn="ctr">
+                      <a:solidFill>
+                        <a:srgbClr val="FFD966"/>
+                      </a:solidFill>
+                      <a:prstDash val="solid"/>
+                      <a:round/>
+                      <a:headEnd type="none" w="med" len="med"/>
+                      <a:tailEnd type="none" w="med" len="med"/>
+                    </a:lnR>
+                    <a:lnT w="12700" cap="flat" cmpd="sng" algn="ctr">
+                      <a:solidFill>
+                        <a:srgbClr val="FFC000"/>
+                      </a:solidFill>
+                      <a:prstDash val="solid"/>
+                      <a:round/>
+                      <a:headEnd type="none" w="med" len="med"/>
+                      <a:tailEnd type="none" w="med" len="med"/>
+                    </a:lnT>
+                    <a:lnB w="12700" cap="flat" cmpd="sng" algn="ctr">
+                      <a:solidFill>
+                        <a:srgbClr val="FFD966"/>
+                      </a:solidFill>
+                      <a:prstDash val="solid"/>
+                      <a:round/>
+                      <a:headEnd type="none" w="med" len="med"/>
+                      <a:tailEnd type="none" w="med" len="med"/>
+                    </a:lnB>
+                    <a:solidFill>
+                      <a:srgbClr val="FFF2CC"/>
+                    </a:solidFill>
+                  </a:tcPr>
+                </a:tc>
+                <a:extLst>
+                  <a:ext uri="{0D108BD9-81ED-4DB2-BD59-A6C34878D82A}">
+                    <a16:rowId xmlns:a16="http://schemas.microsoft.com/office/drawing/2014/main" val="10003"/>
+                  </a:ext>
+                </a:extLst>
+              </a:tr>
+            </a:tbl>
+          </a:graphicData>
+        </a:graphic>
+      </p:graphicFrame>
+      <p:grpSp>
+        <p:nvGrpSpPr>
+          <p:cNvPr id="15" name="Groep 14">
+            <a:extLst>
+              <a:ext uri="{FF2B5EF4-FFF2-40B4-BE49-F238E27FC236}">
+                <a16:creationId xmlns:a16="http://schemas.microsoft.com/office/drawing/2014/main" id="{2045C7BE-0914-9DEF-F884-79A136E41971}"/>
+              </a:ext>
+            </a:extLst>
+          </p:cNvPr>
+          <p:cNvGrpSpPr/>
+          <p:nvPr/>
+        </p:nvGrpSpPr>
+        <p:grpSpPr>
+          <a:xfrm>
+            <a:off x="3282791" y="273309"/>
+            <a:ext cx="2682239" cy="1354158"/>
+            <a:chOff x="7209541" y="78060"/>
+            <a:chExt cx="2682239" cy="1354158"/>
+          </a:xfrm>
+        </p:grpSpPr>
+        <p:sp>
+          <p:nvSpPr>
+            <p:cNvPr id="14" name="Rechthoek 13">
+              <a:extLst>
+                <a:ext uri="{FF2B5EF4-FFF2-40B4-BE49-F238E27FC236}">
+                  <a16:creationId xmlns:a16="http://schemas.microsoft.com/office/drawing/2014/main" id="{C1DDBB4A-DE9B-8C43-9D69-0A31C909F7E8}"/>
+                </a:ext>
+              </a:extLst>
+            </p:cNvPr>
+            <p:cNvSpPr/>
+            <p:nvPr/>
+          </p:nvSpPr>
+          <p:spPr>
+            <a:xfrm>
+              <a:off x="9438582" y="1000438"/>
+              <a:ext cx="417008" cy="299725"/>
+            </a:xfrm>
+            <a:prstGeom prst="rect">
+              <a:avLst/>
+            </a:prstGeom>
+            <a:solidFill>
+              <a:schemeClr val="bg1"/>
+            </a:solidFill>
+            <a:ln>
+              <a:noFill/>
+            </a:ln>
+          </p:spPr>
+          <p:style>
+            <a:lnRef idx="2">
+              <a:schemeClr val="accent1">
+                <a:shade val="15000"/>
+              </a:schemeClr>
+            </a:lnRef>
+            <a:fillRef idx="1">
+              <a:schemeClr val="accent1"/>
+            </a:fillRef>
+            <a:effectRef idx="0">
+              <a:schemeClr val="accent1"/>
+            </a:effectRef>
+            <a:fontRef idx="minor">
+              <a:schemeClr val="lt1"/>
+            </a:fontRef>
+          </p:style>
+          <p:txBody>
+            <a:bodyPr rtlCol="0" anchor="ctr"/>
+            <a:lstStyle/>
+            <a:p>
+              <a:pPr algn="ctr"/>
+              <a:endParaRPr lang="nl-BE"/>
+            </a:p>
+          </p:txBody>
+        </p:sp>
+        <p:sp>
+          <p:nvSpPr>
+            <p:cNvPr id="13" name="Rechthoek 12">
+              <a:extLst>
+                <a:ext uri="{FF2B5EF4-FFF2-40B4-BE49-F238E27FC236}">
+                  <a16:creationId xmlns:a16="http://schemas.microsoft.com/office/drawing/2014/main" id="{717D7EE1-7ECF-7C2E-3B93-EE2BBBCF0138}"/>
+                </a:ext>
+              </a:extLst>
+            </p:cNvPr>
+            <p:cNvSpPr/>
+            <p:nvPr/>
+          </p:nvSpPr>
+          <p:spPr>
+            <a:xfrm>
+              <a:off x="7293361" y="160144"/>
+              <a:ext cx="1257300" cy="743041"/>
+            </a:xfrm>
+            <a:prstGeom prst="rect">
+              <a:avLst/>
+            </a:prstGeom>
+            <a:solidFill>
+              <a:schemeClr val="bg1"/>
+            </a:solidFill>
+            <a:ln>
+              <a:noFill/>
+            </a:ln>
+          </p:spPr>
+          <p:style>
+            <a:lnRef idx="2">
+              <a:schemeClr val="accent1">
+                <a:shade val="15000"/>
+              </a:schemeClr>
+            </a:lnRef>
+            <a:fillRef idx="1">
+              <a:schemeClr val="accent1"/>
+            </a:fillRef>
+            <a:effectRef idx="0">
+              <a:schemeClr val="accent1"/>
+            </a:effectRef>
+            <a:fontRef idx="minor">
+              <a:schemeClr val="lt1"/>
+            </a:fontRef>
+          </p:style>
+          <p:txBody>
+            <a:bodyPr rtlCol="0" anchor="ctr"/>
+            <a:lstStyle/>
+            <a:p>
+              <a:pPr algn="ctr"/>
+              <a:endParaRPr lang="nl-BE"/>
+            </a:p>
+          </p:txBody>
+        </p:sp>
+        <p:pic>
+          <p:nvPicPr>
+            <p:cNvPr id="1026" name="Picture 2">
+              <a:extLst>
+                <a:ext uri="{FF2B5EF4-FFF2-40B4-BE49-F238E27FC236}">
+                  <a16:creationId xmlns:a16="http://schemas.microsoft.com/office/drawing/2014/main" id="{26ADB7DF-E93A-858E-0201-720461EFBB2E}"/>
+                </a:ext>
+              </a:extLst>
+            </p:cNvPr>
+            <p:cNvPicPr>
+              <a:picLocks noChangeAspect="1" noChangeArrowheads="1"/>
+            </p:cNvPicPr>
+            <p:nvPr/>
+          </p:nvPicPr>
+          <p:blipFill>
+            <a:blip r:embed="rId6">
+              <a:clrChange>
+                <a:clrFrom>
+                  <a:srgbClr val="FFFFFF"/>
+                </a:clrFrom>
+                <a:clrTo>
+                  <a:srgbClr val="FFFFFF">
+                    <a:alpha val="0"/>
+                  </a:srgbClr>
+                </a:clrTo>
+              </a:clrChange>
+              <a:extLst>
+                <a:ext uri="{28A0092B-C50C-407E-A947-70E740481C1C}">
+                  <a14:useLocalDpi xmlns:a14="http://schemas.microsoft.com/office/drawing/2010/main" val="0"/>
+                </a:ext>
+              </a:extLst>
+            </a:blip>
+            <a:srcRect/>
+            <a:stretch>
+              <a:fillRect/>
+            </a:stretch>
+          </p:blipFill>
+          <p:spPr bwMode="auto">
+            <a:xfrm>
+              <a:off x="7209541" y="78060"/>
+              <a:ext cx="2682239" cy="1354158"/>
+            </a:xfrm>
+            <a:prstGeom prst="rect">
+              <a:avLst/>
+            </a:prstGeom>
+            <a:noFill/>
+            <a:extLst>
+              <a:ext uri="{909E8E84-426E-40DD-AFC4-6F175D3DCCD1}">
+                <a14:hiddenFill xmlns:a14="http://schemas.microsoft.com/office/drawing/2010/main">
+                  <a:solidFill>
+                    <a:srgbClr val="FFFFFF"/>
+                  </a:solidFill>
+                </a14:hiddenFill>
+              </a:ext>
+            </a:extLst>
+          </p:spPr>
+        </p:pic>
+      </p:grpSp>
+      <p:pic>
+        <p:nvPicPr>
+          <p:cNvPr id="1028" name="Picture 4">
+            <a:extLst>
+              <a:ext uri="{FF2B5EF4-FFF2-40B4-BE49-F238E27FC236}">
+                <a16:creationId xmlns:a16="http://schemas.microsoft.com/office/drawing/2014/main" id="{8AB5C964-2160-B27E-0376-70C4D1501AD3}"/>
+              </a:ext>
+            </a:extLst>
+          </p:cNvPr>
+          <p:cNvPicPr>
+            <a:picLocks noChangeAspect="1" noChangeArrowheads="1"/>
+          </p:cNvPicPr>
+          <p:nvPr/>
+        </p:nvPicPr>
+        <p:blipFill>
+          <a:blip r:embed="rId7">
+            <a:clrChange>
+              <a:clrFrom>
+                <a:srgbClr val="FFFFFF"/>
+              </a:clrFrom>
+              <a:clrTo>
+                <a:srgbClr val="FFFFFF">
+                  <a:alpha val="0"/>
+                </a:srgbClr>
+              </a:clrTo>
+            </a:clrChange>
+            <a:extLst>
+              <a:ext uri="{28A0092B-C50C-407E-A947-70E740481C1C}">
+                <a14:useLocalDpi xmlns:a14="http://schemas.microsoft.com/office/drawing/2010/main" val="0"/>
+              </a:ext>
+            </a:extLst>
+          </a:blip>
+          <a:srcRect/>
+          <a:stretch>
+            <a:fillRect/>
+          </a:stretch>
+        </p:blipFill>
+        <p:spPr bwMode="auto">
+          <a:xfrm>
+            <a:off x="4328428" y="8263511"/>
+            <a:ext cx="2326111" cy="1416667"/>
+          </a:xfrm>
+          <a:prstGeom prst="rect">
+            <a:avLst/>
+          </a:prstGeom>
+          <a:noFill/>
+          <a:extLst>
+            <a:ext uri="{909E8E84-426E-40DD-AFC4-6F175D3DCCD1}">
+              <a14:hiddenFill xmlns:a14="http://schemas.microsoft.com/office/drawing/2010/main">
+                <a:solidFill>
+                  <a:srgbClr val="FFFFFF"/>
+                </a:solidFill>
+              </a14:hiddenFill>
+            </a:ext>
+          </a:extLst>
+        </p:spPr>
+      </p:pic>
+      <p:sp>
+        <p:nvSpPr>
+          <p:cNvPr id="17" name="Tekstvak 16">
+            <a:extLst>
+              <a:ext uri="{FF2B5EF4-FFF2-40B4-BE49-F238E27FC236}">
+                <a16:creationId xmlns:a16="http://schemas.microsoft.com/office/drawing/2014/main" id="{E36B0DFA-64EE-0709-EF59-9863B5905A2B}"/>
+              </a:ext>
+            </a:extLst>
+          </p:cNvPr>
+          <p:cNvSpPr txBox="1"/>
+          <p:nvPr/>
+        </p:nvSpPr>
+        <p:spPr>
+          <a:xfrm>
+            <a:off x="3699778" y="5096359"/>
+            <a:ext cx="6047116" cy="613245"/>
+          </a:xfrm>
+          <a:prstGeom prst="rect">
+            <a:avLst/>
+          </a:prstGeom>
+          <a:noFill/>
+        </p:spPr>
+        <p:txBody>
+          <a:bodyPr wrap="square">
+            <a:spAutoFit/>
+          </a:bodyPr>
+          <a:lstStyle/>
+          <a:p>
+            <a:pPr>
+              <a:lnSpc>
+                <a:spcPct val="107000"/>
+              </a:lnSpc>
+              <a:spcAft>
+                <a:spcPts val="0"/>
+              </a:spcAft>
+            </a:pPr>
+            <a:r>
+              <a:rPr lang="nl-BE" sz="800" kern="0" dirty="0" err="1">
+                <a:solidFill>
+                  <a:srgbClr val="0000FF"/>
+                </a:solidFill>
+                <a:effectLst/>
+                <a:latin typeface="Consolas" panose="020B0609020204030204" pitchFamily="49" charset="0"/>
+                <a:ea typeface="Calibri" panose="020F0502020204030204" pitchFamily="34" charset="0"/>
+                <a:cs typeface="Times New Roman" panose="02020603050405020304" pitchFamily="18" charset="0"/>
+              </a:rPr>
+              <a:t>for</a:t>
+            </a:r>
+            <a:r>
+              <a:rPr lang="nl-BE" sz="800" kern="0" dirty="0">
+                <a:solidFill>
+                  <a:srgbClr val="000000"/>
+                </a:solidFill>
+                <a:effectLst/>
+                <a:latin typeface="Consolas" panose="020B0609020204030204" pitchFamily="49" charset="0"/>
+                <a:ea typeface="Calibri" panose="020F0502020204030204" pitchFamily="34" charset="0"/>
+                <a:cs typeface="Times New Roman" panose="02020603050405020304" pitchFamily="18" charset="0"/>
+              </a:rPr>
+              <a:t> (</a:t>
+            </a:r>
+            <a:r>
+              <a:rPr lang="nl-BE" sz="800" kern="0" dirty="0">
+                <a:solidFill>
+                  <a:srgbClr val="0000FF"/>
+                </a:solidFill>
+                <a:effectLst/>
+                <a:latin typeface="Consolas" panose="020B0609020204030204" pitchFamily="49" charset="0"/>
+                <a:ea typeface="Calibri" panose="020F0502020204030204" pitchFamily="34" charset="0"/>
+                <a:cs typeface="Times New Roman" panose="02020603050405020304" pitchFamily="18" charset="0"/>
+              </a:rPr>
+              <a:t>int</a:t>
+            </a:r>
+            <a:r>
+              <a:rPr lang="nl-BE" sz="800" kern="0" dirty="0">
+                <a:solidFill>
+                  <a:srgbClr val="000000"/>
+                </a:solidFill>
+                <a:effectLst/>
+                <a:latin typeface="Consolas" panose="020B0609020204030204" pitchFamily="49" charset="0"/>
+                <a:ea typeface="Calibri" panose="020F0502020204030204" pitchFamily="34" charset="0"/>
+                <a:cs typeface="Times New Roman" panose="02020603050405020304" pitchFamily="18" charset="0"/>
+              </a:rPr>
+              <a:t> teller = 0; teller &lt; 5; teller++)</a:t>
+            </a:r>
+            <a:endParaRPr lang="nl-BE" sz="3200" kern="100" dirty="0">
+              <a:effectLst/>
+              <a:latin typeface="Calibri" panose="020F0502020204030204" pitchFamily="34" charset="0"/>
+              <a:ea typeface="Calibri" panose="020F0502020204030204" pitchFamily="34" charset="0"/>
+              <a:cs typeface="Times New Roman" panose="02020603050405020304" pitchFamily="18" charset="0"/>
+            </a:endParaRPr>
+          </a:p>
+          <a:p>
+            <a:pPr>
+              <a:lnSpc>
+                <a:spcPct val="107000"/>
+              </a:lnSpc>
+              <a:spcAft>
+                <a:spcPts val="0"/>
+              </a:spcAft>
+            </a:pPr>
+            <a:r>
+              <a:rPr lang="nl-BE" sz="800" kern="0" dirty="0">
+                <a:solidFill>
+                  <a:srgbClr val="000000"/>
+                </a:solidFill>
+                <a:effectLst/>
+                <a:latin typeface="Consolas" panose="020B0609020204030204" pitchFamily="49" charset="0"/>
+                <a:ea typeface="Calibri" panose="020F0502020204030204" pitchFamily="34" charset="0"/>
+                <a:cs typeface="Times New Roman" panose="02020603050405020304" pitchFamily="18" charset="0"/>
+              </a:rPr>
+              <a:t>{</a:t>
+            </a:r>
+            <a:endParaRPr lang="nl-BE" sz="3200" kern="100" dirty="0">
+              <a:effectLst/>
+              <a:latin typeface="Calibri" panose="020F0502020204030204" pitchFamily="34" charset="0"/>
+              <a:ea typeface="Calibri" panose="020F0502020204030204" pitchFamily="34" charset="0"/>
+              <a:cs typeface="Times New Roman" panose="02020603050405020304" pitchFamily="18" charset="0"/>
+            </a:endParaRPr>
+          </a:p>
+          <a:p>
+            <a:pPr>
+              <a:lnSpc>
+                <a:spcPct val="107000"/>
+              </a:lnSpc>
+              <a:spcAft>
+                <a:spcPts val="0"/>
+              </a:spcAft>
+            </a:pPr>
+            <a:r>
+              <a:rPr lang="nl-BE" sz="800" kern="0" dirty="0">
+                <a:solidFill>
+                  <a:srgbClr val="000000"/>
+                </a:solidFill>
+                <a:effectLst/>
+                <a:latin typeface="Consolas" panose="020B0609020204030204" pitchFamily="49" charset="0"/>
+                <a:ea typeface="Calibri" panose="020F0502020204030204" pitchFamily="34" charset="0"/>
+                <a:cs typeface="Times New Roman" panose="02020603050405020304" pitchFamily="18" charset="0"/>
+              </a:rPr>
+              <a:t>    </a:t>
+            </a:r>
+            <a:r>
+              <a:rPr lang="nl-BE" sz="800" kern="0" dirty="0" err="1">
+                <a:solidFill>
+                  <a:srgbClr val="2B91AF"/>
+                </a:solidFill>
+                <a:effectLst/>
+                <a:latin typeface="Consolas" panose="020B0609020204030204" pitchFamily="49" charset="0"/>
+                <a:ea typeface="Calibri" panose="020F0502020204030204" pitchFamily="34" charset="0"/>
+                <a:cs typeface="Times New Roman" panose="02020603050405020304" pitchFamily="18" charset="0"/>
+              </a:rPr>
+              <a:t>Console</a:t>
+            </a:r>
+            <a:r>
+              <a:rPr lang="nl-BE" sz="800" kern="0" dirty="0" err="1">
+                <a:solidFill>
+                  <a:srgbClr val="000000"/>
+                </a:solidFill>
+                <a:effectLst/>
+                <a:latin typeface="Consolas" panose="020B0609020204030204" pitchFamily="49" charset="0"/>
+                <a:ea typeface="Calibri" panose="020F0502020204030204" pitchFamily="34" charset="0"/>
+                <a:cs typeface="Times New Roman" panose="02020603050405020304" pitchFamily="18" charset="0"/>
+              </a:rPr>
+              <a:t>.WriteLine</a:t>
+            </a:r>
+            <a:r>
+              <a:rPr lang="nl-BE" sz="800" kern="0" dirty="0">
+                <a:solidFill>
+                  <a:srgbClr val="000000"/>
+                </a:solidFill>
+                <a:effectLst/>
+                <a:latin typeface="Consolas" panose="020B0609020204030204" pitchFamily="49" charset="0"/>
+                <a:ea typeface="Calibri" panose="020F0502020204030204" pitchFamily="34" charset="0"/>
+                <a:cs typeface="Times New Roman" panose="02020603050405020304" pitchFamily="18" charset="0"/>
+              </a:rPr>
+              <a:t>(teller);</a:t>
+            </a:r>
+            <a:endParaRPr lang="nl-BE" sz="3200" kern="100" dirty="0">
+              <a:effectLst/>
+              <a:latin typeface="Calibri" panose="020F0502020204030204" pitchFamily="34" charset="0"/>
+              <a:ea typeface="Calibri" panose="020F0502020204030204" pitchFamily="34" charset="0"/>
+              <a:cs typeface="Times New Roman" panose="02020603050405020304" pitchFamily="18" charset="0"/>
+            </a:endParaRPr>
+          </a:p>
+          <a:p>
+            <a:pPr>
+              <a:lnSpc>
+                <a:spcPct val="107000"/>
+              </a:lnSpc>
+              <a:spcAft>
+                <a:spcPts val="0"/>
+              </a:spcAft>
+            </a:pPr>
+            <a:r>
+              <a:rPr lang="nl-BE" sz="800" kern="0" dirty="0">
+                <a:solidFill>
+                  <a:srgbClr val="000000"/>
+                </a:solidFill>
+                <a:effectLst/>
+                <a:latin typeface="Consolas" panose="020B0609020204030204" pitchFamily="49" charset="0"/>
+                <a:ea typeface="Calibri" panose="020F0502020204030204" pitchFamily="34" charset="0"/>
+                <a:cs typeface="Times New Roman" panose="02020603050405020304" pitchFamily="18" charset="0"/>
+              </a:rPr>
+              <a:t>}</a:t>
+            </a:r>
+            <a:endParaRPr lang="nl-BE" sz="3200" kern="100" dirty="0">
+              <a:effectLst/>
+              <a:latin typeface="Calibri" panose="020F0502020204030204" pitchFamily="34" charset="0"/>
+              <a:ea typeface="Calibri" panose="020F0502020204030204" pitchFamily="34" charset="0"/>
+              <a:cs typeface="Times New Roman" panose="02020603050405020304" pitchFamily="18" charset="0"/>
+            </a:endParaRPr>
+          </a:p>
+        </p:txBody>
+      </p:sp>
+      <p:pic>
+        <p:nvPicPr>
+          <p:cNvPr id="1030" name="Picture 6">
+            <a:extLst>
+              <a:ext uri="{FF2B5EF4-FFF2-40B4-BE49-F238E27FC236}">
+                <a16:creationId xmlns:a16="http://schemas.microsoft.com/office/drawing/2014/main" id="{9BB979B5-1764-212B-F99B-03A9343A5E60}"/>
+              </a:ext>
+            </a:extLst>
+          </p:cNvPr>
+          <p:cNvPicPr>
+            <a:picLocks noChangeAspect="1" noChangeArrowheads="1"/>
+          </p:cNvPicPr>
+          <p:nvPr/>
+        </p:nvPicPr>
+        <p:blipFill>
+          <a:blip r:embed="rId8">
+            <a:clrChange>
+              <a:clrFrom>
+                <a:srgbClr val="FFFFFF"/>
+              </a:clrFrom>
+              <a:clrTo>
+                <a:srgbClr val="FFFFFF">
+                  <a:alpha val="0"/>
+                </a:srgbClr>
+              </a:clrTo>
+            </a:clrChange>
+            <a:extLst>
+              <a:ext uri="{28A0092B-C50C-407E-A947-70E740481C1C}">
+                <a14:useLocalDpi xmlns:a14="http://schemas.microsoft.com/office/drawing/2010/main" val="0"/>
+              </a:ext>
+            </a:extLst>
+          </a:blip>
+          <a:srcRect/>
+          <a:stretch>
+            <a:fillRect/>
+          </a:stretch>
+        </p:blipFill>
+        <p:spPr bwMode="auto">
+          <a:xfrm>
+            <a:off x="3663075" y="5727611"/>
+            <a:ext cx="2482917" cy="2235775"/>
+          </a:xfrm>
+          <a:prstGeom prst="rect">
+            <a:avLst/>
+          </a:prstGeom>
+          <a:noFill/>
+          <a:extLst>
+            <a:ext uri="{909E8E84-426E-40DD-AFC4-6F175D3DCCD1}">
+              <a14:hiddenFill xmlns:a14="http://schemas.microsoft.com/office/drawing/2010/main">
+                <a:solidFill>
+                  <a:srgbClr val="FFFFFF"/>
+                </a:solidFill>
+              </a14:hiddenFill>
+            </a:ext>
+          </a:extLst>
+        </p:spPr>
+      </p:pic>
+      <p:sp>
+        <p:nvSpPr>
+          <p:cNvPr id="19" name="Tekstvak 18">
+            <a:extLst>
+              <a:ext uri="{FF2B5EF4-FFF2-40B4-BE49-F238E27FC236}">
+                <a16:creationId xmlns:a16="http://schemas.microsoft.com/office/drawing/2014/main" id="{5D1D821F-1EFA-210C-2AD0-92C48F46C370}"/>
+              </a:ext>
+            </a:extLst>
+          </p:cNvPr>
+          <p:cNvSpPr txBox="1"/>
+          <p:nvPr/>
+        </p:nvSpPr>
+        <p:spPr>
+          <a:xfrm>
+            <a:off x="4160181" y="4559411"/>
+            <a:ext cx="1861057" cy="523220"/>
+          </a:xfrm>
+          <a:prstGeom prst="rect">
+            <a:avLst/>
+          </a:prstGeom>
+          <a:noFill/>
+        </p:spPr>
+        <p:txBody>
+          <a:bodyPr wrap="square" rtlCol="0">
+            <a:spAutoFit/>
+          </a:bodyPr>
+          <a:lstStyle/>
+          <a:p>
+            <a:r>
+              <a:rPr lang="nl-NL" sz="2800" dirty="0" err="1">
+                <a:latin typeface="Francois One" panose="02000503040000020004" pitchFamily="2" charset="0"/>
+              </a:rPr>
+              <a:t>for</a:t>
+            </a:r>
+            <a:endParaRPr lang="nl-BE" sz="2800" dirty="0">
+              <a:latin typeface="Francois One" panose="02000503040000020004" pitchFamily="2" charset="0"/>
+            </a:endParaRPr>
+          </a:p>
+        </p:txBody>
+      </p:sp>
+      <p:cxnSp>
+        <p:nvCxnSpPr>
+          <p:cNvPr id="20" name="Rechte verbindingslijn met pijl 19">
+            <a:extLst>
+              <a:ext uri="{FF2B5EF4-FFF2-40B4-BE49-F238E27FC236}">
+                <a16:creationId xmlns:a16="http://schemas.microsoft.com/office/drawing/2014/main" id="{6BDA6187-D7C5-D999-38D0-8B204E49E8CD}"/>
+              </a:ext>
+            </a:extLst>
+          </p:cNvPr>
+          <p:cNvCxnSpPr>
+            <a:cxnSpLocks/>
+          </p:cNvCxnSpPr>
+          <p:nvPr/>
+        </p:nvCxnSpPr>
+        <p:spPr>
+          <a:xfrm>
+            <a:off x="4727275" y="5266173"/>
+            <a:ext cx="17791" cy="727504"/>
+          </a:xfrm>
+          <a:prstGeom prst="straightConnector1">
+            <a:avLst/>
+          </a:prstGeom>
+          <a:ln>
+            <a:solidFill>
+              <a:srgbClr val="006D77"/>
+            </a:solidFill>
+            <a:prstDash val="lgDash"/>
+            <a:tailEnd type="stealth"/>
+          </a:ln>
+        </p:spPr>
+        <p:style>
+          <a:lnRef idx="1">
+            <a:schemeClr val="accent1"/>
+          </a:lnRef>
+          <a:fillRef idx="0">
+            <a:schemeClr val="accent1"/>
+          </a:fillRef>
+          <a:effectRef idx="0">
+            <a:schemeClr val="accent1"/>
+          </a:effectRef>
+          <a:fontRef idx="minor">
+            <a:schemeClr val="tx1"/>
+          </a:fontRef>
+        </p:style>
+      </p:cxnSp>
+      <p:cxnSp>
+        <p:nvCxnSpPr>
+          <p:cNvPr id="23" name="Rechte verbindingslijn met pijl 22">
+            <a:extLst>
+              <a:ext uri="{FF2B5EF4-FFF2-40B4-BE49-F238E27FC236}">
+                <a16:creationId xmlns:a16="http://schemas.microsoft.com/office/drawing/2014/main" id="{810D262E-79A8-132C-5B7F-69A422B9C93A}"/>
+              </a:ext>
+            </a:extLst>
+          </p:cNvPr>
+          <p:cNvCxnSpPr>
+            <a:cxnSpLocks/>
+          </p:cNvCxnSpPr>
+          <p:nvPr/>
+        </p:nvCxnSpPr>
+        <p:spPr>
+          <a:xfrm flipH="1">
+            <a:off x="4750932" y="5324227"/>
+            <a:ext cx="447748" cy="1829020"/>
+          </a:xfrm>
+          <a:prstGeom prst="straightConnector1">
+            <a:avLst/>
+          </a:prstGeom>
+          <a:ln>
+            <a:solidFill>
+              <a:srgbClr val="006D77"/>
+            </a:solidFill>
+            <a:prstDash val="lgDash"/>
+            <a:tailEnd type="stealth"/>
+          </a:ln>
+        </p:spPr>
+        <p:style>
+          <a:lnRef idx="1">
+            <a:schemeClr val="accent1"/>
+          </a:lnRef>
+          <a:fillRef idx="0">
+            <a:schemeClr val="accent1"/>
+          </a:fillRef>
+          <a:effectRef idx="0">
+            <a:schemeClr val="accent1"/>
+          </a:effectRef>
+          <a:fontRef idx="minor">
+            <a:schemeClr val="tx1"/>
+          </a:fontRef>
+        </p:style>
+      </p:cxnSp>
+      <p:cxnSp>
+        <p:nvCxnSpPr>
+          <p:cNvPr id="31" name="Rechte verbindingslijn met pijl 30">
+            <a:extLst>
+              <a:ext uri="{FF2B5EF4-FFF2-40B4-BE49-F238E27FC236}">
+                <a16:creationId xmlns:a16="http://schemas.microsoft.com/office/drawing/2014/main" id="{4C2889F8-2031-7E6C-EA67-ACBACA4D5F93}"/>
+              </a:ext>
+            </a:extLst>
+          </p:cNvPr>
+          <p:cNvCxnSpPr>
+            <a:cxnSpLocks/>
+          </p:cNvCxnSpPr>
+          <p:nvPr/>
+        </p:nvCxnSpPr>
+        <p:spPr>
+          <a:xfrm flipH="1">
+            <a:off x="5809266" y="5278558"/>
+            <a:ext cx="80065" cy="1121350"/>
+          </a:xfrm>
+          <a:prstGeom prst="straightConnector1">
+            <a:avLst/>
+          </a:prstGeom>
+          <a:ln>
+            <a:solidFill>
+              <a:srgbClr val="006D77"/>
+            </a:solidFill>
+            <a:prstDash val="lgDash"/>
+            <a:tailEnd type="stealth"/>
+          </a:ln>
+        </p:spPr>
+        <p:style>
+          <a:lnRef idx="1">
+            <a:schemeClr val="accent1"/>
+          </a:lnRef>
+          <a:fillRef idx="0">
+            <a:schemeClr val="accent1"/>
+          </a:fillRef>
+          <a:effectRef idx="0">
+            <a:schemeClr val="accent1"/>
+          </a:effectRef>
+          <a:fontRef idx="minor">
+            <a:schemeClr val="tx1"/>
+          </a:fontRef>
+        </p:style>
+      </p:cxnSp>
+      <p:pic>
+        <p:nvPicPr>
+          <p:cNvPr id="34" name="Graphic 33" descr="Cirkels met pijlen met effen opvulling">
+            <a:extLst>
+              <a:ext uri="{FF2B5EF4-FFF2-40B4-BE49-F238E27FC236}">
+                <a16:creationId xmlns:a16="http://schemas.microsoft.com/office/drawing/2014/main" id="{F339CA8F-3009-0E2E-FF0F-A4D024401731}"/>
+              </a:ext>
+            </a:extLst>
+          </p:cNvPr>
+          <p:cNvPicPr>
+            <a:picLocks noChangeAspect="1"/>
+          </p:cNvPicPr>
+          <p:nvPr/>
+        </p:nvPicPr>
+        <p:blipFill>
+          <a:blip r:embed="rId9">
+            <a:extLst>
+              <a:ext uri="{28A0092B-C50C-407E-A947-70E740481C1C}">
+                <a14:useLocalDpi xmlns:a14="http://schemas.microsoft.com/office/drawing/2010/main" val="0"/>
+              </a:ext>
+              <a:ext uri="{96DAC541-7B7A-43D3-8B79-37D633B846F1}">
+                <asvg:svgBlip xmlns:asvg="http://schemas.microsoft.com/office/drawing/2016/SVG/main" r:embed="rId10"/>
+              </a:ext>
+            </a:extLst>
+          </a:blip>
+          <a:stretch>
+            <a:fillRect/>
+          </a:stretch>
+        </p:blipFill>
+        <p:spPr>
+          <a:xfrm>
+            <a:off x="3600366" y="4502890"/>
+            <a:ext cx="613245" cy="613245"/>
+          </a:xfrm>
+          <a:prstGeom prst="rect">
+            <a:avLst/>
+          </a:prstGeom>
+        </p:spPr>
+      </p:pic>
+      <p:sp>
+        <p:nvSpPr>
+          <p:cNvPr id="36" name="Tekstvak 35">
+            <a:extLst>
+              <a:ext uri="{FF2B5EF4-FFF2-40B4-BE49-F238E27FC236}">
+                <a16:creationId xmlns:a16="http://schemas.microsoft.com/office/drawing/2014/main" id="{A3A09042-CBC3-FCFF-5FAA-E5A9D15C618E}"/>
+              </a:ext>
+            </a:extLst>
+          </p:cNvPr>
+          <p:cNvSpPr txBox="1"/>
+          <p:nvPr/>
+        </p:nvSpPr>
+        <p:spPr>
+          <a:xfrm>
+            <a:off x="1081491" y="8114443"/>
+            <a:ext cx="1861057" cy="523220"/>
+          </a:xfrm>
+          <a:prstGeom prst="rect">
+            <a:avLst/>
+          </a:prstGeom>
+          <a:noFill/>
+        </p:spPr>
+        <p:txBody>
+          <a:bodyPr wrap="square" rtlCol="0">
+            <a:spAutoFit/>
+          </a:bodyPr>
+          <a:lstStyle/>
+          <a:p>
+            <a:r>
+              <a:rPr lang="nl-NL" sz="2800" dirty="0">
+                <a:latin typeface="Francois One" panose="02000503040000020004" pitchFamily="2" charset="0"/>
+              </a:rPr>
+              <a:t>Arrays</a:t>
+            </a:r>
+            <a:endParaRPr lang="nl-BE" sz="2800" dirty="0">
+              <a:latin typeface="Francois One" panose="02000503040000020004" pitchFamily="2" charset="0"/>
+            </a:endParaRPr>
+          </a:p>
+        </p:txBody>
+      </p:sp>
+      <p:pic>
+        <p:nvPicPr>
+          <p:cNvPr id="38" name="Graphic 37" descr="Laden met effen opvulling">
+            <a:extLst>
+              <a:ext uri="{FF2B5EF4-FFF2-40B4-BE49-F238E27FC236}">
+                <a16:creationId xmlns:a16="http://schemas.microsoft.com/office/drawing/2014/main" id="{D336D442-0BA8-3B6B-1376-DE1C46219990}"/>
+              </a:ext>
+            </a:extLst>
+          </p:cNvPr>
+          <p:cNvPicPr>
+            <a:picLocks noChangeAspect="1"/>
+          </p:cNvPicPr>
+          <p:nvPr/>
+        </p:nvPicPr>
+        <p:blipFill>
+          <a:blip r:embed="rId11">
+            <a:extLst>
+              <a:ext uri="{28A0092B-C50C-407E-A947-70E740481C1C}">
+                <a14:useLocalDpi xmlns:a14="http://schemas.microsoft.com/office/drawing/2010/main" val="0"/>
+              </a:ext>
+              <a:ext uri="{96DAC541-7B7A-43D3-8B79-37D633B846F1}">
+                <asvg:svgBlip xmlns:asvg="http://schemas.microsoft.com/office/drawing/2016/SVG/main" r:embed="rId12"/>
+              </a:ext>
+            </a:extLst>
+          </a:blip>
+          <a:stretch>
+            <a:fillRect/>
+          </a:stretch>
+        </p:blipFill>
+        <p:spPr>
+          <a:xfrm>
+            <a:off x="226541" y="7899746"/>
+            <a:ext cx="914400" cy="914400"/>
+          </a:xfrm>
+          <a:prstGeom prst="rect">
+            <a:avLst/>
+          </a:prstGeom>
+        </p:spPr>
+      </p:pic>
+      <p:sp>
+        <p:nvSpPr>
+          <p:cNvPr id="39" name="Rechthoek 38">
+            <a:extLst>
+              <a:ext uri="{FF2B5EF4-FFF2-40B4-BE49-F238E27FC236}">
+                <a16:creationId xmlns:a16="http://schemas.microsoft.com/office/drawing/2014/main" id="{4740B4DD-F195-2EE4-5258-865E73DA93E0}"/>
+              </a:ext>
+            </a:extLst>
+          </p:cNvPr>
+          <p:cNvSpPr/>
+          <p:nvPr/>
+        </p:nvSpPr>
+        <p:spPr>
+          <a:xfrm>
+            <a:off x="6378218" y="-972"/>
+            <a:ext cx="479782" cy="664442"/>
+          </a:xfrm>
+          <a:prstGeom prst="rect">
+            <a:avLst/>
+          </a:prstGeom>
+          <a:solidFill>
+            <a:srgbClr val="006D77"/>
+          </a:solidFill>
+          <a:ln>
+            <a:noFill/>
+          </a:ln>
+        </p:spPr>
+        <p:style>
+          <a:lnRef idx="2">
+            <a:schemeClr val="accent1">
+              <a:shade val="15000"/>
+            </a:schemeClr>
+          </a:lnRef>
+          <a:fillRef idx="1">
+            <a:schemeClr val="accent1"/>
+          </a:fillRef>
+          <a:effectRef idx="0">
+            <a:schemeClr val="accent1"/>
+          </a:effectRef>
+          <a:fontRef idx="minor">
+            <a:schemeClr val="lt1"/>
+          </a:fontRef>
+        </p:style>
+        <p:txBody>
+          <a:bodyPr rtlCol="0" anchor="ctr"/>
+          <a:lstStyle/>
+          <a:p>
+            <a:pPr algn="ctr"/>
+            <a:r>
+              <a:rPr lang="nl-BE" sz="1400" b="1" dirty="0"/>
+              <a:t>H6</a:t>
+            </a:r>
+            <a:br>
+              <a:rPr lang="nl-BE" sz="1400" b="1" dirty="0"/>
+            </a:br>
+            <a:r>
+              <a:rPr lang="nl-BE" sz="1400" b="1" dirty="0"/>
+              <a:t>-</a:t>
+            </a:r>
+          </a:p>
+          <a:p>
+            <a:pPr algn="ctr"/>
+            <a:r>
+              <a:rPr lang="nl-BE" sz="1400" b="1" dirty="0"/>
+              <a:t>H8</a:t>
+            </a:r>
+          </a:p>
+        </p:txBody>
+      </p:sp>
+      <p:sp>
+        <p:nvSpPr>
+          <p:cNvPr id="40" name="Tekstvak 39">
+            <a:extLst>
+              <a:ext uri="{FF2B5EF4-FFF2-40B4-BE49-F238E27FC236}">
+                <a16:creationId xmlns:a16="http://schemas.microsoft.com/office/drawing/2014/main" id="{3B7B3665-8028-5F97-E28C-0CAC740285AD}"/>
+              </a:ext>
+            </a:extLst>
+          </p:cNvPr>
+          <p:cNvSpPr txBox="1"/>
+          <p:nvPr/>
+        </p:nvSpPr>
+        <p:spPr>
+          <a:xfrm>
+            <a:off x="802636" y="148442"/>
+            <a:ext cx="1861057" cy="523220"/>
+          </a:xfrm>
+          <a:prstGeom prst="rect">
+            <a:avLst/>
+          </a:prstGeom>
+          <a:noFill/>
+        </p:spPr>
+        <p:txBody>
+          <a:bodyPr wrap="square" rtlCol="0">
+            <a:spAutoFit/>
+          </a:bodyPr>
+          <a:lstStyle/>
+          <a:p>
+            <a:r>
+              <a:rPr lang="nl-NL" sz="2800" dirty="0">
+                <a:latin typeface="Francois One" panose="02000503040000020004" pitchFamily="2" charset="0"/>
+              </a:rPr>
+              <a:t>Methoden</a:t>
+            </a:r>
+            <a:endParaRPr lang="nl-BE" sz="2800" dirty="0">
+              <a:latin typeface="Francois One" panose="02000503040000020004" pitchFamily="2" charset="0"/>
+            </a:endParaRPr>
+          </a:p>
+        </p:txBody>
+      </p:sp>
+      <p:pic>
+        <p:nvPicPr>
+          <p:cNvPr id="50" name="Graphic 49" descr="Lijn met pijl: Horizontale U-bocht met effen opvulling">
+            <a:extLst>
+              <a:ext uri="{FF2B5EF4-FFF2-40B4-BE49-F238E27FC236}">
+                <a16:creationId xmlns:a16="http://schemas.microsoft.com/office/drawing/2014/main" id="{E71083F7-2FA7-B2C6-BADB-87C17388B710}"/>
+              </a:ext>
+            </a:extLst>
+          </p:cNvPr>
+          <p:cNvPicPr>
+            <a:picLocks noChangeAspect="1"/>
+          </p:cNvPicPr>
+          <p:nvPr/>
+        </p:nvPicPr>
+        <p:blipFill>
+          <a:blip r:embed="rId13">
+            <a:extLst>
+              <a:ext uri="{28A0092B-C50C-407E-A947-70E740481C1C}">
+                <a14:useLocalDpi xmlns:a14="http://schemas.microsoft.com/office/drawing/2010/main" val="0"/>
+              </a:ext>
+              <a:ext uri="{96DAC541-7B7A-43D3-8B79-37D633B846F1}">
+                <asvg:svgBlip xmlns:asvg="http://schemas.microsoft.com/office/drawing/2016/SVG/main" r:embed="rId14"/>
+              </a:ext>
+            </a:extLst>
+          </a:blip>
+          <a:stretch>
+            <a:fillRect/>
+          </a:stretch>
+        </p:blipFill>
+        <p:spPr>
+          <a:xfrm>
+            <a:off x="275935" y="119459"/>
+            <a:ext cx="534291" cy="534291"/>
+          </a:xfrm>
+          <a:prstGeom prst="rect">
+            <a:avLst/>
+          </a:prstGeom>
+        </p:spPr>
+      </p:pic>
+      <p:sp>
+        <p:nvSpPr>
+          <p:cNvPr id="51" name="Tekstvak 50">
+            <a:extLst>
+              <a:ext uri="{FF2B5EF4-FFF2-40B4-BE49-F238E27FC236}">
+                <a16:creationId xmlns:a16="http://schemas.microsoft.com/office/drawing/2014/main" id="{C0E7F886-693C-6ADF-4FE4-959638742E56}"/>
+              </a:ext>
+            </a:extLst>
+          </p:cNvPr>
+          <p:cNvSpPr txBox="1"/>
+          <p:nvPr/>
+        </p:nvSpPr>
+        <p:spPr>
+          <a:xfrm>
+            <a:off x="1858392" y="532665"/>
+            <a:ext cx="1330814" cy="261610"/>
+          </a:xfrm>
+          <a:prstGeom prst="rect">
+            <a:avLst/>
+          </a:prstGeom>
+          <a:noFill/>
+        </p:spPr>
+        <p:txBody>
+          <a:bodyPr wrap="none" rtlCol="0">
+            <a:spAutoFit/>
+          </a:bodyPr>
+          <a:lstStyle/>
+          <a:p>
+            <a:r>
+              <a:rPr lang="nl-BE" sz="1050" dirty="0">
+                <a:latin typeface="Arial" panose="020B0604020202020204" pitchFamily="34" charset="0"/>
+                <a:cs typeface="Arial" panose="020B0604020202020204" pitchFamily="34" charset="0"/>
+              </a:rPr>
+              <a:t>Voorbeeld gebruik</a:t>
+            </a:r>
+          </a:p>
+        </p:txBody>
+      </p:sp>
+    </p:spTree>
+    <p:extLst>
+      <p:ext uri="{BB962C8B-B14F-4D97-AF65-F5344CB8AC3E}">
+        <p14:creationId xmlns:p14="http://schemas.microsoft.com/office/powerpoint/2010/main" val="2924367064"/>
+      </p:ext>
+    </p:extLst>
+  </p:cSld>
+  <p:clrMapOvr>
+    <a:masterClrMapping/>
+  </p:clrMapOvr>
+</p:sld>
+</file>
+
+<file path=ppt/slides/slide4.xml><?xml version="1.0" encoding="utf-8"?>
 <p:sld xmlns:a="http://schemas.openxmlformats.org/drawingml/2006/main" xmlns:r="http://schemas.openxmlformats.org/officeDocument/2006/relationships" xmlns:p="http://schemas.openxmlformats.org/presentationml/2006/main">
   <p:cSld>
     <p:spTree>
@@ -6246,7 +14997,7 @@
 </p:sld>
 </file>
 
-<file path=ppt/slides/slide2.xml><?xml version="1.0" encoding="utf-8"?>
+<file path=ppt/slides/slide5.xml><?xml version="1.0" encoding="utf-8"?>
 <p:sld xmlns:a="http://schemas.openxmlformats.org/drawingml/2006/main" xmlns:r="http://schemas.openxmlformats.org/officeDocument/2006/relationships" xmlns:p="http://schemas.openxmlformats.org/presentationml/2006/main">
   <p:cSld>
     <p:spTree>
@@ -10119,7 +18870,7 @@
 </p:sld>
 </file>
 
-<file path=ppt/slides/slide3.xml><?xml version="1.0" encoding="utf-8"?>
+<file path=ppt/slides/slide6.xml><?xml version="1.0" encoding="utf-8"?>
 <p:sld xmlns:a="http://schemas.openxmlformats.org/drawingml/2006/main" xmlns:r="http://schemas.openxmlformats.org/officeDocument/2006/relationships" xmlns:p="http://schemas.openxmlformats.org/presentationml/2006/main">
   <p:cSld>
     <p:spTree>
@@ -14059,7 +22810,7 @@
 </p:sld>
 </file>
 
-<file path=ppt/slides/slide4.xml><?xml version="1.0" encoding="utf-8"?>
+<file path=ppt/slides/slide7.xml><?xml version="1.0" encoding="utf-8"?>
 <p:sld xmlns:a="http://schemas.openxmlformats.org/drawingml/2006/main" xmlns:r="http://schemas.openxmlformats.org/officeDocument/2006/relationships" xmlns:p="http://schemas.openxmlformats.org/presentationml/2006/main">
   <p:cSld>
     <p:spTree>
@@ -19307,7 +28058,7 @@
 </p:sld>
 </file>
 
-<file path=ppt/slides/slide5.xml><?xml version="1.0" encoding="utf-8"?>
+<file path=ppt/slides/slide8.xml><?xml version="1.0" encoding="utf-8"?>
 <p:sld xmlns:a="http://schemas.openxmlformats.org/drawingml/2006/main" xmlns:r="http://schemas.openxmlformats.org/officeDocument/2006/relationships" xmlns:p="http://schemas.openxmlformats.org/presentationml/2006/main">
   <p:cSld>
     <p:spTree>
@@ -19430,10 +28181,6 @@
           <a:lstStyle/>
           <a:p>
             <a:pPr algn="ctr"/>
-            <a:r>
-              <a:rPr lang="nl-NL" dirty="0"/>
-              <a:t>DC</a:t>
-            </a:r>
             <a:endParaRPr lang="nl-BE" dirty="0"/>
           </a:p>
         </p:txBody>
@@ -21253,7 +30000,15 @@
             </a:r>
             <a:r>
               <a:rPr lang="en-US" sz="1200" b="1" dirty="0"/>
-              <a:t> code uitvoeren</a:t>
+              <a:t> code </a:t>
+            </a:r>
+            <a:r>
+              <a:rPr lang="en-US" sz="1200" b="1" dirty="0" err="1"/>
+              <a:t>uitvoeren</a:t>
+            </a:r>
+            <a:r>
+              <a:rPr lang="en-US" sz="1200" b="1" dirty="0"/>
+              <a:t>.</a:t>
             </a:r>
           </a:p>
         </p:txBody>
@@ -21272,8 +30027,8 @@
         </p:nvSpPr>
         <p:spPr>
           <a:xfrm>
-            <a:off x="185660" y="3338818"/>
-            <a:ext cx="3818280" cy="3139321"/>
+            <a:off x="185659" y="3338818"/>
+            <a:ext cx="3728469" cy="3139321"/>
           </a:xfrm>
           <a:prstGeom prst="rect">
             <a:avLst/>
@@ -23036,7 +31791,7 @@
 </p:sld>
 </file>
 
-<file path=ppt/slides/slide6.xml><?xml version="1.0" encoding="utf-8"?>
+<file path=ppt/slides/slide9.xml><?xml version="1.0" encoding="utf-8"?>
 <p:sld xmlns:a="http://schemas.openxmlformats.org/drawingml/2006/main" xmlns:r="http://schemas.openxmlformats.org/officeDocument/2006/relationships" xmlns:p="http://schemas.openxmlformats.org/presentationml/2006/main">
   <p:cSld>
     <p:spTree>
@@ -27416,151 +36171,6 @@
 </p:sld>
 </file>
 
-<file path=ppt/slides/slide7.xml><?xml version="1.0" encoding="utf-8"?>
-<p:sld xmlns:a="http://schemas.openxmlformats.org/drawingml/2006/main" xmlns:r="http://schemas.openxmlformats.org/officeDocument/2006/relationships" xmlns:p="http://schemas.openxmlformats.org/presentationml/2006/main" show="0">
-  <p:cSld>
-    <p:spTree>
-      <p:nvGrpSpPr>
-        <p:cNvPr id="1" name=""/>
-        <p:cNvGrpSpPr/>
-        <p:nvPr/>
-      </p:nvGrpSpPr>
-      <p:grpSpPr>
-        <a:xfrm>
-          <a:off x="0" y="0"/>
-          <a:ext cx="0" cy="0"/>
-          <a:chOff x="0" y="0"/>
-          <a:chExt cx="0" cy="0"/>
-        </a:xfrm>
-      </p:grpSpPr>
-      <p:sp>
-        <p:nvSpPr>
-          <p:cNvPr id="2" name="Titel 1">
-            <a:extLst>
-              <a:ext uri="{FF2B5EF4-FFF2-40B4-BE49-F238E27FC236}">
-                <a16:creationId xmlns:a16="http://schemas.microsoft.com/office/drawing/2014/main" id="{471006D7-B12A-713A-E01E-5F4FA935CEBC}"/>
-              </a:ext>
-            </a:extLst>
-          </p:cNvPr>
-          <p:cNvSpPr>
-            <a:spLocks noGrp="1"/>
-          </p:cNvSpPr>
-          <p:nvPr>
-            <p:ph type="title"/>
-          </p:nvPr>
-        </p:nvSpPr>
-        <p:spPr/>
-        <p:txBody>
-          <a:bodyPr/>
-          <a:lstStyle/>
-          <a:p>
-            <a:endParaRPr lang="nl-BE" dirty="0"/>
-          </a:p>
-        </p:txBody>
-      </p:sp>
-      <p:sp>
-        <p:nvSpPr>
-          <p:cNvPr id="4" name="Tekstvak 3">
-            <a:extLst>
-              <a:ext uri="{FF2B5EF4-FFF2-40B4-BE49-F238E27FC236}">
-                <a16:creationId xmlns:a16="http://schemas.microsoft.com/office/drawing/2014/main" id="{3B00A09E-DFF0-91E9-D45D-6C7C62F3B82A}"/>
-              </a:ext>
-            </a:extLst>
-          </p:cNvPr>
-          <p:cNvSpPr txBox="1"/>
-          <p:nvPr/>
-        </p:nvSpPr>
-        <p:spPr>
-          <a:xfrm>
-            <a:off x="-40153" y="3522478"/>
-            <a:ext cx="6898153" cy="369332"/>
-          </a:xfrm>
-          <a:prstGeom prst="rect">
-            <a:avLst/>
-          </a:prstGeom>
-          <a:noFill/>
-        </p:spPr>
-        <p:txBody>
-          <a:bodyPr wrap="square">
-            <a:spAutoFit/>
-          </a:bodyPr>
-          <a:lstStyle/>
-          <a:p>
-            <a:r>
-              <a:rPr lang="nl-BE" dirty="0"/>
-              <a:t>https://thenounproject.com/icon/computer-4179874/</a:t>
-            </a:r>
-          </a:p>
-        </p:txBody>
-      </p:sp>
-      <p:pic>
-        <p:nvPicPr>
-          <p:cNvPr id="5" name="Afbeelding 4">
-            <a:extLst>
-              <a:ext uri="{FF2B5EF4-FFF2-40B4-BE49-F238E27FC236}">
-                <a16:creationId xmlns:a16="http://schemas.microsoft.com/office/drawing/2014/main" id="{EDC882AD-FD58-EB5D-F22A-DFFA7772E4BA}"/>
-              </a:ext>
-            </a:extLst>
-          </p:cNvPr>
-          <p:cNvPicPr>
-            <a:picLocks noChangeAspect="1"/>
-          </p:cNvPicPr>
-          <p:nvPr/>
-        </p:nvPicPr>
-        <p:blipFill>
-          <a:blip r:embed="rId2"/>
-          <a:stretch>
-            <a:fillRect/>
-          </a:stretch>
-        </p:blipFill>
-        <p:spPr>
-          <a:xfrm>
-            <a:off x="0" y="1403157"/>
-            <a:ext cx="6858000" cy="2077899"/>
-          </a:xfrm>
-          <a:prstGeom prst="rect">
-            <a:avLst/>
-          </a:prstGeom>
-        </p:spPr>
-      </p:pic>
-      <p:sp>
-        <p:nvSpPr>
-          <p:cNvPr id="9" name="Tijdelijke aanduiding voor inhoud 8">
-            <a:extLst>
-              <a:ext uri="{FF2B5EF4-FFF2-40B4-BE49-F238E27FC236}">
-                <a16:creationId xmlns:a16="http://schemas.microsoft.com/office/drawing/2014/main" id="{4972E01C-50C3-2619-3585-3F4047544322}"/>
-              </a:ext>
-            </a:extLst>
-          </p:cNvPr>
-          <p:cNvSpPr>
-            <a:spLocks noGrp="1"/>
-          </p:cNvSpPr>
-          <p:nvPr>
-            <p:ph idx="1"/>
-          </p:nvPr>
-        </p:nvSpPr>
-        <p:spPr/>
-        <p:txBody>
-          <a:bodyPr/>
-          <a:lstStyle/>
-          <a:p>
-            <a:endParaRPr lang="nl-BE" dirty="0"/>
-          </a:p>
-        </p:txBody>
-      </p:sp>
-    </p:spTree>
-    <p:extLst>
-      <p:ext uri="{BB962C8B-B14F-4D97-AF65-F5344CB8AC3E}">
-        <p14:creationId xmlns:p14="http://schemas.microsoft.com/office/powerpoint/2010/main" val="3682874289"/>
-      </p:ext>
-    </p:extLst>
-  </p:cSld>
-  <p:clrMapOvr>
-    <a:masterClrMapping/>
-  </p:clrMapOvr>
-</p:sld>
-</file>
-
 <file path=ppt/theme/theme1.xml><?xml version="1.0" encoding="utf-8"?>
 <a:theme xmlns:a="http://schemas.openxmlformats.org/drawingml/2006/main" name="Kantoorthema">
   <a:themeElements>
